--- a/DIA01/Práticas DevOps com Docker e Monitoramento do Ambiente Dia 01 Docker.pptx
+++ b/DIA01/Práticas DevOps com Docker e Monitoramento do Ambiente Dia 01 Docker.pptx
@@ -1,30 +1,30 @@
 
 <file path=ppt/presentation.xml><?xml version="1.0" encoding="utf-8"?>
-<p:presentation xmlns:a="http://schemas.openxmlformats.org/drawingml/2006/main" xmlns:r="http://schemas.openxmlformats.org/officeDocument/2006/relationships" xmlns:mc="http://schemas.openxmlformats.org/markup-compatibility/2006" xmlns:mv="urn:schemas-microsoft-com:mac:vml" xmlns:p="http://schemas.openxmlformats.org/presentationml/2006/main" xmlns:c="http://schemas.openxmlformats.org/drawingml/2006/chart" xmlns:dgm="http://schemas.openxmlformats.org/drawingml/2006/diagram" xmlns:o="urn:schemas-microsoft-com:office:office" xmlns:v="urn:schemas-microsoft-com:vml" xmlns:pvml="urn:schemas-microsoft-com:office:powerpoint" xmlns:com="http://schemas.openxmlformats.org/drawingml/2006/compatibility" xmlns:p14="http://schemas.microsoft.com/office/powerpoint/2010/main" xmlns:p15="http://schemas.microsoft.com/office/powerpoint/2012/main" xmlns:ahyp="http://schemas.microsoft.com/office/drawing/2018/hyperlinkcolor" autoCompressPictures="0" strictFirstAndLastChars="0" saveSubsetFonts="1">
+<p:presentation xmlns:a="http://schemas.openxmlformats.org/drawingml/2006/main" xmlns:r="http://schemas.openxmlformats.org/officeDocument/2006/relationships" xmlns:p="http://schemas.openxmlformats.org/presentationml/2006/main" strictFirstAndLastChars="0" saveSubsetFonts="1" autoCompressPictures="0">
   <p:sldMasterIdLst>
-    <p:sldMasterId id="2147483648" r:id="rId4"/>
+    <p:sldMasterId id="2147483648" r:id="rId1"/>
   </p:sldMasterIdLst>
   <p:notesMasterIdLst>
-    <p:notesMasterId r:id="rId5"/>
+    <p:notesMasterId r:id="rId14"/>
   </p:notesMasterIdLst>
   <p:sldIdLst>
-    <p:sldId id="256" r:id="rId6"/>
-    <p:sldId id="257" r:id="rId7"/>
-    <p:sldId id="258" r:id="rId8"/>
-    <p:sldId id="259" r:id="rId9"/>
-    <p:sldId id="260" r:id="rId10"/>
-    <p:sldId id="261" r:id="rId11"/>
-    <p:sldId id="262" r:id="rId12"/>
-    <p:sldId id="263" r:id="rId13"/>
-    <p:sldId id="264" r:id="rId14"/>
-    <p:sldId id="265" r:id="rId15"/>
-    <p:sldId id="266" r:id="rId16"/>
-    <p:sldId id="267" r:id="rId17"/>
+    <p:sldId id="256" r:id="rId2"/>
+    <p:sldId id="257" r:id="rId3"/>
+    <p:sldId id="258" r:id="rId4"/>
+    <p:sldId id="259" r:id="rId5"/>
+    <p:sldId id="260" r:id="rId6"/>
+    <p:sldId id="261" r:id="rId7"/>
+    <p:sldId id="262" r:id="rId8"/>
+    <p:sldId id="263" r:id="rId9"/>
+    <p:sldId id="264" r:id="rId10"/>
+    <p:sldId id="265" r:id="rId11"/>
+    <p:sldId id="266" r:id="rId12"/>
+    <p:sldId id="267" r:id="rId13"/>
   </p:sldIdLst>
-  <p:sldSz cy="5143500" cx="9144000"/>
+  <p:sldSz cx="9144000" cy="5143500" type="screen16x9"/>
   <p:notesSz cx="6858000" cy="9144000"/>
   <p:defaultTextStyle>
-    <a:defPPr lvl="0" marR="0" rtl="0" algn="l">
+    <a:defPPr marR="0" lvl="0" algn="l" rtl="0">
       <a:lnSpc>
         <a:spcPct val="100000"/>
       </a:lnSpc>
@@ -35,7 +35,7 @@
         <a:spcPts val="0"/>
       </a:spcAft>
     </a:defPPr>
-    <a:lvl1pPr lvl="0" marR="0" rtl="0" algn="l">
+    <a:lvl1pPr marR="0" lvl="0" algn="l" rtl="0">
       <a:lnSpc>
         <a:spcPct val="100000"/>
       </a:lnSpc>
@@ -49,7 +49,7 @@
         <a:srgbClr val="000000"/>
       </a:buClr>
       <a:buFont typeface="Arial"/>
-      <a:defRPr b="0" i="0" sz="1400" u="none" cap="none" strike="noStrike">
+      <a:defRPr sz="1400" b="0" i="0" u="none" strike="noStrike" cap="none">
         <a:solidFill>
           <a:srgbClr val="000000"/>
         </a:solidFill>
@@ -59,7 +59,7 @@
         <a:sym typeface="Arial"/>
       </a:defRPr>
     </a:lvl1pPr>
-    <a:lvl2pPr lvl="1" marR="0" rtl="0" algn="l">
+    <a:lvl2pPr marR="0" lvl="1" algn="l" rtl="0">
       <a:lnSpc>
         <a:spcPct val="100000"/>
       </a:lnSpc>
@@ -73,7 +73,7 @@
         <a:srgbClr val="000000"/>
       </a:buClr>
       <a:buFont typeface="Arial"/>
-      <a:defRPr b="0" i="0" sz="1400" u="none" cap="none" strike="noStrike">
+      <a:defRPr sz="1400" b="0" i="0" u="none" strike="noStrike" cap="none">
         <a:solidFill>
           <a:srgbClr val="000000"/>
         </a:solidFill>
@@ -83,7 +83,7 @@
         <a:sym typeface="Arial"/>
       </a:defRPr>
     </a:lvl2pPr>
-    <a:lvl3pPr lvl="2" marR="0" rtl="0" algn="l">
+    <a:lvl3pPr marR="0" lvl="2" algn="l" rtl="0">
       <a:lnSpc>
         <a:spcPct val="100000"/>
       </a:lnSpc>
@@ -97,7 +97,7 @@
         <a:srgbClr val="000000"/>
       </a:buClr>
       <a:buFont typeface="Arial"/>
-      <a:defRPr b="0" i="0" sz="1400" u="none" cap="none" strike="noStrike">
+      <a:defRPr sz="1400" b="0" i="0" u="none" strike="noStrike" cap="none">
         <a:solidFill>
           <a:srgbClr val="000000"/>
         </a:solidFill>
@@ -107,7 +107,7 @@
         <a:sym typeface="Arial"/>
       </a:defRPr>
     </a:lvl3pPr>
-    <a:lvl4pPr lvl="3" marR="0" rtl="0" algn="l">
+    <a:lvl4pPr marR="0" lvl="3" algn="l" rtl="0">
       <a:lnSpc>
         <a:spcPct val="100000"/>
       </a:lnSpc>
@@ -121,7 +121,7 @@
         <a:srgbClr val="000000"/>
       </a:buClr>
       <a:buFont typeface="Arial"/>
-      <a:defRPr b="0" i="0" sz="1400" u="none" cap="none" strike="noStrike">
+      <a:defRPr sz="1400" b="0" i="0" u="none" strike="noStrike" cap="none">
         <a:solidFill>
           <a:srgbClr val="000000"/>
         </a:solidFill>
@@ -131,7 +131,7 @@
         <a:sym typeface="Arial"/>
       </a:defRPr>
     </a:lvl4pPr>
-    <a:lvl5pPr lvl="4" marR="0" rtl="0" algn="l">
+    <a:lvl5pPr marR="0" lvl="4" algn="l" rtl="0">
       <a:lnSpc>
         <a:spcPct val="100000"/>
       </a:lnSpc>
@@ -145,7 +145,7 @@
         <a:srgbClr val="000000"/>
       </a:buClr>
       <a:buFont typeface="Arial"/>
-      <a:defRPr b="0" i="0" sz="1400" u="none" cap="none" strike="noStrike">
+      <a:defRPr sz="1400" b="0" i="0" u="none" strike="noStrike" cap="none">
         <a:solidFill>
           <a:srgbClr val="000000"/>
         </a:solidFill>
@@ -155,7 +155,7 @@
         <a:sym typeface="Arial"/>
       </a:defRPr>
     </a:lvl5pPr>
-    <a:lvl6pPr lvl="5" marR="0" rtl="0" algn="l">
+    <a:lvl6pPr marR="0" lvl="5" algn="l" rtl="0">
       <a:lnSpc>
         <a:spcPct val="100000"/>
       </a:lnSpc>
@@ -169,7 +169,7 @@
         <a:srgbClr val="000000"/>
       </a:buClr>
       <a:buFont typeface="Arial"/>
-      <a:defRPr b="0" i="0" sz="1400" u="none" cap="none" strike="noStrike">
+      <a:defRPr sz="1400" b="0" i="0" u="none" strike="noStrike" cap="none">
         <a:solidFill>
           <a:srgbClr val="000000"/>
         </a:solidFill>
@@ -179,7 +179,7 @@
         <a:sym typeface="Arial"/>
       </a:defRPr>
     </a:lvl6pPr>
-    <a:lvl7pPr lvl="6" marR="0" rtl="0" algn="l">
+    <a:lvl7pPr marR="0" lvl="6" algn="l" rtl="0">
       <a:lnSpc>
         <a:spcPct val="100000"/>
       </a:lnSpc>
@@ -193,7 +193,7 @@
         <a:srgbClr val="000000"/>
       </a:buClr>
       <a:buFont typeface="Arial"/>
-      <a:defRPr b="0" i="0" sz="1400" u="none" cap="none" strike="noStrike">
+      <a:defRPr sz="1400" b="0" i="0" u="none" strike="noStrike" cap="none">
         <a:solidFill>
           <a:srgbClr val="000000"/>
         </a:solidFill>
@@ -203,7 +203,7 @@
         <a:sym typeface="Arial"/>
       </a:defRPr>
     </a:lvl7pPr>
-    <a:lvl8pPr lvl="7" marR="0" rtl="0" algn="l">
+    <a:lvl8pPr marR="0" lvl="7" algn="l" rtl="0">
       <a:lnSpc>
         <a:spcPct val="100000"/>
       </a:lnSpc>
@@ -217,7 +217,7 @@
         <a:srgbClr val="000000"/>
       </a:buClr>
       <a:buFont typeface="Arial"/>
-      <a:defRPr b="0" i="0" sz="1400" u="none" cap="none" strike="noStrike">
+      <a:defRPr sz="1400" b="0" i="0" u="none" strike="noStrike" cap="none">
         <a:solidFill>
           <a:srgbClr val="000000"/>
         </a:solidFill>
@@ -227,7 +227,7 @@
         <a:sym typeface="Arial"/>
       </a:defRPr>
     </a:lvl8pPr>
-    <a:lvl9pPr lvl="8" marR="0" rtl="0" algn="l">
+    <a:lvl9pPr marR="0" lvl="8" algn="l" rtl="0">
       <a:lnSpc>
         <a:spcPct val="100000"/>
       </a:lnSpc>
@@ -241,7 +241,7 @@
         <a:srgbClr val="000000"/>
       </a:buClr>
       <a:buFont typeface="Arial"/>
-      <a:defRPr b="0" i="0" sz="1400" u="none" cap="none" strike="noStrike">
+      <a:defRPr sz="1400" b="0" i="0" u="none" strike="noStrike" cap="none">
         <a:solidFill>
           <a:srgbClr val="000000"/>
         </a:solidFill>
@@ -254,7 +254,7 @@
   </p:defaultTextStyle>
   <p:extLst>
     <p:ext uri="{EFAFB233-063F-42B5-8137-9DF3F51BA10A}">
-      <p15:sldGuideLst>
+      <p15:sldGuideLst xmlns:p15="http://schemas.microsoft.com/office/powerpoint/2012/main">
         <p15:guide id="1" orient="horz" pos="1620">
           <p15:clr>
             <a:srgbClr val="A4A3A4"/>
@@ -268,18 +268,23 @@
       </p15:sldGuideLst>
     </p:ext>
     <p:ext uri="http://customooxmlschemas.google.com/">
-      <go:slidesCustomData xmlns:go="http://customooxmlschemas.google.com/" r:id="rId18" roundtripDataSignature="AMtx7miRQzgmludsGNeBm1y5IoXnDzN1Bg=="/>
+      <go:slidesCustomData xmlns:go="http://customooxmlschemas.google.com/" xmlns:ahyp="http://schemas.microsoft.com/office/drawing/2018/hyperlinkcolor" xmlns:p15="http://schemas.microsoft.com/office/powerpoint/2012/main" xmlns:p14="http://schemas.microsoft.com/office/powerpoint/2010/main" xmlns:com="http://schemas.openxmlformats.org/drawingml/2006/compatibility" xmlns:pvml="urn:schemas-microsoft-com:office:powerpoint" xmlns:v="urn:schemas-microsoft-com:vml" xmlns:o="urn:schemas-microsoft-com:office:office" xmlns:dgm="http://schemas.openxmlformats.org/drawingml/2006/diagram" xmlns:c="http://schemas.openxmlformats.org/drawingml/2006/chart" xmlns:mv="urn:schemas-microsoft-com:mac:vml" xmlns:mc="http://schemas.openxmlformats.org/markup-compatibility/2006" xmlns="" r:id="rId18" roundtripDataSignature="AMtx7miRQzgmludsGNeBm1y5IoXnDzN1Bg=="/>
     </p:ext>
   </p:extLst>
 </p:presentation>
 </file>
 
 <file path=ppt/notesMasters/notesMaster1.xml><?xml version="1.0" encoding="utf-8"?>
-<p:notesMaster xmlns:a="http://schemas.openxmlformats.org/drawingml/2006/main" xmlns:r="http://schemas.openxmlformats.org/officeDocument/2006/relationships" xmlns:mc="http://schemas.openxmlformats.org/markup-compatibility/2006" xmlns:mv="urn:schemas-microsoft-com:mac:vml" xmlns:p="http://schemas.openxmlformats.org/presentationml/2006/main" xmlns:c="http://schemas.openxmlformats.org/drawingml/2006/chart" xmlns:dgm="http://schemas.openxmlformats.org/drawingml/2006/diagram" xmlns:o="urn:schemas-microsoft-com:office:office" xmlns:v="urn:schemas-microsoft-com:vml" xmlns:pvml="urn:schemas-microsoft-com:office:powerpoint" xmlns:com="http://schemas.openxmlformats.org/drawingml/2006/compatibility" xmlns:p14="http://schemas.microsoft.com/office/powerpoint/2010/main" xmlns:p15="http://schemas.microsoft.com/office/powerpoint/2012/main" xmlns:ahyp="http://schemas.microsoft.com/office/drawing/2018/hyperlinkcolor">
+<p:notesMaster xmlns:a="http://schemas.openxmlformats.org/drawingml/2006/main" xmlns:r="http://schemas.openxmlformats.org/officeDocument/2006/relationships" xmlns:p="http://schemas.openxmlformats.org/presentationml/2006/main">
   <p:cSld>
+    <p:bg>
+      <p:bgRef idx="1001">
+        <a:schemeClr val="bg1"/>
+      </p:bgRef>
+    </p:bg>
     <p:spTree>
       <p:nvGrpSpPr>
-        <p:cNvPr id="2" name="Shape 2"/>
+        <p:cNvPr id="1" name="Shape 2"/>
         <p:cNvGrpSpPr/>
         <p:nvPr/>
       </p:nvGrpSpPr>
@@ -294,9 +299,11 @@
       <p:sp>
         <p:nvSpPr>
           <p:cNvPr id="3" name="Google Shape;3;n"/>
-          <p:cNvSpPr/>
+          <p:cNvSpPr>
+            <a:spLocks noGrp="1" noRot="1" noChangeAspect="1"/>
+          </p:cNvSpPr>
           <p:nvPr>
-            <p:ph idx="2" type="sldImg"/>
+            <p:ph type="sldImg" idx="2"/>
           </p:nvPr>
         </p:nvSpPr>
         <p:spPr>
@@ -305,9 +312,13 @@
             <a:ext cx="6096075" cy="3429000"/>
           </a:xfrm>
           <a:custGeom>
-            <a:rect b="b" l="l" r="r" t="t"/>
+            <a:avLst/>
+            <a:gdLst/>
+            <a:ahLst/>
+            <a:cxnLst/>
+            <a:rect l="l" t="t" r="r" b="b"/>
             <a:pathLst>
-              <a:path extrusionOk="0" h="120000" w="120000">
+              <a:path w="120000" h="120000" extrusionOk="0">
                 <a:moveTo>
                   <a:pt x="0" y="0"/>
                 </a:moveTo>
@@ -325,23 +336,25 @@
             </a:pathLst>
           </a:custGeom>
           <a:noFill/>
-          <a:ln cap="flat" cmpd="sng" w="9525">
+          <a:ln w="9525" cap="flat" cmpd="sng">
             <a:solidFill>
               <a:srgbClr val="000000"/>
             </a:solidFill>
             <a:prstDash val="solid"/>
             <a:round/>
-            <a:headEnd len="sm" w="sm" type="none"/>
-            <a:tailEnd len="sm" w="sm" type="none"/>
+            <a:headEnd type="none" w="sm" len="sm"/>
+            <a:tailEnd type="none" w="sm" len="sm"/>
           </a:ln>
         </p:spPr>
       </p:sp>
       <p:sp>
         <p:nvSpPr>
           <p:cNvPr id="4" name="Google Shape;4;n"/>
-          <p:cNvSpPr txBox="1"/>
+          <p:cNvSpPr txBox="1">
+            <a:spLocks noGrp="1"/>
+          </p:cNvSpPr>
           <p:nvPr>
-            <p:ph idx="1" type="body"/>
+            <p:ph type="body" idx="1"/>
           </p:nvPr>
         </p:nvSpPr>
         <p:spPr>
@@ -358,11 +371,11 @@
           </a:ln>
         </p:spPr>
         <p:txBody>
-          <a:bodyPr anchorCtr="0" anchor="t" bIns="91425" lIns="91425" spcFirstLastPara="1" rIns="91425" wrap="square" tIns="91425">
+          <a:bodyPr spcFirstLastPara="1" wrap="square" lIns="91425" tIns="91425" rIns="91425" bIns="91425" anchor="t" anchorCtr="0">
             <a:noAutofit/>
           </a:bodyPr>
           <a:lstStyle>
-            <a:lvl1pPr indent="-298450" lvl="0" marL="457200" marR="0" rtl="0" algn="l">
+            <a:lvl1pPr marL="457200" marR="0" lvl="0" indent="-298450" algn="l" rtl="0">
               <a:lnSpc>
                 <a:spcPct val="100000"/>
               </a:lnSpc>
@@ -378,7 +391,7 @@
               <a:buSzPts val="1100"/>
               <a:buFont typeface="Arial"/>
               <a:buChar char="●"/>
-              <a:defRPr b="0" i="0" sz="1100" u="none" cap="none" strike="noStrike">
+              <a:defRPr sz="1100" b="0" i="0" u="none" strike="noStrike" cap="none">
                 <a:solidFill>
                   <a:srgbClr val="000000"/>
                 </a:solidFill>
@@ -388,7 +401,7 @@
                 <a:sym typeface="Arial"/>
               </a:defRPr>
             </a:lvl1pPr>
-            <a:lvl2pPr indent="-298450" lvl="1" marL="914400" marR="0" rtl="0" algn="l">
+            <a:lvl2pPr marL="914400" marR="0" lvl="1" indent="-298450" algn="l" rtl="0">
               <a:lnSpc>
                 <a:spcPct val="100000"/>
               </a:lnSpc>
@@ -404,7 +417,7 @@
               <a:buSzPts val="1100"/>
               <a:buFont typeface="Arial"/>
               <a:buChar char="○"/>
-              <a:defRPr b="0" i="0" sz="1100" u="none" cap="none" strike="noStrike">
+              <a:defRPr sz="1100" b="0" i="0" u="none" strike="noStrike" cap="none">
                 <a:solidFill>
                   <a:srgbClr val="000000"/>
                 </a:solidFill>
@@ -414,7 +427,7 @@
                 <a:sym typeface="Arial"/>
               </a:defRPr>
             </a:lvl2pPr>
-            <a:lvl3pPr indent="-298450" lvl="2" marL="1371600" marR="0" rtl="0" algn="l">
+            <a:lvl3pPr marL="1371600" marR="0" lvl="2" indent="-298450" algn="l" rtl="0">
               <a:lnSpc>
                 <a:spcPct val="100000"/>
               </a:lnSpc>
@@ -430,7 +443,7 @@
               <a:buSzPts val="1100"/>
               <a:buFont typeface="Arial"/>
               <a:buChar char="■"/>
-              <a:defRPr b="0" i="0" sz="1100" u="none" cap="none" strike="noStrike">
+              <a:defRPr sz="1100" b="0" i="0" u="none" strike="noStrike" cap="none">
                 <a:solidFill>
                   <a:srgbClr val="000000"/>
                 </a:solidFill>
@@ -440,7 +453,7 @@
                 <a:sym typeface="Arial"/>
               </a:defRPr>
             </a:lvl3pPr>
-            <a:lvl4pPr indent="-298450" lvl="3" marL="1828800" marR="0" rtl="0" algn="l">
+            <a:lvl4pPr marL="1828800" marR="0" lvl="3" indent="-298450" algn="l" rtl="0">
               <a:lnSpc>
                 <a:spcPct val="100000"/>
               </a:lnSpc>
@@ -456,7 +469,7 @@
               <a:buSzPts val="1100"/>
               <a:buFont typeface="Arial"/>
               <a:buChar char="●"/>
-              <a:defRPr b="0" i="0" sz="1100" u="none" cap="none" strike="noStrike">
+              <a:defRPr sz="1100" b="0" i="0" u="none" strike="noStrike" cap="none">
                 <a:solidFill>
                   <a:srgbClr val="000000"/>
                 </a:solidFill>
@@ -466,7 +479,7 @@
                 <a:sym typeface="Arial"/>
               </a:defRPr>
             </a:lvl4pPr>
-            <a:lvl5pPr indent="-298450" lvl="4" marL="2286000" marR="0" rtl="0" algn="l">
+            <a:lvl5pPr marL="2286000" marR="0" lvl="4" indent="-298450" algn="l" rtl="0">
               <a:lnSpc>
                 <a:spcPct val="100000"/>
               </a:lnSpc>
@@ -482,7 +495,7 @@
               <a:buSzPts val="1100"/>
               <a:buFont typeface="Arial"/>
               <a:buChar char="○"/>
-              <a:defRPr b="0" i="0" sz="1100" u="none" cap="none" strike="noStrike">
+              <a:defRPr sz="1100" b="0" i="0" u="none" strike="noStrike" cap="none">
                 <a:solidFill>
                   <a:srgbClr val="000000"/>
                 </a:solidFill>
@@ -492,7 +505,7 @@
                 <a:sym typeface="Arial"/>
               </a:defRPr>
             </a:lvl5pPr>
-            <a:lvl6pPr indent="-298450" lvl="5" marL="2743200" marR="0" rtl="0" algn="l">
+            <a:lvl6pPr marL="2743200" marR="0" lvl="5" indent="-298450" algn="l" rtl="0">
               <a:lnSpc>
                 <a:spcPct val="100000"/>
               </a:lnSpc>
@@ -508,7 +521,7 @@
               <a:buSzPts val="1100"/>
               <a:buFont typeface="Arial"/>
               <a:buChar char="■"/>
-              <a:defRPr b="0" i="0" sz="1100" u="none" cap="none" strike="noStrike">
+              <a:defRPr sz="1100" b="0" i="0" u="none" strike="noStrike" cap="none">
                 <a:solidFill>
                   <a:srgbClr val="000000"/>
                 </a:solidFill>
@@ -518,7 +531,7 @@
                 <a:sym typeface="Arial"/>
               </a:defRPr>
             </a:lvl6pPr>
-            <a:lvl7pPr indent="-298450" lvl="6" marL="3200400" marR="0" rtl="0" algn="l">
+            <a:lvl7pPr marL="3200400" marR="0" lvl="6" indent="-298450" algn="l" rtl="0">
               <a:lnSpc>
                 <a:spcPct val="100000"/>
               </a:lnSpc>
@@ -534,7 +547,7 @@
               <a:buSzPts val="1100"/>
               <a:buFont typeface="Arial"/>
               <a:buChar char="●"/>
-              <a:defRPr b="0" i="0" sz="1100" u="none" cap="none" strike="noStrike">
+              <a:defRPr sz="1100" b="0" i="0" u="none" strike="noStrike" cap="none">
                 <a:solidFill>
                   <a:srgbClr val="000000"/>
                 </a:solidFill>
@@ -544,7 +557,7 @@
                 <a:sym typeface="Arial"/>
               </a:defRPr>
             </a:lvl7pPr>
-            <a:lvl8pPr indent="-298450" lvl="7" marL="3657600" marR="0" rtl="0" algn="l">
+            <a:lvl8pPr marL="3657600" marR="0" lvl="7" indent="-298450" algn="l" rtl="0">
               <a:lnSpc>
                 <a:spcPct val="100000"/>
               </a:lnSpc>
@@ -560,7 +573,7 @@
               <a:buSzPts val="1100"/>
               <a:buFont typeface="Arial"/>
               <a:buChar char="○"/>
-              <a:defRPr b="0" i="0" sz="1100" u="none" cap="none" strike="noStrike">
+              <a:defRPr sz="1100" b="0" i="0" u="none" strike="noStrike" cap="none">
                 <a:solidFill>
                   <a:srgbClr val="000000"/>
                 </a:solidFill>
@@ -570,7 +583,7 @@
                 <a:sym typeface="Arial"/>
               </a:defRPr>
             </a:lvl8pPr>
-            <a:lvl9pPr indent="-298450" lvl="8" marL="4114800" marR="0" rtl="0" algn="l">
+            <a:lvl9pPr marL="4114800" marR="0" lvl="8" indent="-298450" algn="l" rtl="0">
               <a:lnSpc>
                 <a:spcPct val="100000"/>
               </a:lnSpc>
@@ -586,7 +599,7 @@
               <a:buSzPts val="1100"/>
               <a:buFont typeface="Arial"/>
               <a:buChar char="■"/>
-              <a:defRPr b="0" i="0" sz="1100" u="none" cap="none" strike="noStrike">
+              <a:defRPr sz="1100" b="0" i="0" u="none" strike="noStrike" cap="none">
                 <a:solidFill>
                   <a:srgbClr val="000000"/>
                 </a:solidFill>
@@ -597,14 +610,16 @@
               </a:defRPr>
             </a:lvl9pPr>
           </a:lstStyle>
-          <a:p/>
+          <a:p>
+            <a:endParaRPr/>
+          </a:p>
         </p:txBody>
       </p:sp>
     </p:spTree>
   </p:cSld>
-  <p:clrMap accent1="accent1" accent2="accent2" accent3="accent3" accent4="accent4" accent5="accent5" accent6="accent6" bg1="lt1" bg2="dk2" tx1="dk1" tx2="lt2" folHlink="folHlink" hlink="hlink"/>
+  <p:clrMap bg1="lt1" tx1="dk1" bg2="dk2" tx2="lt2" accent1="accent1" accent2="accent2" accent3="accent3" accent4="accent4" accent5="accent5" accent6="accent6" hlink="hlink" folHlink="folHlink"/>
   <p:notesStyle>
-    <a:defPPr lvl="0" marR="0" rtl="0" algn="l">
+    <a:defPPr marR="0" lvl="0" algn="l" rtl="0">
       <a:lnSpc>
         <a:spcPct val="100000"/>
       </a:lnSpc>
@@ -615,7 +630,7 @@
         <a:spcPts val="0"/>
       </a:spcAft>
     </a:defPPr>
-    <a:lvl1pPr lvl="0" marR="0" rtl="0" algn="l">
+    <a:lvl1pPr marR="0" lvl="0" algn="l" rtl="0">
       <a:lnSpc>
         <a:spcPct val="100000"/>
       </a:lnSpc>
@@ -629,7 +644,7 @@
         <a:srgbClr val="000000"/>
       </a:buClr>
       <a:buFont typeface="Arial"/>
-      <a:defRPr b="0" i="0" sz="1400" u="none" cap="none" strike="noStrike">
+      <a:defRPr sz="1400" b="0" i="0" u="none" strike="noStrike" cap="none">
         <a:solidFill>
           <a:srgbClr val="000000"/>
         </a:solidFill>
@@ -639,7 +654,7 @@
         <a:sym typeface="Arial"/>
       </a:defRPr>
     </a:lvl1pPr>
-    <a:lvl2pPr lvl="1" marR="0" rtl="0" algn="l">
+    <a:lvl2pPr marR="0" lvl="1" algn="l" rtl="0">
       <a:lnSpc>
         <a:spcPct val="100000"/>
       </a:lnSpc>
@@ -653,7 +668,7 @@
         <a:srgbClr val="000000"/>
       </a:buClr>
       <a:buFont typeface="Arial"/>
-      <a:defRPr b="0" i="0" sz="1400" u="none" cap="none" strike="noStrike">
+      <a:defRPr sz="1400" b="0" i="0" u="none" strike="noStrike" cap="none">
         <a:solidFill>
           <a:srgbClr val="000000"/>
         </a:solidFill>
@@ -663,7 +678,7 @@
         <a:sym typeface="Arial"/>
       </a:defRPr>
     </a:lvl2pPr>
-    <a:lvl3pPr lvl="2" marR="0" rtl="0" algn="l">
+    <a:lvl3pPr marR="0" lvl="2" algn="l" rtl="0">
       <a:lnSpc>
         <a:spcPct val="100000"/>
       </a:lnSpc>
@@ -677,7 +692,7 @@
         <a:srgbClr val="000000"/>
       </a:buClr>
       <a:buFont typeface="Arial"/>
-      <a:defRPr b="0" i="0" sz="1400" u="none" cap="none" strike="noStrike">
+      <a:defRPr sz="1400" b="0" i="0" u="none" strike="noStrike" cap="none">
         <a:solidFill>
           <a:srgbClr val="000000"/>
         </a:solidFill>
@@ -687,7 +702,7 @@
         <a:sym typeface="Arial"/>
       </a:defRPr>
     </a:lvl3pPr>
-    <a:lvl4pPr lvl="3" marR="0" rtl="0" algn="l">
+    <a:lvl4pPr marR="0" lvl="3" algn="l" rtl="0">
       <a:lnSpc>
         <a:spcPct val="100000"/>
       </a:lnSpc>
@@ -701,7 +716,7 @@
         <a:srgbClr val="000000"/>
       </a:buClr>
       <a:buFont typeface="Arial"/>
-      <a:defRPr b="0" i="0" sz="1400" u="none" cap="none" strike="noStrike">
+      <a:defRPr sz="1400" b="0" i="0" u="none" strike="noStrike" cap="none">
         <a:solidFill>
           <a:srgbClr val="000000"/>
         </a:solidFill>
@@ -711,7 +726,7 @@
         <a:sym typeface="Arial"/>
       </a:defRPr>
     </a:lvl4pPr>
-    <a:lvl5pPr lvl="4" marR="0" rtl="0" algn="l">
+    <a:lvl5pPr marR="0" lvl="4" algn="l" rtl="0">
       <a:lnSpc>
         <a:spcPct val="100000"/>
       </a:lnSpc>
@@ -725,7 +740,7 @@
         <a:srgbClr val="000000"/>
       </a:buClr>
       <a:buFont typeface="Arial"/>
-      <a:defRPr b="0" i="0" sz="1400" u="none" cap="none" strike="noStrike">
+      <a:defRPr sz="1400" b="0" i="0" u="none" strike="noStrike" cap="none">
         <a:solidFill>
           <a:srgbClr val="000000"/>
         </a:solidFill>
@@ -735,7 +750,7 @@
         <a:sym typeface="Arial"/>
       </a:defRPr>
     </a:lvl5pPr>
-    <a:lvl6pPr lvl="5" marR="0" rtl="0" algn="l">
+    <a:lvl6pPr marR="0" lvl="5" algn="l" rtl="0">
       <a:lnSpc>
         <a:spcPct val="100000"/>
       </a:lnSpc>
@@ -749,7 +764,7 @@
         <a:srgbClr val="000000"/>
       </a:buClr>
       <a:buFont typeface="Arial"/>
-      <a:defRPr b="0" i="0" sz="1400" u="none" cap="none" strike="noStrike">
+      <a:defRPr sz="1400" b="0" i="0" u="none" strike="noStrike" cap="none">
         <a:solidFill>
           <a:srgbClr val="000000"/>
         </a:solidFill>
@@ -759,7 +774,7 @@
         <a:sym typeface="Arial"/>
       </a:defRPr>
     </a:lvl6pPr>
-    <a:lvl7pPr lvl="6" marR="0" rtl="0" algn="l">
+    <a:lvl7pPr marR="0" lvl="6" algn="l" rtl="0">
       <a:lnSpc>
         <a:spcPct val="100000"/>
       </a:lnSpc>
@@ -773,7 +788,7 @@
         <a:srgbClr val="000000"/>
       </a:buClr>
       <a:buFont typeface="Arial"/>
-      <a:defRPr b="0" i="0" sz="1400" u="none" cap="none" strike="noStrike">
+      <a:defRPr sz="1400" b="0" i="0" u="none" strike="noStrike" cap="none">
         <a:solidFill>
           <a:srgbClr val="000000"/>
         </a:solidFill>
@@ -783,7 +798,7 @@
         <a:sym typeface="Arial"/>
       </a:defRPr>
     </a:lvl7pPr>
-    <a:lvl8pPr lvl="7" marR="0" rtl="0" algn="l">
+    <a:lvl8pPr marR="0" lvl="7" algn="l" rtl="0">
       <a:lnSpc>
         <a:spcPct val="100000"/>
       </a:lnSpc>
@@ -797,7 +812,7 @@
         <a:srgbClr val="000000"/>
       </a:buClr>
       <a:buFont typeface="Arial"/>
-      <a:defRPr b="0" i="0" sz="1400" u="none" cap="none" strike="noStrike">
+      <a:defRPr sz="1400" b="0" i="0" u="none" strike="noStrike" cap="none">
         <a:solidFill>
           <a:srgbClr val="000000"/>
         </a:solidFill>
@@ -807,7 +822,7 @@
         <a:sym typeface="Arial"/>
       </a:defRPr>
     </a:lvl8pPr>
-    <a:lvl9pPr lvl="8" marR="0" rtl="0" algn="l">
+    <a:lvl9pPr marR="0" lvl="8" algn="l" rtl="0">
       <a:lnSpc>
         <a:spcPct val="100000"/>
       </a:lnSpc>
@@ -821,7 +836,7 @@
         <a:srgbClr val="000000"/>
       </a:buClr>
       <a:buFont typeface="Arial"/>
-      <a:defRPr b="0" i="0" sz="1400" u="none" cap="none" strike="noStrike">
+      <a:defRPr sz="1400" b="0" i="0" u="none" strike="noStrike" cap="none">
         <a:solidFill>
           <a:srgbClr val="000000"/>
         </a:solidFill>
@@ -836,11 +851,11 @@
 </file>
 
 <file path=ppt/notesSlides/notesSlide1.xml><?xml version="1.0" encoding="utf-8"?>
-<p:notes xmlns:a="http://schemas.openxmlformats.org/drawingml/2006/main" xmlns:r="http://schemas.openxmlformats.org/officeDocument/2006/relationships" xmlns:mc="http://schemas.openxmlformats.org/markup-compatibility/2006" xmlns:mv="urn:schemas-microsoft-com:mac:vml" xmlns:p="http://schemas.openxmlformats.org/presentationml/2006/main" xmlns:c="http://schemas.openxmlformats.org/drawingml/2006/chart" xmlns:dgm="http://schemas.openxmlformats.org/drawingml/2006/diagram" xmlns:o="urn:schemas-microsoft-com:office:office" xmlns:v="urn:schemas-microsoft-com:vml" xmlns:pvml="urn:schemas-microsoft-com:office:powerpoint" xmlns:com="http://schemas.openxmlformats.org/drawingml/2006/compatibility" xmlns:p14="http://schemas.microsoft.com/office/powerpoint/2010/main" xmlns:p15="http://schemas.microsoft.com/office/powerpoint/2012/main" xmlns:ahyp="http://schemas.microsoft.com/office/drawing/2018/hyperlinkcolor" showMasterPhAnim="0" showMasterSp="0">
+<p:notes xmlns:a="http://schemas.openxmlformats.org/drawingml/2006/main" xmlns:r="http://schemas.openxmlformats.org/officeDocument/2006/relationships" xmlns:p="http://schemas.openxmlformats.org/presentationml/2006/main" showMasterSp="0" showMasterPhAnim="0">
   <p:cSld>
     <p:spTree>
       <p:nvGrpSpPr>
-        <p:cNvPr id="50" name="Shape 50"/>
+        <p:cNvPr id="1" name="Shape 50"/>
         <p:cNvGrpSpPr/>
         <p:nvPr/>
       </p:nvGrpSpPr>
@@ -855,20 +870,26 @@
       <p:sp>
         <p:nvSpPr>
           <p:cNvPr id="51" name="Google Shape;51;p1:notes"/>
-          <p:cNvSpPr/>
+          <p:cNvSpPr>
+            <a:spLocks noGrp="1" noRot="1" noChangeAspect="1"/>
+          </p:cNvSpPr>
           <p:nvPr>
-            <p:ph idx="2" type="sldImg"/>
+            <p:ph type="sldImg" idx="2"/>
           </p:nvPr>
         </p:nvSpPr>
         <p:spPr>
           <a:xfrm>
-            <a:off x="381300" y="685800"/>
-            <a:ext cx="6096075" cy="3429000"/>
+            <a:off x="381000" y="685800"/>
+            <a:ext cx="6096000" cy="3429000"/>
           </a:xfrm>
           <a:custGeom>
-            <a:rect b="b" l="l" r="r" t="t"/>
+            <a:avLst/>
+            <a:gdLst/>
+            <a:ahLst/>
+            <a:cxnLst/>
+            <a:rect l="l" t="t" r="r" b="b"/>
             <a:pathLst>
-              <a:path extrusionOk="0" h="120000" w="120000">
+              <a:path w="120000" h="120000" extrusionOk="0">
                 <a:moveTo>
                   <a:pt x="0" y="0"/>
                 </a:moveTo>
@@ -886,23 +907,25 @@
             </a:pathLst>
           </a:custGeom>
           <a:noFill/>
-          <a:ln cap="flat" cmpd="sng" w="9525">
+          <a:ln w="9525" cap="flat" cmpd="sng">
             <a:solidFill>
               <a:srgbClr val="000000"/>
             </a:solidFill>
             <a:prstDash val="solid"/>
             <a:round/>
-            <a:headEnd len="sm" w="sm" type="none"/>
-            <a:tailEnd len="sm" w="sm" type="none"/>
+            <a:headEnd type="none" w="sm" len="sm"/>
+            <a:tailEnd type="none" w="sm" len="sm"/>
           </a:ln>
         </p:spPr>
       </p:sp>
       <p:sp>
         <p:nvSpPr>
           <p:cNvPr id="52" name="Google Shape;52;p1:notes"/>
-          <p:cNvSpPr txBox="1"/>
+          <p:cNvSpPr txBox="1">
+            <a:spLocks noGrp="1"/>
+          </p:cNvSpPr>
           <p:nvPr>
-            <p:ph idx="1" type="body"/>
+            <p:ph type="body" idx="1"/>
           </p:nvPr>
         </p:nvSpPr>
         <p:spPr>
@@ -919,12 +942,12 @@
           </a:ln>
         </p:spPr>
         <p:txBody>
-          <a:bodyPr anchorCtr="0" anchor="t" bIns="91425" lIns="91425" spcFirstLastPara="1" rIns="91425" wrap="square" tIns="91425">
+          <a:bodyPr spcFirstLastPara="1" wrap="square" lIns="91425" tIns="91425" rIns="91425" bIns="91425" anchor="t" anchorCtr="0">
             <a:noAutofit/>
           </a:bodyPr>
           <a:lstStyle/>
           <a:p>
-            <a:pPr indent="0" lvl="0" marL="0" rtl="0" algn="l">
+            <a:pPr marL="0" lvl="0" indent="0" algn="l" rtl="0">
               <a:lnSpc>
                 <a:spcPct val="100000"/>
               </a:lnSpc>
@@ -937,9 +960,6 @@
               <a:buSzPts val="1100"/>
               <a:buNone/>
             </a:pPr>
-            <a:r>
-              <a:t/>
-            </a:r>
             <a:endParaRPr/>
           </a:p>
         </p:txBody>
@@ -953,11 +973,11 @@
 </file>
 
 <file path=ppt/notesSlides/notesSlide10.xml><?xml version="1.0" encoding="utf-8"?>
-<p:notes xmlns:a="http://schemas.openxmlformats.org/drawingml/2006/main" xmlns:r="http://schemas.openxmlformats.org/officeDocument/2006/relationships" xmlns:mc="http://schemas.openxmlformats.org/markup-compatibility/2006" xmlns:mv="urn:schemas-microsoft-com:mac:vml" xmlns:p="http://schemas.openxmlformats.org/presentationml/2006/main" xmlns:c="http://schemas.openxmlformats.org/drawingml/2006/chart" xmlns:dgm="http://schemas.openxmlformats.org/drawingml/2006/diagram" xmlns:o="urn:schemas-microsoft-com:office:office" xmlns:v="urn:schemas-microsoft-com:vml" xmlns:pvml="urn:schemas-microsoft-com:office:powerpoint" xmlns:com="http://schemas.openxmlformats.org/drawingml/2006/compatibility" xmlns:p14="http://schemas.microsoft.com/office/powerpoint/2010/main" xmlns:p15="http://schemas.microsoft.com/office/powerpoint/2012/main" xmlns:ahyp="http://schemas.microsoft.com/office/drawing/2018/hyperlinkcolor" showMasterPhAnim="0" showMasterSp="0">
+<p:notes xmlns:a="http://schemas.openxmlformats.org/drawingml/2006/main" xmlns:r="http://schemas.openxmlformats.org/officeDocument/2006/relationships" xmlns:p="http://schemas.openxmlformats.org/presentationml/2006/main" showMasterSp="0" showMasterPhAnim="0">
   <p:cSld>
     <p:spTree>
       <p:nvGrpSpPr>
-        <p:cNvPr id="105" name="Shape 105"/>
+        <p:cNvPr id="1" name="Shape 105"/>
         <p:cNvGrpSpPr/>
         <p:nvPr/>
       </p:nvGrpSpPr>
@@ -972,9 +992,11 @@
       <p:sp>
         <p:nvSpPr>
           <p:cNvPr id="106" name="Google Shape;106;p10:notes"/>
-          <p:cNvSpPr/>
+          <p:cNvSpPr>
+            <a:spLocks noGrp="1" noRot="1" noChangeAspect="1"/>
+          </p:cNvSpPr>
           <p:nvPr>
-            <p:ph idx="2" type="sldImg"/>
+            <p:ph type="sldImg" idx="2"/>
           </p:nvPr>
         </p:nvSpPr>
         <p:spPr>
@@ -983,9 +1005,13 @@
             <a:ext cx="6096000" cy="3429000"/>
           </a:xfrm>
           <a:custGeom>
-            <a:rect b="b" l="l" r="r" t="t"/>
+            <a:avLst/>
+            <a:gdLst/>
+            <a:ahLst/>
+            <a:cxnLst/>
+            <a:rect l="l" t="t" r="r" b="b"/>
             <a:pathLst>
-              <a:path extrusionOk="0" h="120000" w="120000">
+              <a:path w="120000" h="120000" extrusionOk="0">
                 <a:moveTo>
                   <a:pt x="0" y="0"/>
                 </a:moveTo>
@@ -1003,23 +1029,25 @@
             </a:pathLst>
           </a:custGeom>
           <a:noFill/>
-          <a:ln cap="flat" cmpd="sng" w="9525">
+          <a:ln w="9525" cap="flat" cmpd="sng">
             <a:solidFill>
               <a:srgbClr val="000000"/>
             </a:solidFill>
             <a:prstDash val="solid"/>
             <a:round/>
-            <a:headEnd len="sm" w="sm" type="none"/>
-            <a:tailEnd len="sm" w="sm" type="none"/>
+            <a:headEnd type="none" w="sm" len="sm"/>
+            <a:tailEnd type="none" w="sm" len="sm"/>
           </a:ln>
         </p:spPr>
       </p:sp>
       <p:sp>
         <p:nvSpPr>
           <p:cNvPr id="107" name="Google Shape;107;p10:notes"/>
-          <p:cNvSpPr txBox="1"/>
+          <p:cNvSpPr txBox="1">
+            <a:spLocks noGrp="1"/>
+          </p:cNvSpPr>
           <p:nvPr>
-            <p:ph idx="1" type="body"/>
+            <p:ph type="body" idx="1"/>
           </p:nvPr>
         </p:nvSpPr>
         <p:spPr>
@@ -1036,12 +1064,12 @@
           </a:ln>
         </p:spPr>
         <p:txBody>
-          <a:bodyPr anchorCtr="0" anchor="t" bIns="91425" lIns="91425" spcFirstLastPara="1" rIns="91425" wrap="square" tIns="91425">
+          <a:bodyPr spcFirstLastPara="1" wrap="square" lIns="91425" tIns="91425" rIns="91425" bIns="91425" anchor="t" anchorCtr="0">
             <a:noAutofit/>
           </a:bodyPr>
           <a:lstStyle/>
           <a:p>
-            <a:pPr indent="0" lvl="0" marL="0" rtl="0" algn="l">
+            <a:pPr marL="0" lvl="0" indent="0" algn="l" rtl="0">
               <a:lnSpc>
                 <a:spcPct val="100000"/>
               </a:lnSpc>
@@ -1054,9 +1082,6 @@
               <a:buSzPts val="1100"/>
               <a:buNone/>
             </a:pPr>
-            <a:r>
-              <a:t/>
-            </a:r>
             <a:endParaRPr/>
           </a:p>
         </p:txBody>
@@ -1070,11 +1095,11 @@
 </file>
 
 <file path=ppt/notesSlides/notesSlide11.xml><?xml version="1.0" encoding="utf-8"?>
-<p:notes xmlns:a="http://schemas.openxmlformats.org/drawingml/2006/main" xmlns:r="http://schemas.openxmlformats.org/officeDocument/2006/relationships" xmlns:mc="http://schemas.openxmlformats.org/markup-compatibility/2006" xmlns:mv="urn:schemas-microsoft-com:mac:vml" xmlns:p="http://schemas.openxmlformats.org/presentationml/2006/main" xmlns:c="http://schemas.openxmlformats.org/drawingml/2006/chart" xmlns:dgm="http://schemas.openxmlformats.org/drawingml/2006/diagram" xmlns:o="urn:schemas-microsoft-com:office:office" xmlns:v="urn:schemas-microsoft-com:vml" xmlns:pvml="urn:schemas-microsoft-com:office:powerpoint" xmlns:com="http://schemas.openxmlformats.org/drawingml/2006/compatibility" xmlns:p14="http://schemas.microsoft.com/office/powerpoint/2010/main" xmlns:p15="http://schemas.microsoft.com/office/powerpoint/2012/main" xmlns:ahyp="http://schemas.microsoft.com/office/drawing/2018/hyperlinkcolor" showMasterPhAnim="0" showMasterSp="0">
+<p:notes xmlns:a="http://schemas.openxmlformats.org/drawingml/2006/main" xmlns:r="http://schemas.openxmlformats.org/officeDocument/2006/relationships" xmlns:p="http://schemas.openxmlformats.org/presentationml/2006/main" showMasterSp="0" showMasterPhAnim="0">
   <p:cSld>
     <p:spTree>
       <p:nvGrpSpPr>
-        <p:cNvPr id="111" name="Shape 111"/>
+        <p:cNvPr id="1" name="Shape 111"/>
         <p:cNvGrpSpPr/>
         <p:nvPr/>
       </p:nvGrpSpPr>
@@ -1089,9 +1114,11 @@
       <p:sp>
         <p:nvSpPr>
           <p:cNvPr id="112" name="Google Shape;112;p11:notes"/>
-          <p:cNvSpPr/>
+          <p:cNvSpPr>
+            <a:spLocks noGrp="1" noRot="1" noChangeAspect="1"/>
+          </p:cNvSpPr>
           <p:nvPr>
-            <p:ph idx="2" type="sldImg"/>
+            <p:ph type="sldImg" idx="2"/>
           </p:nvPr>
         </p:nvSpPr>
         <p:spPr>
@@ -1100,9 +1127,13 @@
             <a:ext cx="6096000" cy="3429000"/>
           </a:xfrm>
           <a:custGeom>
-            <a:rect b="b" l="l" r="r" t="t"/>
+            <a:avLst/>
+            <a:gdLst/>
+            <a:ahLst/>
+            <a:cxnLst/>
+            <a:rect l="l" t="t" r="r" b="b"/>
             <a:pathLst>
-              <a:path extrusionOk="0" h="120000" w="120000">
+              <a:path w="120000" h="120000" extrusionOk="0">
                 <a:moveTo>
                   <a:pt x="0" y="0"/>
                 </a:moveTo>
@@ -1120,23 +1151,25 @@
             </a:pathLst>
           </a:custGeom>
           <a:noFill/>
-          <a:ln cap="flat" cmpd="sng" w="9525">
+          <a:ln w="9525" cap="flat" cmpd="sng">
             <a:solidFill>
               <a:srgbClr val="000000"/>
             </a:solidFill>
             <a:prstDash val="solid"/>
             <a:round/>
-            <a:headEnd len="sm" w="sm" type="none"/>
-            <a:tailEnd len="sm" w="sm" type="none"/>
+            <a:headEnd type="none" w="sm" len="sm"/>
+            <a:tailEnd type="none" w="sm" len="sm"/>
           </a:ln>
         </p:spPr>
       </p:sp>
       <p:sp>
         <p:nvSpPr>
           <p:cNvPr id="113" name="Google Shape;113;p11:notes"/>
-          <p:cNvSpPr txBox="1"/>
+          <p:cNvSpPr txBox="1">
+            <a:spLocks noGrp="1"/>
+          </p:cNvSpPr>
           <p:nvPr>
-            <p:ph idx="1" type="body"/>
+            <p:ph type="body" idx="1"/>
           </p:nvPr>
         </p:nvSpPr>
         <p:spPr>
@@ -1153,12 +1186,12 @@
           </a:ln>
         </p:spPr>
         <p:txBody>
-          <a:bodyPr anchorCtr="0" anchor="t" bIns="91425" lIns="91425" spcFirstLastPara="1" rIns="91425" wrap="square" tIns="91425">
+          <a:bodyPr spcFirstLastPara="1" wrap="square" lIns="91425" tIns="91425" rIns="91425" bIns="91425" anchor="t" anchorCtr="0">
             <a:noAutofit/>
           </a:bodyPr>
           <a:lstStyle/>
           <a:p>
-            <a:pPr indent="0" lvl="0" marL="0" rtl="0" algn="l">
+            <a:pPr marL="0" lvl="0" indent="0" algn="l" rtl="0">
               <a:lnSpc>
                 <a:spcPct val="100000"/>
               </a:lnSpc>
@@ -1171,9 +1204,6 @@
               <a:buSzPts val="1100"/>
               <a:buNone/>
             </a:pPr>
-            <a:r>
-              <a:t/>
-            </a:r>
             <a:endParaRPr/>
           </a:p>
         </p:txBody>
@@ -1187,11 +1217,11 @@
 </file>
 
 <file path=ppt/notesSlides/notesSlide12.xml><?xml version="1.0" encoding="utf-8"?>
-<p:notes xmlns:a="http://schemas.openxmlformats.org/drawingml/2006/main" xmlns:r="http://schemas.openxmlformats.org/officeDocument/2006/relationships" xmlns:mc="http://schemas.openxmlformats.org/markup-compatibility/2006" xmlns:mv="urn:schemas-microsoft-com:mac:vml" xmlns:p="http://schemas.openxmlformats.org/presentationml/2006/main" xmlns:c="http://schemas.openxmlformats.org/drawingml/2006/chart" xmlns:dgm="http://schemas.openxmlformats.org/drawingml/2006/diagram" xmlns:o="urn:schemas-microsoft-com:office:office" xmlns:v="urn:schemas-microsoft-com:vml" xmlns:pvml="urn:schemas-microsoft-com:office:powerpoint" xmlns:com="http://schemas.openxmlformats.org/drawingml/2006/compatibility" xmlns:p14="http://schemas.microsoft.com/office/powerpoint/2010/main" xmlns:p15="http://schemas.microsoft.com/office/powerpoint/2012/main" xmlns:ahyp="http://schemas.microsoft.com/office/drawing/2018/hyperlinkcolor" showMasterPhAnim="0" showMasterSp="0">
+<p:notes xmlns:a="http://schemas.openxmlformats.org/drawingml/2006/main" xmlns:r="http://schemas.openxmlformats.org/officeDocument/2006/relationships" xmlns:p="http://schemas.openxmlformats.org/presentationml/2006/main" showMasterSp="0" showMasterPhAnim="0">
   <p:cSld>
     <p:spTree>
       <p:nvGrpSpPr>
-        <p:cNvPr id="118" name="Shape 118"/>
+        <p:cNvPr id="1" name="Shape 118"/>
         <p:cNvGrpSpPr/>
         <p:nvPr/>
       </p:nvGrpSpPr>
@@ -1206,9 +1236,11 @@
       <p:sp>
         <p:nvSpPr>
           <p:cNvPr id="119" name="Google Shape;119;g1735c931a1c_0_0:notes"/>
-          <p:cNvSpPr/>
+          <p:cNvSpPr>
+            <a:spLocks noGrp="1" noRot="1" noChangeAspect="1"/>
+          </p:cNvSpPr>
           <p:nvPr>
-            <p:ph idx="2" type="sldImg"/>
+            <p:ph type="sldImg" idx="2"/>
           </p:nvPr>
         </p:nvSpPr>
         <p:spPr>
@@ -1217,9 +1249,13 @@
             <a:ext cx="6096000" cy="3429000"/>
           </a:xfrm>
           <a:custGeom>
-            <a:rect b="b" l="l" r="r" t="t"/>
+            <a:avLst/>
+            <a:gdLst/>
+            <a:ahLst/>
+            <a:cxnLst/>
+            <a:rect l="l" t="t" r="r" b="b"/>
             <a:pathLst>
-              <a:path extrusionOk="0" h="120000" w="120000">
+              <a:path w="120000" h="120000" extrusionOk="0">
                 <a:moveTo>
                   <a:pt x="0" y="0"/>
                 </a:moveTo>
@@ -1237,23 +1273,25 @@
             </a:pathLst>
           </a:custGeom>
           <a:noFill/>
-          <a:ln cap="flat" cmpd="sng" w="9525">
+          <a:ln w="9525" cap="flat" cmpd="sng">
             <a:solidFill>
               <a:srgbClr val="000000"/>
             </a:solidFill>
             <a:prstDash val="solid"/>
             <a:round/>
-            <a:headEnd len="sm" w="sm" type="none"/>
-            <a:tailEnd len="sm" w="sm" type="none"/>
+            <a:headEnd type="none" w="sm" len="sm"/>
+            <a:tailEnd type="none" w="sm" len="sm"/>
           </a:ln>
         </p:spPr>
       </p:sp>
       <p:sp>
         <p:nvSpPr>
           <p:cNvPr id="120" name="Google Shape;120;g1735c931a1c_0_0:notes"/>
-          <p:cNvSpPr txBox="1"/>
+          <p:cNvSpPr txBox="1">
+            <a:spLocks noGrp="1"/>
+          </p:cNvSpPr>
           <p:nvPr>
-            <p:ph idx="1" type="body"/>
+            <p:ph type="body" idx="1"/>
           </p:nvPr>
         </p:nvSpPr>
         <p:spPr>
@@ -1270,12 +1308,12 @@
           </a:ln>
         </p:spPr>
         <p:txBody>
-          <a:bodyPr anchorCtr="0" anchor="t" bIns="91425" lIns="91425" spcFirstLastPara="1" rIns="91425" wrap="square" tIns="91425">
+          <a:bodyPr spcFirstLastPara="1" wrap="square" lIns="91425" tIns="91425" rIns="91425" bIns="91425" anchor="t" anchorCtr="0">
             <a:noAutofit/>
           </a:bodyPr>
           <a:lstStyle/>
           <a:p>
-            <a:pPr indent="0" lvl="0" marL="0" rtl="0" algn="l">
+            <a:pPr marL="0" lvl="0" indent="0" algn="l" rtl="0">
               <a:lnSpc>
                 <a:spcPct val="100000"/>
               </a:lnSpc>
@@ -1288,9 +1326,6 @@
               <a:buSzPts val="1100"/>
               <a:buNone/>
             </a:pPr>
-            <a:r>
-              <a:t/>
-            </a:r>
             <a:endParaRPr/>
           </a:p>
         </p:txBody>
@@ -1304,11 +1339,11 @@
 </file>
 
 <file path=ppt/notesSlides/notesSlide2.xml><?xml version="1.0" encoding="utf-8"?>
-<p:notes xmlns:a="http://schemas.openxmlformats.org/drawingml/2006/main" xmlns:r="http://schemas.openxmlformats.org/officeDocument/2006/relationships" xmlns:mc="http://schemas.openxmlformats.org/markup-compatibility/2006" xmlns:mv="urn:schemas-microsoft-com:mac:vml" xmlns:p="http://schemas.openxmlformats.org/presentationml/2006/main" xmlns:c="http://schemas.openxmlformats.org/drawingml/2006/chart" xmlns:dgm="http://schemas.openxmlformats.org/drawingml/2006/diagram" xmlns:o="urn:schemas-microsoft-com:office:office" xmlns:v="urn:schemas-microsoft-com:vml" xmlns:pvml="urn:schemas-microsoft-com:office:powerpoint" xmlns:com="http://schemas.openxmlformats.org/drawingml/2006/compatibility" xmlns:p14="http://schemas.microsoft.com/office/powerpoint/2010/main" xmlns:p15="http://schemas.microsoft.com/office/powerpoint/2012/main" xmlns:ahyp="http://schemas.microsoft.com/office/drawing/2018/hyperlinkcolor" showMasterPhAnim="0" showMasterSp="0">
+<p:notes xmlns:a="http://schemas.openxmlformats.org/drawingml/2006/main" xmlns:r="http://schemas.openxmlformats.org/officeDocument/2006/relationships" xmlns:p="http://schemas.openxmlformats.org/presentationml/2006/main" showMasterSp="0" showMasterPhAnim="0">
   <p:cSld>
     <p:spTree>
       <p:nvGrpSpPr>
-        <p:cNvPr id="56" name="Shape 56"/>
+        <p:cNvPr id="1" name="Shape 56"/>
         <p:cNvGrpSpPr/>
         <p:nvPr/>
       </p:nvGrpSpPr>
@@ -1323,9 +1358,11 @@
       <p:sp>
         <p:nvSpPr>
           <p:cNvPr id="57" name="Google Shape;57;p2:notes"/>
-          <p:cNvSpPr/>
+          <p:cNvSpPr>
+            <a:spLocks noGrp="1" noRot="1" noChangeAspect="1"/>
+          </p:cNvSpPr>
           <p:nvPr>
-            <p:ph idx="2" type="sldImg"/>
+            <p:ph type="sldImg" idx="2"/>
           </p:nvPr>
         </p:nvSpPr>
         <p:spPr>
@@ -1334,9 +1371,13 @@
             <a:ext cx="6096000" cy="3429000"/>
           </a:xfrm>
           <a:custGeom>
-            <a:rect b="b" l="l" r="r" t="t"/>
+            <a:avLst/>
+            <a:gdLst/>
+            <a:ahLst/>
+            <a:cxnLst/>
+            <a:rect l="l" t="t" r="r" b="b"/>
             <a:pathLst>
-              <a:path extrusionOk="0" h="120000" w="120000">
+              <a:path w="120000" h="120000" extrusionOk="0">
                 <a:moveTo>
                   <a:pt x="0" y="0"/>
                 </a:moveTo>
@@ -1354,23 +1395,25 @@
             </a:pathLst>
           </a:custGeom>
           <a:noFill/>
-          <a:ln cap="flat" cmpd="sng" w="9525">
+          <a:ln w="9525" cap="flat" cmpd="sng">
             <a:solidFill>
               <a:srgbClr val="000000"/>
             </a:solidFill>
             <a:prstDash val="solid"/>
             <a:round/>
-            <a:headEnd len="sm" w="sm" type="none"/>
-            <a:tailEnd len="sm" w="sm" type="none"/>
+            <a:headEnd type="none" w="sm" len="sm"/>
+            <a:tailEnd type="none" w="sm" len="sm"/>
           </a:ln>
         </p:spPr>
       </p:sp>
       <p:sp>
         <p:nvSpPr>
           <p:cNvPr id="58" name="Google Shape;58;p2:notes"/>
-          <p:cNvSpPr txBox="1"/>
+          <p:cNvSpPr txBox="1">
+            <a:spLocks noGrp="1"/>
+          </p:cNvSpPr>
           <p:nvPr>
-            <p:ph idx="1" type="body"/>
+            <p:ph type="body" idx="1"/>
           </p:nvPr>
         </p:nvSpPr>
         <p:spPr>
@@ -1387,12 +1430,12 @@
           </a:ln>
         </p:spPr>
         <p:txBody>
-          <a:bodyPr anchorCtr="0" anchor="t" bIns="91425" lIns="91425" spcFirstLastPara="1" rIns="91425" wrap="square" tIns="91425">
+          <a:bodyPr spcFirstLastPara="1" wrap="square" lIns="91425" tIns="91425" rIns="91425" bIns="91425" anchor="t" anchorCtr="0">
             <a:noAutofit/>
           </a:bodyPr>
           <a:lstStyle/>
           <a:p>
-            <a:pPr indent="0" lvl="0" marL="0" rtl="0" algn="l">
+            <a:pPr marL="0" lvl="0" indent="0" algn="l" rtl="0">
               <a:lnSpc>
                 <a:spcPct val="100000"/>
               </a:lnSpc>
@@ -1405,9 +1448,6 @@
               <a:buSzPts val="1100"/>
               <a:buNone/>
             </a:pPr>
-            <a:r>
-              <a:t/>
-            </a:r>
             <a:endParaRPr/>
           </a:p>
         </p:txBody>
@@ -1421,11 +1461,11 @@
 </file>
 
 <file path=ppt/notesSlides/notesSlide3.xml><?xml version="1.0" encoding="utf-8"?>
-<p:notes xmlns:a="http://schemas.openxmlformats.org/drawingml/2006/main" xmlns:r="http://schemas.openxmlformats.org/officeDocument/2006/relationships" xmlns:mc="http://schemas.openxmlformats.org/markup-compatibility/2006" xmlns:mv="urn:schemas-microsoft-com:mac:vml" xmlns:p="http://schemas.openxmlformats.org/presentationml/2006/main" xmlns:c="http://schemas.openxmlformats.org/drawingml/2006/chart" xmlns:dgm="http://schemas.openxmlformats.org/drawingml/2006/diagram" xmlns:o="urn:schemas-microsoft-com:office:office" xmlns:v="urn:schemas-microsoft-com:vml" xmlns:pvml="urn:schemas-microsoft-com:office:powerpoint" xmlns:com="http://schemas.openxmlformats.org/drawingml/2006/compatibility" xmlns:p14="http://schemas.microsoft.com/office/powerpoint/2010/main" xmlns:p15="http://schemas.microsoft.com/office/powerpoint/2012/main" xmlns:ahyp="http://schemas.microsoft.com/office/drawing/2018/hyperlinkcolor" showMasterPhAnim="0" showMasterSp="0">
+<p:notes xmlns:a="http://schemas.openxmlformats.org/drawingml/2006/main" xmlns:r="http://schemas.openxmlformats.org/officeDocument/2006/relationships" xmlns:p="http://schemas.openxmlformats.org/presentationml/2006/main" showMasterSp="0" showMasterPhAnim="0">
   <p:cSld>
     <p:spTree>
       <p:nvGrpSpPr>
-        <p:cNvPr id="62" name="Shape 62"/>
+        <p:cNvPr id="1" name="Shape 62"/>
         <p:cNvGrpSpPr/>
         <p:nvPr/>
       </p:nvGrpSpPr>
@@ -1440,9 +1480,11 @@
       <p:sp>
         <p:nvSpPr>
           <p:cNvPr id="63" name="Google Shape;63;p3:notes"/>
-          <p:cNvSpPr/>
+          <p:cNvSpPr>
+            <a:spLocks noGrp="1" noRot="1" noChangeAspect="1"/>
+          </p:cNvSpPr>
           <p:nvPr>
-            <p:ph idx="2" type="sldImg"/>
+            <p:ph type="sldImg" idx="2"/>
           </p:nvPr>
         </p:nvSpPr>
         <p:spPr>
@@ -1451,9 +1493,13 @@
             <a:ext cx="6096000" cy="3429000"/>
           </a:xfrm>
           <a:custGeom>
-            <a:rect b="b" l="l" r="r" t="t"/>
+            <a:avLst/>
+            <a:gdLst/>
+            <a:ahLst/>
+            <a:cxnLst/>
+            <a:rect l="l" t="t" r="r" b="b"/>
             <a:pathLst>
-              <a:path extrusionOk="0" h="120000" w="120000">
+              <a:path w="120000" h="120000" extrusionOk="0">
                 <a:moveTo>
                   <a:pt x="0" y="0"/>
                 </a:moveTo>
@@ -1471,23 +1517,25 @@
             </a:pathLst>
           </a:custGeom>
           <a:noFill/>
-          <a:ln cap="flat" cmpd="sng" w="9525">
+          <a:ln w="9525" cap="flat" cmpd="sng">
             <a:solidFill>
               <a:srgbClr val="000000"/>
             </a:solidFill>
             <a:prstDash val="solid"/>
             <a:round/>
-            <a:headEnd len="sm" w="sm" type="none"/>
-            <a:tailEnd len="sm" w="sm" type="none"/>
+            <a:headEnd type="none" w="sm" len="sm"/>
+            <a:tailEnd type="none" w="sm" len="sm"/>
           </a:ln>
         </p:spPr>
       </p:sp>
       <p:sp>
         <p:nvSpPr>
           <p:cNvPr id="64" name="Google Shape;64;p3:notes"/>
-          <p:cNvSpPr txBox="1"/>
+          <p:cNvSpPr txBox="1">
+            <a:spLocks noGrp="1"/>
+          </p:cNvSpPr>
           <p:nvPr>
-            <p:ph idx="1" type="body"/>
+            <p:ph type="body" idx="1"/>
           </p:nvPr>
         </p:nvSpPr>
         <p:spPr>
@@ -1504,12 +1552,12 @@
           </a:ln>
         </p:spPr>
         <p:txBody>
-          <a:bodyPr anchorCtr="0" anchor="t" bIns="91425" lIns="91425" spcFirstLastPara="1" rIns="91425" wrap="square" tIns="91425">
+          <a:bodyPr spcFirstLastPara="1" wrap="square" lIns="91425" tIns="91425" rIns="91425" bIns="91425" anchor="t" anchorCtr="0">
             <a:noAutofit/>
           </a:bodyPr>
           <a:lstStyle/>
           <a:p>
-            <a:pPr indent="0" lvl="0" marL="0" rtl="0" algn="l">
+            <a:pPr marL="0" lvl="0" indent="0" algn="l" rtl="0">
               <a:lnSpc>
                 <a:spcPct val="100000"/>
               </a:lnSpc>
@@ -1522,9 +1570,6 @@
               <a:buSzPts val="1100"/>
               <a:buNone/>
             </a:pPr>
-            <a:r>
-              <a:t/>
-            </a:r>
             <a:endParaRPr/>
           </a:p>
         </p:txBody>
@@ -1538,11 +1583,11 @@
 </file>
 
 <file path=ppt/notesSlides/notesSlide4.xml><?xml version="1.0" encoding="utf-8"?>
-<p:notes xmlns:a="http://schemas.openxmlformats.org/drawingml/2006/main" xmlns:r="http://schemas.openxmlformats.org/officeDocument/2006/relationships" xmlns:mc="http://schemas.openxmlformats.org/markup-compatibility/2006" xmlns:mv="urn:schemas-microsoft-com:mac:vml" xmlns:p="http://schemas.openxmlformats.org/presentationml/2006/main" xmlns:c="http://schemas.openxmlformats.org/drawingml/2006/chart" xmlns:dgm="http://schemas.openxmlformats.org/drawingml/2006/diagram" xmlns:o="urn:schemas-microsoft-com:office:office" xmlns:v="urn:schemas-microsoft-com:vml" xmlns:pvml="urn:schemas-microsoft-com:office:powerpoint" xmlns:com="http://schemas.openxmlformats.org/drawingml/2006/compatibility" xmlns:p14="http://schemas.microsoft.com/office/powerpoint/2010/main" xmlns:p15="http://schemas.microsoft.com/office/powerpoint/2012/main" xmlns:ahyp="http://schemas.microsoft.com/office/drawing/2018/hyperlinkcolor" showMasterPhAnim="0" showMasterSp="0">
+<p:notes xmlns:a="http://schemas.openxmlformats.org/drawingml/2006/main" xmlns:r="http://schemas.openxmlformats.org/officeDocument/2006/relationships" xmlns:p="http://schemas.openxmlformats.org/presentationml/2006/main" showMasterSp="0" showMasterPhAnim="0">
   <p:cSld>
     <p:spTree>
       <p:nvGrpSpPr>
-        <p:cNvPr id="68" name="Shape 68"/>
+        <p:cNvPr id="1" name="Shape 68"/>
         <p:cNvGrpSpPr/>
         <p:nvPr/>
       </p:nvGrpSpPr>
@@ -1557,9 +1602,11 @@
       <p:sp>
         <p:nvSpPr>
           <p:cNvPr id="69" name="Google Shape;69;p4:notes"/>
-          <p:cNvSpPr/>
+          <p:cNvSpPr>
+            <a:spLocks noGrp="1" noRot="1" noChangeAspect="1"/>
+          </p:cNvSpPr>
           <p:nvPr>
-            <p:ph idx="2" type="sldImg"/>
+            <p:ph type="sldImg" idx="2"/>
           </p:nvPr>
         </p:nvSpPr>
         <p:spPr>
@@ -1568,9 +1615,13 @@
             <a:ext cx="6096000" cy="3429000"/>
           </a:xfrm>
           <a:custGeom>
-            <a:rect b="b" l="l" r="r" t="t"/>
+            <a:avLst/>
+            <a:gdLst/>
+            <a:ahLst/>
+            <a:cxnLst/>
+            <a:rect l="l" t="t" r="r" b="b"/>
             <a:pathLst>
-              <a:path extrusionOk="0" h="120000" w="120000">
+              <a:path w="120000" h="120000" extrusionOk="0">
                 <a:moveTo>
                   <a:pt x="0" y="0"/>
                 </a:moveTo>
@@ -1588,23 +1639,25 @@
             </a:pathLst>
           </a:custGeom>
           <a:noFill/>
-          <a:ln cap="flat" cmpd="sng" w="9525">
+          <a:ln w="9525" cap="flat" cmpd="sng">
             <a:solidFill>
               <a:srgbClr val="000000"/>
             </a:solidFill>
             <a:prstDash val="solid"/>
             <a:round/>
-            <a:headEnd len="sm" w="sm" type="none"/>
-            <a:tailEnd len="sm" w="sm" type="none"/>
+            <a:headEnd type="none" w="sm" len="sm"/>
+            <a:tailEnd type="none" w="sm" len="sm"/>
           </a:ln>
         </p:spPr>
       </p:sp>
       <p:sp>
         <p:nvSpPr>
           <p:cNvPr id="70" name="Google Shape;70;p4:notes"/>
-          <p:cNvSpPr txBox="1"/>
+          <p:cNvSpPr txBox="1">
+            <a:spLocks noGrp="1"/>
+          </p:cNvSpPr>
           <p:nvPr>
-            <p:ph idx="1" type="body"/>
+            <p:ph type="body" idx="1"/>
           </p:nvPr>
         </p:nvSpPr>
         <p:spPr>
@@ -1621,12 +1674,12 @@
           </a:ln>
         </p:spPr>
         <p:txBody>
-          <a:bodyPr anchorCtr="0" anchor="t" bIns="91425" lIns="91425" spcFirstLastPara="1" rIns="91425" wrap="square" tIns="91425">
+          <a:bodyPr spcFirstLastPara="1" wrap="square" lIns="91425" tIns="91425" rIns="91425" bIns="91425" anchor="t" anchorCtr="0">
             <a:noAutofit/>
           </a:bodyPr>
           <a:lstStyle/>
           <a:p>
-            <a:pPr indent="0" lvl="0" marL="0" rtl="0" algn="l">
+            <a:pPr marL="0" lvl="0" indent="0" algn="l" rtl="0">
               <a:lnSpc>
                 <a:spcPct val="100000"/>
               </a:lnSpc>
@@ -1639,9 +1692,6 @@
               <a:buSzPts val="1100"/>
               <a:buNone/>
             </a:pPr>
-            <a:r>
-              <a:t/>
-            </a:r>
             <a:endParaRPr/>
           </a:p>
         </p:txBody>
@@ -1655,11 +1705,11 @@
 </file>
 
 <file path=ppt/notesSlides/notesSlide5.xml><?xml version="1.0" encoding="utf-8"?>
-<p:notes xmlns:a="http://schemas.openxmlformats.org/drawingml/2006/main" xmlns:r="http://schemas.openxmlformats.org/officeDocument/2006/relationships" xmlns:mc="http://schemas.openxmlformats.org/markup-compatibility/2006" xmlns:mv="urn:schemas-microsoft-com:mac:vml" xmlns:p="http://schemas.openxmlformats.org/presentationml/2006/main" xmlns:c="http://schemas.openxmlformats.org/drawingml/2006/chart" xmlns:dgm="http://schemas.openxmlformats.org/drawingml/2006/diagram" xmlns:o="urn:schemas-microsoft-com:office:office" xmlns:v="urn:schemas-microsoft-com:vml" xmlns:pvml="urn:schemas-microsoft-com:office:powerpoint" xmlns:com="http://schemas.openxmlformats.org/drawingml/2006/compatibility" xmlns:p14="http://schemas.microsoft.com/office/powerpoint/2010/main" xmlns:p15="http://schemas.microsoft.com/office/powerpoint/2012/main" xmlns:ahyp="http://schemas.microsoft.com/office/drawing/2018/hyperlinkcolor" showMasterPhAnim="0" showMasterSp="0">
+<p:notes xmlns:a="http://schemas.openxmlformats.org/drawingml/2006/main" xmlns:r="http://schemas.openxmlformats.org/officeDocument/2006/relationships" xmlns:p="http://schemas.openxmlformats.org/presentationml/2006/main" showMasterSp="0" showMasterPhAnim="0">
   <p:cSld>
     <p:spTree>
       <p:nvGrpSpPr>
-        <p:cNvPr id="74" name="Shape 74"/>
+        <p:cNvPr id="1" name="Shape 74"/>
         <p:cNvGrpSpPr/>
         <p:nvPr/>
       </p:nvGrpSpPr>
@@ -1674,9 +1724,11 @@
       <p:sp>
         <p:nvSpPr>
           <p:cNvPr id="75" name="Google Shape;75;p5:notes"/>
-          <p:cNvSpPr/>
+          <p:cNvSpPr>
+            <a:spLocks noGrp="1" noRot="1" noChangeAspect="1"/>
+          </p:cNvSpPr>
           <p:nvPr>
-            <p:ph idx="2" type="sldImg"/>
+            <p:ph type="sldImg" idx="2"/>
           </p:nvPr>
         </p:nvSpPr>
         <p:spPr>
@@ -1685,9 +1737,13 @@
             <a:ext cx="6096000" cy="3429000"/>
           </a:xfrm>
           <a:custGeom>
-            <a:rect b="b" l="l" r="r" t="t"/>
+            <a:avLst/>
+            <a:gdLst/>
+            <a:ahLst/>
+            <a:cxnLst/>
+            <a:rect l="l" t="t" r="r" b="b"/>
             <a:pathLst>
-              <a:path extrusionOk="0" h="120000" w="120000">
+              <a:path w="120000" h="120000" extrusionOk="0">
                 <a:moveTo>
                   <a:pt x="0" y="0"/>
                 </a:moveTo>
@@ -1705,23 +1761,25 @@
             </a:pathLst>
           </a:custGeom>
           <a:noFill/>
-          <a:ln cap="flat" cmpd="sng" w="9525">
+          <a:ln w="9525" cap="flat" cmpd="sng">
             <a:solidFill>
               <a:srgbClr val="000000"/>
             </a:solidFill>
             <a:prstDash val="solid"/>
             <a:round/>
-            <a:headEnd len="sm" w="sm" type="none"/>
-            <a:tailEnd len="sm" w="sm" type="none"/>
+            <a:headEnd type="none" w="sm" len="sm"/>
+            <a:tailEnd type="none" w="sm" len="sm"/>
           </a:ln>
         </p:spPr>
       </p:sp>
       <p:sp>
         <p:nvSpPr>
           <p:cNvPr id="76" name="Google Shape;76;p5:notes"/>
-          <p:cNvSpPr txBox="1"/>
+          <p:cNvSpPr txBox="1">
+            <a:spLocks noGrp="1"/>
+          </p:cNvSpPr>
           <p:nvPr>
-            <p:ph idx="1" type="body"/>
+            <p:ph type="body" idx="1"/>
           </p:nvPr>
         </p:nvSpPr>
         <p:spPr>
@@ -1738,12 +1796,12 @@
           </a:ln>
         </p:spPr>
         <p:txBody>
-          <a:bodyPr anchorCtr="0" anchor="t" bIns="91425" lIns="91425" spcFirstLastPara="1" rIns="91425" wrap="square" tIns="91425">
+          <a:bodyPr spcFirstLastPara="1" wrap="square" lIns="91425" tIns="91425" rIns="91425" bIns="91425" anchor="t" anchorCtr="0">
             <a:noAutofit/>
           </a:bodyPr>
           <a:lstStyle/>
           <a:p>
-            <a:pPr indent="0" lvl="0" marL="0" rtl="0" algn="l">
+            <a:pPr marL="0" lvl="0" indent="0" algn="l" rtl="0">
               <a:lnSpc>
                 <a:spcPct val="100000"/>
               </a:lnSpc>
@@ -1756,9 +1814,6 @@
               <a:buSzPts val="1100"/>
               <a:buNone/>
             </a:pPr>
-            <a:r>
-              <a:t/>
-            </a:r>
             <a:endParaRPr/>
           </a:p>
         </p:txBody>
@@ -1772,11 +1827,11 @@
 </file>
 
 <file path=ppt/notesSlides/notesSlide6.xml><?xml version="1.0" encoding="utf-8"?>
-<p:notes xmlns:a="http://schemas.openxmlformats.org/drawingml/2006/main" xmlns:r="http://schemas.openxmlformats.org/officeDocument/2006/relationships" xmlns:mc="http://schemas.openxmlformats.org/markup-compatibility/2006" xmlns:mv="urn:schemas-microsoft-com:mac:vml" xmlns:p="http://schemas.openxmlformats.org/presentationml/2006/main" xmlns:c="http://schemas.openxmlformats.org/drawingml/2006/chart" xmlns:dgm="http://schemas.openxmlformats.org/drawingml/2006/diagram" xmlns:o="urn:schemas-microsoft-com:office:office" xmlns:v="urn:schemas-microsoft-com:vml" xmlns:pvml="urn:schemas-microsoft-com:office:powerpoint" xmlns:com="http://schemas.openxmlformats.org/drawingml/2006/compatibility" xmlns:p14="http://schemas.microsoft.com/office/powerpoint/2010/main" xmlns:p15="http://schemas.microsoft.com/office/powerpoint/2012/main" xmlns:ahyp="http://schemas.microsoft.com/office/drawing/2018/hyperlinkcolor" showMasterPhAnim="0" showMasterSp="0">
+<p:notes xmlns:a="http://schemas.openxmlformats.org/drawingml/2006/main" xmlns:r="http://schemas.openxmlformats.org/officeDocument/2006/relationships" xmlns:p="http://schemas.openxmlformats.org/presentationml/2006/main" showMasterSp="0" showMasterPhAnim="0">
   <p:cSld>
     <p:spTree>
       <p:nvGrpSpPr>
-        <p:cNvPr id="80" name="Shape 80"/>
+        <p:cNvPr id="1" name="Shape 80"/>
         <p:cNvGrpSpPr/>
         <p:nvPr/>
       </p:nvGrpSpPr>
@@ -1791,9 +1846,11 @@
       <p:sp>
         <p:nvSpPr>
           <p:cNvPr id="81" name="Google Shape;81;p6:notes"/>
-          <p:cNvSpPr/>
+          <p:cNvSpPr>
+            <a:spLocks noGrp="1" noRot="1" noChangeAspect="1"/>
+          </p:cNvSpPr>
           <p:nvPr>
-            <p:ph idx="2" type="sldImg"/>
+            <p:ph type="sldImg" idx="2"/>
           </p:nvPr>
         </p:nvSpPr>
         <p:spPr>
@@ -1802,9 +1859,13 @@
             <a:ext cx="6096000" cy="3429000"/>
           </a:xfrm>
           <a:custGeom>
-            <a:rect b="b" l="l" r="r" t="t"/>
+            <a:avLst/>
+            <a:gdLst/>
+            <a:ahLst/>
+            <a:cxnLst/>
+            <a:rect l="l" t="t" r="r" b="b"/>
             <a:pathLst>
-              <a:path extrusionOk="0" h="120000" w="120000">
+              <a:path w="120000" h="120000" extrusionOk="0">
                 <a:moveTo>
                   <a:pt x="0" y="0"/>
                 </a:moveTo>
@@ -1822,23 +1883,25 @@
             </a:pathLst>
           </a:custGeom>
           <a:noFill/>
-          <a:ln cap="flat" cmpd="sng" w="9525">
+          <a:ln w="9525" cap="flat" cmpd="sng">
             <a:solidFill>
               <a:srgbClr val="000000"/>
             </a:solidFill>
             <a:prstDash val="solid"/>
             <a:round/>
-            <a:headEnd len="sm" w="sm" type="none"/>
-            <a:tailEnd len="sm" w="sm" type="none"/>
+            <a:headEnd type="none" w="sm" len="sm"/>
+            <a:tailEnd type="none" w="sm" len="sm"/>
           </a:ln>
         </p:spPr>
       </p:sp>
       <p:sp>
         <p:nvSpPr>
           <p:cNvPr id="82" name="Google Shape;82;p6:notes"/>
-          <p:cNvSpPr txBox="1"/>
+          <p:cNvSpPr txBox="1">
+            <a:spLocks noGrp="1"/>
+          </p:cNvSpPr>
           <p:nvPr>
-            <p:ph idx="1" type="body"/>
+            <p:ph type="body" idx="1"/>
           </p:nvPr>
         </p:nvSpPr>
         <p:spPr>
@@ -1855,12 +1918,12 @@
           </a:ln>
         </p:spPr>
         <p:txBody>
-          <a:bodyPr anchorCtr="0" anchor="t" bIns="91425" lIns="91425" spcFirstLastPara="1" rIns="91425" wrap="square" tIns="91425">
+          <a:bodyPr spcFirstLastPara="1" wrap="square" lIns="91425" tIns="91425" rIns="91425" bIns="91425" anchor="t" anchorCtr="0">
             <a:noAutofit/>
           </a:bodyPr>
           <a:lstStyle/>
           <a:p>
-            <a:pPr indent="0" lvl="0" marL="0" rtl="0" algn="l">
+            <a:pPr marL="0" lvl="0" indent="0" algn="l" rtl="0">
               <a:lnSpc>
                 <a:spcPct val="100000"/>
               </a:lnSpc>
@@ -1873,9 +1936,6 @@
               <a:buSzPts val="1100"/>
               <a:buNone/>
             </a:pPr>
-            <a:r>
-              <a:t/>
-            </a:r>
             <a:endParaRPr/>
           </a:p>
         </p:txBody>
@@ -1889,11 +1949,11 @@
 </file>
 
 <file path=ppt/notesSlides/notesSlide7.xml><?xml version="1.0" encoding="utf-8"?>
-<p:notes xmlns:a="http://schemas.openxmlformats.org/drawingml/2006/main" xmlns:r="http://schemas.openxmlformats.org/officeDocument/2006/relationships" xmlns:mc="http://schemas.openxmlformats.org/markup-compatibility/2006" xmlns:mv="urn:schemas-microsoft-com:mac:vml" xmlns:p="http://schemas.openxmlformats.org/presentationml/2006/main" xmlns:c="http://schemas.openxmlformats.org/drawingml/2006/chart" xmlns:dgm="http://schemas.openxmlformats.org/drawingml/2006/diagram" xmlns:o="urn:schemas-microsoft-com:office:office" xmlns:v="urn:schemas-microsoft-com:vml" xmlns:pvml="urn:schemas-microsoft-com:office:powerpoint" xmlns:com="http://schemas.openxmlformats.org/drawingml/2006/compatibility" xmlns:p14="http://schemas.microsoft.com/office/powerpoint/2010/main" xmlns:p15="http://schemas.microsoft.com/office/powerpoint/2012/main" xmlns:ahyp="http://schemas.microsoft.com/office/drawing/2018/hyperlinkcolor" showMasterPhAnim="0" showMasterSp="0">
+<p:notes xmlns:a="http://schemas.openxmlformats.org/drawingml/2006/main" xmlns:r="http://schemas.openxmlformats.org/officeDocument/2006/relationships" xmlns:p="http://schemas.openxmlformats.org/presentationml/2006/main" showMasterSp="0" showMasterPhAnim="0">
   <p:cSld>
     <p:spTree>
       <p:nvGrpSpPr>
-        <p:cNvPr id="86" name="Shape 86"/>
+        <p:cNvPr id="1" name="Shape 86"/>
         <p:cNvGrpSpPr/>
         <p:nvPr/>
       </p:nvGrpSpPr>
@@ -1908,9 +1968,11 @@
       <p:sp>
         <p:nvSpPr>
           <p:cNvPr id="87" name="Google Shape;87;p7:notes"/>
-          <p:cNvSpPr/>
+          <p:cNvSpPr>
+            <a:spLocks noGrp="1" noRot="1" noChangeAspect="1"/>
+          </p:cNvSpPr>
           <p:nvPr>
-            <p:ph idx="2" type="sldImg"/>
+            <p:ph type="sldImg" idx="2"/>
           </p:nvPr>
         </p:nvSpPr>
         <p:spPr>
@@ -1919,9 +1981,13 @@
             <a:ext cx="6096000" cy="3429000"/>
           </a:xfrm>
           <a:custGeom>
-            <a:rect b="b" l="l" r="r" t="t"/>
+            <a:avLst/>
+            <a:gdLst/>
+            <a:ahLst/>
+            <a:cxnLst/>
+            <a:rect l="l" t="t" r="r" b="b"/>
             <a:pathLst>
-              <a:path extrusionOk="0" h="120000" w="120000">
+              <a:path w="120000" h="120000" extrusionOk="0">
                 <a:moveTo>
                   <a:pt x="0" y="0"/>
                 </a:moveTo>
@@ -1939,23 +2005,25 @@
             </a:pathLst>
           </a:custGeom>
           <a:noFill/>
-          <a:ln cap="flat" cmpd="sng" w="9525">
+          <a:ln w="9525" cap="flat" cmpd="sng">
             <a:solidFill>
               <a:srgbClr val="000000"/>
             </a:solidFill>
             <a:prstDash val="solid"/>
             <a:round/>
-            <a:headEnd len="sm" w="sm" type="none"/>
-            <a:tailEnd len="sm" w="sm" type="none"/>
+            <a:headEnd type="none" w="sm" len="sm"/>
+            <a:tailEnd type="none" w="sm" len="sm"/>
           </a:ln>
         </p:spPr>
       </p:sp>
       <p:sp>
         <p:nvSpPr>
           <p:cNvPr id="88" name="Google Shape;88;p7:notes"/>
-          <p:cNvSpPr txBox="1"/>
+          <p:cNvSpPr txBox="1">
+            <a:spLocks noGrp="1"/>
+          </p:cNvSpPr>
           <p:nvPr>
-            <p:ph idx="1" type="body"/>
+            <p:ph type="body" idx="1"/>
           </p:nvPr>
         </p:nvSpPr>
         <p:spPr>
@@ -1972,12 +2040,12 @@
           </a:ln>
         </p:spPr>
         <p:txBody>
-          <a:bodyPr anchorCtr="0" anchor="t" bIns="91425" lIns="91425" spcFirstLastPara="1" rIns="91425" wrap="square" tIns="91425">
+          <a:bodyPr spcFirstLastPara="1" wrap="square" lIns="91425" tIns="91425" rIns="91425" bIns="91425" anchor="t" anchorCtr="0">
             <a:noAutofit/>
           </a:bodyPr>
           <a:lstStyle/>
           <a:p>
-            <a:pPr indent="0" lvl="0" marL="0" rtl="0" algn="l">
+            <a:pPr marL="0" lvl="0" indent="0" algn="l" rtl="0">
               <a:lnSpc>
                 <a:spcPct val="100000"/>
               </a:lnSpc>
@@ -1990,9 +2058,6 @@
               <a:buSzPts val="1100"/>
               <a:buNone/>
             </a:pPr>
-            <a:r>
-              <a:t/>
-            </a:r>
             <a:endParaRPr/>
           </a:p>
         </p:txBody>
@@ -2006,11 +2071,11 @@
 </file>
 
 <file path=ppt/notesSlides/notesSlide8.xml><?xml version="1.0" encoding="utf-8"?>
-<p:notes xmlns:a="http://schemas.openxmlformats.org/drawingml/2006/main" xmlns:r="http://schemas.openxmlformats.org/officeDocument/2006/relationships" xmlns:mc="http://schemas.openxmlformats.org/markup-compatibility/2006" xmlns:mv="urn:schemas-microsoft-com:mac:vml" xmlns:p="http://schemas.openxmlformats.org/presentationml/2006/main" xmlns:c="http://schemas.openxmlformats.org/drawingml/2006/chart" xmlns:dgm="http://schemas.openxmlformats.org/drawingml/2006/diagram" xmlns:o="urn:schemas-microsoft-com:office:office" xmlns:v="urn:schemas-microsoft-com:vml" xmlns:pvml="urn:schemas-microsoft-com:office:powerpoint" xmlns:com="http://schemas.openxmlformats.org/drawingml/2006/compatibility" xmlns:p14="http://schemas.microsoft.com/office/powerpoint/2010/main" xmlns:p15="http://schemas.microsoft.com/office/powerpoint/2012/main" xmlns:ahyp="http://schemas.microsoft.com/office/drawing/2018/hyperlinkcolor" showMasterPhAnim="0" showMasterSp="0">
+<p:notes xmlns:a="http://schemas.openxmlformats.org/drawingml/2006/main" xmlns:r="http://schemas.openxmlformats.org/officeDocument/2006/relationships" xmlns:p="http://schemas.openxmlformats.org/presentationml/2006/main" showMasterSp="0" showMasterPhAnim="0">
   <p:cSld>
     <p:spTree>
       <p:nvGrpSpPr>
-        <p:cNvPr id="92" name="Shape 92"/>
+        <p:cNvPr id="1" name="Shape 92"/>
         <p:cNvGrpSpPr/>
         <p:nvPr/>
       </p:nvGrpSpPr>
@@ -2025,9 +2090,11 @@
       <p:sp>
         <p:nvSpPr>
           <p:cNvPr id="93" name="Google Shape;93;p8:notes"/>
-          <p:cNvSpPr/>
+          <p:cNvSpPr>
+            <a:spLocks noGrp="1" noRot="1" noChangeAspect="1"/>
+          </p:cNvSpPr>
           <p:nvPr>
-            <p:ph idx="2" type="sldImg"/>
+            <p:ph type="sldImg" idx="2"/>
           </p:nvPr>
         </p:nvSpPr>
         <p:spPr>
@@ -2036,9 +2103,13 @@
             <a:ext cx="6096000" cy="3429000"/>
           </a:xfrm>
           <a:custGeom>
-            <a:rect b="b" l="l" r="r" t="t"/>
+            <a:avLst/>
+            <a:gdLst/>
+            <a:ahLst/>
+            <a:cxnLst/>
+            <a:rect l="l" t="t" r="r" b="b"/>
             <a:pathLst>
-              <a:path extrusionOk="0" h="120000" w="120000">
+              <a:path w="120000" h="120000" extrusionOk="0">
                 <a:moveTo>
                   <a:pt x="0" y="0"/>
                 </a:moveTo>
@@ -2056,23 +2127,25 @@
             </a:pathLst>
           </a:custGeom>
           <a:noFill/>
-          <a:ln cap="flat" cmpd="sng" w="9525">
+          <a:ln w="9525" cap="flat" cmpd="sng">
             <a:solidFill>
               <a:srgbClr val="000000"/>
             </a:solidFill>
             <a:prstDash val="solid"/>
             <a:round/>
-            <a:headEnd len="sm" w="sm" type="none"/>
-            <a:tailEnd len="sm" w="sm" type="none"/>
+            <a:headEnd type="none" w="sm" len="sm"/>
+            <a:tailEnd type="none" w="sm" len="sm"/>
           </a:ln>
         </p:spPr>
       </p:sp>
       <p:sp>
         <p:nvSpPr>
           <p:cNvPr id="94" name="Google Shape;94;p8:notes"/>
-          <p:cNvSpPr txBox="1"/>
+          <p:cNvSpPr txBox="1">
+            <a:spLocks noGrp="1"/>
+          </p:cNvSpPr>
           <p:nvPr>
-            <p:ph idx="1" type="body"/>
+            <p:ph type="body" idx="1"/>
           </p:nvPr>
         </p:nvSpPr>
         <p:spPr>
@@ -2089,12 +2162,12 @@
           </a:ln>
         </p:spPr>
         <p:txBody>
-          <a:bodyPr anchorCtr="0" anchor="t" bIns="91425" lIns="91425" spcFirstLastPara="1" rIns="91425" wrap="square" tIns="91425">
+          <a:bodyPr spcFirstLastPara="1" wrap="square" lIns="91425" tIns="91425" rIns="91425" bIns="91425" anchor="t" anchorCtr="0">
             <a:noAutofit/>
           </a:bodyPr>
           <a:lstStyle/>
           <a:p>
-            <a:pPr indent="0" lvl="0" marL="0" rtl="0" algn="l">
+            <a:pPr marL="0" lvl="0" indent="0" algn="l" rtl="0">
               <a:lnSpc>
                 <a:spcPct val="100000"/>
               </a:lnSpc>
@@ -2107,9 +2180,6 @@
               <a:buSzPts val="1100"/>
               <a:buNone/>
             </a:pPr>
-            <a:r>
-              <a:t/>
-            </a:r>
             <a:endParaRPr/>
           </a:p>
         </p:txBody>
@@ -2123,11 +2193,11 @@
 </file>
 
 <file path=ppt/notesSlides/notesSlide9.xml><?xml version="1.0" encoding="utf-8"?>
-<p:notes xmlns:a="http://schemas.openxmlformats.org/drawingml/2006/main" xmlns:r="http://schemas.openxmlformats.org/officeDocument/2006/relationships" xmlns:mc="http://schemas.openxmlformats.org/markup-compatibility/2006" xmlns:mv="urn:schemas-microsoft-com:mac:vml" xmlns:p="http://schemas.openxmlformats.org/presentationml/2006/main" xmlns:c="http://schemas.openxmlformats.org/drawingml/2006/chart" xmlns:dgm="http://schemas.openxmlformats.org/drawingml/2006/diagram" xmlns:o="urn:schemas-microsoft-com:office:office" xmlns:v="urn:schemas-microsoft-com:vml" xmlns:pvml="urn:schemas-microsoft-com:office:powerpoint" xmlns:com="http://schemas.openxmlformats.org/drawingml/2006/compatibility" xmlns:p14="http://schemas.microsoft.com/office/powerpoint/2010/main" xmlns:p15="http://schemas.microsoft.com/office/powerpoint/2012/main" xmlns:ahyp="http://schemas.microsoft.com/office/drawing/2018/hyperlinkcolor" showMasterPhAnim="0" showMasterSp="0">
+<p:notes xmlns:a="http://schemas.openxmlformats.org/drawingml/2006/main" xmlns:r="http://schemas.openxmlformats.org/officeDocument/2006/relationships" xmlns:p="http://schemas.openxmlformats.org/presentationml/2006/main" showMasterSp="0" showMasterPhAnim="0">
   <p:cSld>
     <p:spTree>
       <p:nvGrpSpPr>
-        <p:cNvPr id="98" name="Shape 98"/>
+        <p:cNvPr id="1" name="Shape 98"/>
         <p:cNvGrpSpPr/>
         <p:nvPr/>
       </p:nvGrpSpPr>
@@ -2142,9 +2212,11 @@
       <p:sp>
         <p:nvSpPr>
           <p:cNvPr id="99" name="Google Shape;99;p9:notes"/>
-          <p:cNvSpPr/>
+          <p:cNvSpPr>
+            <a:spLocks noGrp="1" noRot="1" noChangeAspect="1"/>
+          </p:cNvSpPr>
           <p:nvPr>
-            <p:ph idx="2" type="sldImg"/>
+            <p:ph type="sldImg" idx="2"/>
           </p:nvPr>
         </p:nvSpPr>
         <p:spPr>
@@ -2153,9 +2225,13 @@
             <a:ext cx="6096000" cy="3429000"/>
           </a:xfrm>
           <a:custGeom>
-            <a:rect b="b" l="l" r="r" t="t"/>
+            <a:avLst/>
+            <a:gdLst/>
+            <a:ahLst/>
+            <a:cxnLst/>
+            <a:rect l="l" t="t" r="r" b="b"/>
             <a:pathLst>
-              <a:path extrusionOk="0" h="120000" w="120000">
+              <a:path w="120000" h="120000" extrusionOk="0">
                 <a:moveTo>
                   <a:pt x="0" y="0"/>
                 </a:moveTo>
@@ -2173,23 +2249,25 @@
             </a:pathLst>
           </a:custGeom>
           <a:noFill/>
-          <a:ln cap="flat" cmpd="sng" w="9525">
+          <a:ln w="9525" cap="flat" cmpd="sng">
             <a:solidFill>
               <a:srgbClr val="000000"/>
             </a:solidFill>
             <a:prstDash val="solid"/>
             <a:round/>
-            <a:headEnd len="sm" w="sm" type="none"/>
-            <a:tailEnd len="sm" w="sm" type="none"/>
+            <a:headEnd type="none" w="sm" len="sm"/>
+            <a:tailEnd type="none" w="sm" len="sm"/>
           </a:ln>
         </p:spPr>
       </p:sp>
       <p:sp>
         <p:nvSpPr>
           <p:cNvPr id="100" name="Google Shape;100;p9:notes"/>
-          <p:cNvSpPr txBox="1"/>
+          <p:cNvSpPr txBox="1">
+            <a:spLocks noGrp="1"/>
+          </p:cNvSpPr>
           <p:nvPr>
-            <p:ph idx="1" type="body"/>
+            <p:ph type="body" idx="1"/>
           </p:nvPr>
         </p:nvSpPr>
         <p:spPr>
@@ -2206,12 +2284,12 @@
           </a:ln>
         </p:spPr>
         <p:txBody>
-          <a:bodyPr anchorCtr="0" anchor="t" bIns="91425" lIns="91425" spcFirstLastPara="1" rIns="91425" wrap="square" tIns="91425">
+          <a:bodyPr spcFirstLastPara="1" wrap="square" lIns="91425" tIns="91425" rIns="91425" bIns="91425" anchor="t" anchorCtr="0">
             <a:noAutofit/>
           </a:bodyPr>
           <a:lstStyle/>
           <a:p>
-            <a:pPr indent="0" lvl="0" marL="0" rtl="0" algn="l">
+            <a:pPr marL="0" lvl="0" indent="0" algn="l" rtl="0">
               <a:lnSpc>
                 <a:spcPct val="100000"/>
               </a:lnSpc>
@@ -2224,9 +2302,6 @@
               <a:buSzPts val="1100"/>
               <a:buNone/>
             </a:pPr>
-            <a:r>
-              <a:t/>
-            </a:r>
             <a:endParaRPr/>
           </a:p>
         </p:txBody>
@@ -2240,11 +2315,11 @@
 </file>
 
 <file path=ppt/slideLayouts/slideLayout1.xml><?xml version="1.0" encoding="utf-8"?>
-<p:sldLayout xmlns:a="http://schemas.openxmlformats.org/drawingml/2006/main" xmlns:r="http://schemas.openxmlformats.org/officeDocument/2006/relationships" xmlns:mc="http://schemas.openxmlformats.org/markup-compatibility/2006" xmlns:mv="urn:schemas-microsoft-com:mac:vml" xmlns:p="http://schemas.openxmlformats.org/presentationml/2006/main" xmlns:c="http://schemas.openxmlformats.org/drawingml/2006/chart" xmlns:dgm="http://schemas.openxmlformats.org/drawingml/2006/diagram" xmlns:o="urn:schemas-microsoft-com:office:office" xmlns:v="urn:schemas-microsoft-com:vml" xmlns:pvml="urn:schemas-microsoft-com:office:powerpoint" xmlns:com="http://schemas.openxmlformats.org/drawingml/2006/compatibility" xmlns:p14="http://schemas.microsoft.com/office/powerpoint/2010/main" xmlns:p15="http://schemas.microsoft.com/office/powerpoint/2012/main" xmlns:ahyp="http://schemas.microsoft.com/office/drawing/2018/hyperlinkcolor" matchingName="Title slide" type="title">
+<p:sldLayout xmlns:a="http://schemas.openxmlformats.org/drawingml/2006/main" xmlns:r="http://schemas.openxmlformats.org/officeDocument/2006/relationships" xmlns:p="http://schemas.openxmlformats.org/presentationml/2006/main" matchingName="Title slide" type="title">
   <p:cSld name="TITLE">
     <p:spTree>
       <p:nvGrpSpPr>
-        <p:cNvPr id="9" name="Shape 9"/>
+        <p:cNvPr id="1" name="Shape 9"/>
         <p:cNvGrpSpPr/>
         <p:nvPr/>
       </p:nvGrpSpPr>
@@ -2259,7 +2334,9 @@
       <p:sp>
         <p:nvSpPr>
           <p:cNvPr id="10" name="Google Shape;10;p15"/>
-          <p:cNvSpPr txBox="1"/>
+          <p:cNvSpPr txBox="1">
+            <a:spLocks noGrp="1"/>
+          </p:cNvSpPr>
           <p:nvPr>
             <p:ph type="ctrTitle"/>
           </p:nvPr>
@@ -2278,7 +2355,7 @@
           </a:ln>
         </p:spPr>
         <p:txBody>
-          <a:bodyPr anchorCtr="0" anchor="b" bIns="91425" lIns="91425" spcFirstLastPara="1" rIns="91425" wrap="square" tIns="91425">
+          <a:bodyPr spcFirstLastPara="1" wrap="square" lIns="91425" tIns="91425" rIns="91425" bIns="91425" anchor="b" anchorCtr="0">
             <a:normAutofit/>
           </a:bodyPr>
           <a:lstStyle>
@@ -2409,15 +2486,19 @@
               <a:defRPr sz="5200"/>
             </a:lvl9pPr>
           </a:lstStyle>
-          <a:p/>
+          <a:p>
+            <a:endParaRPr/>
+          </a:p>
         </p:txBody>
       </p:sp>
       <p:sp>
         <p:nvSpPr>
           <p:cNvPr id="11" name="Google Shape;11;p15"/>
-          <p:cNvSpPr txBox="1"/>
+          <p:cNvSpPr txBox="1">
+            <a:spLocks noGrp="1"/>
+          </p:cNvSpPr>
           <p:nvPr>
-            <p:ph idx="1" type="subTitle"/>
+            <p:ph type="subTitle" idx="1"/>
           </p:nvPr>
         </p:nvSpPr>
         <p:spPr>
@@ -2434,7 +2515,7 @@
           </a:ln>
         </p:spPr>
         <p:txBody>
-          <a:bodyPr anchorCtr="0" anchor="t" bIns="91425" lIns="91425" spcFirstLastPara="1" rIns="91425" wrap="square" tIns="91425">
+          <a:bodyPr spcFirstLastPara="1" wrap="square" lIns="91425" tIns="91425" rIns="91425" bIns="91425" anchor="t" anchorCtr="0">
             <a:normAutofit/>
           </a:bodyPr>
           <a:lstStyle>
@@ -2565,15 +2646,19 @@
               <a:defRPr sz="2800"/>
             </a:lvl9pPr>
           </a:lstStyle>
-          <a:p/>
+          <a:p>
+            <a:endParaRPr/>
+          </a:p>
         </p:txBody>
       </p:sp>
       <p:sp>
         <p:nvSpPr>
           <p:cNvPr id="12" name="Google Shape;12;p15"/>
-          <p:cNvSpPr txBox="1"/>
+          <p:cNvSpPr txBox="1">
+            <a:spLocks noGrp="1"/>
+          </p:cNvSpPr>
           <p:nvPr>
-            <p:ph idx="12" type="sldNum"/>
+            <p:ph type="sldNum" idx="12"/>
           </p:nvPr>
         </p:nvSpPr>
         <p:spPr>
@@ -2590,11 +2675,11 @@
           </a:ln>
         </p:spPr>
         <p:txBody>
-          <a:bodyPr anchorCtr="0" anchor="ctr" bIns="91425" lIns="91425" spcFirstLastPara="1" rIns="91425" wrap="square" tIns="91425">
+          <a:bodyPr spcFirstLastPara="1" wrap="square" lIns="91425" tIns="91425" rIns="91425" bIns="91425" anchor="ctr" anchorCtr="0">
             <a:normAutofit/>
           </a:bodyPr>
           <a:lstStyle>
-            <a:lvl1pPr indent="0" lvl="0" marL="0" marR="0" algn="r">
+            <a:lvl1pPr marL="0" marR="0" lvl="0" indent="0" algn="r">
               <a:lnSpc>
                 <a:spcPct val="100000"/>
               </a:lnSpc>
@@ -2610,7 +2695,7 @@
               <a:buSzPts val="1000"/>
               <a:buFont typeface="Arial"/>
               <a:buNone/>
-              <a:defRPr b="0" i="0" sz="1000" u="none" cap="none" strike="noStrike">
+              <a:defRPr sz="1000" b="0" i="0" u="none" strike="noStrike" cap="none">
                 <a:solidFill>
                   <a:schemeClr val="lt2"/>
                 </a:solidFill>
@@ -2620,7 +2705,7 @@
                 <a:sym typeface="Arial"/>
               </a:defRPr>
             </a:lvl1pPr>
-            <a:lvl2pPr indent="0" lvl="1" marL="0" marR="0" algn="r">
+            <a:lvl2pPr marL="0" marR="0" lvl="1" indent="0" algn="r">
               <a:lnSpc>
                 <a:spcPct val="100000"/>
               </a:lnSpc>
@@ -2636,7 +2721,7 @@
               <a:buSzPts val="1000"/>
               <a:buFont typeface="Arial"/>
               <a:buNone/>
-              <a:defRPr b="0" i="0" sz="1000" u="none" cap="none" strike="noStrike">
+              <a:defRPr sz="1000" b="0" i="0" u="none" strike="noStrike" cap="none">
                 <a:solidFill>
                   <a:schemeClr val="lt2"/>
                 </a:solidFill>
@@ -2646,7 +2731,7 @@
                 <a:sym typeface="Arial"/>
               </a:defRPr>
             </a:lvl2pPr>
-            <a:lvl3pPr indent="0" lvl="2" marL="0" marR="0" algn="r">
+            <a:lvl3pPr marL="0" marR="0" lvl="2" indent="0" algn="r">
               <a:lnSpc>
                 <a:spcPct val="100000"/>
               </a:lnSpc>
@@ -2662,7 +2747,7 @@
               <a:buSzPts val="1000"/>
               <a:buFont typeface="Arial"/>
               <a:buNone/>
-              <a:defRPr b="0" i="0" sz="1000" u="none" cap="none" strike="noStrike">
+              <a:defRPr sz="1000" b="0" i="0" u="none" strike="noStrike" cap="none">
                 <a:solidFill>
                   <a:schemeClr val="lt2"/>
                 </a:solidFill>
@@ -2672,7 +2757,7 @@
                 <a:sym typeface="Arial"/>
               </a:defRPr>
             </a:lvl3pPr>
-            <a:lvl4pPr indent="0" lvl="3" marL="0" marR="0" algn="r">
+            <a:lvl4pPr marL="0" marR="0" lvl="3" indent="0" algn="r">
               <a:lnSpc>
                 <a:spcPct val="100000"/>
               </a:lnSpc>
@@ -2688,7 +2773,7 @@
               <a:buSzPts val="1000"/>
               <a:buFont typeface="Arial"/>
               <a:buNone/>
-              <a:defRPr b="0" i="0" sz="1000" u="none" cap="none" strike="noStrike">
+              <a:defRPr sz="1000" b="0" i="0" u="none" strike="noStrike" cap="none">
                 <a:solidFill>
                   <a:schemeClr val="lt2"/>
                 </a:solidFill>
@@ -2698,7 +2783,7 @@
                 <a:sym typeface="Arial"/>
               </a:defRPr>
             </a:lvl4pPr>
-            <a:lvl5pPr indent="0" lvl="4" marL="0" marR="0" algn="r">
+            <a:lvl5pPr marL="0" marR="0" lvl="4" indent="0" algn="r">
               <a:lnSpc>
                 <a:spcPct val="100000"/>
               </a:lnSpc>
@@ -2714,7 +2799,7 @@
               <a:buSzPts val="1000"/>
               <a:buFont typeface="Arial"/>
               <a:buNone/>
-              <a:defRPr b="0" i="0" sz="1000" u="none" cap="none" strike="noStrike">
+              <a:defRPr sz="1000" b="0" i="0" u="none" strike="noStrike" cap="none">
                 <a:solidFill>
                   <a:schemeClr val="lt2"/>
                 </a:solidFill>
@@ -2724,7 +2809,7 @@
                 <a:sym typeface="Arial"/>
               </a:defRPr>
             </a:lvl5pPr>
-            <a:lvl6pPr indent="0" lvl="5" marL="0" marR="0" algn="r">
+            <a:lvl6pPr marL="0" marR="0" lvl="5" indent="0" algn="r">
               <a:lnSpc>
                 <a:spcPct val="100000"/>
               </a:lnSpc>
@@ -2740,7 +2825,7 @@
               <a:buSzPts val="1000"/>
               <a:buFont typeface="Arial"/>
               <a:buNone/>
-              <a:defRPr b="0" i="0" sz="1000" u="none" cap="none" strike="noStrike">
+              <a:defRPr sz="1000" b="0" i="0" u="none" strike="noStrike" cap="none">
                 <a:solidFill>
                   <a:schemeClr val="lt2"/>
                 </a:solidFill>
@@ -2750,7 +2835,7 @@
                 <a:sym typeface="Arial"/>
               </a:defRPr>
             </a:lvl6pPr>
-            <a:lvl7pPr indent="0" lvl="6" marL="0" marR="0" algn="r">
+            <a:lvl7pPr marL="0" marR="0" lvl="6" indent="0" algn="r">
               <a:lnSpc>
                 <a:spcPct val="100000"/>
               </a:lnSpc>
@@ -2766,7 +2851,7 @@
               <a:buSzPts val="1000"/>
               <a:buFont typeface="Arial"/>
               <a:buNone/>
-              <a:defRPr b="0" i="0" sz="1000" u="none" cap="none" strike="noStrike">
+              <a:defRPr sz="1000" b="0" i="0" u="none" strike="noStrike" cap="none">
                 <a:solidFill>
                   <a:schemeClr val="lt2"/>
                 </a:solidFill>
@@ -2776,7 +2861,7 @@
                 <a:sym typeface="Arial"/>
               </a:defRPr>
             </a:lvl7pPr>
-            <a:lvl8pPr indent="0" lvl="7" marL="0" marR="0" algn="r">
+            <a:lvl8pPr marL="0" marR="0" lvl="7" indent="0" algn="r">
               <a:lnSpc>
                 <a:spcPct val="100000"/>
               </a:lnSpc>
@@ -2792,7 +2877,7 @@
               <a:buSzPts val="1000"/>
               <a:buFont typeface="Arial"/>
               <a:buNone/>
-              <a:defRPr b="0" i="0" sz="1000" u="none" cap="none" strike="noStrike">
+              <a:defRPr sz="1000" b="0" i="0" u="none" strike="noStrike" cap="none">
                 <a:solidFill>
                   <a:schemeClr val="lt2"/>
                 </a:solidFill>
@@ -2802,7 +2887,7 @@
                 <a:sym typeface="Arial"/>
               </a:defRPr>
             </a:lvl8pPr>
-            <a:lvl9pPr indent="0" lvl="8" marL="0" marR="0" algn="r">
+            <a:lvl9pPr marL="0" marR="0" lvl="8" indent="0" algn="r">
               <a:lnSpc>
                 <a:spcPct val="100000"/>
               </a:lnSpc>
@@ -2818,7 +2903,7 @@
               <a:buSzPts val="1000"/>
               <a:buFont typeface="Arial"/>
               <a:buNone/>
-              <a:defRPr b="0" i="0" sz="1000" u="none" cap="none" strike="noStrike">
+              <a:defRPr sz="1000" b="0" i="0" u="none" strike="noStrike" cap="none">
                 <a:solidFill>
                   <a:schemeClr val="lt2"/>
                 </a:solidFill>
@@ -2830,7 +2915,7 @@
             </a:lvl9pPr>
           </a:lstStyle>
           <a:p>
-            <a:pPr indent="0" lvl="0" marL="0" rtl="0" algn="r">
+            <a:pPr marL="0" lvl="0" indent="0" algn="r" rtl="0">
               <a:spcBef>
                 <a:spcPts val="0"/>
               </a:spcBef>
@@ -2841,7 +2926,7 @@
             </a:pPr>
             <a:fld id="{00000000-1234-1234-1234-123412341234}" type="slidenum">
               <a:rPr lang="pt-BR"/>
-              <a:t>‹#›</a:t>
+              <a:t>‹nº›</a:t>
             </a:fld>
             <a:endParaRPr/>
           </a:p>
@@ -2856,11 +2941,11 @@
 </file>
 
 <file path=ppt/slideLayouts/slideLayout10.xml><?xml version="1.0" encoding="utf-8"?>
-<p:sldLayout xmlns:a="http://schemas.openxmlformats.org/drawingml/2006/main" xmlns:r="http://schemas.openxmlformats.org/officeDocument/2006/relationships" xmlns:mc="http://schemas.openxmlformats.org/markup-compatibility/2006" xmlns:mv="urn:schemas-microsoft-com:mac:vml" xmlns:p="http://schemas.openxmlformats.org/presentationml/2006/main" xmlns:c="http://schemas.openxmlformats.org/drawingml/2006/chart" xmlns:dgm="http://schemas.openxmlformats.org/drawingml/2006/diagram" xmlns:o="urn:schemas-microsoft-com:office:office" xmlns:v="urn:schemas-microsoft-com:vml" xmlns:pvml="urn:schemas-microsoft-com:office:powerpoint" xmlns:com="http://schemas.openxmlformats.org/drawingml/2006/compatibility" xmlns:p14="http://schemas.microsoft.com/office/powerpoint/2010/main" xmlns:p15="http://schemas.microsoft.com/office/powerpoint/2012/main" xmlns:ahyp="http://schemas.microsoft.com/office/drawing/2018/hyperlinkcolor" matchingName="Big number">
+<p:sldLayout xmlns:a="http://schemas.openxmlformats.org/drawingml/2006/main" xmlns:r="http://schemas.openxmlformats.org/officeDocument/2006/relationships" xmlns:p="http://schemas.openxmlformats.org/presentationml/2006/main" matchingName="Big number">
   <p:cSld name="BIG_NUMBER">
     <p:spTree>
       <p:nvGrpSpPr>
-        <p:cNvPr id="44" name="Shape 44"/>
+        <p:cNvPr id="1" name="Shape 44"/>
         <p:cNvGrpSpPr/>
         <p:nvPr/>
       </p:nvGrpSpPr>
@@ -2875,9 +2960,11 @@
       <p:sp>
         <p:nvSpPr>
           <p:cNvPr id="45" name="Google Shape;45;p24"/>
-          <p:cNvSpPr txBox="1"/>
+          <p:cNvSpPr txBox="1">
+            <a:spLocks noGrp="1"/>
+          </p:cNvSpPr>
           <p:nvPr>
-            <p:ph hasCustomPrompt="1" type="title"/>
+            <p:ph type="title" hasCustomPrompt="1"/>
           </p:nvPr>
         </p:nvSpPr>
         <p:spPr>
@@ -2894,7 +2981,7 @@
           </a:ln>
         </p:spPr>
         <p:txBody>
-          <a:bodyPr anchorCtr="0" anchor="b" bIns="91425" lIns="91425" spcFirstLastPara="1" rIns="91425" wrap="square" tIns="91425">
+          <a:bodyPr spcFirstLastPara="1" wrap="square" lIns="91425" tIns="91425" rIns="91425" bIns="91425" anchor="b" anchorCtr="0">
             <a:normAutofit/>
           </a:bodyPr>
           <a:lstStyle>
@@ -3035,9 +3122,11 @@
       <p:sp>
         <p:nvSpPr>
           <p:cNvPr id="46" name="Google Shape;46;p24"/>
-          <p:cNvSpPr txBox="1"/>
+          <p:cNvSpPr txBox="1">
+            <a:spLocks noGrp="1"/>
+          </p:cNvSpPr>
           <p:nvPr>
-            <p:ph idx="1" type="body"/>
+            <p:ph type="body" idx="1"/>
           </p:nvPr>
         </p:nvSpPr>
         <p:spPr>
@@ -3054,11 +3143,11 @@
           </a:ln>
         </p:spPr>
         <p:txBody>
-          <a:bodyPr anchorCtr="0" anchor="t" bIns="91425" lIns="91425" spcFirstLastPara="1" rIns="91425" wrap="square" tIns="91425">
+          <a:bodyPr spcFirstLastPara="1" wrap="square" lIns="91425" tIns="91425" rIns="91425" bIns="91425" anchor="t" anchorCtr="0">
             <a:normAutofit/>
           </a:bodyPr>
           <a:lstStyle>
-            <a:lvl1pPr indent="-342900" lvl="0" marL="457200" algn="ctr">
+            <a:lvl1pPr marL="457200" lvl="0" indent="-342900" algn="ctr">
               <a:lnSpc>
                 <a:spcPct val="115000"/>
               </a:lnSpc>
@@ -3072,7 +3161,7 @@
               <a:buChar char="●"/>
               <a:defRPr/>
             </a:lvl1pPr>
-            <a:lvl2pPr indent="-317500" lvl="1" marL="914400" algn="ctr">
+            <a:lvl2pPr marL="914400" lvl="1" indent="-317500" algn="ctr">
               <a:lnSpc>
                 <a:spcPct val="115000"/>
               </a:lnSpc>
@@ -3086,7 +3175,7 @@
               <a:buChar char="○"/>
               <a:defRPr/>
             </a:lvl2pPr>
-            <a:lvl3pPr indent="-317500" lvl="2" marL="1371600" algn="ctr">
+            <a:lvl3pPr marL="1371600" lvl="2" indent="-317500" algn="ctr">
               <a:lnSpc>
                 <a:spcPct val="115000"/>
               </a:lnSpc>
@@ -3100,7 +3189,7 @@
               <a:buChar char="■"/>
               <a:defRPr/>
             </a:lvl3pPr>
-            <a:lvl4pPr indent="-317500" lvl="3" marL="1828800" algn="ctr">
+            <a:lvl4pPr marL="1828800" lvl="3" indent="-317500" algn="ctr">
               <a:lnSpc>
                 <a:spcPct val="115000"/>
               </a:lnSpc>
@@ -3114,7 +3203,7 @@
               <a:buChar char="●"/>
               <a:defRPr/>
             </a:lvl4pPr>
-            <a:lvl5pPr indent="-317500" lvl="4" marL="2286000" algn="ctr">
+            <a:lvl5pPr marL="2286000" lvl="4" indent="-317500" algn="ctr">
               <a:lnSpc>
                 <a:spcPct val="115000"/>
               </a:lnSpc>
@@ -3128,7 +3217,7 @@
               <a:buChar char="○"/>
               <a:defRPr/>
             </a:lvl5pPr>
-            <a:lvl6pPr indent="-317500" lvl="5" marL="2743200" algn="ctr">
+            <a:lvl6pPr marL="2743200" lvl="5" indent="-317500" algn="ctr">
               <a:lnSpc>
                 <a:spcPct val="115000"/>
               </a:lnSpc>
@@ -3142,7 +3231,7 @@
               <a:buChar char="■"/>
               <a:defRPr/>
             </a:lvl6pPr>
-            <a:lvl7pPr indent="-317500" lvl="6" marL="3200400" algn="ctr">
+            <a:lvl7pPr marL="3200400" lvl="6" indent="-317500" algn="ctr">
               <a:lnSpc>
                 <a:spcPct val="115000"/>
               </a:lnSpc>
@@ -3156,7 +3245,7 @@
               <a:buChar char="●"/>
               <a:defRPr/>
             </a:lvl7pPr>
-            <a:lvl8pPr indent="-317500" lvl="7" marL="3657600" algn="ctr">
+            <a:lvl8pPr marL="3657600" lvl="7" indent="-317500" algn="ctr">
               <a:lnSpc>
                 <a:spcPct val="115000"/>
               </a:lnSpc>
@@ -3170,7 +3259,7 @@
               <a:buChar char="○"/>
               <a:defRPr/>
             </a:lvl8pPr>
-            <a:lvl9pPr indent="-317500" lvl="8" marL="4114800" algn="ctr">
+            <a:lvl9pPr marL="4114800" lvl="8" indent="-317500" algn="ctr">
               <a:lnSpc>
                 <a:spcPct val="115000"/>
               </a:lnSpc>
@@ -3185,15 +3274,19 @@
               <a:defRPr/>
             </a:lvl9pPr>
           </a:lstStyle>
-          <a:p/>
+          <a:p>
+            <a:endParaRPr/>
+          </a:p>
         </p:txBody>
       </p:sp>
       <p:sp>
         <p:nvSpPr>
           <p:cNvPr id="47" name="Google Shape;47;p24"/>
-          <p:cNvSpPr txBox="1"/>
+          <p:cNvSpPr txBox="1">
+            <a:spLocks noGrp="1"/>
+          </p:cNvSpPr>
           <p:nvPr>
-            <p:ph idx="12" type="sldNum"/>
+            <p:ph type="sldNum" idx="12"/>
           </p:nvPr>
         </p:nvSpPr>
         <p:spPr>
@@ -3210,11 +3303,11 @@
           </a:ln>
         </p:spPr>
         <p:txBody>
-          <a:bodyPr anchorCtr="0" anchor="ctr" bIns="91425" lIns="91425" spcFirstLastPara="1" rIns="91425" wrap="square" tIns="91425">
+          <a:bodyPr spcFirstLastPara="1" wrap="square" lIns="91425" tIns="91425" rIns="91425" bIns="91425" anchor="ctr" anchorCtr="0">
             <a:normAutofit/>
           </a:bodyPr>
           <a:lstStyle>
-            <a:lvl1pPr indent="0" lvl="0" marL="0" marR="0" algn="r">
+            <a:lvl1pPr marL="0" marR="0" lvl="0" indent="0" algn="r">
               <a:lnSpc>
                 <a:spcPct val="100000"/>
               </a:lnSpc>
@@ -3230,7 +3323,7 @@
               <a:buSzPts val="1000"/>
               <a:buFont typeface="Arial"/>
               <a:buNone/>
-              <a:defRPr b="0" i="0" sz="1000" u="none" cap="none" strike="noStrike">
+              <a:defRPr sz="1000" b="0" i="0" u="none" strike="noStrike" cap="none">
                 <a:solidFill>
                   <a:schemeClr val="lt2"/>
                 </a:solidFill>
@@ -3240,7 +3333,7 @@
                 <a:sym typeface="Arial"/>
               </a:defRPr>
             </a:lvl1pPr>
-            <a:lvl2pPr indent="0" lvl="1" marL="0" marR="0" algn="r">
+            <a:lvl2pPr marL="0" marR="0" lvl="1" indent="0" algn="r">
               <a:lnSpc>
                 <a:spcPct val="100000"/>
               </a:lnSpc>
@@ -3256,7 +3349,7 @@
               <a:buSzPts val="1000"/>
               <a:buFont typeface="Arial"/>
               <a:buNone/>
-              <a:defRPr b="0" i="0" sz="1000" u="none" cap="none" strike="noStrike">
+              <a:defRPr sz="1000" b="0" i="0" u="none" strike="noStrike" cap="none">
                 <a:solidFill>
                   <a:schemeClr val="lt2"/>
                 </a:solidFill>
@@ -3266,7 +3359,7 @@
                 <a:sym typeface="Arial"/>
               </a:defRPr>
             </a:lvl2pPr>
-            <a:lvl3pPr indent="0" lvl="2" marL="0" marR="0" algn="r">
+            <a:lvl3pPr marL="0" marR="0" lvl="2" indent="0" algn="r">
               <a:lnSpc>
                 <a:spcPct val="100000"/>
               </a:lnSpc>
@@ -3282,7 +3375,7 @@
               <a:buSzPts val="1000"/>
               <a:buFont typeface="Arial"/>
               <a:buNone/>
-              <a:defRPr b="0" i="0" sz="1000" u="none" cap="none" strike="noStrike">
+              <a:defRPr sz="1000" b="0" i="0" u="none" strike="noStrike" cap="none">
                 <a:solidFill>
                   <a:schemeClr val="lt2"/>
                 </a:solidFill>
@@ -3292,7 +3385,7 @@
                 <a:sym typeface="Arial"/>
               </a:defRPr>
             </a:lvl3pPr>
-            <a:lvl4pPr indent="0" lvl="3" marL="0" marR="0" algn="r">
+            <a:lvl4pPr marL="0" marR="0" lvl="3" indent="0" algn="r">
               <a:lnSpc>
                 <a:spcPct val="100000"/>
               </a:lnSpc>
@@ -3308,7 +3401,7 @@
               <a:buSzPts val="1000"/>
               <a:buFont typeface="Arial"/>
               <a:buNone/>
-              <a:defRPr b="0" i="0" sz="1000" u="none" cap="none" strike="noStrike">
+              <a:defRPr sz="1000" b="0" i="0" u="none" strike="noStrike" cap="none">
                 <a:solidFill>
                   <a:schemeClr val="lt2"/>
                 </a:solidFill>
@@ -3318,7 +3411,7 @@
                 <a:sym typeface="Arial"/>
               </a:defRPr>
             </a:lvl4pPr>
-            <a:lvl5pPr indent="0" lvl="4" marL="0" marR="0" algn="r">
+            <a:lvl5pPr marL="0" marR="0" lvl="4" indent="0" algn="r">
               <a:lnSpc>
                 <a:spcPct val="100000"/>
               </a:lnSpc>
@@ -3334,7 +3427,7 @@
               <a:buSzPts val="1000"/>
               <a:buFont typeface="Arial"/>
               <a:buNone/>
-              <a:defRPr b="0" i="0" sz="1000" u="none" cap="none" strike="noStrike">
+              <a:defRPr sz="1000" b="0" i="0" u="none" strike="noStrike" cap="none">
                 <a:solidFill>
                   <a:schemeClr val="lt2"/>
                 </a:solidFill>
@@ -3344,7 +3437,7 @@
                 <a:sym typeface="Arial"/>
               </a:defRPr>
             </a:lvl5pPr>
-            <a:lvl6pPr indent="0" lvl="5" marL="0" marR="0" algn="r">
+            <a:lvl6pPr marL="0" marR="0" lvl="5" indent="0" algn="r">
               <a:lnSpc>
                 <a:spcPct val="100000"/>
               </a:lnSpc>
@@ -3360,7 +3453,7 @@
               <a:buSzPts val="1000"/>
               <a:buFont typeface="Arial"/>
               <a:buNone/>
-              <a:defRPr b="0" i="0" sz="1000" u="none" cap="none" strike="noStrike">
+              <a:defRPr sz="1000" b="0" i="0" u="none" strike="noStrike" cap="none">
                 <a:solidFill>
                   <a:schemeClr val="lt2"/>
                 </a:solidFill>
@@ -3370,7 +3463,7 @@
                 <a:sym typeface="Arial"/>
               </a:defRPr>
             </a:lvl6pPr>
-            <a:lvl7pPr indent="0" lvl="6" marL="0" marR="0" algn="r">
+            <a:lvl7pPr marL="0" marR="0" lvl="6" indent="0" algn="r">
               <a:lnSpc>
                 <a:spcPct val="100000"/>
               </a:lnSpc>
@@ -3386,7 +3479,7 @@
               <a:buSzPts val="1000"/>
               <a:buFont typeface="Arial"/>
               <a:buNone/>
-              <a:defRPr b="0" i="0" sz="1000" u="none" cap="none" strike="noStrike">
+              <a:defRPr sz="1000" b="0" i="0" u="none" strike="noStrike" cap="none">
                 <a:solidFill>
                   <a:schemeClr val="lt2"/>
                 </a:solidFill>
@@ -3396,7 +3489,7 @@
                 <a:sym typeface="Arial"/>
               </a:defRPr>
             </a:lvl7pPr>
-            <a:lvl8pPr indent="0" lvl="7" marL="0" marR="0" algn="r">
+            <a:lvl8pPr marL="0" marR="0" lvl="7" indent="0" algn="r">
               <a:lnSpc>
                 <a:spcPct val="100000"/>
               </a:lnSpc>
@@ -3412,7 +3505,7 @@
               <a:buSzPts val="1000"/>
               <a:buFont typeface="Arial"/>
               <a:buNone/>
-              <a:defRPr b="0" i="0" sz="1000" u="none" cap="none" strike="noStrike">
+              <a:defRPr sz="1000" b="0" i="0" u="none" strike="noStrike" cap="none">
                 <a:solidFill>
                   <a:schemeClr val="lt2"/>
                 </a:solidFill>
@@ -3422,7 +3515,7 @@
                 <a:sym typeface="Arial"/>
               </a:defRPr>
             </a:lvl8pPr>
-            <a:lvl9pPr indent="0" lvl="8" marL="0" marR="0" algn="r">
+            <a:lvl9pPr marL="0" marR="0" lvl="8" indent="0" algn="r">
               <a:lnSpc>
                 <a:spcPct val="100000"/>
               </a:lnSpc>
@@ -3438,7 +3531,7 @@
               <a:buSzPts val="1000"/>
               <a:buFont typeface="Arial"/>
               <a:buNone/>
-              <a:defRPr b="0" i="0" sz="1000" u="none" cap="none" strike="noStrike">
+              <a:defRPr sz="1000" b="0" i="0" u="none" strike="noStrike" cap="none">
                 <a:solidFill>
                   <a:schemeClr val="lt2"/>
                 </a:solidFill>
@@ -3450,7 +3543,7 @@
             </a:lvl9pPr>
           </a:lstStyle>
           <a:p>
-            <a:pPr indent="0" lvl="0" marL="0" rtl="0" algn="r">
+            <a:pPr marL="0" lvl="0" indent="0" algn="r" rtl="0">
               <a:spcBef>
                 <a:spcPts val="0"/>
               </a:spcBef>
@@ -3461,7 +3554,7 @@
             </a:pPr>
             <a:fld id="{00000000-1234-1234-1234-123412341234}" type="slidenum">
               <a:rPr lang="pt-BR"/>
-              <a:t>‹#›</a:t>
+              <a:t>‹nº›</a:t>
             </a:fld>
             <a:endParaRPr/>
           </a:p>
@@ -3476,11 +3569,11 @@
 </file>
 
 <file path=ppt/slideLayouts/slideLayout11.xml><?xml version="1.0" encoding="utf-8"?>
-<p:sldLayout xmlns:a="http://schemas.openxmlformats.org/drawingml/2006/main" xmlns:r="http://schemas.openxmlformats.org/officeDocument/2006/relationships" xmlns:mc="http://schemas.openxmlformats.org/markup-compatibility/2006" xmlns:mv="urn:schemas-microsoft-com:mac:vml" xmlns:p="http://schemas.openxmlformats.org/presentationml/2006/main" xmlns:c="http://schemas.openxmlformats.org/drawingml/2006/chart" xmlns:dgm="http://schemas.openxmlformats.org/drawingml/2006/diagram" xmlns:o="urn:schemas-microsoft-com:office:office" xmlns:v="urn:schemas-microsoft-com:vml" xmlns:pvml="urn:schemas-microsoft-com:office:powerpoint" xmlns:com="http://schemas.openxmlformats.org/drawingml/2006/compatibility" xmlns:p14="http://schemas.microsoft.com/office/powerpoint/2010/main" xmlns:p15="http://schemas.microsoft.com/office/powerpoint/2012/main" xmlns:ahyp="http://schemas.microsoft.com/office/drawing/2018/hyperlinkcolor" matchingName="Blank" type="blank">
+<p:sldLayout xmlns:a="http://schemas.openxmlformats.org/drawingml/2006/main" xmlns:r="http://schemas.openxmlformats.org/officeDocument/2006/relationships" xmlns:p="http://schemas.openxmlformats.org/presentationml/2006/main" matchingName="Blank" type="blank">
   <p:cSld name="BLANK">
     <p:spTree>
       <p:nvGrpSpPr>
-        <p:cNvPr id="48" name="Shape 48"/>
+        <p:cNvPr id="1" name="Shape 48"/>
         <p:cNvGrpSpPr/>
         <p:nvPr/>
       </p:nvGrpSpPr>
@@ -3495,9 +3588,11 @@
       <p:sp>
         <p:nvSpPr>
           <p:cNvPr id="49" name="Google Shape;49;p25"/>
-          <p:cNvSpPr txBox="1"/>
+          <p:cNvSpPr txBox="1">
+            <a:spLocks noGrp="1"/>
+          </p:cNvSpPr>
           <p:nvPr>
-            <p:ph idx="12" type="sldNum"/>
+            <p:ph type="sldNum" idx="12"/>
           </p:nvPr>
         </p:nvSpPr>
         <p:spPr>
@@ -3514,11 +3609,11 @@
           </a:ln>
         </p:spPr>
         <p:txBody>
-          <a:bodyPr anchorCtr="0" anchor="ctr" bIns="91425" lIns="91425" spcFirstLastPara="1" rIns="91425" wrap="square" tIns="91425">
+          <a:bodyPr spcFirstLastPara="1" wrap="square" lIns="91425" tIns="91425" rIns="91425" bIns="91425" anchor="ctr" anchorCtr="0">
             <a:normAutofit/>
           </a:bodyPr>
           <a:lstStyle>
-            <a:lvl1pPr indent="0" lvl="0" marL="0" marR="0" algn="r">
+            <a:lvl1pPr marL="0" marR="0" lvl="0" indent="0" algn="r">
               <a:lnSpc>
                 <a:spcPct val="100000"/>
               </a:lnSpc>
@@ -3534,7 +3629,7 @@
               <a:buSzPts val="1000"/>
               <a:buFont typeface="Arial"/>
               <a:buNone/>
-              <a:defRPr b="0" i="0" sz="1000" u="none" cap="none" strike="noStrike">
+              <a:defRPr sz="1000" b="0" i="0" u="none" strike="noStrike" cap="none">
                 <a:solidFill>
                   <a:schemeClr val="lt2"/>
                 </a:solidFill>
@@ -3544,7 +3639,7 @@
                 <a:sym typeface="Arial"/>
               </a:defRPr>
             </a:lvl1pPr>
-            <a:lvl2pPr indent="0" lvl="1" marL="0" marR="0" algn="r">
+            <a:lvl2pPr marL="0" marR="0" lvl="1" indent="0" algn="r">
               <a:lnSpc>
                 <a:spcPct val="100000"/>
               </a:lnSpc>
@@ -3560,7 +3655,7 @@
               <a:buSzPts val="1000"/>
               <a:buFont typeface="Arial"/>
               <a:buNone/>
-              <a:defRPr b="0" i="0" sz="1000" u="none" cap="none" strike="noStrike">
+              <a:defRPr sz="1000" b="0" i="0" u="none" strike="noStrike" cap="none">
                 <a:solidFill>
                   <a:schemeClr val="lt2"/>
                 </a:solidFill>
@@ -3570,7 +3665,7 @@
                 <a:sym typeface="Arial"/>
               </a:defRPr>
             </a:lvl2pPr>
-            <a:lvl3pPr indent="0" lvl="2" marL="0" marR="0" algn="r">
+            <a:lvl3pPr marL="0" marR="0" lvl="2" indent="0" algn="r">
               <a:lnSpc>
                 <a:spcPct val="100000"/>
               </a:lnSpc>
@@ -3586,7 +3681,7 @@
               <a:buSzPts val="1000"/>
               <a:buFont typeface="Arial"/>
               <a:buNone/>
-              <a:defRPr b="0" i="0" sz="1000" u="none" cap="none" strike="noStrike">
+              <a:defRPr sz="1000" b="0" i="0" u="none" strike="noStrike" cap="none">
                 <a:solidFill>
                   <a:schemeClr val="lt2"/>
                 </a:solidFill>
@@ -3596,7 +3691,7 @@
                 <a:sym typeface="Arial"/>
               </a:defRPr>
             </a:lvl3pPr>
-            <a:lvl4pPr indent="0" lvl="3" marL="0" marR="0" algn="r">
+            <a:lvl4pPr marL="0" marR="0" lvl="3" indent="0" algn="r">
               <a:lnSpc>
                 <a:spcPct val="100000"/>
               </a:lnSpc>
@@ -3612,7 +3707,7 @@
               <a:buSzPts val="1000"/>
               <a:buFont typeface="Arial"/>
               <a:buNone/>
-              <a:defRPr b="0" i="0" sz="1000" u="none" cap="none" strike="noStrike">
+              <a:defRPr sz="1000" b="0" i="0" u="none" strike="noStrike" cap="none">
                 <a:solidFill>
                   <a:schemeClr val="lt2"/>
                 </a:solidFill>
@@ -3622,7 +3717,7 @@
                 <a:sym typeface="Arial"/>
               </a:defRPr>
             </a:lvl4pPr>
-            <a:lvl5pPr indent="0" lvl="4" marL="0" marR="0" algn="r">
+            <a:lvl5pPr marL="0" marR="0" lvl="4" indent="0" algn="r">
               <a:lnSpc>
                 <a:spcPct val="100000"/>
               </a:lnSpc>
@@ -3638,7 +3733,7 @@
               <a:buSzPts val="1000"/>
               <a:buFont typeface="Arial"/>
               <a:buNone/>
-              <a:defRPr b="0" i="0" sz="1000" u="none" cap="none" strike="noStrike">
+              <a:defRPr sz="1000" b="0" i="0" u="none" strike="noStrike" cap="none">
                 <a:solidFill>
                   <a:schemeClr val="lt2"/>
                 </a:solidFill>
@@ -3648,7 +3743,7 @@
                 <a:sym typeface="Arial"/>
               </a:defRPr>
             </a:lvl5pPr>
-            <a:lvl6pPr indent="0" lvl="5" marL="0" marR="0" algn="r">
+            <a:lvl6pPr marL="0" marR="0" lvl="5" indent="0" algn="r">
               <a:lnSpc>
                 <a:spcPct val="100000"/>
               </a:lnSpc>
@@ -3664,7 +3759,7 @@
               <a:buSzPts val="1000"/>
               <a:buFont typeface="Arial"/>
               <a:buNone/>
-              <a:defRPr b="0" i="0" sz="1000" u="none" cap="none" strike="noStrike">
+              <a:defRPr sz="1000" b="0" i="0" u="none" strike="noStrike" cap="none">
                 <a:solidFill>
                   <a:schemeClr val="lt2"/>
                 </a:solidFill>
@@ -3674,7 +3769,7 @@
                 <a:sym typeface="Arial"/>
               </a:defRPr>
             </a:lvl6pPr>
-            <a:lvl7pPr indent="0" lvl="6" marL="0" marR="0" algn="r">
+            <a:lvl7pPr marL="0" marR="0" lvl="6" indent="0" algn="r">
               <a:lnSpc>
                 <a:spcPct val="100000"/>
               </a:lnSpc>
@@ -3690,7 +3785,7 @@
               <a:buSzPts val="1000"/>
               <a:buFont typeface="Arial"/>
               <a:buNone/>
-              <a:defRPr b="0" i="0" sz="1000" u="none" cap="none" strike="noStrike">
+              <a:defRPr sz="1000" b="0" i="0" u="none" strike="noStrike" cap="none">
                 <a:solidFill>
                   <a:schemeClr val="lt2"/>
                 </a:solidFill>
@@ -3700,7 +3795,7 @@
                 <a:sym typeface="Arial"/>
               </a:defRPr>
             </a:lvl7pPr>
-            <a:lvl8pPr indent="0" lvl="7" marL="0" marR="0" algn="r">
+            <a:lvl8pPr marL="0" marR="0" lvl="7" indent="0" algn="r">
               <a:lnSpc>
                 <a:spcPct val="100000"/>
               </a:lnSpc>
@@ -3716,7 +3811,7 @@
               <a:buSzPts val="1000"/>
               <a:buFont typeface="Arial"/>
               <a:buNone/>
-              <a:defRPr b="0" i="0" sz="1000" u="none" cap="none" strike="noStrike">
+              <a:defRPr sz="1000" b="0" i="0" u="none" strike="noStrike" cap="none">
                 <a:solidFill>
                   <a:schemeClr val="lt2"/>
                 </a:solidFill>
@@ -3726,7 +3821,7 @@
                 <a:sym typeface="Arial"/>
               </a:defRPr>
             </a:lvl8pPr>
-            <a:lvl9pPr indent="0" lvl="8" marL="0" marR="0" algn="r">
+            <a:lvl9pPr marL="0" marR="0" lvl="8" indent="0" algn="r">
               <a:lnSpc>
                 <a:spcPct val="100000"/>
               </a:lnSpc>
@@ -3742,7 +3837,7 @@
               <a:buSzPts val="1000"/>
               <a:buFont typeface="Arial"/>
               <a:buNone/>
-              <a:defRPr b="0" i="0" sz="1000" u="none" cap="none" strike="noStrike">
+              <a:defRPr sz="1000" b="0" i="0" u="none" strike="noStrike" cap="none">
                 <a:solidFill>
                   <a:schemeClr val="lt2"/>
                 </a:solidFill>
@@ -3754,7 +3849,7 @@
             </a:lvl9pPr>
           </a:lstStyle>
           <a:p>
-            <a:pPr indent="0" lvl="0" marL="0" rtl="0" algn="r">
+            <a:pPr marL="0" lvl="0" indent="0" algn="r" rtl="0">
               <a:spcBef>
                 <a:spcPts val="0"/>
               </a:spcBef>
@@ -3765,7 +3860,7 @@
             </a:pPr>
             <a:fld id="{00000000-1234-1234-1234-123412341234}" type="slidenum">
               <a:rPr lang="pt-BR"/>
-              <a:t>‹#›</a:t>
+              <a:t>‹nº›</a:t>
             </a:fld>
             <a:endParaRPr/>
           </a:p>
@@ -3780,11 +3875,11 @@
 </file>
 
 <file path=ppt/slideLayouts/slideLayout2.xml><?xml version="1.0" encoding="utf-8"?>
-<p:sldLayout xmlns:a="http://schemas.openxmlformats.org/drawingml/2006/main" xmlns:r="http://schemas.openxmlformats.org/officeDocument/2006/relationships" xmlns:mc="http://schemas.openxmlformats.org/markup-compatibility/2006" xmlns:mv="urn:schemas-microsoft-com:mac:vml" xmlns:p="http://schemas.openxmlformats.org/presentationml/2006/main" xmlns:c="http://schemas.openxmlformats.org/drawingml/2006/chart" xmlns:dgm="http://schemas.openxmlformats.org/drawingml/2006/diagram" xmlns:o="urn:schemas-microsoft-com:office:office" xmlns:v="urn:schemas-microsoft-com:vml" xmlns:pvml="urn:schemas-microsoft-com:office:powerpoint" xmlns:com="http://schemas.openxmlformats.org/drawingml/2006/compatibility" xmlns:p14="http://schemas.microsoft.com/office/powerpoint/2010/main" xmlns:p15="http://schemas.microsoft.com/office/powerpoint/2012/main" xmlns:ahyp="http://schemas.microsoft.com/office/drawing/2018/hyperlinkcolor" matchingName="Title and body" type="tx">
+<p:sldLayout xmlns:a="http://schemas.openxmlformats.org/drawingml/2006/main" xmlns:r="http://schemas.openxmlformats.org/officeDocument/2006/relationships" xmlns:p="http://schemas.openxmlformats.org/presentationml/2006/main" matchingName="Title and body" type="tx">
   <p:cSld name="TITLE_AND_BODY">
     <p:spTree>
       <p:nvGrpSpPr>
-        <p:cNvPr id="13" name="Shape 13"/>
+        <p:cNvPr id="1" name="Shape 13"/>
         <p:cNvGrpSpPr/>
         <p:nvPr/>
       </p:nvGrpSpPr>
@@ -3799,7 +3894,9 @@
       <p:sp>
         <p:nvSpPr>
           <p:cNvPr id="14" name="Google Shape;14;p16"/>
-          <p:cNvSpPr txBox="1"/>
+          <p:cNvSpPr txBox="1">
+            <a:spLocks noGrp="1"/>
+          </p:cNvSpPr>
           <p:nvPr>
             <p:ph type="title"/>
           </p:nvPr>
@@ -3818,7 +3915,7 @@
           </a:ln>
         </p:spPr>
         <p:txBody>
-          <a:bodyPr anchorCtr="0" anchor="t" bIns="91425" lIns="91425" spcFirstLastPara="1" rIns="91425" wrap="square" tIns="91425">
+          <a:bodyPr spcFirstLastPara="1" wrap="square" lIns="91425" tIns="91425" rIns="91425" bIns="91425" anchor="t" anchorCtr="0">
             <a:normAutofit/>
           </a:bodyPr>
           <a:lstStyle>
@@ -3949,15 +4046,19 @@
               <a:defRPr/>
             </a:lvl9pPr>
           </a:lstStyle>
-          <a:p/>
+          <a:p>
+            <a:endParaRPr/>
+          </a:p>
         </p:txBody>
       </p:sp>
       <p:sp>
         <p:nvSpPr>
           <p:cNvPr id="15" name="Google Shape;15;p16"/>
-          <p:cNvSpPr txBox="1"/>
+          <p:cNvSpPr txBox="1">
+            <a:spLocks noGrp="1"/>
+          </p:cNvSpPr>
           <p:nvPr>
-            <p:ph idx="1" type="body"/>
+            <p:ph type="body" idx="1"/>
           </p:nvPr>
         </p:nvSpPr>
         <p:spPr>
@@ -3974,11 +4075,11 @@
           </a:ln>
         </p:spPr>
         <p:txBody>
-          <a:bodyPr anchorCtr="0" anchor="t" bIns="91425" lIns="91425" spcFirstLastPara="1" rIns="91425" wrap="square" tIns="91425">
+          <a:bodyPr spcFirstLastPara="1" wrap="square" lIns="91425" tIns="91425" rIns="91425" bIns="91425" anchor="t" anchorCtr="0">
             <a:normAutofit/>
           </a:bodyPr>
           <a:lstStyle>
-            <a:lvl1pPr indent="-342900" lvl="0" marL="457200" algn="l">
+            <a:lvl1pPr marL="457200" lvl="0" indent="-342900" algn="l">
               <a:lnSpc>
                 <a:spcPct val="115000"/>
               </a:lnSpc>
@@ -3992,7 +4093,7 @@
               <a:buChar char="●"/>
               <a:defRPr/>
             </a:lvl1pPr>
-            <a:lvl2pPr indent="-317500" lvl="1" marL="914400" algn="l">
+            <a:lvl2pPr marL="914400" lvl="1" indent="-317500" algn="l">
               <a:lnSpc>
                 <a:spcPct val="115000"/>
               </a:lnSpc>
@@ -4006,7 +4107,7 @@
               <a:buChar char="○"/>
               <a:defRPr/>
             </a:lvl2pPr>
-            <a:lvl3pPr indent="-317500" lvl="2" marL="1371600" algn="l">
+            <a:lvl3pPr marL="1371600" lvl="2" indent="-317500" algn="l">
               <a:lnSpc>
                 <a:spcPct val="115000"/>
               </a:lnSpc>
@@ -4020,7 +4121,7 @@
               <a:buChar char="■"/>
               <a:defRPr/>
             </a:lvl3pPr>
-            <a:lvl4pPr indent="-317500" lvl="3" marL="1828800" algn="l">
+            <a:lvl4pPr marL="1828800" lvl="3" indent="-317500" algn="l">
               <a:lnSpc>
                 <a:spcPct val="115000"/>
               </a:lnSpc>
@@ -4034,7 +4135,7 @@
               <a:buChar char="●"/>
               <a:defRPr/>
             </a:lvl4pPr>
-            <a:lvl5pPr indent="-317500" lvl="4" marL="2286000" algn="l">
+            <a:lvl5pPr marL="2286000" lvl="4" indent="-317500" algn="l">
               <a:lnSpc>
                 <a:spcPct val="115000"/>
               </a:lnSpc>
@@ -4048,7 +4149,7 @@
               <a:buChar char="○"/>
               <a:defRPr/>
             </a:lvl5pPr>
-            <a:lvl6pPr indent="-317500" lvl="5" marL="2743200" algn="l">
+            <a:lvl6pPr marL="2743200" lvl="5" indent="-317500" algn="l">
               <a:lnSpc>
                 <a:spcPct val="115000"/>
               </a:lnSpc>
@@ -4062,7 +4163,7 @@
               <a:buChar char="■"/>
               <a:defRPr/>
             </a:lvl6pPr>
-            <a:lvl7pPr indent="-317500" lvl="6" marL="3200400" algn="l">
+            <a:lvl7pPr marL="3200400" lvl="6" indent="-317500" algn="l">
               <a:lnSpc>
                 <a:spcPct val="115000"/>
               </a:lnSpc>
@@ -4076,7 +4177,7 @@
               <a:buChar char="●"/>
               <a:defRPr/>
             </a:lvl7pPr>
-            <a:lvl8pPr indent="-317500" lvl="7" marL="3657600" algn="l">
+            <a:lvl8pPr marL="3657600" lvl="7" indent="-317500" algn="l">
               <a:lnSpc>
                 <a:spcPct val="115000"/>
               </a:lnSpc>
@@ -4090,7 +4191,7 @@
               <a:buChar char="○"/>
               <a:defRPr/>
             </a:lvl8pPr>
-            <a:lvl9pPr indent="-317500" lvl="8" marL="4114800" algn="l">
+            <a:lvl9pPr marL="4114800" lvl="8" indent="-317500" algn="l">
               <a:lnSpc>
                 <a:spcPct val="115000"/>
               </a:lnSpc>
@@ -4105,15 +4206,19 @@
               <a:defRPr/>
             </a:lvl9pPr>
           </a:lstStyle>
-          <a:p/>
+          <a:p>
+            <a:endParaRPr/>
+          </a:p>
         </p:txBody>
       </p:sp>
       <p:sp>
         <p:nvSpPr>
           <p:cNvPr id="16" name="Google Shape;16;p16"/>
-          <p:cNvSpPr txBox="1"/>
+          <p:cNvSpPr txBox="1">
+            <a:spLocks noGrp="1"/>
+          </p:cNvSpPr>
           <p:nvPr>
-            <p:ph idx="12" type="sldNum"/>
+            <p:ph type="sldNum" idx="12"/>
           </p:nvPr>
         </p:nvSpPr>
         <p:spPr>
@@ -4130,11 +4235,11 @@
           </a:ln>
         </p:spPr>
         <p:txBody>
-          <a:bodyPr anchorCtr="0" anchor="ctr" bIns="91425" lIns="91425" spcFirstLastPara="1" rIns="91425" wrap="square" tIns="91425">
+          <a:bodyPr spcFirstLastPara="1" wrap="square" lIns="91425" tIns="91425" rIns="91425" bIns="91425" anchor="ctr" anchorCtr="0">
             <a:normAutofit/>
           </a:bodyPr>
           <a:lstStyle>
-            <a:lvl1pPr indent="0" lvl="0" marL="0" marR="0" algn="r">
+            <a:lvl1pPr marL="0" marR="0" lvl="0" indent="0" algn="r">
               <a:lnSpc>
                 <a:spcPct val="100000"/>
               </a:lnSpc>
@@ -4150,7 +4255,7 @@
               <a:buSzPts val="1000"/>
               <a:buFont typeface="Arial"/>
               <a:buNone/>
-              <a:defRPr b="0" i="0" sz="1000" u="none" cap="none" strike="noStrike">
+              <a:defRPr sz="1000" b="0" i="0" u="none" strike="noStrike" cap="none">
                 <a:solidFill>
                   <a:schemeClr val="lt2"/>
                 </a:solidFill>
@@ -4160,7 +4265,7 @@
                 <a:sym typeface="Arial"/>
               </a:defRPr>
             </a:lvl1pPr>
-            <a:lvl2pPr indent="0" lvl="1" marL="0" marR="0" algn="r">
+            <a:lvl2pPr marL="0" marR="0" lvl="1" indent="0" algn="r">
               <a:lnSpc>
                 <a:spcPct val="100000"/>
               </a:lnSpc>
@@ -4176,7 +4281,7 @@
               <a:buSzPts val="1000"/>
               <a:buFont typeface="Arial"/>
               <a:buNone/>
-              <a:defRPr b="0" i="0" sz="1000" u="none" cap="none" strike="noStrike">
+              <a:defRPr sz="1000" b="0" i="0" u="none" strike="noStrike" cap="none">
                 <a:solidFill>
                   <a:schemeClr val="lt2"/>
                 </a:solidFill>
@@ -4186,7 +4291,7 @@
                 <a:sym typeface="Arial"/>
               </a:defRPr>
             </a:lvl2pPr>
-            <a:lvl3pPr indent="0" lvl="2" marL="0" marR="0" algn="r">
+            <a:lvl3pPr marL="0" marR="0" lvl="2" indent="0" algn="r">
               <a:lnSpc>
                 <a:spcPct val="100000"/>
               </a:lnSpc>
@@ -4202,7 +4307,7 @@
               <a:buSzPts val="1000"/>
               <a:buFont typeface="Arial"/>
               <a:buNone/>
-              <a:defRPr b="0" i="0" sz="1000" u="none" cap="none" strike="noStrike">
+              <a:defRPr sz="1000" b="0" i="0" u="none" strike="noStrike" cap="none">
                 <a:solidFill>
                   <a:schemeClr val="lt2"/>
                 </a:solidFill>
@@ -4212,7 +4317,7 @@
                 <a:sym typeface="Arial"/>
               </a:defRPr>
             </a:lvl3pPr>
-            <a:lvl4pPr indent="0" lvl="3" marL="0" marR="0" algn="r">
+            <a:lvl4pPr marL="0" marR="0" lvl="3" indent="0" algn="r">
               <a:lnSpc>
                 <a:spcPct val="100000"/>
               </a:lnSpc>
@@ -4228,7 +4333,7 @@
               <a:buSzPts val="1000"/>
               <a:buFont typeface="Arial"/>
               <a:buNone/>
-              <a:defRPr b="0" i="0" sz="1000" u="none" cap="none" strike="noStrike">
+              <a:defRPr sz="1000" b="0" i="0" u="none" strike="noStrike" cap="none">
                 <a:solidFill>
                   <a:schemeClr val="lt2"/>
                 </a:solidFill>
@@ -4238,7 +4343,7 @@
                 <a:sym typeface="Arial"/>
               </a:defRPr>
             </a:lvl4pPr>
-            <a:lvl5pPr indent="0" lvl="4" marL="0" marR="0" algn="r">
+            <a:lvl5pPr marL="0" marR="0" lvl="4" indent="0" algn="r">
               <a:lnSpc>
                 <a:spcPct val="100000"/>
               </a:lnSpc>
@@ -4254,7 +4359,7 @@
               <a:buSzPts val="1000"/>
               <a:buFont typeface="Arial"/>
               <a:buNone/>
-              <a:defRPr b="0" i="0" sz="1000" u="none" cap="none" strike="noStrike">
+              <a:defRPr sz="1000" b="0" i="0" u="none" strike="noStrike" cap="none">
                 <a:solidFill>
                   <a:schemeClr val="lt2"/>
                 </a:solidFill>
@@ -4264,7 +4369,7 @@
                 <a:sym typeface="Arial"/>
               </a:defRPr>
             </a:lvl5pPr>
-            <a:lvl6pPr indent="0" lvl="5" marL="0" marR="0" algn="r">
+            <a:lvl6pPr marL="0" marR="0" lvl="5" indent="0" algn="r">
               <a:lnSpc>
                 <a:spcPct val="100000"/>
               </a:lnSpc>
@@ -4280,7 +4385,7 @@
               <a:buSzPts val="1000"/>
               <a:buFont typeface="Arial"/>
               <a:buNone/>
-              <a:defRPr b="0" i="0" sz="1000" u="none" cap="none" strike="noStrike">
+              <a:defRPr sz="1000" b="0" i="0" u="none" strike="noStrike" cap="none">
                 <a:solidFill>
                   <a:schemeClr val="lt2"/>
                 </a:solidFill>
@@ -4290,7 +4395,7 @@
                 <a:sym typeface="Arial"/>
               </a:defRPr>
             </a:lvl6pPr>
-            <a:lvl7pPr indent="0" lvl="6" marL="0" marR="0" algn="r">
+            <a:lvl7pPr marL="0" marR="0" lvl="6" indent="0" algn="r">
               <a:lnSpc>
                 <a:spcPct val="100000"/>
               </a:lnSpc>
@@ -4306,7 +4411,7 @@
               <a:buSzPts val="1000"/>
               <a:buFont typeface="Arial"/>
               <a:buNone/>
-              <a:defRPr b="0" i="0" sz="1000" u="none" cap="none" strike="noStrike">
+              <a:defRPr sz="1000" b="0" i="0" u="none" strike="noStrike" cap="none">
                 <a:solidFill>
                   <a:schemeClr val="lt2"/>
                 </a:solidFill>
@@ -4316,7 +4421,7 @@
                 <a:sym typeface="Arial"/>
               </a:defRPr>
             </a:lvl7pPr>
-            <a:lvl8pPr indent="0" lvl="7" marL="0" marR="0" algn="r">
+            <a:lvl8pPr marL="0" marR="0" lvl="7" indent="0" algn="r">
               <a:lnSpc>
                 <a:spcPct val="100000"/>
               </a:lnSpc>
@@ -4332,7 +4437,7 @@
               <a:buSzPts val="1000"/>
               <a:buFont typeface="Arial"/>
               <a:buNone/>
-              <a:defRPr b="0" i="0" sz="1000" u="none" cap="none" strike="noStrike">
+              <a:defRPr sz="1000" b="0" i="0" u="none" strike="noStrike" cap="none">
                 <a:solidFill>
                   <a:schemeClr val="lt2"/>
                 </a:solidFill>
@@ -4342,7 +4447,7 @@
                 <a:sym typeface="Arial"/>
               </a:defRPr>
             </a:lvl8pPr>
-            <a:lvl9pPr indent="0" lvl="8" marL="0" marR="0" algn="r">
+            <a:lvl9pPr marL="0" marR="0" lvl="8" indent="0" algn="r">
               <a:lnSpc>
                 <a:spcPct val="100000"/>
               </a:lnSpc>
@@ -4358,7 +4463,7 @@
               <a:buSzPts val="1000"/>
               <a:buFont typeface="Arial"/>
               <a:buNone/>
-              <a:defRPr b="0" i="0" sz="1000" u="none" cap="none" strike="noStrike">
+              <a:defRPr sz="1000" b="0" i="0" u="none" strike="noStrike" cap="none">
                 <a:solidFill>
                   <a:schemeClr val="lt2"/>
                 </a:solidFill>
@@ -4370,7 +4475,7 @@
             </a:lvl9pPr>
           </a:lstStyle>
           <a:p>
-            <a:pPr indent="0" lvl="0" marL="0" rtl="0" algn="r">
+            <a:pPr marL="0" lvl="0" indent="0" algn="r" rtl="0">
               <a:spcBef>
                 <a:spcPts val="0"/>
               </a:spcBef>
@@ -4381,7 +4486,7 @@
             </a:pPr>
             <a:fld id="{00000000-1234-1234-1234-123412341234}" type="slidenum">
               <a:rPr lang="pt-BR"/>
-              <a:t>‹#›</a:t>
+              <a:t>‹nº›</a:t>
             </a:fld>
             <a:endParaRPr/>
           </a:p>
@@ -4396,11 +4501,11 @@
 </file>
 
 <file path=ppt/slideLayouts/slideLayout3.xml><?xml version="1.0" encoding="utf-8"?>
-<p:sldLayout xmlns:a="http://schemas.openxmlformats.org/drawingml/2006/main" xmlns:r="http://schemas.openxmlformats.org/officeDocument/2006/relationships" xmlns:mc="http://schemas.openxmlformats.org/markup-compatibility/2006" xmlns:mv="urn:schemas-microsoft-com:mac:vml" xmlns:p="http://schemas.openxmlformats.org/presentationml/2006/main" xmlns:c="http://schemas.openxmlformats.org/drawingml/2006/chart" xmlns:dgm="http://schemas.openxmlformats.org/drawingml/2006/diagram" xmlns:o="urn:schemas-microsoft-com:office:office" xmlns:v="urn:schemas-microsoft-com:vml" xmlns:pvml="urn:schemas-microsoft-com:office:powerpoint" xmlns:com="http://schemas.openxmlformats.org/drawingml/2006/compatibility" xmlns:p14="http://schemas.microsoft.com/office/powerpoint/2010/main" xmlns:p15="http://schemas.microsoft.com/office/powerpoint/2012/main" xmlns:ahyp="http://schemas.microsoft.com/office/drawing/2018/hyperlinkcolor" matchingName="Section header" type="secHead">
+<p:sldLayout xmlns:a="http://schemas.openxmlformats.org/drawingml/2006/main" xmlns:r="http://schemas.openxmlformats.org/officeDocument/2006/relationships" xmlns:p="http://schemas.openxmlformats.org/presentationml/2006/main" matchingName="Section header" type="secHead">
   <p:cSld name="SECTION_HEADER">
     <p:spTree>
       <p:nvGrpSpPr>
-        <p:cNvPr id="17" name="Shape 17"/>
+        <p:cNvPr id="1" name="Shape 17"/>
         <p:cNvGrpSpPr/>
         <p:nvPr/>
       </p:nvGrpSpPr>
@@ -4415,7 +4520,9 @@
       <p:sp>
         <p:nvSpPr>
           <p:cNvPr id="18" name="Google Shape;18;p17"/>
-          <p:cNvSpPr txBox="1"/>
+          <p:cNvSpPr txBox="1">
+            <a:spLocks noGrp="1"/>
+          </p:cNvSpPr>
           <p:nvPr>
             <p:ph type="title"/>
           </p:nvPr>
@@ -4434,7 +4541,7 @@
           </a:ln>
         </p:spPr>
         <p:txBody>
-          <a:bodyPr anchorCtr="0" anchor="ctr" bIns="91425" lIns="91425" spcFirstLastPara="1" rIns="91425" wrap="square" tIns="91425">
+          <a:bodyPr spcFirstLastPara="1" wrap="square" lIns="91425" tIns="91425" rIns="91425" bIns="91425" anchor="ctr" anchorCtr="0">
             <a:normAutofit/>
           </a:bodyPr>
           <a:lstStyle>
@@ -4565,15 +4672,19 @@
               <a:defRPr sz="3600"/>
             </a:lvl9pPr>
           </a:lstStyle>
-          <a:p/>
+          <a:p>
+            <a:endParaRPr/>
+          </a:p>
         </p:txBody>
       </p:sp>
       <p:sp>
         <p:nvSpPr>
           <p:cNvPr id="19" name="Google Shape;19;p17"/>
-          <p:cNvSpPr txBox="1"/>
+          <p:cNvSpPr txBox="1">
+            <a:spLocks noGrp="1"/>
+          </p:cNvSpPr>
           <p:nvPr>
-            <p:ph idx="12" type="sldNum"/>
+            <p:ph type="sldNum" idx="12"/>
           </p:nvPr>
         </p:nvSpPr>
         <p:spPr>
@@ -4590,11 +4701,11 @@
           </a:ln>
         </p:spPr>
         <p:txBody>
-          <a:bodyPr anchorCtr="0" anchor="ctr" bIns="91425" lIns="91425" spcFirstLastPara="1" rIns="91425" wrap="square" tIns="91425">
+          <a:bodyPr spcFirstLastPara="1" wrap="square" lIns="91425" tIns="91425" rIns="91425" bIns="91425" anchor="ctr" anchorCtr="0">
             <a:normAutofit/>
           </a:bodyPr>
           <a:lstStyle>
-            <a:lvl1pPr indent="0" lvl="0" marL="0" marR="0" algn="r">
+            <a:lvl1pPr marL="0" marR="0" lvl="0" indent="0" algn="r">
               <a:lnSpc>
                 <a:spcPct val="100000"/>
               </a:lnSpc>
@@ -4610,7 +4721,7 @@
               <a:buSzPts val="1000"/>
               <a:buFont typeface="Arial"/>
               <a:buNone/>
-              <a:defRPr b="0" i="0" sz="1000" u="none" cap="none" strike="noStrike">
+              <a:defRPr sz="1000" b="0" i="0" u="none" strike="noStrike" cap="none">
                 <a:solidFill>
                   <a:schemeClr val="lt2"/>
                 </a:solidFill>
@@ -4620,7 +4731,7 @@
                 <a:sym typeface="Arial"/>
               </a:defRPr>
             </a:lvl1pPr>
-            <a:lvl2pPr indent="0" lvl="1" marL="0" marR="0" algn="r">
+            <a:lvl2pPr marL="0" marR="0" lvl="1" indent="0" algn="r">
               <a:lnSpc>
                 <a:spcPct val="100000"/>
               </a:lnSpc>
@@ -4636,7 +4747,7 @@
               <a:buSzPts val="1000"/>
               <a:buFont typeface="Arial"/>
               <a:buNone/>
-              <a:defRPr b="0" i="0" sz="1000" u="none" cap="none" strike="noStrike">
+              <a:defRPr sz="1000" b="0" i="0" u="none" strike="noStrike" cap="none">
                 <a:solidFill>
                   <a:schemeClr val="lt2"/>
                 </a:solidFill>
@@ -4646,7 +4757,7 @@
                 <a:sym typeface="Arial"/>
               </a:defRPr>
             </a:lvl2pPr>
-            <a:lvl3pPr indent="0" lvl="2" marL="0" marR="0" algn="r">
+            <a:lvl3pPr marL="0" marR="0" lvl="2" indent="0" algn="r">
               <a:lnSpc>
                 <a:spcPct val="100000"/>
               </a:lnSpc>
@@ -4662,7 +4773,7 @@
               <a:buSzPts val="1000"/>
               <a:buFont typeface="Arial"/>
               <a:buNone/>
-              <a:defRPr b="0" i="0" sz="1000" u="none" cap="none" strike="noStrike">
+              <a:defRPr sz="1000" b="0" i="0" u="none" strike="noStrike" cap="none">
                 <a:solidFill>
                   <a:schemeClr val="lt2"/>
                 </a:solidFill>
@@ -4672,7 +4783,7 @@
                 <a:sym typeface="Arial"/>
               </a:defRPr>
             </a:lvl3pPr>
-            <a:lvl4pPr indent="0" lvl="3" marL="0" marR="0" algn="r">
+            <a:lvl4pPr marL="0" marR="0" lvl="3" indent="0" algn="r">
               <a:lnSpc>
                 <a:spcPct val="100000"/>
               </a:lnSpc>
@@ -4688,7 +4799,7 @@
               <a:buSzPts val="1000"/>
               <a:buFont typeface="Arial"/>
               <a:buNone/>
-              <a:defRPr b="0" i="0" sz="1000" u="none" cap="none" strike="noStrike">
+              <a:defRPr sz="1000" b="0" i="0" u="none" strike="noStrike" cap="none">
                 <a:solidFill>
                   <a:schemeClr val="lt2"/>
                 </a:solidFill>
@@ -4698,7 +4809,7 @@
                 <a:sym typeface="Arial"/>
               </a:defRPr>
             </a:lvl4pPr>
-            <a:lvl5pPr indent="0" lvl="4" marL="0" marR="0" algn="r">
+            <a:lvl5pPr marL="0" marR="0" lvl="4" indent="0" algn="r">
               <a:lnSpc>
                 <a:spcPct val="100000"/>
               </a:lnSpc>
@@ -4714,7 +4825,7 @@
               <a:buSzPts val="1000"/>
               <a:buFont typeface="Arial"/>
               <a:buNone/>
-              <a:defRPr b="0" i="0" sz="1000" u="none" cap="none" strike="noStrike">
+              <a:defRPr sz="1000" b="0" i="0" u="none" strike="noStrike" cap="none">
                 <a:solidFill>
                   <a:schemeClr val="lt2"/>
                 </a:solidFill>
@@ -4724,7 +4835,7 @@
                 <a:sym typeface="Arial"/>
               </a:defRPr>
             </a:lvl5pPr>
-            <a:lvl6pPr indent="0" lvl="5" marL="0" marR="0" algn="r">
+            <a:lvl6pPr marL="0" marR="0" lvl="5" indent="0" algn="r">
               <a:lnSpc>
                 <a:spcPct val="100000"/>
               </a:lnSpc>
@@ -4740,7 +4851,7 @@
               <a:buSzPts val="1000"/>
               <a:buFont typeface="Arial"/>
               <a:buNone/>
-              <a:defRPr b="0" i="0" sz="1000" u="none" cap="none" strike="noStrike">
+              <a:defRPr sz="1000" b="0" i="0" u="none" strike="noStrike" cap="none">
                 <a:solidFill>
                   <a:schemeClr val="lt2"/>
                 </a:solidFill>
@@ -4750,7 +4861,7 @@
                 <a:sym typeface="Arial"/>
               </a:defRPr>
             </a:lvl6pPr>
-            <a:lvl7pPr indent="0" lvl="6" marL="0" marR="0" algn="r">
+            <a:lvl7pPr marL="0" marR="0" lvl="6" indent="0" algn="r">
               <a:lnSpc>
                 <a:spcPct val="100000"/>
               </a:lnSpc>
@@ -4766,7 +4877,7 @@
               <a:buSzPts val="1000"/>
               <a:buFont typeface="Arial"/>
               <a:buNone/>
-              <a:defRPr b="0" i="0" sz="1000" u="none" cap="none" strike="noStrike">
+              <a:defRPr sz="1000" b="0" i="0" u="none" strike="noStrike" cap="none">
                 <a:solidFill>
                   <a:schemeClr val="lt2"/>
                 </a:solidFill>
@@ -4776,7 +4887,7 @@
                 <a:sym typeface="Arial"/>
               </a:defRPr>
             </a:lvl7pPr>
-            <a:lvl8pPr indent="0" lvl="7" marL="0" marR="0" algn="r">
+            <a:lvl8pPr marL="0" marR="0" lvl="7" indent="0" algn="r">
               <a:lnSpc>
                 <a:spcPct val="100000"/>
               </a:lnSpc>
@@ -4792,7 +4903,7 @@
               <a:buSzPts val="1000"/>
               <a:buFont typeface="Arial"/>
               <a:buNone/>
-              <a:defRPr b="0" i="0" sz="1000" u="none" cap="none" strike="noStrike">
+              <a:defRPr sz="1000" b="0" i="0" u="none" strike="noStrike" cap="none">
                 <a:solidFill>
                   <a:schemeClr val="lt2"/>
                 </a:solidFill>
@@ -4802,7 +4913,7 @@
                 <a:sym typeface="Arial"/>
               </a:defRPr>
             </a:lvl8pPr>
-            <a:lvl9pPr indent="0" lvl="8" marL="0" marR="0" algn="r">
+            <a:lvl9pPr marL="0" marR="0" lvl="8" indent="0" algn="r">
               <a:lnSpc>
                 <a:spcPct val="100000"/>
               </a:lnSpc>
@@ -4818,7 +4929,7 @@
               <a:buSzPts val="1000"/>
               <a:buFont typeface="Arial"/>
               <a:buNone/>
-              <a:defRPr b="0" i="0" sz="1000" u="none" cap="none" strike="noStrike">
+              <a:defRPr sz="1000" b="0" i="0" u="none" strike="noStrike" cap="none">
                 <a:solidFill>
                   <a:schemeClr val="lt2"/>
                 </a:solidFill>
@@ -4830,7 +4941,7 @@
             </a:lvl9pPr>
           </a:lstStyle>
           <a:p>
-            <a:pPr indent="0" lvl="0" marL="0" rtl="0" algn="r">
+            <a:pPr marL="0" lvl="0" indent="0" algn="r" rtl="0">
               <a:spcBef>
                 <a:spcPts val="0"/>
               </a:spcBef>
@@ -4841,7 +4952,7 @@
             </a:pPr>
             <a:fld id="{00000000-1234-1234-1234-123412341234}" type="slidenum">
               <a:rPr lang="pt-BR"/>
-              <a:t>‹#›</a:t>
+              <a:t>‹nº›</a:t>
             </a:fld>
             <a:endParaRPr/>
           </a:p>
@@ -4856,11 +4967,11 @@
 </file>
 
 <file path=ppt/slideLayouts/slideLayout4.xml><?xml version="1.0" encoding="utf-8"?>
-<p:sldLayout xmlns:a="http://schemas.openxmlformats.org/drawingml/2006/main" xmlns:r="http://schemas.openxmlformats.org/officeDocument/2006/relationships" xmlns:mc="http://schemas.openxmlformats.org/markup-compatibility/2006" xmlns:mv="urn:schemas-microsoft-com:mac:vml" xmlns:p="http://schemas.openxmlformats.org/presentationml/2006/main" xmlns:c="http://schemas.openxmlformats.org/drawingml/2006/chart" xmlns:dgm="http://schemas.openxmlformats.org/drawingml/2006/diagram" xmlns:o="urn:schemas-microsoft-com:office:office" xmlns:v="urn:schemas-microsoft-com:vml" xmlns:pvml="urn:schemas-microsoft-com:office:powerpoint" xmlns:com="http://schemas.openxmlformats.org/drawingml/2006/compatibility" xmlns:p14="http://schemas.microsoft.com/office/powerpoint/2010/main" xmlns:p15="http://schemas.microsoft.com/office/powerpoint/2012/main" xmlns:ahyp="http://schemas.microsoft.com/office/drawing/2018/hyperlinkcolor" matchingName="Title and two columns" type="twoColTx">
+<p:sldLayout xmlns:a="http://schemas.openxmlformats.org/drawingml/2006/main" xmlns:r="http://schemas.openxmlformats.org/officeDocument/2006/relationships" xmlns:p="http://schemas.openxmlformats.org/presentationml/2006/main" matchingName="Title and two columns" type="twoColTx">
   <p:cSld name="TITLE_AND_TWO_COLUMNS">
     <p:spTree>
       <p:nvGrpSpPr>
-        <p:cNvPr id="20" name="Shape 20"/>
+        <p:cNvPr id="1" name="Shape 20"/>
         <p:cNvGrpSpPr/>
         <p:nvPr/>
       </p:nvGrpSpPr>
@@ -4875,7 +4986,9 @@
       <p:sp>
         <p:nvSpPr>
           <p:cNvPr id="21" name="Google Shape;21;p18"/>
-          <p:cNvSpPr txBox="1"/>
+          <p:cNvSpPr txBox="1">
+            <a:spLocks noGrp="1"/>
+          </p:cNvSpPr>
           <p:nvPr>
             <p:ph type="title"/>
           </p:nvPr>
@@ -4894,7 +5007,7 @@
           </a:ln>
         </p:spPr>
         <p:txBody>
-          <a:bodyPr anchorCtr="0" anchor="t" bIns="91425" lIns="91425" spcFirstLastPara="1" rIns="91425" wrap="square" tIns="91425">
+          <a:bodyPr spcFirstLastPara="1" wrap="square" lIns="91425" tIns="91425" rIns="91425" bIns="91425" anchor="t" anchorCtr="0">
             <a:normAutofit/>
           </a:bodyPr>
           <a:lstStyle>
@@ -5025,15 +5138,19 @@
               <a:defRPr/>
             </a:lvl9pPr>
           </a:lstStyle>
-          <a:p/>
+          <a:p>
+            <a:endParaRPr/>
+          </a:p>
         </p:txBody>
       </p:sp>
       <p:sp>
         <p:nvSpPr>
           <p:cNvPr id="22" name="Google Shape;22;p18"/>
-          <p:cNvSpPr txBox="1"/>
+          <p:cNvSpPr txBox="1">
+            <a:spLocks noGrp="1"/>
+          </p:cNvSpPr>
           <p:nvPr>
-            <p:ph idx="1" type="body"/>
+            <p:ph type="body" idx="1"/>
           </p:nvPr>
         </p:nvSpPr>
         <p:spPr>
@@ -5050,11 +5167,11 @@
           </a:ln>
         </p:spPr>
         <p:txBody>
-          <a:bodyPr anchorCtr="0" anchor="t" bIns="91425" lIns="91425" spcFirstLastPara="1" rIns="91425" wrap="square" tIns="91425">
+          <a:bodyPr spcFirstLastPara="1" wrap="square" lIns="91425" tIns="91425" rIns="91425" bIns="91425" anchor="t" anchorCtr="0">
             <a:normAutofit/>
           </a:bodyPr>
           <a:lstStyle>
-            <a:lvl1pPr indent="-317500" lvl="0" marL="457200" algn="l">
+            <a:lvl1pPr marL="457200" lvl="0" indent="-317500" algn="l">
               <a:lnSpc>
                 <a:spcPct val="115000"/>
               </a:lnSpc>
@@ -5068,7 +5185,7 @@
               <a:buChar char="●"/>
               <a:defRPr sz="1400"/>
             </a:lvl1pPr>
-            <a:lvl2pPr indent="-304800" lvl="1" marL="914400" algn="l">
+            <a:lvl2pPr marL="914400" lvl="1" indent="-304800" algn="l">
               <a:lnSpc>
                 <a:spcPct val="115000"/>
               </a:lnSpc>
@@ -5082,7 +5199,7 @@
               <a:buChar char="○"/>
               <a:defRPr sz="1200"/>
             </a:lvl2pPr>
-            <a:lvl3pPr indent="-304800" lvl="2" marL="1371600" algn="l">
+            <a:lvl3pPr marL="1371600" lvl="2" indent="-304800" algn="l">
               <a:lnSpc>
                 <a:spcPct val="115000"/>
               </a:lnSpc>
@@ -5096,7 +5213,7 @@
               <a:buChar char="■"/>
               <a:defRPr sz="1200"/>
             </a:lvl3pPr>
-            <a:lvl4pPr indent="-304800" lvl="3" marL="1828800" algn="l">
+            <a:lvl4pPr marL="1828800" lvl="3" indent="-304800" algn="l">
               <a:lnSpc>
                 <a:spcPct val="115000"/>
               </a:lnSpc>
@@ -5110,7 +5227,7 @@
               <a:buChar char="●"/>
               <a:defRPr sz="1200"/>
             </a:lvl4pPr>
-            <a:lvl5pPr indent="-304800" lvl="4" marL="2286000" algn="l">
+            <a:lvl5pPr marL="2286000" lvl="4" indent="-304800" algn="l">
               <a:lnSpc>
                 <a:spcPct val="115000"/>
               </a:lnSpc>
@@ -5124,7 +5241,7 @@
               <a:buChar char="○"/>
               <a:defRPr sz="1200"/>
             </a:lvl5pPr>
-            <a:lvl6pPr indent="-304800" lvl="5" marL="2743200" algn="l">
+            <a:lvl6pPr marL="2743200" lvl="5" indent="-304800" algn="l">
               <a:lnSpc>
                 <a:spcPct val="115000"/>
               </a:lnSpc>
@@ -5138,7 +5255,7 @@
               <a:buChar char="■"/>
               <a:defRPr sz="1200"/>
             </a:lvl6pPr>
-            <a:lvl7pPr indent="-304800" lvl="6" marL="3200400" algn="l">
+            <a:lvl7pPr marL="3200400" lvl="6" indent="-304800" algn="l">
               <a:lnSpc>
                 <a:spcPct val="115000"/>
               </a:lnSpc>
@@ -5152,7 +5269,7 @@
               <a:buChar char="●"/>
               <a:defRPr sz="1200"/>
             </a:lvl7pPr>
-            <a:lvl8pPr indent="-304800" lvl="7" marL="3657600" algn="l">
+            <a:lvl8pPr marL="3657600" lvl="7" indent="-304800" algn="l">
               <a:lnSpc>
                 <a:spcPct val="115000"/>
               </a:lnSpc>
@@ -5166,7 +5283,7 @@
               <a:buChar char="○"/>
               <a:defRPr sz="1200"/>
             </a:lvl8pPr>
-            <a:lvl9pPr indent="-304800" lvl="8" marL="4114800" algn="l">
+            <a:lvl9pPr marL="4114800" lvl="8" indent="-304800" algn="l">
               <a:lnSpc>
                 <a:spcPct val="115000"/>
               </a:lnSpc>
@@ -5181,15 +5298,19 @@
               <a:defRPr sz="1200"/>
             </a:lvl9pPr>
           </a:lstStyle>
-          <a:p/>
+          <a:p>
+            <a:endParaRPr/>
+          </a:p>
         </p:txBody>
       </p:sp>
       <p:sp>
         <p:nvSpPr>
           <p:cNvPr id="23" name="Google Shape;23;p18"/>
-          <p:cNvSpPr txBox="1"/>
+          <p:cNvSpPr txBox="1">
+            <a:spLocks noGrp="1"/>
+          </p:cNvSpPr>
           <p:nvPr>
-            <p:ph idx="2" type="body"/>
+            <p:ph type="body" idx="2"/>
           </p:nvPr>
         </p:nvSpPr>
         <p:spPr>
@@ -5206,11 +5327,11 @@
           </a:ln>
         </p:spPr>
         <p:txBody>
-          <a:bodyPr anchorCtr="0" anchor="t" bIns="91425" lIns="91425" spcFirstLastPara="1" rIns="91425" wrap="square" tIns="91425">
+          <a:bodyPr spcFirstLastPara="1" wrap="square" lIns="91425" tIns="91425" rIns="91425" bIns="91425" anchor="t" anchorCtr="0">
             <a:normAutofit/>
           </a:bodyPr>
           <a:lstStyle>
-            <a:lvl1pPr indent="-317500" lvl="0" marL="457200" algn="l">
+            <a:lvl1pPr marL="457200" lvl="0" indent="-317500" algn="l">
               <a:lnSpc>
                 <a:spcPct val="115000"/>
               </a:lnSpc>
@@ -5224,7 +5345,7 @@
               <a:buChar char="●"/>
               <a:defRPr sz="1400"/>
             </a:lvl1pPr>
-            <a:lvl2pPr indent="-304800" lvl="1" marL="914400" algn="l">
+            <a:lvl2pPr marL="914400" lvl="1" indent="-304800" algn="l">
               <a:lnSpc>
                 <a:spcPct val="115000"/>
               </a:lnSpc>
@@ -5238,7 +5359,7 @@
               <a:buChar char="○"/>
               <a:defRPr sz="1200"/>
             </a:lvl2pPr>
-            <a:lvl3pPr indent="-304800" lvl="2" marL="1371600" algn="l">
+            <a:lvl3pPr marL="1371600" lvl="2" indent="-304800" algn="l">
               <a:lnSpc>
                 <a:spcPct val="115000"/>
               </a:lnSpc>
@@ -5252,7 +5373,7 @@
               <a:buChar char="■"/>
               <a:defRPr sz="1200"/>
             </a:lvl3pPr>
-            <a:lvl4pPr indent="-304800" lvl="3" marL="1828800" algn="l">
+            <a:lvl4pPr marL="1828800" lvl="3" indent="-304800" algn="l">
               <a:lnSpc>
                 <a:spcPct val="115000"/>
               </a:lnSpc>
@@ -5266,7 +5387,7 @@
               <a:buChar char="●"/>
               <a:defRPr sz="1200"/>
             </a:lvl4pPr>
-            <a:lvl5pPr indent="-304800" lvl="4" marL="2286000" algn="l">
+            <a:lvl5pPr marL="2286000" lvl="4" indent="-304800" algn="l">
               <a:lnSpc>
                 <a:spcPct val="115000"/>
               </a:lnSpc>
@@ -5280,7 +5401,7 @@
               <a:buChar char="○"/>
               <a:defRPr sz="1200"/>
             </a:lvl5pPr>
-            <a:lvl6pPr indent="-304800" lvl="5" marL="2743200" algn="l">
+            <a:lvl6pPr marL="2743200" lvl="5" indent="-304800" algn="l">
               <a:lnSpc>
                 <a:spcPct val="115000"/>
               </a:lnSpc>
@@ -5294,7 +5415,7 @@
               <a:buChar char="■"/>
               <a:defRPr sz="1200"/>
             </a:lvl6pPr>
-            <a:lvl7pPr indent="-304800" lvl="6" marL="3200400" algn="l">
+            <a:lvl7pPr marL="3200400" lvl="6" indent="-304800" algn="l">
               <a:lnSpc>
                 <a:spcPct val="115000"/>
               </a:lnSpc>
@@ -5308,7 +5429,7 @@
               <a:buChar char="●"/>
               <a:defRPr sz="1200"/>
             </a:lvl7pPr>
-            <a:lvl8pPr indent="-304800" lvl="7" marL="3657600" algn="l">
+            <a:lvl8pPr marL="3657600" lvl="7" indent="-304800" algn="l">
               <a:lnSpc>
                 <a:spcPct val="115000"/>
               </a:lnSpc>
@@ -5322,7 +5443,7 @@
               <a:buChar char="○"/>
               <a:defRPr sz="1200"/>
             </a:lvl8pPr>
-            <a:lvl9pPr indent="-304800" lvl="8" marL="4114800" algn="l">
+            <a:lvl9pPr marL="4114800" lvl="8" indent="-304800" algn="l">
               <a:lnSpc>
                 <a:spcPct val="115000"/>
               </a:lnSpc>
@@ -5337,15 +5458,19 @@
               <a:defRPr sz="1200"/>
             </a:lvl9pPr>
           </a:lstStyle>
-          <a:p/>
+          <a:p>
+            <a:endParaRPr/>
+          </a:p>
         </p:txBody>
       </p:sp>
       <p:sp>
         <p:nvSpPr>
           <p:cNvPr id="24" name="Google Shape;24;p18"/>
-          <p:cNvSpPr txBox="1"/>
+          <p:cNvSpPr txBox="1">
+            <a:spLocks noGrp="1"/>
+          </p:cNvSpPr>
           <p:nvPr>
-            <p:ph idx="12" type="sldNum"/>
+            <p:ph type="sldNum" idx="12"/>
           </p:nvPr>
         </p:nvSpPr>
         <p:spPr>
@@ -5362,11 +5487,11 @@
           </a:ln>
         </p:spPr>
         <p:txBody>
-          <a:bodyPr anchorCtr="0" anchor="ctr" bIns="91425" lIns="91425" spcFirstLastPara="1" rIns="91425" wrap="square" tIns="91425">
+          <a:bodyPr spcFirstLastPara="1" wrap="square" lIns="91425" tIns="91425" rIns="91425" bIns="91425" anchor="ctr" anchorCtr="0">
             <a:normAutofit/>
           </a:bodyPr>
           <a:lstStyle>
-            <a:lvl1pPr indent="0" lvl="0" marL="0" marR="0" algn="r">
+            <a:lvl1pPr marL="0" marR="0" lvl="0" indent="0" algn="r">
               <a:lnSpc>
                 <a:spcPct val="100000"/>
               </a:lnSpc>
@@ -5382,7 +5507,7 @@
               <a:buSzPts val="1000"/>
               <a:buFont typeface="Arial"/>
               <a:buNone/>
-              <a:defRPr b="0" i="0" sz="1000" u="none" cap="none" strike="noStrike">
+              <a:defRPr sz="1000" b="0" i="0" u="none" strike="noStrike" cap="none">
                 <a:solidFill>
                   <a:schemeClr val="lt2"/>
                 </a:solidFill>
@@ -5392,7 +5517,7 @@
                 <a:sym typeface="Arial"/>
               </a:defRPr>
             </a:lvl1pPr>
-            <a:lvl2pPr indent="0" lvl="1" marL="0" marR="0" algn="r">
+            <a:lvl2pPr marL="0" marR="0" lvl="1" indent="0" algn="r">
               <a:lnSpc>
                 <a:spcPct val="100000"/>
               </a:lnSpc>
@@ -5408,7 +5533,7 @@
               <a:buSzPts val="1000"/>
               <a:buFont typeface="Arial"/>
               <a:buNone/>
-              <a:defRPr b="0" i="0" sz="1000" u="none" cap="none" strike="noStrike">
+              <a:defRPr sz="1000" b="0" i="0" u="none" strike="noStrike" cap="none">
                 <a:solidFill>
                   <a:schemeClr val="lt2"/>
                 </a:solidFill>
@@ -5418,7 +5543,7 @@
                 <a:sym typeface="Arial"/>
               </a:defRPr>
             </a:lvl2pPr>
-            <a:lvl3pPr indent="0" lvl="2" marL="0" marR="0" algn="r">
+            <a:lvl3pPr marL="0" marR="0" lvl="2" indent="0" algn="r">
               <a:lnSpc>
                 <a:spcPct val="100000"/>
               </a:lnSpc>
@@ -5434,7 +5559,7 @@
               <a:buSzPts val="1000"/>
               <a:buFont typeface="Arial"/>
               <a:buNone/>
-              <a:defRPr b="0" i="0" sz="1000" u="none" cap="none" strike="noStrike">
+              <a:defRPr sz="1000" b="0" i="0" u="none" strike="noStrike" cap="none">
                 <a:solidFill>
                   <a:schemeClr val="lt2"/>
                 </a:solidFill>
@@ -5444,7 +5569,7 @@
                 <a:sym typeface="Arial"/>
               </a:defRPr>
             </a:lvl3pPr>
-            <a:lvl4pPr indent="0" lvl="3" marL="0" marR="0" algn="r">
+            <a:lvl4pPr marL="0" marR="0" lvl="3" indent="0" algn="r">
               <a:lnSpc>
                 <a:spcPct val="100000"/>
               </a:lnSpc>
@@ -5460,7 +5585,7 @@
               <a:buSzPts val="1000"/>
               <a:buFont typeface="Arial"/>
               <a:buNone/>
-              <a:defRPr b="0" i="0" sz="1000" u="none" cap="none" strike="noStrike">
+              <a:defRPr sz="1000" b="0" i="0" u="none" strike="noStrike" cap="none">
                 <a:solidFill>
                   <a:schemeClr val="lt2"/>
                 </a:solidFill>
@@ -5470,7 +5595,7 @@
                 <a:sym typeface="Arial"/>
               </a:defRPr>
             </a:lvl4pPr>
-            <a:lvl5pPr indent="0" lvl="4" marL="0" marR="0" algn="r">
+            <a:lvl5pPr marL="0" marR="0" lvl="4" indent="0" algn="r">
               <a:lnSpc>
                 <a:spcPct val="100000"/>
               </a:lnSpc>
@@ -5486,7 +5611,7 @@
               <a:buSzPts val="1000"/>
               <a:buFont typeface="Arial"/>
               <a:buNone/>
-              <a:defRPr b="0" i="0" sz="1000" u="none" cap="none" strike="noStrike">
+              <a:defRPr sz="1000" b="0" i="0" u="none" strike="noStrike" cap="none">
                 <a:solidFill>
                   <a:schemeClr val="lt2"/>
                 </a:solidFill>
@@ -5496,7 +5621,7 @@
                 <a:sym typeface="Arial"/>
               </a:defRPr>
             </a:lvl5pPr>
-            <a:lvl6pPr indent="0" lvl="5" marL="0" marR="0" algn="r">
+            <a:lvl6pPr marL="0" marR="0" lvl="5" indent="0" algn="r">
               <a:lnSpc>
                 <a:spcPct val="100000"/>
               </a:lnSpc>
@@ -5512,7 +5637,7 @@
               <a:buSzPts val="1000"/>
               <a:buFont typeface="Arial"/>
               <a:buNone/>
-              <a:defRPr b="0" i="0" sz="1000" u="none" cap="none" strike="noStrike">
+              <a:defRPr sz="1000" b="0" i="0" u="none" strike="noStrike" cap="none">
                 <a:solidFill>
                   <a:schemeClr val="lt2"/>
                 </a:solidFill>
@@ -5522,7 +5647,7 @@
                 <a:sym typeface="Arial"/>
               </a:defRPr>
             </a:lvl6pPr>
-            <a:lvl7pPr indent="0" lvl="6" marL="0" marR="0" algn="r">
+            <a:lvl7pPr marL="0" marR="0" lvl="6" indent="0" algn="r">
               <a:lnSpc>
                 <a:spcPct val="100000"/>
               </a:lnSpc>
@@ -5538,7 +5663,7 @@
               <a:buSzPts val="1000"/>
               <a:buFont typeface="Arial"/>
               <a:buNone/>
-              <a:defRPr b="0" i="0" sz="1000" u="none" cap="none" strike="noStrike">
+              <a:defRPr sz="1000" b="0" i="0" u="none" strike="noStrike" cap="none">
                 <a:solidFill>
                   <a:schemeClr val="lt2"/>
                 </a:solidFill>
@@ -5548,7 +5673,7 @@
                 <a:sym typeface="Arial"/>
               </a:defRPr>
             </a:lvl7pPr>
-            <a:lvl8pPr indent="0" lvl="7" marL="0" marR="0" algn="r">
+            <a:lvl8pPr marL="0" marR="0" lvl="7" indent="0" algn="r">
               <a:lnSpc>
                 <a:spcPct val="100000"/>
               </a:lnSpc>
@@ -5564,7 +5689,7 @@
               <a:buSzPts val="1000"/>
               <a:buFont typeface="Arial"/>
               <a:buNone/>
-              <a:defRPr b="0" i="0" sz="1000" u="none" cap="none" strike="noStrike">
+              <a:defRPr sz="1000" b="0" i="0" u="none" strike="noStrike" cap="none">
                 <a:solidFill>
                   <a:schemeClr val="lt2"/>
                 </a:solidFill>
@@ -5574,7 +5699,7 @@
                 <a:sym typeface="Arial"/>
               </a:defRPr>
             </a:lvl8pPr>
-            <a:lvl9pPr indent="0" lvl="8" marL="0" marR="0" algn="r">
+            <a:lvl9pPr marL="0" marR="0" lvl="8" indent="0" algn="r">
               <a:lnSpc>
                 <a:spcPct val="100000"/>
               </a:lnSpc>
@@ -5590,7 +5715,7 @@
               <a:buSzPts val="1000"/>
               <a:buFont typeface="Arial"/>
               <a:buNone/>
-              <a:defRPr b="0" i="0" sz="1000" u="none" cap="none" strike="noStrike">
+              <a:defRPr sz="1000" b="0" i="0" u="none" strike="noStrike" cap="none">
                 <a:solidFill>
                   <a:schemeClr val="lt2"/>
                 </a:solidFill>
@@ -5602,7 +5727,7 @@
             </a:lvl9pPr>
           </a:lstStyle>
           <a:p>
-            <a:pPr indent="0" lvl="0" marL="0" rtl="0" algn="r">
+            <a:pPr marL="0" lvl="0" indent="0" algn="r" rtl="0">
               <a:spcBef>
                 <a:spcPts val="0"/>
               </a:spcBef>
@@ -5613,7 +5738,7 @@
             </a:pPr>
             <a:fld id="{00000000-1234-1234-1234-123412341234}" type="slidenum">
               <a:rPr lang="pt-BR"/>
-              <a:t>‹#›</a:t>
+              <a:t>‹nº›</a:t>
             </a:fld>
             <a:endParaRPr/>
           </a:p>
@@ -5628,11 +5753,11 @@
 </file>
 
 <file path=ppt/slideLayouts/slideLayout5.xml><?xml version="1.0" encoding="utf-8"?>
-<p:sldLayout xmlns:a="http://schemas.openxmlformats.org/drawingml/2006/main" xmlns:r="http://schemas.openxmlformats.org/officeDocument/2006/relationships" xmlns:mc="http://schemas.openxmlformats.org/markup-compatibility/2006" xmlns:mv="urn:schemas-microsoft-com:mac:vml" xmlns:p="http://schemas.openxmlformats.org/presentationml/2006/main" xmlns:c="http://schemas.openxmlformats.org/drawingml/2006/chart" xmlns:dgm="http://schemas.openxmlformats.org/drawingml/2006/diagram" xmlns:o="urn:schemas-microsoft-com:office:office" xmlns:v="urn:schemas-microsoft-com:vml" xmlns:pvml="urn:schemas-microsoft-com:office:powerpoint" xmlns:com="http://schemas.openxmlformats.org/drawingml/2006/compatibility" xmlns:p14="http://schemas.microsoft.com/office/powerpoint/2010/main" xmlns:p15="http://schemas.microsoft.com/office/powerpoint/2012/main" xmlns:ahyp="http://schemas.microsoft.com/office/drawing/2018/hyperlinkcolor" matchingName="Title only" type="titleOnly">
+<p:sldLayout xmlns:a="http://schemas.openxmlformats.org/drawingml/2006/main" xmlns:r="http://schemas.openxmlformats.org/officeDocument/2006/relationships" xmlns:p="http://schemas.openxmlformats.org/presentationml/2006/main" matchingName="Title only" type="titleOnly">
   <p:cSld name="TITLE_ONLY">
     <p:spTree>
       <p:nvGrpSpPr>
-        <p:cNvPr id="25" name="Shape 25"/>
+        <p:cNvPr id="1" name="Shape 25"/>
         <p:cNvGrpSpPr/>
         <p:nvPr/>
       </p:nvGrpSpPr>
@@ -5647,7 +5772,9 @@
       <p:sp>
         <p:nvSpPr>
           <p:cNvPr id="26" name="Google Shape;26;p19"/>
-          <p:cNvSpPr txBox="1"/>
+          <p:cNvSpPr txBox="1">
+            <a:spLocks noGrp="1"/>
+          </p:cNvSpPr>
           <p:nvPr>
             <p:ph type="title"/>
           </p:nvPr>
@@ -5666,7 +5793,7 @@
           </a:ln>
         </p:spPr>
         <p:txBody>
-          <a:bodyPr anchorCtr="0" anchor="t" bIns="91425" lIns="91425" spcFirstLastPara="1" rIns="91425" wrap="square" tIns="91425">
+          <a:bodyPr spcFirstLastPara="1" wrap="square" lIns="91425" tIns="91425" rIns="91425" bIns="91425" anchor="t" anchorCtr="0">
             <a:normAutofit/>
           </a:bodyPr>
           <a:lstStyle>
@@ -5797,15 +5924,19 @@
               <a:defRPr/>
             </a:lvl9pPr>
           </a:lstStyle>
-          <a:p/>
+          <a:p>
+            <a:endParaRPr/>
+          </a:p>
         </p:txBody>
       </p:sp>
       <p:sp>
         <p:nvSpPr>
           <p:cNvPr id="27" name="Google Shape;27;p19"/>
-          <p:cNvSpPr txBox="1"/>
+          <p:cNvSpPr txBox="1">
+            <a:spLocks noGrp="1"/>
+          </p:cNvSpPr>
           <p:nvPr>
-            <p:ph idx="12" type="sldNum"/>
+            <p:ph type="sldNum" idx="12"/>
           </p:nvPr>
         </p:nvSpPr>
         <p:spPr>
@@ -5822,11 +5953,11 @@
           </a:ln>
         </p:spPr>
         <p:txBody>
-          <a:bodyPr anchorCtr="0" anchor="ctr" bIns="91425" lIns="91425" spcFirstLastPara="1" rIns="91425" wrap="square" tIns="91425">
+          <a:bodyPr spcFirstLastPara="1" wrap="square" lIns="91425" tIns="91425" rIns="91425" bIns="91425" anchor="ctr" anchorCtr="0">
             <a:normAutofit/>
           </a:bodyPr>
           <a:lstStyle>
-            <a:lvl1pPr indent="0" lvl="0" marL="0" marR="0" algn="r">
+            <a:lvl1pPr marL="0" marR="0" lvl="0" indent="0" algn="r">
               <a:lnSpc>
                 <a:spcPct val="100000"/>
               </a:lnSpc>
@@ -5842,7 +5973,7 @@
               <a:buSzPts val="1000"/>
               <a:buFont typeface="Arial"/>
               <a:buNone/>
-              <a:defRPr b="0" i="0" sz="1000" u="none" cap="none" strike="noStrike">
+              <a:defRPr sz="1000" b="0" i="0" u="none" strike="noStrike" cap="none">
                 <a:solidFill>
                   <a:schemeClr val="lt2"/>
                 </a:solidFill>
@@ -5852,7 +5983,7 @@
                 <a:sym typeface="Arial"/>
               </a:defRPr>
             </a:lvl1pPr>
-            <a:lvl2pPr indent="0" lvl="1" marL="0" marR="0" algn="r">
+            <a:lvl2pPr marL="0" marR="0" lvl="1" indent="0" algn="r">
               <a:lnSpc>
                 <a:spcPct val="100000"/>
               </a:lnSpc>
@@ -5868,7 +5999,7 @@
               <a:buSzPts val="1000"/>
               <a:buFont typeface="Arial"/>
               <a:buNone/>
-              <a:defRPr b="0" i="0" sz="1000" u="none" cap="none" strike="noStrike">
+              <a:defRPr sz="1000" b="0" i="0" u="none" strike="noStrike" cap="none">
                 <a:solidFill>
                   <a:schemeClr val="lt2"/>
                 </a:solidFill>
@@ -5878,7 +6009,7 @@
                 <a:sym typeface="Arial"/>
               </a:defRPr>
             </a:lvl2pPr>
-            <a:lvl3pPr indent="0" lvl="2" marL="0" marR="0" algn="r">
+            <a:lvl3pPr marL="0" marR="0" lvl="2" indent="0" algn="r">
               <a:lnSpc>
                 <a:spcPct val="100000"/>
               </a:lnSpc>
@@ -5894,7 +6025,7 @@
               <a:buSzPts val="1000"/>
               <a:buFont typeface="Arial"/>
               <a:buNone/>
-              <a:defRPr b="0" i="0" sz="1000" u="none" cap="none" strike="noStrike">
+              <a:defRPr sz="1000" b="0" i="0" u="none" strike="noStrike" cap="none">
                 <a:solidFill>
                   <a:schemeClr val="lt2"/>
                 </a:solidFill>
@@ -5904,7 +6035,7 @@
                 <a:sym typeface="Arial"/>
               </a:defRPr>
             </a:lvl3pPr>
-            <a:lvl4pPr indent="0" lvl="3" marL="0" marR="0" algn="r">
+            <a:lvl4pPr marL="0" marR="0" lvl="3" indent="0" algn="r">
               <a:lnSpc>
                 <a:spcPct val="100000"/>
               </a:lnSpc>
@@ -5920,7 +6051,7 @@
               <a:buSzPts val="1000"/>
               <a:buFont typeface="Arial"/>
               <a:buNone/>
-              <a:defRPr b="0" i="0" sz="1000" u="none" cap="none" strike="noStrike">
+              <a:defRPr sz="1000" b="0" i="0" u="none" strike="noStrike" cap="none">
                 <a:solidFill>
                   <a:schemeClr val="lt2"/>
                 </a:solidFill>
@@ -5930,7 +6061,7 @@
                 <a:sym typeface="Arial"/>
               </a:defRPr>
             </a:lvl4pPr>
-            <a:lvl5pPr indent="0" lvl="4" marL="0" marR="0" algn="r">
+            <a:lvl5pPr marL="0" marR="0" lvl="4" indent="0" algn="r">
               <a:lnSpc>
                 <a:spcPct val="100000"/>
               </a:lnSpc>
@@ -5946,7 +6077,7 @@
               <a:buSzPts val="1000"/>
               <a:buFont typeface="Arial"/>
               <a:buNone/>
-              <a:defRPr b="0" i="0" sz="1000" u="none" cap="none" strike="noStrike">
+              <a:defRPr sz="1000" b="0" i="0" u="none" strike="noStrike" cap="none">
                 <a:solidFill>
                   <a:schemeClr val="lt2"/>
                 </a:solidFill>
@@ -5956,7 +6087,7 @@
                 <a:sym typeface="Arial"/>
               </a:defRPr>
             </a:lvl5pPr>
-            <a:lvl6pPr indent="0" lvl="5" marL="0" marR="0" algn="r">
+            <a:lvl6pPr marL="0" marR="0" lvl="5" indent="0" algn="r">
               <a:lnSpc>
                 <a:spcPct val="100000"/>
               </a:lnSpc>
@@ -5972,7 +6103,7 @@
               <a:buSzPts val="1000"/>
               <a:buFont typeface="Arial"/>
               <a:buNone/>
-              <a:defRPr b="0" i="0" sz="1000" u="none" cap="none" strike="noStrike">
+              <a:defRPr sz="1000" b="0" i="0" u="none" strike="noStrike" cap="none">
                 <a:solidFill>
                   <a:schemeClr val="lt2"/>
                 </a:solidFill>
@@ -5982,7 +6113,7 @@
                 <a:sym typeface="Arial"/>
               </a:defRPr>
             </a:lvl6pPr>
-            <a:lvl7pPr indent="0" lvl="6" marL="0" marR="0" algn="r">
+            <a:lvl7pPr marL="0" marR="0" lvl="6" indent="0" algn="r">
               <a:lnSpc>
                 <a:spcPct val="100000"/>
               </a:lnSpc>
@@ -5998,7 +6129,7 @@
               <a:buSzPts val="1000"/>
               <a:buFont typeface="Arial"/>
               <a:buNone/>
-              <a:defRPr b="0" i="0" sz="1000" u="none" cap="none" strike="noStrike">
+              <a:defRPr sz="1000" b="0" i="0" u="none" strike="noStrike" cap="none">
                 <a:solidFill>
                   <a:schemeClr val="lt2"/>
                 </a:solidFill>
@@ -6008,7 +6139,7 @@
                 <a:sym typeface="Arial"/>
               </a:defRPr>
             </a:lvl7pPr>
-            <a:lvl8pPr indent="0" lvl="7" marL="0" marR="0" algn="r">
+            <a:lvl8pPr marL="0" marR="0" lvl="7" indent="0" algn="r">
               <a:lnSpc>
                 <a:spcPct val="100000"/>
               </a:lnSpc>
@@ -6024,7 +6155,7 @@
               <a:buSzPts val="1000"/>
               <a:buFont typeface="Arial"/>
               <a:buNone/>
-              <a:defRPr b="0" i="0" sz="1000" u="none" cap="none" strike="noStrike">
+              <a:defRPr sz="1000" b="0" i="0" u="none" strike="noStrike" cap="none">
                 <a:solidFill>
                   <a:schemeClr val="lt2"/>
                 </a:solidFill>
@@ -6034,7 +6165,7 @@
                 <a:sym typeface="Arial"/>
               </a:defRPr>
             </a:lvl8pPr>
-            <a:lvl9pPr indent="0" lvl="8" marL="0" marR="0" algn="r">
+            <a:lvl9pPr marL="0" marR="0" lvl="8" indent="0" algn="r">
               <a:lnSpc>
                 <a:spcPct val="100000"/>
               </a:lnSpc>
@@ -6050,7 +6181,7 @@
               <a:buSzPts val="1000"/>
               <a:buFont typeface="Arial"/>
               <a:buNone/>
-              <a:defRPr b="0" i="0" sz="1000" u="none" cap="none" strike="noStrike">
+              <a:defRPr sz="1000" b="0" i="0" u="none" strike="noStrike" cap="none">
                 <a:solidFill>
                   <a:schemeClr val="lt2"/>
                 </a:solidFill>
@@ -6062,7 +6193,7 @@
             </a:lvl9pPr>
           </a:lstStyle>
           <a:p>
-            <a:pPr indent="0" lvl="0" marL="0" rtl="0" algn="r">
+            <a:pPr marL="0" lvl="0" indent="0" algn="r" rtl="0">
               <a:spcBef>
                 <a:spcPts val="0"/>
               </a:spcBef>
@@ -6073,7 +6204,7 @@
             </a:pPr>
             <a:fld id="{00000000-1234-1234-1234-123412341234}" type="slidenum">
               <a:rPr lang="pt-BR"/>
-              <a:t>‹#›</a:t>
+              <a:t>‹nº›</a:t>
             </a:fld>
             <a:endParaRPr/>
           </a:p>
@@ -6088,11 +6219,11 @@
 </file>
 
 <file path=ppt/slideLayouts/slideLayout6.xml><?xml version="1.0" encoding="utf-8"?>
-<p:sldLayout xmlns:a="http://schemas.openxmlformats.org/drawingml/2006/main" xmlns:r="http://schemas.openxmlformats.org/officeDocument/2006/relationships" xmlns:mc="http://schemas.openxmlformats.org/markup-compatibility/2006" xmlns:mv="urn:schemas-microsoft-com:mac:vml" xmlns:p="http://schemas.openxmlformats.org/presentationml/2006/main" xmlns:c="http://schemas.openxmlformats.org/drawingml/2006/chart" xmlns:dgm="http://schemas.openxmlformats.org/drawingml/2006/diagram" xmlns:o="urn:schemas-microsoft-com:office:office" xmlns:v="urn:schemas-microsoft-com:vml" xmlns:pvml="urn:schemas-microsoft-com:office:powerpoint" xmlns:com="http://schemas.openxmlformats.org/drawingml/2006/compatibility" xmlns:p14="http://schemas.microsoft.com/office/powerpoint/2010/main" xmlns:p15="http://schemas.microsoft.com/office/powerpoint/2012/main" xmlns:ahyp="http://schemas.microsoft.com/office/drawing/2018/hyperlinkcolor" matchingName="One column text">
+<p:sldLayout xmlns:a="http://schemas.openxmlformats.org/drawingml/2006/main" xmlns:r="http://schemas.openxmlformats.org/officeDocument/2006/relationships" xmlns:p="http://schemas.openxmlformats.org/presentationml/2006/main" matchingName="One column text">
   <p:cSld name="ONE_COLUMN_TEXT">
     <p:spTree>
       <p:nvGrpSpPr>
-        <p:cNvPr id="28" name="Shape 28"/>
+        <p:cNvPr id="1" name="Shape 28"/>
         <p:cNvGrpSpPr/>
         <p:nvPr/>
       </p:nvGrpSpPr>
@@ -6107,7 +6238,9 @@
       <p:sp>
         <p:nvSpPr>
           <p:cNvPr id="29" name="Google Shape;29;p20"/>
-          <p:cNvSpPr txBox="1"/>
+          <p:cNvSpPr txBox="1">
+            <a:spLocks noGrp="1"/>
+          </p:cNvSpPr>
           <p:nvPr>
             <p:ph type="title"/>
           </p:nvPr>
@@ -6126,7 +6259,7 @@
           </a:ln>
         </p:spPr>
         <p:txBody>
-          <a:bodyPr anchorCtr="0" anchor="b" bIns="91425" lIns="91425" spcFirstLastPara="1" rIns="91425" wrap="square" tIns="91425">
+          <a:bodyPr spcFirstLastPara="1" wrap="square" lIns="91425" tIns="91425" rIns="91425" bIns="91425" anchor="b" anchorCtr="0">
             <a:normAutofit/>
           </a:bodyPr>
           <a:lstStyle>
@@ -6257,15 +6390,19 @@
               <a:defRPr sz="2400"/>
             </a:lvl9pPr>
           </a:lstStyle>
-          <a:p/>
+          <a:p>
+            <a:endParaRPr/>
+          </a:p>
         </p:txBody>
       </p:sp>
       <p:sp>
         <p:nvSpPr>
           <p:cNvPr id="30" name="Google Shape;30;p20"/>
-          <p:cNvSpPr txBox="1"/>
+          <p:cNvSpPr txBox="1">
+            <a:spLocks noGrp="1"/>
+          </p:cNvSpPr>
           <p:nvPr>
-            <p:ph idx="1" type="body"/>
+            <p:ph type="body" idx="1"/>
           </p:nvPr>
         </p:nvSpPr>
         <p:spPr>
@@ -6282,11 +6419,11 @@
           </a:ln>
         </p:spPr>
         <p:txBody>
-          <a:bodyPr anchorCtr="0" anchor="t" bIns="91425" lIns="91425" spcFirstLastPara="1" rIns="91425" wrap="square" tIns="91425">
+          <a:bodyPr spcFirstLastPara="1" wrap="square" lIns="91425" tIns="91425" rIns="91425" bIns="91425" anchor="t" anchorCtr="0">
             <a:normAutofit/>
           </a:bodyPr>
           <a:lstStyle>
-            <a:lvl1pPr indent="-304800" lvl="0" marL="457200" algn="l">
+            <a:lvl1pPr marL="457200" lvl="0" indent="-304800" algn="l">
               <a:lnSpc>
                 <a:spcPct val="115000"/>
               </a:lnSpc>
@@ -6300,7 +6437,7 @@
               <a:buChar char="●"/>
               <a:defRPr sz="1200"/>
             </a:lvl1pPr>
-            <a:lvl2pPr indent="-304800" lvl="1" marL="914400" algn="l">
+            <a:lvl2pPr marL="914400" lvl="1" indent="-304800" algn="l">
               <a:lnSpc>
                 <a:spcPct val="115000"/>
               </a:lnSpc>
@@ -6314,7 +6451,7 @@
               <a:buChar char="○"/>
               <a:defRPr sz="1200"/>
             </a:lvl2pPr>
-            <a:lvl3pPr indent="-304800" lvl="2" marL="1371600" algn="l">
+            <a:lvl3pPr marL="1371600" lvl="2" indent="-304800" algn="l">
               <a:lnSpc>
                 <a:spcPct val="115000"/>
               </a:lnSpc>
@@ -6328,7 +6465,7 @@
               <a:buChar char="■"/>
               <a:defRPr sz="1200"/>
             </a:lvl3pPr>
-            <a:lvl4pPr indent="-304800" lvl="3" marL="1828800" algn="l">
+            <a:lvl4pPr marL="1828800" lvl="3" indent="-304800" algn="l">
               <a:lnSpc>
                 <a:spcPct val="115000"/>
               </a:lnSpc>
@@ -6342,7 +6479,7 @@
               <a:buChar char="●"/>
               <a:defRPr sz="1200"/>
             </a:lvl4pPr>
-            <a:lvl5pPr indent="-304800" lvl="4" marL="2286000" algn="l">
+            <a:lvl5pPr marL="2286000" lvl="4" indent="-304800" algn="l">
               <a:lnSpc>
                 <a:spcPct val="115000"/>
               </a:lnSpc>
@@ -6356,7 +6493,7 @@
               <a:buChar char="○"/>
               <a:defRPr sz="1200"/>
             </a:lvl5pPr>
-            <a:lvl6pPr indent="-304800" lvl="5" marL="2743200" algn="l">
+            <a:lvl6pPr marL="2743200" lvl="5" indent="-304800" algn="l">
               <a:lnSpc>
                 <a:spcPct val="115000"/>
               </a:lnSpc>
@@ -6370,7 +6507,7 @@
               <a:buChar char="■"/>
               <a:defRPr sz="1200"/>
             </a:lvl6pPr>
-            <a:lvl7pPr indent="-304800" lvl="6" marL="3200400" algn="l">
+            <a:lvl7pPr marL="3200400" lvl="6" indent="-304800" algn="l">
               <a:lnSpc>
                 <a:spcPct val="115000"/>
               </a:lnSpc>
@@ -6384,7 +6521,7 @@
               <a:buChar char="●"/>
               <a:defRPr sz="1200"/>
             </a:lvl7pPr>
-            <a:lvl8pPr indent="-304800" lvl="7" marL="3657600" algn="l">
+            <a:lvl8pPr marL="3657600" lvl="7" indent="-304800" algn="l">
               <a:lnSpc>
                 <a:spcPct val="115000"/>
               </a:lnSpc>
@@ -6398,7 +6535,7 @@
               <a:buChar char="○"/>
               <a:defRPr sz="1200"/>
             </a:lvl8pPr>
-            <a:lvl9pPr indent="-304800" lvl="8" marL="4114800" algn="l">
+            <a:lvl9pPr marL="4114800" lvl="8" indent="-304800" algn="l">
               <a:lnSpc>
                 <a:spcPct val="115000"/>
               </a:lnSpc>
@@ -6413,15 +6550,19 @@
               <a:defRPr sz="1200"/>
             </a:lvl9pPr>
           </a:lstStyle>
-          <a:p/>
+          <a:p>
+            <a:endParaRPr/>
+          </a:p>
         </p:txBody>
       </p:sp>
       <p:sp>
         <p:nvSpPr>
           <p:cNvPr id="31" name="Google Shape;31;p20"/>
-          <p:cNvSpPr txBox="1"/>
+          <p:cNvSpPr txBox="1">
+            <a:spLocks noGrp="1"/>
+          </p:cNvSpPr>
           <p:nvPr>
-            <p:ph idx="12" type="sldNum"/>
+            <p:ph type="sldNum" idx="12"/>
           </p:nvPr>
         </p:nvSpPr>
         <p:spPr>
@@ -6438,11 +6579,11 @@
           </a:ln>
         </p:spPr>
         <p:txBody>
-          <a:bodyPr anchorCtr="0" anchor="ctr" bIns="91425" lIns="91425" spcFirstLastPara="1" rIns="91425" wrap="square" tIns="91425">
+          <a:bodyPr spcFirstLastPara="1" wrap="square" lIns="91425" tIns="91425" rIns="91425" bIns="91425" anchor="ctr" anchorCtr="0">
             <a:normAutofit/>
           </a:bodyPr>
           <a:lstStyle>
-            <a:lvl1pPr indent="0" lvl="0" marL="0" marR="0" algn="r">
+            <a:lvl1pPr marL="0" marR="0" lvl="0" indent="0" algn="r">
               <a:lnSpc>
                 <a:spcPct val="100000"/>
               </a:lnSpc>
@@ -6458,7 +6599,7 @@
               <a:buSzPts val="1000"/>
               <a:buFont typeface="Arial"/>
               <a:buNone/>
-              <a:defRPr b="0" i="0" sz="1000" u="none" cap="none" strike="noStrike">
+              <a:defRPr sz="1000" b="0" i="0" u="none" strike="noStrike" cap="none">
                 <a:solidFill>
                   <a:schemeClr val="lt2"/>
                 </a:solidFill>
@@ -6468,7 +6609,7 @@
                 <a:sym typeface="Arial"/>
               </a:defRPr>
             </a:lvl1pPr>
-            <a:lvl2pPr indent="0" lvl="1" marL="0" marR="0" algn="r">
+            <a:lvl2pPr marL="0" marR="0" lvl="1" indent="0" algn="r">
               <a:lnSpc>
                 <a:spcPct val="100000"/>
               </a:lnSpc>
@@ -6484,7 +6625,7 @@
               <a:buSzPts val="1000"/>
               <a:buFont typeface="Arial"/>
               <a:buNone/>
-              <a:defRPr b="0" i="0" sz="1000" u="none" cap="none" strike="noStrike">
+              <a:defRPr sz="1000" b="0" i="0" u="none" strike="noStrike" cap="none">
                 <a:solidFill>
                   <a:schemeClr val="lt2"/>
                 </a:solidFill>
@@ -6494,7 +6635,7 @@
                 <a:sym typeface="Arial"/>
               </a:defRPr>
             </a:lvl2pPr>
-            <a:lvl3pPr indent="0" lvl="2" marL="0" marR="0" algn="r">
+            <a:lvl3pPr marL="0" marR="0" lvl="2" indent="0" algn="r">
               <a:lnSpc>
                 <a:spcPct val="100000"/>
               </a:lnSpc>
@@ -6510,7 +6651,7 @@
               <a:buSzPts val="1000"/>
               <a:buFont typeface="Arial"/>
               <a:buNone/>
-              <a:defRPr b="0" i="0" sz="1000" u="none" cap="none" strike="noStrike">
+              <a:defRPr sz="1000" b="0" i="0" u="none" strike="noStrike" cap="none">
                 <a:solidFill>
                   <a:schemeClr val="lt2"/>
                 </a:solidFill>
@@ -6520,7 +6661,7 @@
                 <a:sym typeface="Arial"/>
               </a:defRPr>
             </a:lvl3pPr>
-            <a:lvl4pPr indent="0" lvl="3" marL="0" marR="0" algn="r">
+            <a:lvl4pPr marL="0" marR="0" lvl="3" indent="0" algn="r">
               <a:lnSpc>
                 <a:spcPct val="100000"/>
               </a:lnSpc>
@@ -6536,7 +6677,7 @@
               <a:buSzPts val="1000"/>
               <a:buFont typeface="Arial"/>
               <a:buNone/>
-              <a:defRPr b="0" i="0" sz="1000" u="none" cap="none" strike="noStrike">
+              <a:defRPr sz="1000" b="0" i="0" u="none" strike="noStrike" cap="none">
                 <a:solidFill>
                   <a:schemeClr val="lt2"/>
                 </a:solidFill>
@@ -6546,7 +6687,7 @@
                 <a:sym typeface="Arial"/>
               </a:defRPr>
             </a:lvl4pPr>
-            <a:lvl5pPr indent="0" lvl="4" marL="0" marR="0" algn="r">
+            <a:lvl5pPr marL="0" marR="0" lvl="4" indent="0" algn="r">
               <a:lnSpc>
                 <a:spcPct val="100000"/>
               </a:lnSpc>
@@ -6562,7 +6703,7 @@
               <a:buSzPts val="1000"/>
               <a:buFont typeface="Arial"/>
               <a:buNone/>
-              <a:defRPr b="0" i="0" sz="1000" u="none" cap="none" strike="noStrike">
+              <a:defRPr sz="1000" b="0" i="0" u="none" strike="noStrike" cap="none">
                 <a:solidFill>
                   <a:schemeClr val="lt2"/>
                 </a:solidFill>
@@ -6572,7 +6713,7 @@
                 <a:sym typeface="Arial"/>
               </a:defRPr>
             </a:lvl5pPr>
-            <a:lvl6pPr indent="0" lvl="5" marL="0" marR="0" algn="r">
+            <a:lvl6pPr marL="0" marR="0" lvl="5" indent="0" algn="r">
               <a:lnSpc>
                 <a:spcPct val="100000"/>
               </a:lnSpc>
@@ -6588,7 +6729,7 @@
               <a:buSzPts val="1000"/>
               <a:buFont typeface="Arial"/>
               <a:buNone/>
-              <a:defRPr b="0" i="0" sz="1000" u="none" cap="none" strike="noStrike">
+              <a:defRPr sz="1000" b="0" i="0" u="none" strike="noStrike" cap="none">
                 <a:solidFill>
                   <a:schemeClr val="lt2"/>
                 </a:solidFill>
@@ -6598,7 +6739,7 @@
                 <a:sym typeface="Arial"/>
               </a:defRPr>
             </a:lvl6pPr>
-            <a:lvl7pPr indent="0" lvl="6" marL="0" marR="0" algn="r">
+            <a:lvl7pPr marL="0" marR="0" lvl="6" indent="0" algn="r">
               <a:lnSpc>
                 <a:spcPct val="100000"/>
               </a:lnSpc>
@@ -6614,7 +6755,7 @@
               <a:buSzPts val="1000"/>
               <a:buFont typeface="Arial"/>
               <a:buNone/>
-              <a:defRPr b="0" i="0" sz="1000" u="none" cap="none" strike="noStrike">
+              <a:defRPr sz="1000" b="0" i="0" u="none" strike="noStrike" cap="none">
                 <a:solidFill>
                   <a:schemeClr val="lt2"/>
                 </a:solidFill>
@@ -6624,7 +6765,7 @@
                 <a:sym typeface="Arial"/>
               </a:defRPr>
             </a:lvl7pPr>
-            <a:lvl8pPr indent="0" lvl="7" marL="0" marR="0" algn="r">
+            <a:lvl8pPr marL="0" marR="0" lvl="7" indent="0" algn="r">
               <a:lnSpc>
                 <a:spcPct val="100000"/>
               </a:lnSpc>
@@ -6640,7 +6781,7 @@
               <a:buSzPts val="1000"/>
               <a:buFont typeface="Arial"/>
               <a:buNone/>
-              <a:defRPr b="0" i="0" sz="1000" u="none" cap="none" strike="noStrike">
+              <a:defRPr sz="1000" b="0" i="0" u="none" strike="noStrike" cap="none">
                 <a:solidFill>
                   <a:schemeClr val="lt2"/>
                 </a:solidFill>
@@ -6650,7 +6791,7 @@
                 <a:sym typeface="Arial"/>
               </a:defRPr>
             </a:lvl8pPr>
-            <a:lvl9pPr indent="0" lvl="8" marL="0" marR="0" algn="r">
+            <a:lvl9pPr marL="0" marR="0" lvl="8" indent="0" algn="r">
               <a:lnSpc>
                 <a:spcPct val="100000"/>
               </a:lnSpc>
@@ -6666,7 +6807,7 @@
               <a:buSzPts val="1000"/>
               <a:buFont typeface="Arial"/>
               <a:buNone/>
-              <a:defRPr b="0" i="0" sz="1000" u="none" cap="none" strike="noStrike">
+              <a:defRPr sz="1000" b="0" i="0" u="none" strike="noStrike" cap="none">
                 <a:solidFill>
                   <a:schemeClr val="lt2"/>
                 </a:solidFill>
@@ -6678,7 +6819,7 @@
             </a:lvl9pPr>
           </a:lstStyle>
           <a:p>
-            <a:pPr indent="0" lvl="0" marL="0" rtl="0" algn="r">
+            <a:pPr marL="0" lvl="0" indent="0" algn="r" rtl="0">
               <a:spcBef>
                 <a:spcPts val="0"/>
               </a:spcBef>
@@ -6689,7 +6830,7 @@
             </a:pPr>
             <a:fld id="{00000000-1234-1234-1234-123412341234}" type="slidenum">
               <a:rPr lang="pt-BR"/>
-              <a:t>‹#›</a:t>
+              <a:t>‹nº›</a:t>
             </a:fld>
             <a:endParaRPr/>
           </a:p>
@@ -6704,11 +6845,11 @@
 </file>
 
 <file path=ppt/slideLayouts/slideLayout7.xml><?xml version="1.0" encoding="utf-8"?>
-<p:sldLayout xmlns:a="http://schemas.openxmlformats.org/drawingml/2006/main" xmlns:r="http://schemas.openxmlformats.org/officeDocument/2006/relationships" xmlns:mc="http://schemas.openxmlformats.org/markup-compatibility/2006" xmlns:mv="urn:schemas-microsoft-com:mac:vml" xmlns:p="http://schemas.openxmlformats.org/presentationml/2006/main" xmlns:c="http://schemas.openxmlformats.org/drawingml/2006/chart" xmlns:dgm="http://schemas.openxmlformats.org/drawingml/2006/diagram" xmlns:o="urn:schemas-microsoft-com:office:office" xmlns:v="urn:schemas-microsoft-com:vml" xmlns:pvml="urn:schemas-microsoft-com:office:powerpoint" xmlns:com="http://schemas.openxmlformats.org/drawingml/2006/compatibility" xmlns:p14="http://schemas.microsoft.com/office/powerpoint/2010/main" xmlns:p15="http://schemas.microsoft.com/office/powerpoint/2012/main" xmlns:ahyp="http://schemas.microsoft.com/office/drawing/2018/hyperlinkcolor" matchingName="Main point">
+<p:sldLayout xmlns:a="http://schemas.openxmlformats.org/drawingml/2006/main" xmlns:r="http://schemas.openxmlformats.org/officeDocument/2006/relationships" xmlns:p="http://schemas.openxmlformats.org/presentationml/2006/main" matchingName="Main point">
   <p:cSld name="MAIN_POINT">
     <p:spTree>
       <p:nvGrpSpPr>
-        <p:cNvPr id="32" name="Shape 32"/>
+        <p:cNvPr id="1" name="Shape 32"/>
         <p:cNvGrpSpPr/>
         <p:nvPr/>
       </p:nvGrpSpPr>
@@ -6723,7 +6864,9 @@
       <p:sp>
         <p:nvSpPr>
           <p:cNvPr id="33" name="Google Shape;33;p21"/>
-          <p:cNvSpPr txBox="1"/>
+          <p:cNvSpPr txBox="1">
+            <a:spLocks noGrp="1"/>
+          </p:cNvSpPr>
           <p:nvPr>
             <p:ph type="title"/>
           </p:nvPr>
@@ -6742,7 +6885,7 @@
           </a:ln>
         </p:spPr>
         <p:txBody>
-          <a:bodyPr anchorCtr="0" anchor="ctr" bIns="91425" lIns="91425" spcFirstLastPara="1" rIns="91425" wrap="square" tIns="91425">
+          <a:bodyPr spcFirstLastPara="1" wrap="square" lIns="91425" tIns="91425" rIns="91425" bIns="91425" anchor="ctr" anchorCtr="0">
             <a:normAutofit/>
           </a:bodyPr>
           <a:lstStyle>
@@ -6873,15 +7016,19 @@
               <a:defRPr sz="4800"/>
             </a:lvl9pPr>
           </a:lstStyle>
-          <a:p/>
+          <a:p>
+            <a:endParaRPr/>
+          </a:p>
         </p:txBody>
       </p:sp>
       <p:sp>
         <p:nvSpPr>
           <p:cNvPr id="34" name="Google Shape;34;p21"/>
-          <p:cNvSpPr txBox="1"/>
+          <p:cNvSpPr txBox="1">
+            <a:spLocks noGrp="1"/>
+          </p:cNvSpPr>
           <p:nvPr>
-            <p:ph idx="12" type="sldNum"/>
+            <p:ph type="sldNum" idx="12"/>
           </p:nvPr>
         </p:nvSpPr>
         <p:spPr>
@@ -6898,11 +7045,11 @@
           </a:ln>
         </p:spPr>
         <p:txBody>
-          <a:bodyPr anchorCtr="0" anchor="ctr" bIns="91425" lIns="91425" spcFirstLastPara="1" rIns="91425" wrap="square" tIns="91425">
+          <a:bodyPr spcFirstLastPara="1" wrap="square" lIns="91425" tIns="91425" rIns="91425" bIns="91425" anchor="ctr" anchorCtr="0">
             <a:normAutofit/>
           </a:bodyPr>
           <a:lstStyle>
-            <a:lvl1pPr indent="0" lvl="0" marL="0" marR="0" algn="r">
+            <a:lvl1pPr marL="0" marR="0" lvl="0" indent="0" algn="r">
               <a:lnSpc>
                 <a:spcPct val="100000"/>
               </a:lnSpc>
@@ -6918,7 +7065,7 @@
               <a:buSzPts val="1000"/>
               <a:buFont typeface="Arial"/>
               <a:buNone/>
-              <a:defRPr b="0" i="0" sz="1000" u="none" cap="none" strike="noStrike">
+              <a:defRPr sz="1000" b="0" i="0" u="none" strike="noStrike" cap="none">
                 <a:solidFill>
                   <a:schemeClr val="lt2"/>
                 </a:solidFill>
@@ -6928,7 +7075,7 @@
                 <a:sym typeface="Arial"/>
               </a:defRPr>
             </a:lvl1pPr>
-            <a:lvl2pPr indent="0" lvl="1" marL="0" marR="0" algn="r">
+            <a:lvl2pPr marL="0" marR="0" lvl="1" indent="0" algn="r">
               <a:lnSpc>
                 <a:spcPct val="100000"/>
               </a:lnSpc>
@@ -6944,7 +7091,7 @@
               <a:buSzPts val="1000"/>
               <a:buFont typeface="Arial"/>
               <a:buNone/>
-              <a:defRPr b="0" i="0" sz="1000" u="none" cap="none" strike="noStrike">
+              <a:defRPr sz="1000" b="0" i="0" u="none" strike="noStrike" cap="none">
                 <a:solidFill>
                   <a:schemeClr val="lt2"/>
                 </a:solidFill>
@@ -6954,7 +7101,7 @@
                 <a:sym typeface="Arial"/>
               </a:defRPr>
             </a:lvl2pPr>
-            <a:lvl3pPr indent="0" lvl="2" marL="0" marR="0" algn="r">
+            <a:lvl3pPr marL="0" marR="0" lvl="2" indent="0" algn="r">
               <a:lnSpc>
                 <a:spcPct val="100000"/>
               </a:lnSpc>
@@ -6970,7 +7117,7 @@
               <a:buSzPts val="1000"/>
               <a:buFont typeface="Arial"/>
               <a:buNone/>
-              <a:defRPr b="0" i="0" sz="1000" u="none" cap="none" strike="noStrike">
+              <a:defRPr sz="1000" b="0" i="0" u="none" strike="noStrike" cap="none">
                 <a:solidFill>
                   <a:schemeClr val="lt2"/>
                 </a:solidFill>
@@ -6980,7 +7127,7 @@
                 <a:sym typeface="Arial"/>
               </a:defRPr>
             </a:lvl3pPr>
-            <a:lvl4pPr indent="0" lvl="3" marL="0" marR="0" algn="r">
+            <a:lvl4pPr marL="0" marR="0" lvl="3" indent="0" algn="r">
               <a:lnSpc>
                 <a:spcPct val="100000"/>
               </a:lnSpc>
@@ -6996,7 +7143,7 @@
               <a:buSzPts val="1000"/>
               <a:buFont typeface="Arial"/>
               <a:buNone/>
-              <a:defRPr b="0" i="0" sz="1000" u="none" cap="none" strike="noStrike">
+              <a:defRPr sz="1000" b="0" i="0" u="none" strike="noStrike" cap="none">
                 <a:solidFill>
                   <a:schemeClr val="lt2"/>
                 </a:solidFill>
@@ -7006,7 +7153,7 @@
                 <a:sym typeface="Arial"/>
               </a:defRPr>
             </a:lvl4pPr>
-            <a:lvl5pPr indent="0" lvl="4" marL="0" marR="0" algn="r">
+            <a:lvl5pPr marL="0" marR="0" lvl="4" indent="0" algn="r">
               <a:lnSpc>
                 <a:spcPct val="100000"/>
               </a:lnSpc>
@@ -7022,7 +7169,7 @@
               <a:buSzPts val="1000"/>
               <a:buFont typeface="Arial"/>
               <a:buNone/>
-              <a:defRPr b="0" i="0" sz="1000" u="none" cap="none" strike="noStrike">
+              <a:defRPr sz="1000" b="0" i="0" u="none" strike="noStrike" cap="none">
                 <a:solidFill>
                   <a:schemeClr val="lt2"/>
                 </a:solidFill>
@@ -7032,7 +7179,7 @@
                 <a:sym typeface="Arial"/>
               </a:defRPr>
             </a:lvl5pPr>
-            <a:lvl6pPr indent="0" lvl="5" marL="0" marR="0" algn="r">
+            <a:lvl6pPr marL="0" marR="0" lvl="5" indent="0" algn="r">
               <a:lnSpc>
                 <a:spcPct val="100000"/>
               </a:lnSpc>
@@ -7048,7 +7195,7 @@
               <a:buSzPts val="1000"/>
               <a:buFont typeface="Arial"/>
               <a:buNone/>
-              <a:defRPr b="0" i="0" sz="1000" u="none" cap="none" strike="noStrike">
+              <a:defRPr sz="1000" b="0" i="0" u="none" strike="noStrike" cap="none">
                 <a:solidFill>
                   <a:schemeClr val="lt2"/>
                 </a:solidFill>
@@ -7058,7 +7205,7 @@
                 <a:sym typeface="Arial"/>
               </a:defRPr>
             </a:lvl6pPr>
-            <a:lvl7pPr indent="0" lvl="6" marL="0" marR="0" algn="r">
+            <a:lvl7pPr marL="0" marR="0" lvl="6" indent="0" algn="r">
               <a:lnSpc>
                 <a:spcPct val="100000"/>
               </a:lnSpc>
@@ -7074,7 +7221,7 @@
               <a:buSzPts val="1000"/>
               <a:buFont typeface="Arial"/>
               <a:buNone/>
-              <a:defRPr b="0" i="0" sz="1000" u="none" cap="none" strike="noStrike">
+              <a:defRPr sz="1000" b="0" i="0" u="none" strike="noStrike" cap="none">
                 <a:solidFill>
                   <a:schemeClr val="lt2"/>
                 </a:solidFill>
@@ -7084,7 +7231,7 @@
                 <a:sym typeface="Arial"/>
               </a:defRPr>
             </a:lvl7pPr>
-            <a:lvl8pPr indent="0" lvl="7" marL="0" marR="0" algn="r">
+            <a:lvl8pPr marL="0" marR="0" lvl="7" indent="0" algn="r">
               <a:lnSpc>
                 <a:spcPct val="100000"/>
               </a:lnSpc>
@@ -7100,7 +7247,7 @@
               <a:buSzPts val="1000"/>
               <a:buFont typeface="Arial"/>
               <a:buNone/>
-              <a:defRPr b="0" i="0" sz="1000" u="none" cap="none" strike="noStrike">
+              <a:defRPr sz="1000" b="0" i="0" u="none" strike="noStrike" cap="none">
                 <a:solidFill>
                   <a:schemeClr val="lt2"/>
                 </a:solidFill>
@@ -7110,7 +7257,7 @@
                 <a:sym typeface="Arial"/>
               </a:defRPr>
             </a:lvl8pPr>
-            <a:lvl9pPr indent="0" lvl="8" marL="0" marR="0" algn="r">
+            <a:lvl9pPr marL="0" marR="0" lvl="8" indent="0" algn="r">
               <a:lnSpc>
                 <a:spcPct val="100000"/>
               </a:lnSpc>
@@ -7126,7 +7273,7 @@
               <a:buSzPts val="1000"/>
               <a:buFont typeface="Arial"/>
               <a:buNone/>
-              <a:defRPr b="0" i="0" sz="1000" u="none" cap="none" strike="noStrike">
+              <a:defRPr sz="1000" b="0" i="0" u="none" strike="noStrike" cap="none">
                 <a:solidFill>
                   <a:schemeClr val="lt2"/>
                 </a:solidFill>
@@ -7138,7 +7285,7 @@
             </a:lvl9pPr>
           </a:lstStyle>
           <a:p>
-            <a:pPr indent="0" lvl="0" marL="0" rtl="0" algn="r">
+            <a:pPr marL="0" lvl="0" indent="0" algn="r" rtl="0">
               <a:spcBef>
                 <a:spcPts val="0"/>
               </a:spcBef>
@@ -7149,7 +7296,7 @@
             </a:pPr>
             <a:fld id="{00000000-1234-1234-1234-123412341234}" type="slidenum">
               <a:rPr lang="pt-BR"/>
-              <a:t>‹#›</a:t>
+              <a:t>‹nº›</a:t>
             </a:fld>
             <a:endParaRPr/>
           </a:p>
@@ -7164,11 +7311,11 @@
 </file>
 
 <file path=ppt/slideLayouts/slideLayout8.xml><?xml version="1.0" encoding="utf-8"?>
-<p:sldLayout xmlns:a="http://schemas.openxmlformats.org/drawingml/2006/main" xmlns:r="http://schemas.openxmlformats.org/officeDocument/2006/relationships" xmlns:mc="http://schemas.openxmlformats.org/markup-compatibility/2006" xmlns:mv="urn:schemas-microsoft-com:mac:vml" xmlns:p="http://schemas.openxmlformats.org/presentationml/2006/main" xmlns:c="http://schemas.openxmlformats.org/drawingml/2006/chart" xmlns:dgm="http://schemas.openxmlformats.org/drawingml/2006/diagram" xmlns:o="urn:schemas-microsoft-com:office:office" xmlns:v="urn:schemas-microsoft-com:vml" xmlns:pvml="urn:schemas-microsoft-com:office:powerpoint" xmlns:com="http://schemas.openxmlformats.org/drawingml/2006/compatibility" xmlns:p14="http://schemas.microsoft.com/office/powerpoint/2010/main" xmlns:p15="http://schemas.microsoft.com/office/powerpoint/2012/main" xmlns:ahyp="http://schemas.microsoft.com/office/drawing/2018/hyperlinkcolor" matchingName="Section title and description">
+<p:sldLayout xmlns:a="http://schemas.openxmlformats.org/drawingml/2006/main" xmlns:r="http://schemas.openxmlformats.org/officeDocument/2006/relationships" xmlns:p="http://schemas.openxmlformats.org/presentationml/2006/main" matchingName="Section title and description">
   <p:cSld name="SECTION_TITLE_AND_DESCRIPTION">
     <p:spTree>
       <p:nvGrpSpPr>
-        <p:cNvPr id="35" name="Shape 35"/>
+        <p:cNvPr id="1" name="Shape 35"/>
         <p:cNvGrpSpPr/>
         <p:nvPr/>
       </p:nvGrpSpPr>
@@ -7202,12 +7349,12 @@
           </a:ln>
         </p:spPr>
         <p:txBody>
-          <a:bodyPr anchorCtr="0" anchor="ctr" bIns="91425" lIns="91425" spcFirstLastPara="1" rIns="91425" wrap="square" tIns="91425">
+          <a:bodyPr spcFirstLastPara="1" wrap="square" lIns="91425" tIns="91425" rIns="91425" bIns="91425" anchor="ctr" anchorCtr="0">
             <a:noAutofit/>
           </a:bodyPr>
           <a:lstStyle/>
           <a:p>
-            <a:pPr indent="0" lvl="0" marL="0" marR="0" rtl="0" algn="l">
+            <a:pPr marL="0" marR="0" lvl="0" indent="0" algn="l" rtl="0">
               <a:lnSpc>
                 <a:spcPct val="100000"/>
               </a:lnSpc>
@@ -7224,10 +7371,7 @@
               <a:buFont typeface="Arial"/>
               <a:buNone/>
             </a:pPr>
-            <a:r>
-              <a:t/>
-            </a:r>
-            <a:endParaRPr b="0" i="0" sz="1400" u="none" cap="none" strike="noStrike">
+            <a:endParaRPr sz="1400" b="0" i="0" u="none" strike="noStrike" cap="none">
               <a:solidFill>
                 <a:srgbClr val="000000"/>
               </a:solidFill>
@@ -7242,7 +7386,9 @@
       <p:sp>
         <p:nvSpPr>
           <p:cNvPr id="37" name="Google Shape;37;p22"/>
-          <p:cNvSpPr txBox="1"/>
+          <p:cNvSpPr txBox="1">
+            <a:spLocks noGrp="1"/>
+          </p:cNvSpPr>
           <p:nvPr>
             <p:ph type="title"/>
           </p:nvPr>
@@ -7261,7 +7407,7 @@
           </a:ln>
         </p:spPr>
         <p:txBody>
-          <a:bodyPr anchorCtr="0" anchor="b" bIns="91425" lIns="91425" spcFirstLastPara="1" rIns="91425" wrap="square" tIns="91425">
+          <a:bodyPr spcFirstLastPara="1" wrap="square" lIns="91425" tIns="91425" rIns="91425" bIns="91425" anchor="b" anchorCtr="0">
             <a:normAutofit/>
           </a:bodyPr>
           <a:lstStyle>
@@ -7392,15 +7538,19 @@
               <a:defRPr sz="4200"/>
             </a:lvl9pPr>
           </a:lstStyle>
-          <a:p/>
+          <a:p>
+            <a:endParaRPr/>
+          </a:p>
         </p:txBody>
       </p:sp>
       <p:sp>
         <p:nvSpPr>
           <p:cNvPr id="38" name="Google Shape;38;p22"/>
-          <p:cNvSpPr txBox="1"/>
+          <p:cNvSpPr txBox="1">
+            <a:spLocks noGrp="1"/>
+          </p:cNvSpPr>
           <p:nvPr>
-            <p:ph idx="1" type="subTitle"/>
+            <p:ph type="subTitle" idx="1"/>
           </p:nvPr>
         </p:nvSpPr>
         <p:spPr>
@@ -7417,7 +7567,7 @@
           </a:ln>
         </p:spPr>
         <p:txBody>
-          <a:bodyPr anchorCtr="0" anchor="t" bIns="91425" lIns="91425" spcFirstLastPara="1" rIns="91425" wrap="square" tIns="91425">
+          <a:bodyPr spcFirstLastPara="1" wrap="square" lIns="91425" tIns="91425" rIns="91425" bIns="91425" anchor="t" anchorCtr="0">
             <a:normAutofit/>
           </a:bodyPr>
           <a:lstStyle>
@@ -7548,15 +7698,19 @@
               <a:defRPr sz="2100"/>
             </a:lvl9pPr>
           </a:lstStyle>
-          <a:p/>
+          <a:p>
+            <a:endParaRPr/>
+          </a:p>
         </p:txBody>
       </p:sp>
       <p:sp>
         <p:nvSpPr>
           <p:cNvPr id="39" name="Google Shape;39;p22"/>
-          <p:cNvSpPr txBox="1"/>
+          <p:cNvSpPr txBox="1">
+            <a:spLocks noGrp="1"/>
+          </p:cNvSpPr>
           <p:nvPr>
-            <p:ph idx="2" type="body"/>
+            <p:ph type="body" idx="2"/>
           </p:nvPr>
         </p:nvSpPr>
         <p:spPr>
@@ -7573,11 +7727,11 @@
           </a:ln>
         </p:spPr>
         <p:txBody>
-          <a:bodyPr anchorCtr="0" anchor="ctr" bIns="91425" lIns="91425" spcFirstLastPara="1" rIns="91425" wrap="square" tIns="91425">
+          <a:bodyPr spcFirstLastPara="1" wrap="square" lIns="91425" tIns="91425" rIns="91425" bIns="91425" anchor="ctr" anchorCtr="0">
             <a:normAutofit/>
           </a:bodyPr>
           <a:lstStyle>
-            <a:lvl1pPr indent="-342900" lvl="0" marL="457200" algn="l">
+            <a:lvl1pPr marL="457200" lvl="0" indent="-342900" algn="l">
               <a:lnSpc>
                 <a:spcPct val="115000"/>
               </a:lnSpc>
@@ -7598,7 +7752,7 @@
                 </a:solidFill>
               </a:defRPr>
             </a:lvl1pPr>
-            <a:lvl2pPr indent="-317500" lvl="1" marL="914400" algn="l">
+            <a:lvl2pPr marL="914400" lvl="1" indent="-317500" algn="l">
               <a:lnSpc>
                 <a:spcPct val="115000"/>
               </a:lnSpc>
@@ -7619,7 +7773,7 @@
                 </a:solidFill>
               </a:defRPr>
             </a:lvl2pPr>
-            <a:lvl3pPr indent="-317500" lvl="2" marL="1371600" algn="l">
+            <a:lvl3pPr marL="1371600" lvl="2" indent="-317500" algn="l">
               <a:lnSpc>
                 <a:spcPct val="115000"/>
               </a:lnSpc>
@@ -7640,7 +7794,7 @@
                 </a:solidFill>
               </a:defRPr>
             </a:lvl3pPr>
-            <a:lvl4pPr indent="-317500" lvl="3" marL="1828800" algn="l">
+            <a:lvl4pPr marL="1828800" lvl="3" indent="-317500" algn="l">
               <a:lnSpc>
                 <a:spcPct val="115000"/>
               </a:lnSpc>
@@ -7661,7 +7815,7 @@
                 </a:solidFill>
               </a:defRPr>
             </a:lvl4pPr>
-            <a:lvl5pPr indent="-317500" lvl="4" marL="2286000" algn="l">
+            <a:lvl5pPr marL="2286000" lvl="4" indent="-317500" algn="l">
               <a:lnSpc>
                 <a:spcPct val="115000"/>
               </a:lnSpc>
@@ -7682,7 +7836,7 @@
                 </a:solidFill>
               </a:defRPr>
             </a:lvl5pPr>
-            <a:lvl6pPr indent="-317500" lvl="5" marL="2743200" algn="l">
+            <a:lvl6pPr marL="2743200" lvl="5" indent="-317500" algn="l">
               <a:lnSpc>
                 <a:spcPct val="115000"/>
               </a:lnSpc>
@@ -7703,7 +7857,7 @@
                 </a:solidFill>
               </a:defRPr>
             </a:lvl6pPr>
-            <a:lvl7pPr indent="-317500" lvl="6" marL="3200400" algn="l">
+            <a:lvl7pPr marL="3200400" lvl="6" indent="-317500" algn="l">
               <a:lnSpc>
                 <a:spcPct val="115000"/>
               </a:lnSpc>
@@ -7724,7 +7878,7 @@
                 </a:solidFill>
               </a:defRPr>
             </a:lvl7pPr>
-            <a:lvl8pPr indent="-317500" lvl="7" marL="3657600" algn="l">
+            <a:lvl8pPr marL="3657600" lvl="7" indent="-317500" algn="l">
               <a:lnSpc>
                 <a:spcPct val="115000"/>
               </a:lnSpc>
@@ -7745,7 +7899,7 @@
                 </a:solidFill>
               </a:defRPr>
             </a:lvl8pPr>
-            <a:lvl9pPr indent="-317500" lvl="8" marL="4114800" algn="l">
+            <a:lvl9pPr marL="4114800" lvl="8" indent="-317500" algn="l">
               <a:lnSpc>
                 <a:spcPct val="115000"/>
               </a:lnSpc>
@@ -7767,15 +7921,19 @@
               </a:defRPr>
             </a:lvl9pPr>
           </a:lstStyle>
-          <a:p/>
+          <a:p>
+            <a:endParaRPr/>
+          </a:p>
         </p:txBody>
       </p:sp>
       <p:sp>
         <p:nvSpPr>
           <p:cNvPr id="40" name="Google Shape;40;p22"/>
-          <p:cNvSpPr txBox="1"/>
+          <p:cNvSpPr txBox="1">
+            <a:spLocks noGrp="1"/>
+          </p:cNvSpPr>
           <p:nvPr>
-            <p:ph idx="12" type="sldNum"/>
+            <p:ph type="sldNum" idx="12"/>
           </p:nvPr>
         </p:nvSpPr>
         <p:spPr>
@@ -7792,11 +7950,11 @@
           </a:ln>
         </p:spPr>
         <p:txBody>
-          <a:bodyPr anchorCtr="0" anchor="ctr" bIns="91425" lIns="91425" spcFirstLastPara="1" rIns="91425" wrap="square" tIns="91425">
+          <a:bodyPr spcFirstLastPara="1" wrap="square" lIns="91425" tIns="91425" rIns="91425" bIns="91425" anchor="ctr" anchorCtr="0">
             <a:normAutofit/>
           </a:bodyPr>
           <a:lstStyle>
-            <a:lvl1pPr indent="0" lvl="0" marL="0" marR="0" algn="r">
+            <a:lvl1pPr marL="0" marR="0" lvl="0" indent="0" algn="r">
               <a:lnSpc>
                 <a:spcPct val="100000"/>
               </a:lnSpc>
@@ -7812,7 +7970,7 @@
               <a:buSzPts val="1000"/>
               <a:buFont typeface="Arial"/>
               <a:buNone/>
-              <a:defRPr b="0" i="0" sz="1000" u="none" cap="none" strike="noStrike">
+              <a:defRPr sz="1000" b="0" i="0" u="none" strike="noStrike" cap="none">
                 <a:solidFill>
                   <a:schemeClr val="lt2"/>
                 </a:solidFill>
@@ -7822,7 +7980,7 @@
                 <a:sym typeface="Arial"/>
               </a:defRPr>
             </a:lvl1pPr>
-            <a:lvl2pPr indent="0" lvl="1" marL="0" marR="0" algn="r">
+            <a:lvl2pPr marL="0" marR="0" lvl="1" indent="0" algn="r">
               <a:lnSpc>
                 <a:spcPct val="100000"/>
               </a:lnSpc>
@@ -7838,7 +7996,7 @@
               <a:buSzPts val="1000"/>
               <a:buFont typeface="Arial"/>
               <a:buNone/>
-              <a:defRPr b="0" i="0" sz="1000" u="none" cap="none" strike="noStrike">
+              <a:defRPr sz="1000" b="0" i="0" u="none" strike="noStrike" cap="none">
                 <a:solidFill>
                   <a:schemeClr val="lt2"/>
                 </a:solidFill>
@@ -7848,7 +8006,7 @@
                 <a:sym typeface="Arial"/>
               </a:defRPr>
             </a:lvl2pPr>
-            <a:lvl3pPr indent="0" lvl="2" marL="0" marR="0" algn="r">
+            <a:lvl3pPr marL="0" marR="0" lvl="2" indent="0" algn="r">
               <a:lnSpc>
                 <a:spcPct val="100000"/>
               </a:lnSpc>
@@ -7864,7 +8022,7 @@
               <a:buSzPts val="1000"/>
               <a:buFont typeface="Arial"/>
               <a:buNone/>
-              <a:defRPr b="0" i="0" sz="1000" u="none" cap="none" strike="noStrike">
+              <a:defRPr sz="1000" b="0" i="0" u="none" strike="noStrike" cap="none">
                 <a:solidFill>
                   <a:schemeClr val="lt2"/>
                 </a:solidFill>
@@ -7874,7 +8032,7 @@
                 <a:sym typeface="Arial"/>
               </a:defRPr>
             </a:lvl3pPr>
-            <a:lvl4pPr indent="0" lvl="3" marL="0" marR="0" algn="r">
+            <a:lvl4pPr marL="0" marR="0" lvl="3" indent="0" algn="r">
               <a:lnSpc>
                 <a:spcPct val="100000"/>
               </a:lnSpc>
@@ -7890,7 +8048,7 @@
               <a:buSzPts val="1000"/>
               <a:buFont typeface="Arial"/>
               <a:buNone/>
-              <a:defRPr b="0" i="0" sz="1000" u="none" cap="none" strike="noStrike">
+              <a:defRPr sz="1000" b="0" i="0" u="none" strike="noStrike" cap="none">
                 <a:solidFill>
                   <a:schemeClr val="lt2"/>
                 </a:solidFill>
@@ -7900,7 +8058,7 @@
                 <a:sym typeface="Arial"/>
               </a:defRPr>
             </a:lvl4pPr>
-            <a:lvl5pPr indent="0" lvl="4" marL="0" marR="0" algn="r">
+            <a:lvl5pPr marL="0" marR="0" lvl="4" indent="0" algn="r">
               <a:lnSpc>
                 <a:spcPct val="100000"/>
               </a:lnSpc>
@@ -7916,7 +8074,7 @@
               <a:buSzPts val="1000"/>
               <a:buFont typeface="Arial"/>
               <a:buNone/>
-              <a:defRPr b="0" i="0" sz="1000" u="none" cap="none" strike="noStrike">
+              <a:defRPr sz="1000" b="0" i="0" u="none" strike="noStrike" cap="none">
                 <a:solidFill>
                   <a:schemeClr val="lt2"/>
                 </a:solidFill>
@@ -7926,7 +8084,7 @@
                 <a:sym typeface="Arial"/>
               </a:defRPr>
             </a:lvl5pPr>
-            <a:lvl6pPr indent="0" lvl="5" marL="0" marR="0" algn="r">
+            <a:lvl6pPr marL="0" marR="0" lvl="5" indent="0" algn="r">
               <a:lnSpc>
                 <a:spcPct val="100000"/>
               </a:lnSpc>
@@ -7942,7 +8100,7 @@
               <a:buSzPts val="1000"/>
               <a:buFont typeface="Arial"/>
               <a:buNone/>
-              <a:defRPr b="0" i="0" sz="1000" u="none" cap="none" strike="noStrike">
+              <a:defRPr sz="1000" b="0" i="0" u="none" strike="noStrike" cap="none">
                 <a:solidFill>
                   <a:schemeClr val="lt2"/>
                 </a:solidFill>
@@ -7952,7 +8110,7 @@
                 <a:sym typeface="Arial"/>
               </a:defRPr>
             </a:lvl6pPr>
-            <a:lvl7pPr indent="0" lvl="6" marL="0" marR="0" algn="r">
+            <a:lvl7pPr marL="0" marR="0" lvl="6" indent="0" algn="r">
               <a:lnSpc>
                 <a:spcPct val="100000"/>
               </a:lnSpc>
@@ -7968,7 +8126,7 @@
               <a:buSzPts val="1000"/>
               <a:buFont typeface="Arial"/>
               <a:buNone/>
-              <a:defRPr b="0" i="0" sz="1000" u="none" cap="none" strike="noStrike">
+              <a:defRPr sz="1000" b="0" i="0" u="none" strike="noStrike" cap="none">
                 <a:solidFill>
                   <a:schemeClr val="lt2"/>
                 </a:solidFill>
@@ -7978,7 +8136,7 @@
                 <a:sym typeface="Arial"/>
               </a:defRPr>
             </a:lvl7pPr>
-            <a:lvl8pPr indent="0" lvl="7" marL="0" marR="0" algn="r">
+            <a:lvl8pPr marL="0" marR="0" lvl="7" indent="0" algn="r">
               <a:lnSpc>
                 <a:spcPct val="100000"/>
               </a:lnSpc>
@@ -7994,7 +8152,7 @@
               <a:buSzPts val="1000"/>
               <a:buFont typeface="Arial"/>
               <a:buNone/>
-              <a:defRPr b="0" i="0" sz="1000" u="none" cap="none" strike="noStrike">
+              <a:defRPr sz="1000" b="0" i="0" u="none" strike="noStrike" cap="none">
                 <a:solidFill>
                   <a:schemeClr val="lt2"/>
                 </a:solidFill>
@@ -8004,7 +8162,7 @@
                 <a:sym typeface="Arial"/>
               </a:defRPr>
             </a:lvl8pPr>
-            <a:lvl9pPr indent="0" lvl="8" marL="0" marR="0" algn="r">
+            <a:lvl9pPr marL="0" marR="0" lvl="8" indent="0" algn="r">
               <a:lnSpc>
                 <a:spcPct val="100000"/>
               </a:lnSpc>
@@ -8020,7 +8178,7 @@
               <a:buSzPts val="1000"/>
               <a:buFont typeface="Arial"/>
               <a:buNone/>
-              <a:defRPr b="0" i="0" sz="1000" u="none" cap="none" strike="noStrike">
+              <a:defRPr sz="1000" b="0" i="0" u="none" strike="noStrike" cap="none">
                 <a:solidFill>
                   <a:schemeClr val="lt2"/>
                 </a:solidFill>
@@ -8032,7 +8190,7 @@
             </a:lvl9pPr>
           </a:lstStyle>
           <a:p>
-            <a:pPr indent="0" lvl="0" marL="0" rtl="0" algn="r">
+            <a:pPr marL="0" lvl="0" indent="0" algn="r" rtl="0">
               <a:spcBef>
                 <a:spcPts val="0"/>
               </a:spcBef>
@@ -8043,7 +8201,7 @@
             </a:pPr>
             <a:fld id="{00000000-1234-1234-1234-123412341234}" type="slidenum">
               <a:rPr lang="pt-BR"/>
-              <a:t>‹#›</a:t>
+              <a:t>‹nº›</a:t>
             </a:fld>
             <a:endParaRPr/>
           </a:p>
@@ -8058,11 +8216,11 @@
 </file>
 
 <file path=ppt/slideLayouts/slideLayout9.xml><?xml version="1.0" encoding="utf-8"?>
-<p:sldLayout xmlns:a="http://schemas.openxmlformats.org/drawingml/2006/main" xmlns:r="http://schemas.openxmlformats.org/officeDocument/2006/relationships" xmlns:mc="http://schemas.openxmlformats.org/markup-compatibility/2006" xmlns:mv="urn:schemas-microsoft-com:mac:vml" xmlns:p="http://schemas.openxmlformats.org/presentationml/2006/main" xmlns:c="http://schemas.openxmlformats.org/drawingml/2006/chart" xmlns:dgm="http://schemas.openxmlformats.org/drawingml/2006/diagram" xmlns:o="urn:schemas-microsoft-com:office:office" xmlns:v="urn:schemas-microsoft-com:vml" xmlns:pvml="urn:schemas-microsoft-com:office:powerpoint" xmlns:com="http://schemas.openxmlformats.org/drawingml/2006/compatibility" xmlns:p14="http://schemas.microsoft.com/office/powerpoint/2010/main" xmlns:p15="http://schemas.microsoft.com/office/powerpoint/2012/main" xmlns:ahyp="http://schemas.microsoft.com/office/drawing/2018/hyperlinkcolor" matchingName="Caption">
+<p:sldLayout xmlns:a="http://schemas.openxmlformats.org/drawingml/2006/main" xmlns:r="http://schemas.openxmlformats.org/officeDocument/2006/relationships" xmlns:p="http://schemas.openxmlformats.org/presentationml/2006/main" matchingName="Caption">
   <p:cSld name="CAPTION_ONLY">
     <p:spTree>
       <p:nvGrpSpPr>
-        <p:cNvPr id="41" name="Shape 41"/>
+        <p:cNvPr id="1" name="Shape 41"/>
         <p:cNvGrpSpPr/>
         <p:nvPr/>
       </p:nvGrpSpPr>
@@ -8077,9 +8235,11 @@
       <p:sp>
         <p:nvSpPr>
           <p:cNvPr id="42" name="Google Shape;42;p23"/>
-          <p:cNvSpPr txBox="1"/>
+          <p:cNvSpPr txBox="1">
+            <a:spLocks noGrp="1"/>
+          </p:cNvSpPr>
           <p:nvPr>
-            <p:ph idx="1" type="body"/>
+            <p:ph type="body" idx="1"/>
           </p:nvPr>
         </p:nvSpPr>
         <p:spPr>
@@ -8096,11 +8256,11 @@
           </a:ln>
         </p:spPr>
         <p:txBody>
-          <a:bodyPr anchorCtr="0" anchor="ctr" bIns="91425" lIns="91425" spcFirstLastPara="1" rIns="91425" wrap="square" tIns="91425">
+          <a:bodyPr spcFirstLastPara="1" wrap="square" lIns="91425" tIns="91425" rIns="91425" bIns="91425" anchor="ctr" anchorCtr="0">
             <a:normAutofit/>
           </a:bodyPr>
           <a:lstStyle>
-            <a:lvl1pPr indent="-228600" lvl="0" marL="457200" algn="l">
+            <a:lvl1pPr marL="457200" lvl="0" indent="-228600" algn="l">
               <a:lnSpc>
                 <a:spcPct val="100000"/>
               </a:lnSpc>
@@ -8115,15 +8275,19 @@
               <a:defRPr/>
             </a:lvl1pPr>
           </a:lstStyle>
-          <a:p/>
+          <a:p>
+            <a:endParaRPr/>
+          </a:p>
         </p:txBody>
       </p:sp>
       <p:sp>
         <p:nvSpPr>
           <p:cNvPr id="43" name="Google Shape;43;p23"/>
-          <p:cNvSpPr txBox="1"/>
+          <p:cNvSpPr txBox="1">
+            <a:spLocks noGrp="1"/>
+          </p:cNvSpPr>
           <p:nvPr>
-            <p:ph idx="12" type="sldNum"/>
+            <p:ph type="sldNum" idx="12"/>
           </p:nvPr>
         </p:nvSpPr>
         <p:spPr>
@@ -8140,11 +8304,11 @@
           </a:ln>
         </p:spPr>
         <p:txBody>
-          <a:bodyPr anchorCtr="0" anchor="ctr" bIns="91425" lIns="91425" spcFirstLastPara="1" rIns="91425" wrap="square" tIns="91425">
+          <a:bodyPr spcFirstLastPara="1" wrap="square" lIns="91425" tIns="91425" rIns="91425" bIns="91425" anchor="ctr" anchorCtr="0">
             <a:normAutofit/>
           </a:bodyPr>
           <a:lstStyle>
-            <a:lvl1pPr indent="0" lvl="0" marL="0" marR="0" algn="r">
+            <a:lvl1pPr marL="0" marR="0" lvl="0" indent="0" algn="r">
               <a:lnSpc>
                 <a:spcPct val="100000"/>
               </a:lnSpc>
@@ -8160,7 +8324,7 @@
               <a:buSzPts val="1000"/>
               <a:buFont typeface="Arial"/>
               <a:buNone/>
-              <a:defRPr b="0" i="0" sz="1000" u="none" cap="none" strike="noStrike">
+              <a:defRPr sz="1000" b="0" i="0" u="none" strike="noStrike" cap="none">
                 <a:solidFill>
                   <a:schemeClr val="lt2"/>
                 </a:solidFill>
@@ -8170,7 +8334,7 @@
                 <a:sym typeface="Arial"/>
               </a:defRPr>
             </a:lvl1pPr>
-            <a:lvl2pPr indent="0" lvl="1" marL="0" marR="0" algn="r">
+            <a:lvl2pPr marL="0" marR="0" lvl="1" indent="0" algn="r">
               <a:lnSpc>
                 <a:spcPct val="100000"/>
               </a:lnSpc>
@@ -8186,7 +8350,7 @@
               <a:buSzPts val="1000"/>
               <a:buFont typeface="Arial"/>
               <a:buNone/>
-              <a:defRPr b="0" i="0" sz="1000" u="none" cap="none" strike="noStrike">
+              <a:defRPr sz="1000" b="0" i="0" u="none" strike="noStrike" cap="none">
                 <a:solidFill>
                   <a:schemeClr val="lt2"/>
                 </a:solidFill>
@@ -8196,7 +8360,7 @@
                 <a:sym typeface="Arial"/>
               </a:defRPr>
             </a:lvl2pPr>
-            <a:lvl3pPr indent="0" lvl="2" marL="0" marR="0" algn="r">
+            <a:lvl3pPr marL="0" marR="0" lvl="2" indent="0" algn="r">
               <a:lnSpc>
                 <a:spcPct val="100000"/>
               </a:lnSpc>
@@ -8212,7 +8376,7 @@
               <a:buSzPts val="1000"/>
               <a:buFont typeface="Arial"/>
               <a:buNone/>
-              <a:defRPr b="0" i="0" sz="1000" u="none" cap="none" strike="noStrike">
+              <a:defRPr sz="1000" b="0" i="0" u="none" strike="noStrike" cap="none">
                 <a:solidFill>
                   <a:schemeClr val="lt2"/>
                 </a:solidFill>
@@ -8222,7 +8386,7 @@
                 <a:sym typeface="Arial"/>
               </a:defRPr>
             </a:lvl3pPr>
-            <a:lvl4pPr indent="0" lvl="3" marL="0" marR="0" algn="r">
+            <a:lvl4pPr marL="0" marR="0" lvl="3" indent="0" algn="r">
               <a:lnSpc>
                 <a:spcPct val="100000"/>
               </a:lnSpc>
@@ -8238,7 +8402,7 @@
               <a:buSzPts val="1000"/>
               <a:buFont typeface="Arial"/>
               <a:buNone/>
-              <a:defRPr b="0" i="0" sz="1000" u="none" cap="none" strike="noStrike">
+              <a:defRPr sz="1000" b="0" i="0" u="none" strike="noStrike" cap="none">
                 <a:solidFill>
                   <a:schemeClr val="lt2"/>
                 </a:solidFill>
@@ -8248,7 +8412,7 @@
                 <a:sym typeface="Arial"/>
               </a:defRPr>
             </a:lvl4pPr>
-            <a:lvl5pPr indent="0" lvl="4" marL="0" marR="0" algn="r">
+            <a:lvl5pPr marL="0" marR="0" lvl="4" indent="0" algn="r">
               <a:lnSpc>
                 <a:spcPct val="100000"/>
               </a:lnSpc>
@@ -8264,7 +8428,7 @@
               <a:buSzPts val="1000"/>
               <a:buFont typeface="Arial"/>
               <a:buNone/>
-              <a:defRPr b="0" i="0" sz="1000" u="none" cap="none" strike="noStrike">
+              <a:defRPr sz="1000" b="0" i="0" u="none" strike="noStrike" cap="none">
                 <a:solidFill>
                   <a:schemeClr val="lt2"/>
                 </a:solidFill>
@@ -8274,7 +8438,7 @@
                 <a:sym typeface="Arial"/>
               </a:defRPr>
             </a:lvl5pPr>
-            <a:lvl6pPr indent="0" lvl="5" marL="0" marR="0" algn="r">
+            <a:lvl6pPr marL="0" marR="0" lvl="5" indent="0" algn="r">
               <a:lnSpc>
                 <a:spcPct val="100000"/>
               </a:lnSpc>
@@ -8290,7 +8454,7 @@
               <a:buSzPts val="1000"/>
               <a:buFont typeface="Arial"/>
               <a:buNone/>
-              <a:defRPr b="0" i="0" sz="1000" u="none" cap="none" strike="noStrike">
+              <a:defRPr sz="1000" b="0" i="0" u="none" strike="noStrike" cap="none">
                 <a:solidFill>
                   <a:schemeClr val="lt2"/>
                 </a:solidFill>
@@ -8300,7 +8464,7 @@
                 <a:sym typeface="Arial"/>
               </a:defRPr>
             </a:lvl6pPr>
-            <a:lvl7pPr indent="0" lvl="6" marL="0" marR="0" algn="r">
+            <a:lvl7pPr marL="0" marR="0" lvl="6" indent="0" algn="r">
               <a:lnSpc>
                 <a:spcPct val="100000"/>
               </a:lnSpc>
@@ -8316,7 +8480,7 @@
               <a:buSzPts val="1000"/>
               <a:buFont typeface="Arial"/>
               <a:buNone/>
-              <a:defRPr b="0" i="0" sz="1000" u="none" cap="none" strike="noStrike">
+              <a:defRPr sz="1000" b="0" i="0" u="none" strike="noStrike" cap="none">
                 <a:solidFill>
                   <a:schemeClr val="lt2"/>
                 </a:solidFill>
@@ -8326,7 +8490,7 @@
                 <a:sym typeface="Arial"/>
               </a:defRPr>
             </a:lvl7pPr>
-            <a:lvl8pPr indent="0" lvl="7" marL="0" marR="0" algn="r">
+            <a:lvl8pPr marL="0" marR="0" lvl="7" indent="0" algn="r">
               <a:lnSpc>
                 <a:spcPct val="100000"/>
               </a:lnSpc>
@@ -8342,7 +8506,7 @@
               <a:buSzPts val="1000"/>
               <a:buFont typeface="Arial"/>
               <a:buNone/>
-              <a:defRPr b="0" i="0" sz="1000" u="none" cap="none" strike="noStrike">
+              <a:defRPr sz="1000" b="0" i="0" u="none" strike="noStrike" cap="none">
                 <a:solidFill>
                   <a:schemeClr val="lt2"/>
                 </a:solidFill>
@@ -8352,7 +8516,7 @@
                 <a:sym typeface="Arial"/>
               </a:defRPr>
             </a:lvl8pPr>
-            <a:lvl9pPr indent="0" lvl="8" marL="0" marR="0" algn="r">
+            <a:lvl9pPr marL="0" marR="0" lvl="8" indent="0" algn="r">
               <a:lnSpc>
                 <a:spcPct val="100000"/>
               </a:lnSpc>
@@ -8368,7 +8532,7 @@
               <a:buSzPts val="1000"/>
               <a:buFont typeface="Arial"/>
               <a:buNone/>
-              <a:defRPr b="0" i="0" sz="1000" u="none" cap="none" strike="noStrike">
+              <a:defRPr sz="1000" b="0" i="0" u="none" strike="noStrike" cap="none">
                 <a:solidFill>
                   <a:schemeClr val="lt2"/>
                 </a:solidFill>
@@ -8380,7 +8544,7 @@
             </a:lvl9pPr>
           </a:lstStyle>
           <a:p>
-            <a:pPr indent="0" lvl="0" marL="0" rtl="0" algn="r">
+            <a:pPr marL="0" lvl="0" indent="0" algn="r" rtl="0">
               <a:spcBef>
                 <a:spcPts val="0"/>
               </a:spcBef>
@@ -8391,7 +8555,7 @@
             </a:pPr>
             <a:fld id="{00000000-1234-1234-1234-123412341234}" type="slidenum">
               <a:rPr lang="pt-BR"/>
-              <a:t>‹#›</a:t>
+              <a:t>‹nº›</a:t>
             </a:fld>
             <a:endParaRPr/>
           </a:p>
@@ -8406,18 +8570,19 @@
 </file>
 
 <file path=ppt/slideMasters/slideMaster1.xml><?xml version="1.0" encoding="utf-8"?>
-<p:sldMaster xmlns:a="http://schemas.openxmlformats.org/drawingml/2006/main" xmlns:r="http://schemas.openxmlformats.org/officeDocument/2006/relationships" xmlns:mc="http://schemas.openxmlformats.org/markup-compatibility/2006" xmlns:mv="urn:schemas-microsoft-com:mac:vml" xmlns:p="http://schemas.openxmlformats.org/presentationml/2006/main" xmlns:c="http://schemas.openxmlformats.org/drawingml/2006/chart" xmlns:dgm="http://schemas.openxmlformats.org/drawingml/2006/diagram" xmlns:o="urn:schemas-microsoft-com:office:office" xmlns:v="urn:schemas-microsoft-com:vml" xmlns:pvml="urn:schemas-microsoft-com:office:powerpoint" xmlns:com="http://schemas.openxmlformats.org/drawingml/2006/compatibility" xmlns:p14="http://schemas.microsoft.com/office/powerpoint/2010/main" xmlns:p15="http://schemas.microsoft.com/office/powerpoint/2012/main" xmlns:ahyp="http://schemas.microsoft.com/office/drawing/2018/hyperlinkcolor">
+<p:sldMaster xmlns:a="http://schemas.openxmlformats.org/drawingml/2006/main" xmlns:r="http://schemas.openxmlformats.org/officeDocument/2006/relationships" xmlns:p="http://schemas.openxmlformats.org/presentationml/2006/main">
   <p:cSld name="simple-dark-2">
     <p:bg>
       <p:bgPr>
         <a:solidFill>
           <a:schemeClr val="lt1"/>
         </a:solidFill>
+        <a:effectLst/>
       </p:bgPr>
     </p:bg>
     <p:spTree>
       <p:nvGrpSpPr>
-        <p:cNvPr id="5" name="Shape 5"/>
+        <p:cNvPr id="1" name="Shape 5"/>
         <p:cNvGrpSpPr/>
         <p:nvPr/>
       </p:nvGrpSpPr>
@@ -8432,7 +8597,9 @@
       <p:sp>
         <p:nvSpPr>
           <p:cNvPr id="6" name="Google Shape;6;p14"/>
-          <p:cNvSpPr txBox="1"/>
+          <p:cNvSpPr txBox="1">
+            <a:spLocks noGrp="1"/>
+          </p:cNvSpPr>
           <p:nvPr>
             <p:ph type="title"/>
           </p:nvPr>
@@ -8451,11 +8618,11 @@
           </a:ln>
         </p:spPr>
         <p:txBody>
-          <a:bodyPr anchorCtr="0" anchor="t" bIns="91425" lIns="91425" spcFirstLastPara="1" rIns="91425" wrap="square" tIns="91425">
+          <a:bodyPr spcFirstLastPara="1" wrap="square" lIns="91425" tIns="91425" rIns="91425" bIns="91425" anchor="t" anchorCtr="0">
             <a:normAutofit/>
           </a:bodyPr>
           <a:lstStyle>
-            <a:lvl1pPr lvl="0" marR="0" rtl="0" algn="l">
+            <a:lvl1pPr marR="0" lvl="0" algn="l" rtl="0">
               <a:lnSpc>
                 <a:spcPct val="100000"/>
               </a:lnSpc>
@@ -8471,7 +8638,7 @@
               <a:buSzPts val="2800"/>
               <a:buFont typeface="Arial"/>
               <a:buNone/>
-              <a:defRPr b="0" i="0" sz="2800" u="none" cap="none" strike="noStrike">
+              <a:defRPr sz="2800" b="0" i="0" u="none" strike="noStrike" cap="none">
                 <a:solidFill>
                   <a:schemeClr val="dk1"/>
                 </a:solidFill>
@@ -8481,7 +8648,7 @@
                 <a:sym typeface="Arial"/>
               </a:defRPr>
             </a:lvl1pPr>
-            <a:lvl2pPr lvl="1" marR="0" rtl="0" algn="l">
+            <a:lvl2pPr marR="0" lvl="1" algn="l" rtl="0">
               <a:lnSpc>
                 <a:spcPct val="100000"/>
               </a:lnSpc>
@@ -8497,7 +8664,7 @@
               <a:buSzPts val="2800"/>
               <a:buFont typeface="Arial"/>
               <a:buNone/>
-              <a:defRPr b="0" i="0" sz="2800" u="none" cap="none" strike="noStrike">
+              <a:defRPr sz="2800" b="0" i="0" u="none" strike="noStrike" cap="none">
                 <a:solidFill>
                   <a:schemeClr val="dk1"/>
                 </a:solidFill>
@@ -8507,7 +8674,7 @@
                 <a:sym typeface="Arial"/>
               </a:defRPr>
             </a:lvl2pPr>
-            <a:lvl3pPr lvl="2" marR="0" rtl="0" algn="l">
+            <a:lvl3pPr marR="0" lvl="2" algn="l" rtl="0">
               <a:lnSpc>
                 <a:spcPct val="100000"/>
               </a:lnSpc>
@@ -8523,7 +8690,7 @@
               <a:buSzPts val="2800"/>
               <a:buFont typeface="Arial"/>
               <a:buNone/>
-              <a:defRPr b="0" i="0" sz="2800" u="none" cap="none" strike="noStrike">
+              <a:defRPr sz="2800" b="0" i="0" u="none" strike="noStrike" cap="none">
                 <a:solidFill>
                   <a:schemeClr val="dk1"/>
                 </a:solidFill>
@@ -8533,7 +8700,7 @@
                 <a:sym typeface="Arial"/>
               </a:defRPr>
             </a:lvl3pPr>
-            <a:lvl4pPr lvl="3" marR="0" rtl="0" algn="l">
+            <a:lvl4pPr marR="0" lvl="3" algn="l" rtl="0">
               <a:lnSpc>
                 <a:spcPct val="100000"/>
               </a:lnSpc>
@@ -8549,7 +8716,7 @@
               <a:buSzPts val="2800"/>
               <a:buFont typeface="Arial"/>
               <a:buNone/>
-              <a:defRPr b="0" i="0" sz="2800" u="none" cap="none" strike="noStrike">
+              <a:defRPr sz="2800" b="0" i="0" u="none" strike="noStrike" cap="none">
                 <a:solidFill>
                   <a:schemeClr val="dk1"/>
                 </a:solidFill>
@@ -8559,7 +8726,7 @@
                 <a:sym typeface="Arial"/>
               </a:defRPr>
             </a:lvl4pPr>
-            <a:lvl5pPr lvl="4" marR="0" rtl="0" algn="l">
+            <a:lvl5pPr marR="0" lvl="4" algn="l" rtl="0">
               <a:lnSpc>
                 <a:spcPct val="100000"/>
               </a:lnSpc>
@@ -8575,7 +8742,7 @@
               <a:buSzPts val="2800"/>
               <a:buFont typeface="Arial"/>
               <a:buNone/>
-              <a:defRPr b="0" i="0" sz="2800" u="none" cap="none" strike="noStrike">
+              <a:defRPr sz="2800" b="0" i="0" u="none" strike="noStrike" cap="none">
                 <a:solidFill>
                   <a:schemeClr val="dk1"/>
                 </a:solidFill>
@@ -8585,7 +8752,7 @@
                 <a:sym typeface="Arial"/>
               </a:defRPr>
             </a:lvl5pPr>
-            <a:lvl6pPr lvl="5" marR="0" rtl="0" algn="l">
+            <a:lvl6pPr marR="0" lvl="5" algn="l" rtl="0">
               <a:lnSpc>
                 <a:spcPct val="100000"/>
               </a:lnSpc>
@@ -8601,7 +8768,7 @@
               <a:buSzPts val="2800"/>
               <a:buFont typeface="Arial"/>
               <a:buNone/>
-              <a:defRPr b="0" i="0" sz="2800" u="none" cap="none" strike="noStrike">
+              <a:defRPr sz="2800" b="0" i="0" u="none" strike="noStrike" cap="none">
                 <a:solidFill>
                   <a:schemeClr val="dk1"/>
                 </a:solidFill>
@@ -8611,7 +8778,7 @@
                 <a:sym typeface="Arial"/>
               </a:defRPr>
             </a:lvl6pPr>
-            <a:lvl7pPr lvl="6" marR="0" rtl="0" algn="l">
+            <a:lvl7pPr marR="0" lvl="6" algn="l" rtl="0">
               <a:lnSpc>
                 <a:spcPct val="100000"/>
               </a:lnSpc>
@@ -8627,7 +8794,7 @@
               <a:buSzPts val="2800"/>
               <a:buFont typeface="Arial"/>
               <a:buNone/>
-              <a:defRPr b="0" i="0" sz="2800" u="none" cap="none" strike="noStrike">
+              <a:defRPr sz="2800" b="0" i="0" u="none" strike="noStrike" cap="none">
                 <a:solidFill>
                   <a:schemeClr val="dk1"/>
                 </a:solidFill>
@@ -8637,7 +8804,7 @@
                 <a:sym typeface="Arial"/>
               </a:defRPr>
             </a:lvl7pPr>
-            <a:lvl8pPr lvl="7" marR="0" rtl="0" algn="l">
+            <a:lvl8pPr marR="0" lvl="7" algn="l" rtl="0">
               <a:lnSpc>
                 <a:spcPct val="100000"/>
               </a:lnSpc>
@@ -8653,7 +8820,7 @@
               <a:buSzPts val="2800"/>
               <a:buFont typeface="Arial"/>
               <a:buNone/>
-              <a:defRPr b="0" i="0" sz="2800" u="none" cap="none" strike="noStrike">
+              <a:defRPr sz="2800" b="0" i="0" u="none" strike="noStrike" cap="none">
                 <a:solidFill>
                   <a:schemeClr val="dk1"/>
                 </a:solidFill>
@@ -8663,7 +8830,7 @@
                 <a:sym typeface="Arial"/>
               </a:defRPr>
             </a:lvl8pPr>
-            <a:lvl9pPr lvl="8" marR="0" rtl="0" algn="l">
+            <a:lvl9pPr marR="0" lvl="8" algn="l" rtl="0">
               <a:lnSpc>
                 <a:spcPct val="100000"/>
               </a:lnSpc>
@@ -8679,7 +8846,7 @@
               <a:buSzPts val="2800"/>
               <a:buFont typeface="Arial"/>
               <a:buNone/>
-              <a:defRPr b="0" i="0" sz="2800" u="none" cap="none" strike="noStrike">
+              <a:defRPr sz="2800" b="0" i="0" u="none" strike="noStrike" cap="none">
                 <a:solidFill>
                   <a:schemeClr val="dk1"/>
                 </a:solidFill>
@@ -8690,15 +8857,19 @@
               </a:defRPr>
             </a:lvl9pPr>
           </a:lstStyle>
-          <a:p/>
+          <a:p>
+            <a:endParaRPr/>
+          </a:p>
         </p:txBody>
       </p:sp>
       <p:sp>
         <p:nvSpPr>
           <p:cNvPr id="7" name="Google Shape;7;p14"/>
-          <p:cNvSpPr txBox="1"/>
+          <p:cNvSpPr txBox="1">
+            <a:spLocks noGrp="1"/>
+          </p:cNvSpPr>
           <p:nvPr>
-            <p:ph idx="1" type="body"/>
+            <p:ph type="body" idx="1"/>
           </p:nvPr>
         </p:nvSpPr>
         <p:spPr>
@@ -8715,11 +8886,11 @@
           </a:ln>
         </p:spPr>
         <p:txBody>
-          <a:bodyPr anchorCtr="0" anchor="t" bIns="91425" lIns="91425" spcFirstLastPara="1" rIns="91425" wrap="square" tIns="91425">
+          <a:bodyPr spcFirstLastPara="1" wrap="square" lIns="91425" tIns="91425" rIns="91425" bIns="91425" anchor="t" anchorCtr="0">
             <a:normAutofit/>
           </a:bodyPr>
           <a:lstStyle>
-            <a:lvl1pPr indent="-342900" lvl="0" marL="457200" marR="0" rtl="0" algn="l">
+            <a:lvl1pPr marL="457200" marR="0" lvl="0" indent="-342900" algn="l" rtl="0">
               <a:lnSpc>
                 <a:spcPct val="115000"/>
               </a:lnSpc>
@@ -8735,7 +8906,7 @@
               <a:buSzPts val="1800"/>
               <a:buFont typeface="Arial"/>
               <a:buChar char="●"/>
-              <a:defRPr b="0" i="0" sz="1800" u="none" cap="none" strike="noStrike">
+              <a:defRPr sz="1800" b="0" i="0" u="none" strike="noStrike" cap="none">
                 <a:solidFill>
                   <a:schemeClr val="lt2"/>
                 </a:solidFill>
@@ -8745,7 +8916,7 @@
                 <a:sym typeface="Arial"/>
               </a:defRPr>
             </a:lvl1pPr>
-            <a:lvl2pPr indent="-317500" lvl="1" marL="914400" marR="0" rtl="0" algn="l">
+            <a:lvl2pPr marL="914400" marR="0" lvl="1" indent="-317500" algn="l" rtl="0">
               <a:lnSpc>
                 <a:spcPct val="115000"/>
               </a:lnSpc>
@@ -8761,7 +8932,7 @@
               <a:buSzPts val="1400"/>
               <a:buFont typeface="Arial"/>
               <a:buChar char="○"/>
-              <a:defRPr b="0" i="0" sz="1400" u="none" cap="none" strike="noStrike">
+              <a:defRPr sz="1400" b="0" i="0" u="none" strike="noStrike" cap="none">
                 <a:solidFill>
                   <a:schemeClr val="lt2"/>
                 </a:solidFill>
@@ -8771,7 +8942,7 @@
                 <a:sym typeface="Arial"/>
               </a:defRPr>
             </a:lvl2pPr>
-            <a:lvl3pPr indent="-317500" lvl="2" marL="1371600" marR="0" rtl="0" algn="l">
+            <a:lvl3pPr marL="1371600" marR="0" lvl="2" indent="-317500" algn="l" rtl="0">
               <a:lnSpc>
                 <a:spcPct val="115000"/>
               </a:lnSpc>
@@ -8787,7 +8958,7 @@
               <a:buSzPts val="1400"/>
               <a:buFont typeface="Arial"/>
               <a:buChar char="■"/>
-              <a:defRPr b="0" i="0" sz="1400" u="none" cap="none" strike="noStrike">
+              <a:defRPr sz="1400" b="0" i="0" u="none" strike="noStrike" cap="none">
                 <a:solidFill>
                   <a:schemeClr val="lt2"/>
                 </a:solidFill>
@@ -8797,7 +8968,7 @@
                 <a:sym typeface="Arial"/>
               </a:defRPr>
             </a:lvl3pPr>
-            <a:lvl4pPr indent="-317500" lvl="3" marL="1828800" marR="0" rtl="0" algn="l">
+            <a:lvl4pPr marL="1828800" marR="0" lvl="3" indent="-317500" algn="l" rtl="0">
               <a:lnSpc>
                 <a:spcPct val="115000"/>
               </a:lnSpc>
@@ -8813,7 +8984,7 @@
               <a:buSzPts val="1400"/>
               <a:buFont typeface="Arial"/>
               <a:buChar char="●"/>
-              <a:defRPr b="0" i="0" sz="1400" u="none" cap="none" strike="noStrike">
+              <a:defRPr sz="1400" b="0" i="0" u="none" strike="noStrike" cap="none">
                 <a:solidFill>
                   <a:schemeClr val="lt2"/>
                 </a:solidFill>
@@ -8823,7 +8994,7 @@
                 <a:sym typeface="Arial"/>
               </a:defRPr>
             </a:lvl4pPr>
-            <a:lvl5pPr indent="-317500" lvl="4" marL="2286000" marR="0" rtl="0" algn="l">
+            <a:lvl5pPr marL="2286000" marR="0" lvl="4" indent="-317500" algn="l" rtl="0">
               <a:lnSpc>
                 <a:spcPct val="115000"/>
               </a:lnSpc>
@@ -8839,7 +9010,7 @@
               <a:buSzPts val="1400"/>
               <a:buFont typeface="Arial"/>
               <a:buChar char="○"/>
-              <a:defRPr b="0" i="0" sz="1400" u="none" cap="none" strike="noStrike">
+              <a:defRPr sz="1400" b="0" i="0" u="none" strike="noStrike" cap="none">
                 <a:solidFill>
                   <a:schemeClr val="lt2"/>
                 </a:solidFill>
@@ -8849,7 +9020,7 @@
                 <a:sym typeface="Arial"/>
               </a:defRPr>
             </a:lvl5pPr>
-            <a:lvl6pPr indent="-317500" lvl="5" marL="2743200" marR="0" rtl="0" algn="l">
+            <a:lvl6pPr marL="2743200" marR="0" lvl="5" indent="-317500" algn="l" rtl="0">
               <a:lnSpc>
                 <a:spcPct val="115000"/>
               </a:lnSpc>
@@ -8865,7 +9036,7 @@
               <a:buSzPts val="1400"/>
               <a:buFont typeface="Arial"/>
               <a:buChar char="■"/>
-              <a:defRPr b="0" i="0" sz="1400" u="none" cap="none" strike="noStrike">
+              <a:defRPr sz="1400" b="0" i="0" u="none" strike="noStrike" cap="none">
                 <a:solidFill>
                   <a:schemeClr val="lt2"/>
                 </a:solidFill>
@@ -8875,7 +9046,7 @@
                 <a:sym typeface="Arial"/>
               </a:defRPr>
             </a:lvl6pPr>
-            <a:lvl7pPr indent="-317500" lvl="6" marL="3200400" marR="0" rtl="0" algn="l">
+            <a:lvl7pPr marL="3200400" marR="0" lvl="6" indent="-317500" algn="l" rtl="0">
               <a:lnSpc>
                 <a:spcPct val="115000"/>
               </a:lnSpc>
@@ -8891,7 +9062,7 @@
               <a:buSzPts val="1400"/>
               <a:buFont typeface="Arial"/>
               <a:buChar char="●"/>
-              <a:defRPr b="0" i="0" sz="1400" u="none" cap="none" strike="noStrike">
+              <a:defRPr sz="1400" b="0" i="0" u="none" strike="noStrike" cap="none">
                 <a:solidFill>
                   <a:schemeClr val="lt2"/>
                 </a:solidFill>
@@ -8901,7 +9072,7 @@
                 <a:sym typeface="Arial"/>
               </a:defRPr>
             </a:lvl7pPr>
-            <a:lvl8pPr indent="-317500" lvl="7" marL="3657600" marR="0" rtl="0" algn="l">
+            <a:lvl8pPr marL="3657600" marR="0" lvl="7" indent="-317500" algn="l" rtl="0">
               <a:lnSpc>
                 <a:spcPct val="115000"/>
               </a:lnSpc>
@@ -8917,7 +9088,7 @@
               <a:buSzPts val="1400"/>
               <a:buFont typeface="Arial"/>
               <a:buChar char="○"/>
-              <a:defRPr b="0" i="0" sz="1400" u="none" cap="none" strike="noStrike">
+              <a:defRPr sz="1400" b="0" i="0" u="none" strike="noStrike" cap="none">
                 <a:solidFill>
                   <a:schemeClr val="lt2"/>
                 </a:solidFill>
@@ -8927,7 +9098,7 @@
                 <a:sym typeface="Arial"/>
               </a:defRPr>
             </a:lvl8pPr>
-            <a:lvl9pPr indent="-317500" lvl="8" marL="4114800" marR="0" rtl="0" algn="l">
+            <a:lvl9pPr marL="4114800" marR="0" lvl="8" indent="-317500" algn="l" rtl="0">
               <a:lnSpc>
                 <a:spcPct val="115000"/>
               </a:lnSpc>
@@ -8943,7 +9114,7 @@
               <a:buSzPts val="1400"/>
               <a:buFont typeface="Arial"/>
               <a:buChar char="■"/>
-              <a:defRPr b="0" i="0" sz="1400" u="none" cap="none" strike="noStrike">
+              <a:defRPr sz="1400" b="0" i="0" u="none" strike="noStrike" cap="none">
                 <a:solidFill>
                   <a:schemeClr val="lt2"/>
                 </a:solidFill>
@@ -8954,15 +9125,19 @@
               </a:defRPr>
             </a:lvl9pPr>
           </a:lstStyle>
-          <a:p/>
+          <a:p>
+            <a:endParaRPr/>
+          </a:p>
         </p:txBody>
       </p:sp>
       <p:sp>
         <p:nvSpPr>
           <p:cNvPr id="8" name="Google Shape;8;p14"/>
-          <p:cNvSpPr txBox="1"/>
+          <p:cNvSpPr txBox="1">
+            <a:spLocks noGrp="1"/>
+          </p:cNvSpPr>
           <p:nvPr>
-            <p:ph idx="12" type="sldNum"/>
+            <p:ph type="sldNum" idx="12"/>
           </p:nvPr>
         </p:nvSpPr>
         <p:spPr>
@@ -8979,11 +9154,11 @@
           </a:ln>
         </p:spPr>
         <p:txBody>
-          <a:bodyPr anchorCtr="0" anchor="ctr" bIns="91425" lIns="91425" spcFirstLastPara="1" rIns="91425" wrap="square" tIns="91425">
+          <a:bodyPr spcFirstLastPara="1" wrap="square" lIns="91425" tIns="91425" rIns="91425" bIns="91425" anchor="ctr" anchorCtr="0">
             <a:normAutofit/>
           </a:bodyPr>
           <a:lstStyle>
-            <a:lvl1pPr indent="0" lvl="0" marL="0" marR="0" rtl="0" algn="r">
+            <a:lvl1pPr marL="0" marR="0" lvl="0" indent="0" algn="r" rtl="0">
               <a:lnSpc>
                 <a:spcPct val="100000"/>
               </a:lnSpc>
@@ -8999,7 +9174,7 @@
               <a:buSzPts val="1000"/>
               <a:buFont typeface="Arial"/>
               <a:buNone/>
-              <a:defRPr b="0" i="0" sz="1000" u="none" cap="none" strike="noStrike">
+              <a:defRPr sz="1000" b="0" i="0" u="none" strike="noStrike" cap="none">
                 <a:solidFill>
                   <a:schemeClr val="lt2"/>
                 </a:solidFill>
@@ -9009,7 +9184,7 @@
                 <a:sym typeface="Arial"/>
               </a:defRPr>
             </a:lvl1pPr>
-            <a:lvl2pPr indent="0" lvl="1" marL="0" marR="0" rtl="0" algn="r">
+            <a:lvl2pPr marL="0" marR="0" lvl="1" indent="0" algn="r" rtl="0">
               <a:lnSpc>
                 <a:spcPct val="100000"/>
               </a:lnSpc>
@@ -9025,7 +9200,7 @@
               <a:buSzPts val="1000"/>
               <a:buFont typeface="Arial"/>
               <a:buNone/>
-              <a:defRPr b="0" i="0" sz="1000" u="none" cap="none" strike="noStrike">
+              <a:defRPr sz="1000" b="0" i="0" u="none" strike="noStrike" cap="none">
                 <a:solidFill>
                   <a:schemeClr val="lt2"/>
                 </a:solidFill>
@@ -9035,7 +9210,7 @@
                 <a:sym typeface="Arial"/>
               </a:defRPr>
             </a:lvl2pPr>
-            <a:lvl3pPr indent="0" lvl="2" marL="0" marR="0" rtl="0" algn="r">
+            <a:lvl3pPr marL="0" marR="0" lvl="2" indent="0" algn="r" rtl="0">
               <a:lnSpc>
                 <a:spcPct val="100000"/>
               </a:lnSpc>
@@ -9051,7 +9226,7 @@
               <a:buSzPts val="1000"/>
               <a:buFont typeface="Arial"/>
               <a:buNone/>
-              <a:defRPr b="0" i="0" sz="1000" u="none" cap="none" strike="noStrike">
+              <a:defRPr sz="1000" b="0" i="0" u="none" strike="noStrike" cap="none">
                 <a:solidFill>
                   <a:schemeClr val="lt2"/>
                 </a:solidFill>
@@ -9061,7 +9236,7 @@
                 <a:sym typeface="Arial"/>
               </a:defRPr>
             </a:lvl3pPr>
-            <a:lvl4pPr indent="0" lvl="3" marL="0" marR="0" rtl="0" algn="r">
+            <a:lvl4pPr marL="0" marR="0" lvl="3" indent="0" algn="r" rtl="0">
               <a:lnSpc>
                 <a:spcPct val="100000"/>
               </a:lnSpc>
@@ -9077,7 +9252,7 @@
               <a:buSzPts val="1000"/>
               <a:buFont typeface="Arial"/>
               <a:buNone/>
-              <a:defRPr b="0" i="0" sz="1000" u="none" cap="none" strike="noStrike">
+              <a:defRPr sz="1000" b="0" i="0" u="none" strike="noStrike" cap="none">
                 <a:solidFill>
                   <a:schemeClr val="lt2"/>
                 </a:solidFill>
@@ -9087,7 +9262,7 @@
                 <a:sym typeface="Arial"/>
               </a:defRPr>
             </a:lvl4pPr>
-            <a:lvl5pPr indent="0" lvl="4" marL="0" marR="0" rtl="0" algn="r">
+            <a:lvl5pPr marL="0" marR="0" lvl="4" indent="0" algn="r" rtl="0">
               <a:lnSpc>
                 <a:spcPct val="100000"/>
               </a:lnSpc>
@@ -9103,7 +9278,7 @@
               <a:buSzPts val="1000"/>
               <a:buFont typeface="Arial"/>
               <a:buNone/>
-              <a:defRPr b="0" i="0" sz="1000" u="none" cap="none" strike="noStrike">
+              <a:defRPr sz="1000" b="0" i="0" u="none" strike="noStrike" cap="none">
                 <a:solidFill>
                   <a:schemeClr val="lt2"/>
                 </a:solidFill>
@@ -9113,7 +9288,7 @@
                 <a:sym typeface="Arial"/>
               </a:defRPr>
             </a:lvl5pPr>
-            <a:lvl6pPr indent="0" lvl="5" marL="0" marR="0" rtl="0" algn="r">
+            <a:lvl6pPr marL="0" marR="0" lvl="5" indent="0" algn="r" rtl="0">
               <a:lnSpc>
                 <a:spcPct val="100000"/>
               </a:lnSpc>
@@ -9129,7 +9304,7 @@
               <a:buSzPts val="1000"/>
               <a:buFont typeface="Arial"/>
               <a:buNone/>
-              <a:defRPr b="0" i="0" sz="1000" u="none" cap="none" strike="noStrike">
+              <a:defRPr sz="1000" b="0" i="0" u="none" strike="noStrike" cap="none">
                 <a:solidFill>
                   <a:schemeClr val="lt2"/>
                 </a:solidFill>
@@ -9139,7 +9314,7 @@
                 <a:sym typeface="Arial"/>
               </a:defRPr>
             </a:lvl6pPr>
-            <a:lvl7pPr indent="0" lvl="6" marL="0" marR="0" rtl="0" algn="r">
+            <a:lvl7pPr marL="0" marR="0" lvl="6" indent="0" algn="r" rtl="0">
               <a:lnSpc>
                 <a:spcPct val="100000"/>
               </a:lnSpc>
@@ -9155,7 +9330,7 @@
               <a:buSzPts val="1000"/>
               <a:buFont typeface="Arial"/>
               <a:buNone/>
-              <a:defRPr b="0" i="0" sz="1000" u="none" cap="none" strike="noStrike">
+              <a:defRPr sz="1000" b="0" i="0" u="none" strike="noStrike" cap="none">
                 <a:solidFill>
                   <a:schemeClr val="lt2"/>
                 </a:solidFill>
@@ -9165,7 +9340,7 @@
                 <a:sym typeface="Arial"/>
               </a:defRPr>
             </a:lvl7pPr>
-            <a:lvl8pPr indent="0" lvl="7" marL="0" marR="0" rtl="0" algn="r">
+            <a:lvl8pPr marL="0" marR="0" lvl="7" indent="0" algn="r" rtl="0">
               <a:lnSpc>
                 <a:spcPct val="100000"/>
               </a:lnSpc>
@@ -9181,7 +9356,7 @@
               <a:buSzPts val="1000"/>
               <a:buFont typeface="Arial"/>
               <a:buNone/>
-              <a:defRPr b="0" i="0" sz="1000" u="none" cap="none" strike="noStrike">
+              <a:defRPr sz="1000" b="0" i="0" u="none" strike="noStrike" cap="none">
                 <a:solidFill>
                   <a:schemeClr val="lt2"/>
                 </a:solidFill>
@@ -9191,7 +9366,7 @@
                 <a:sym typeface="Arial"/>
               </a:defRPr>
             </a:lvl8pPr>
-            <a:lvl9pPr indent="0" lvl="8" marL="0" marR="0" rtl="0" algn="r">
+            <a:lvl9pPr marL="0" marR="0" lvl="8" indent="0" algn="r" rtl="0">
               <a:lnSpc>
                 <a:spcPct val="100000"/>
               </a:lnSpc>
@@ -9207,7 +9382,7 @@
               <a:buSzPts val="1000"/>
               <a:buFont typeface="Arial"/>
               <a:buNone/>
-              <a:defRPr b="0" i="0" sz="1000" u="none" cap="none" strike="noStrike">
+              <a:defRPr sz="1000" b="0" i="0" u="none" strike="noStrike" cap="none">
                 <a:solidFill>
                   <a:schemeClr val="lt2"/>
                 </a:solidFill>
@@ -9219,7 +9394,7 @@
             </a:lvl9pPr>
           </a:lstStyle>
           <a:p>
-            <a:pPr indent="0" lvl="0" marL="0" rtl="0" algn="r">
+            <a:pPr marL="0" lvl="0" indent="0" algn="r" rtl="0">
               <a:spcBef>
                 <a:spcPts val="0"/>
               </a:spcBef>
@@ -9230,7 +9405,7 @@
             </a:pPr>
             <a:fld id="{00000000-1234-1234-1234-123412341234}" type="slidenum">
               <a:rPr lang="pt-BR"/>
-              <a:t>‹#›</a:t>
+              <a:t>‹nº›</a:t>
             </a:fld>
             <a:endParaRPr/>
           </a:p>
@@ -9238,7 +9413,7 @@
       </p:sp>
     </p:spTree>
   </p:cSld>
-  <p:clrMap accent1="accent1" accent2="accent2" accent3="accent3" accent4="accent4" accent5="accent5" accent6="accent6" bg1="lt1" bg2="dk2" tx1="dk1" tx2="lt2" folHlink="folHlink" hlink="hlink"/>
+  <p:clrMap bg1="lt1" tx1="dk1" bg2="dk2" tx2="lt2" accent1="accent1" accent2="accent2" accent3="accent3" accent4="accent4" accent5="accent5" accent6="accent6" hlink="hlink" folHlink="folHlink"/>
   <p:sldLayoutIdLst>
     <p:sldLayoutId id="2147483649" r:id="rId1"/>
     <p:sldLayoutId id="2147483650" r:id="rId2"/>
@@ -9252,10 +9427,10 @@
     <p:sldLayoutId id="2147483658" r:id="rId10"/>
     <p:sldLayoutId id="2147483659" r:id="rId11"/>
   </p:sldLayoutIdLst>
-  <p:hf dt="0" ftr="0" hdr="0" sldNum="0"/>
+  <p:hf sldNum="0" hdr="0" ftr="0" dt="0"/>
   <p:txStyles>
     <p:titleStyle>
-      <a:defPPr lvl="0" marR="0" rtl="0" algn="l">
+      <a:defPPr marR="0" lvl="0" algn="l" rtl="0">
         <a:lnSpc>
           <a:spcPct val="100000"/>
         </a:lnSpc>
@@ -9266,7 +9441,7 @@
           <a:spcPts val="0"/>
         </a:spcAft>
       </a:defPPr>
-      <a:lvl1pPr lvl="0" marR="0" rtl="0" algn="l">
+      <a:lvl1pPr marR="0" lvl="0" algn="l" rtl="0">
         <a:lnSpc>
           <a:spcPct val="100000"/>
         </a:lnSpc>
@@ -9280,7 +9455,7 @@
           <a:srgbClr val="000000"/>
         </a:buClr>
         <a:buFont typeface="Arial"/>
-        <a:defRPr b="0" i="0" sz="1400" u="none" cap="none" strike="noStrike">
+        <a:defRPr sz="1400" b="0" i="0" u="none" strike="noStrike" cap="none">
           <a:solidFill>
             <a:srgbClr val="000000"/>
           </a:solidFill>
@@ -9290,7 +9465,7 @@
           <a:sym typeface="Arial"/>
         </a:defRPr>
       </a:lvl1pPr>
-      <a:lvl2pPr lvl="1" marR="0" rtl="0" algn="l">
+      <a:lvl2pPr marR="0" lvl="1" algn="l" rtl="0">
         <a:lnSpc>
           <a:spcPct val="100000"/>
         </a:lnSpc>
@@ -9304,7 +9479,7 @@
           <a:srgbClr val="000000"/>
         </a:buClr>
         <a:buFont typeface="Arial"/>
-        <a:defRPr b="0" i="0" sz="1400" u="none" cap="none" strike="noStrike">
+        <a:defRPr sz="1400" b="0" i="0" u="none" strike="noStrike" cap="none">
           <a:solidFill>
             <a:srgbClr val="000000"/>
           </a:solidFill>
@@ -9314,7 +9489,7 @@
           <a:sym typeface="Arial"/>
         </a:defRPr>
       </a:lvl2pPr>
-      <a:lvl3pPr lvl="2" marR="0" rtl="0" algn="l">
+      <a:lvl3pPr marR="0" lvl="2" algn="l" rtl="0">
         <a:lnSpc>
           <a:spcPct val="100000"/>
         </a:lnSpc>
@@ -9328,7 +9503,7 @@
           <a:srgbClr val="000000"/>
         </a:buClr>
         <a:buFont typeface="Arial"/>
-        <a:defRPr b="0" i="0" sz="1400" u="none" cap="none" strike="noStrike">
+        <a:defRPr sz="1400" b="0" i="0" u="none" strike="noStrike" cap="none">
           <a:solidFill>
             <a:srgbClr val="000000"/>
           </a:solidFill>
@@ -9338,7 +9513,7 @@
           <a:sym typeface="Arial"/>
         </a:defRPr>
       </a:lvl3pPr>
-      <a:lvl4pPr lvl="3" marR="0" rtl="0" algn="l">
+      <a:lvl4pPr marR="0" lvl="3" algn="l" rtl="0">
         <a:lnSpc>
           <a:spcPct val="100000"/>
         </a:lnSpc>
@@ -9352,7 +9527,7 @@
           <a:srgbClr val="000000"/>
         </a:buClr>
         <a:buFont typeface="Arial"/>
-        <a:defRPr b="0" i="0" sz="1400" u="none" cap="none" strike="noStrike">
+        <a:defRPr sz="1400" b="0" i="0" u="none" strike="noStrike" cap="none">
           <a:solidFill>
             <a:srgbClr val="000000"/>
           </a:solidFill>
@@ -9362,7 +9537,7 @@
           <a:sym typeface="Arial"/>
         </a:defRPr>
       </a:lvl4pPr>
-      <a:lvl5pPr lvl="4" marR="0" rtl="0" algn="l">
+      <a:lvl5pPr marR="0" lvl="4" algn="l" rtl="0">
         <a:lnSpc>
           <a:spcPct val="100000"/>
         </a:lnSpc>
@@ -9376,7 +9551,7 @@
           <a:srgbClr val="000000"/>
         </a:buClr>
         <a:buFont typeface="Arial"/>
-        <a:defRPr b="0" i="0" sz="1400" u="none" cap="none" strike="noStrike">
+        <a:defRPr sz="1400" b="0" i="0" u="none" strike="noStrike" cap="none">
           <a:solidFill>
             <a:srgbClr val="000000"/>
           </a:solidFill>
@@ -9386,7 +9561,7 @@
           <a:sym typeface="Arial"/>
         </a:defRPr>
       </a:lvl5pPr>
-      <a:lvl6pPr lvl="5" marR="0" rtl="0" algn="l">
+      <a:lvl6pPr marR="0" lvl="5" algn="l" rtl="0">
         <a:lnSpc>
           <a:spcPct val="100000"/>
         </a:lnSpc>
@@ -9400,7 +9575,7 @@
           <a:srgbClr val="000000"/>
         </a:buClr>
         <a:buFont typeface="Arial"/>
-        <a:defRPr b="0" i="0" sz="1400" u="none" cap="none" strike="noStrike">
+        <a:defRPr sz="1400" b="0" i="0" u="none" strike="noStrike" cap="none">
           <a:solidFill>
             <a:srgbClr val="000000"/>
           </a:solidFill>
@@ -9410,7 +9585,7 @@
           <a:sym typeface="Arial"/>
         </a:defRPr>
       </a:lvl6pPr>
-      <a:lvl7pPr lvl="6" marR="0" rtl="0" algn="l">
+      <a:lvl7pPr marR="0" lvl="6" algn="l" rtl="0">
         <a:lnSpc>
           <a:spcPct val="100000"/>
         </a:lnSpc>
@@ -9424,7 +9599,7 @@
           <a:srgbClr val="000000"/>
         </a:buClr>
         <a:buFont typeface="Arial"/>
-        <a:defRPr b="0" i="0" sz="1400" u="none" cap="none" strike="noStrike">
+        <a:defRPr sz="1400" b="0" i="0" u="none" strike="noStrike" cap="none">
           <a:solidFill>
             <a:srgbClr val="000000"/>
           </a:solidFill>
@@ -9434,7 +9609,7 @@
           <a:sym typeface="Arial"/>
         </a:defRPr>
       </a:lvl7pPr>
-      <a:lvl8pPr lvl="7" marR="0" rtl="0" algn="l">
+      <a:lvl8pPr marR="0" lvl="7" algn="l" rtl="0">
         <a:lnSpc>
           <a:spcPct val="100000"/>
         </a:lnSpc>
@@ -9448,7 +9623,7 @@
           <a:srgbClr val="000000"/>
         </a:buClr>
         <a:buFont typeface="Arial"/>
-        <a:defRPr b="0" i="0" sz="1400" u="none" cap="none" strike="noStrike">
+        <a:defRPr sz="1400" b="0" i="0" u="none" strike="noStrike" cap="none">
           <a:solidFill>
             <a:srgbClr val="000000"/>
           </a:solidFill>
@@ -9458,7 +9633,7 @@
           <a:sym typeface="Arial"/>
         </a:defRPr>
       </a:lvl8pPr>
-      <a:lvl9pPr lvl="8" marR="0" rtl="0" algn="l">
+      <a:lvl9pPr marR="0" lvl="8" algn="l" rtl="0">
         <a:lnSpc>
           <a:spcPct val="100000"/>
         </a:lnSpc>
@@ -9472,7 +9647,7 @@
           <a:srgbClr val="000000"/>
         </a:buClr>
         <a:buFont typeface="Arial"/>
-        <a:defRPr b="0" i="0" sz="1400" u="none" cap="none" strike="noStrike">
+        <a:defRPr sz="1400" b="0" i="0" u="none" strike="noStrike" cap="none">
           <a:solidFill>
             <a:srgbClr val="000000"/>
           </a:solidFill>
@@ -9484,7 +9659,7 @@
       </a:lvl9pPr>
     </p:titleStyle>
     <p:bodyStyle>
-      <a:defPPr lvl="0" marR="0" rtl="0" algn="l">
+      <a:defPPr marR="0" lvl="0" algn="l" rtl="0">
         <a:lnSpc>
           <a:spcPct val="100000"/>
         </a:lnSpc>
@@ -9495,7 +9670,7 @@
           <a:spcPts val="0"/>
         </a:spcAft>
       </a:defPPr>
-      <a:lvl1pPr lvl="0" marR="0" rtl="0" algn="l">
+      <a:lvl1pPr marR="0" lvl="0" algn="l" rtl="0">
         <a:lnSpc>
           <a:spcPct val="100000"/>
         </a:lnSpc>
@@ -9509,7 +9684,7 @@
           <a:srgbClr val="000000"/>
         </a:buClr>
         <a:buFont typeface="Arial"/>
-        <a:defRPr b="0" i="0" sz="1400" u="none" cap="none" strike="noStrike">
+        <a:defRPr sz="1400" b="0" i="0" u="none" strike="noStrike" cap="none">
           <a:solidFill>
             <a:srgbClr val="000000"/>
           </a:solidFill>
@@ -9519,7 +9694,7 @@
           <a:sym typeface="Arial"/>
         </a:defRPr>
       </a:lvl1pPr>
-      <a:lvl2pPr lvl="1" marR="0" rtl="0" algn="l">
+      <a:lvl2pPr marR="0" lvl="1" algn="l" rtl="0">
         <a:lnSpc>
           <a:spcPct val="100000"/>
         </a:lnSpc>
@@ -9533,7 +9708,7 @@
           <a:srgbClr val="000000"/>
         </a:buClr>
         <a:buFont typeface="Arial"/>
-        <a:defRPr b="0" i="0" sz="1400" u="none" cap="none" strike="noStrike">
+        <a:defRPr sz="1400" b="0" i="0" u="none" strike="noStrike" cap="none">
           <a:solidFill>
             <a:srgbClr val="000000"/>
           </a:solidFill>
@@ -9543,7 +9718,7 @@
           <a:sym typeface="Arial"/>
         </a:defRPr>
       </a:lvl2pPr>
-      <a:lvl3pPr lvl="2" marR="0" rtl="0" algn="l">
+      <a:lvl3pPr marR="0" lvl="2" algn="l" rtl="0">
         <a:lnSpc>
           <a:spcPct val="100000"/>
         </a:lnSpc>
@@ -9557,7 +9732,7 @@
           <a:srgbClr val="000000"/>
         </a:buClr>
         <a:buFont typeface="Arial"/>
-        <a:defRPr b="0" i="0" sz="1400" u="none" cap="none" strike="noStrike">
+        <a:defRPr sz="1400" b="0" i="0" u="none" strike="noStrike" cap="none">
           <a:solidFill>
             <a:srgbClr val="000000"/>
           </a:solidFill>
@@ -9567,7 +9742,7 @@
           <a:sym typeface="Arial"/>
         </a:defRPr>
       </a:lvl3pPr>
-      <a:lvl4pPr lvl="3" marR="0" rtl="0" algn="l">
+      <a:lvl4pPr marR="0" lvl="3" algn="l" rtl="0">
         <a:lnSpc>
           <a:spcPct val="100000"/>
         </a:lnSpc>
@@ -9581,7 +9756,7 @@
           <a:srgbClr val="000000"/>
         </a:buClr>
         <a:buFont typeface="Arial"/>
-        <a:defRPr b="0" i="0" sz="1400" u="none" cap="none" strike="noStrike">
+        <a:defRPr sz="1400" b="0" i="0" u="none" strike="noStrike" cap="none">
           <a:solidFill>
             <a:srgbClr val="000000"/>
           </a:solidFill>
@@ -9591,7 +9766,7 @@
           <a:sym typeface="Arial"/>
         </a:defRPr>
       </a:lvl4pPr>
-      <a:lvl5pPr lvl="4" marR="0" rtl="0" algn="l">
+      <a:lvl5pPr marR="0" lvl="4" algn="l" rtl="0">
         <a:lnSpc>
           <a:spcPct val="100000"/>
         </a:lnSpc>
@@ -9605,7 +9780,7 @@
           <a:srgbClr val="000000"/>
         </a:buClr>
         <a:buFont typeface="Arial"/>
-        <a:defRPr b="0" i="0" sz="1400" u="none" cap="none" strike="noStrike">
+        <a:defRPr sz="1400" b="0" i="0" u="none" strike="noStrike" cap="none">
           <a:solidFill>
             <a:srgbClr val="000000"/>
           </a:solidFill>
@@ -9615,7 +9790,7 @@
           <a:sym typeface="Arial"/>
         </a:defRPr>
       </a:lvl5pPr>
-      <a:lvl6pPr lvl="5" marR="0" rtl="0" algn="l">
+      <a:lvl6pPr marR="0" lvl="5" algn="l" rtl="0">
         <a:lnSpc>
           <a:spcPct val="100000"/>
         </a:lnSpc>
@@ -9629,7 +9804,7 @@
           <a:srgbClr val="000000"/>
         </a:buClr>
         <a:buFont typeface="Arial"/>
-        <a:defRPr b="0" i="0" sz="1400" u="none" cap="none" strike="noStrike">
+        <a:defRPr sz="1400" b="0" i="0" u="none" strike="noStrike" cap="none">
           <a:solidFill>
             <a:srgbClr val="000000"/>
           </a:solidFill>
@@ -9639,7 +9814,7 @@
           <a:sym typeface="Arial"/>
         </a:defRPr>
       </a:lvl6pPr>
-      <a:lvl7pPr lvl="6" marR="0" rtl="0" algn="l">
+      <a:lvl7pPr marR="0" lvl="6" algn="l" rtl="0">
         <a:lnSpc>
           <a:spcPct val="100000"/>
         </a:lnSpc>
@@ -9653,7 +9828,7 @@
           <a:srgbClr val="000000"/>
         </a:buClr>
         <a:buFont typeface="Arial"/>
-        <a:defRPr b="0" i="0" sz="1400" u="none" cap="none" strike="noStrike">
+        <a:defRPr sz="1400" b="0" i="0" u="none" strike="noStrike" cap="none">
           <a:solidFill>
             <a:srgbClr val="000000"/>
           </a:solidFill>
@@ -9663,7 +9838,7 @@
           <a:sym typeface="Arial"/>
         </a:defRPr>
       </a:lvl7pPr>
-      <a:lvl8pPr lvl="7" marR="0" rtl="0" algn="l">
+      <a:lvl8pPr marR="0" lvl="7" algn="l" rtl="0">
         <a:lnSpc>
           <a:spcPct val="100000"/>
         </a:lnSpc>
@@ -9677,7 +9852,7 @@
           <a:srgbClr val="000000"/>
         </a:buClr>
         <a:buFont typeface="Arial"/>
-        <a:defRPr b="0" i="0" sz="1400" u="none" cap="none" strike="noStrike">
+        <a:defRPr sz="1400" b="0" i="0" u="none" strike="noStrike" cap="none">
           <a:solidFill>
             <a:srgbClr val="000000"/>
           </a:solidFill>
@@ -9687,7 +9862,7 @@
           <a:sym typeface="Arial"/>
         </a:defRPr>
       </a:lvl8pPr>
-      <a:lvl9pPr lvl="8" marR="0" rtl="0" algn="l">
+      <a:lvl9pPr marR="0" lvl="8" algn="l" rtl="0">
         <a:lnSpc>
           <a:spcPct val="100000"/>
         </a:lnSpc>
@@ -9701,7 +9876,7 @@
           <a:srgbClr val="000000"/>
         </a:buClr>
         <a:buFont typeface="Arial"/>
-        <a:defRPr b="0" i="0" sz="1400" u="none" cap="none" strike="noStrike">
+        <a:defRPr sz="1400" b="0" i="0" u="none" strike="noStrike" cap="none">
           <a:solidFill>
             <a:srgbClr val="000000"/>
           </a:solidFill>
@@ -9713,7 +9888,7 @@
       </a:lvl9pPr>
     </p:bodyStyle>
     <p:otherStyle>
-      <a:defPPr lvl="0" marR="0" rtl="0" algn="l">
+      <a:defPPr marR="0" lvl="0" algn="l" rtl="0">
         <a:lnSpc>
           <a:spcPct val="100000"/>
         </a:lnSpc>
@@ -9724,7 +9899,7 @@
           <a:spcPts val="0"/>
         </a:spcAft>
       </a:defPPr>
-      <a:lvl1pPr lvl="0" marR="0" rtl="0" algn="l">
+      <a:lvl1pPr marR="0" lvl="0" algn="l" rtl="0">
         <a:lnSpc>
           <a:spcPct val="100000"/>
         </a:lnSpc>
@@ -9738,7 +9913,7 @@
           <a:srgbClr val="000000"/>
         </a:buClr>
         <a:buFont typeface="Arial"/>
-        <a:defRPr b="0" i="0" sz="1400" u="none" cap="none" strike="noStrike">
+        <a:defRPr sz="1400" b="0" i="0" u="none" strike="noStrike" cap="none">
           <a:solidFill>
             <a:srgbClr val="000000"/>
           </a:solidFill>
@@ -9748,7 +9923,7 @@
           <a:sym typeface="Arial"/>
         </a:defRPr>
       </a:lvl1pPr>
-      <a:lvl2pPr lvl="1" marR="0" rtl="0" algn="l">
+      <a:lvl2pPr marR="0" lvl="1" algn="l" rtl="0">
         <a:lnSpc>
           <a:spcPct val="100000"/>
         </a:lnSpc>
@@ -9762,7 +9937,7 @@
           <a:srgbClr val="000000"/>
         </a:buClr>
         <a:buFont typeface="Arial"/>
-        <a:defRPr b="0" i="0" sz="1400" u="none" cap="none" strike="noStrike">
+        <a:defRPr sz="1400" b="0" i="0" u="none" strike="noStrike" cap="none">
           <a:solidFill>
             <a:srgbClr val="000000"/>
           </a:solidFill>
@@ -9772,7 +9947,7 @@
           <a:sym typeface="Arial"/>
         </a:defRPr>
       </a:lvl2pPr>
-      <a:lvl3pPr lvl="2" marR="0" rtl="0" algn="l">
+      <a:lvl3pPr marR="0" lvl="2" algn="l" rtl="0">
         <a:lnSpc>
           <a:spcPct val="100000"/>
         </a:lnSpc>
@@ -9786,7 +9961,7 @@
           <a:srgbClr val="000000"/>
         </a:buClr>
         <a:buFont typeface="Arial"/>
-        <a:defRPr b="0" i="0" sz="1400" u="none" cap="none" strike="noStrike">
+        <a:defRPr sz="1400" b="0" i="0" u="none" strike="noStrike" cap="none">
           <a:solidFill>
             <a:srgbClr val="000000"/>
           </a:solidFill>
@@ -9796,7 +9971,7 @@
           <a:sym typeface="Arial"/>
         </a:defRPr>
       </a:lvl3pPr>
-      <a:lvl4pPr lvl="3" marR="0" rtl="0" algn="l">
+      <a:lvl4pPr marR="0" lvl="3" algn="l" rtl="0">
         <a:lnSpc>
           <a:spcPct val="100000"/>
         </a:lnSpc>
@@ -9810,7 +9985,7 @@
           <a:srgbClr val="000000"/>
         </a:buClr>
         <a:buFont typeface="Arial"/>
-        <a:defRPr b="0" i="0" sz="1400" u="none" cap="none" strike="noStrike">
+        <a:defRPr sz="1400" b="0" i="0" u="none" strike="noStrike" cap="none">
           <a:solidFill>
             <a:srgbClr val="000000"/>
           </a:solidFill>
@@ -9820,7 +9995,7 @@
           <a:sym typeface="Arial"/>
         </a:defRPr>
       </a:lvl4pPr>
-      <a:lvl5pPr lvl="4" marR="0" rtl="0" algn="l">
+      <a:lvl5pPr marR="0" lvl="4" algn="l" rtl="0">
         <a:lnSpc>
           <a:spcPct val="100000"/>
         </a:lnSpc>
@@ -9834,7 +10009,7 @@
           <a:srgbClr val="000000"/>
         </a:buClr>
         <a:buFont typeface="Arial"/>
-        <a:defRPr b="0" i="0" sz="1400" u="none" cap="none" strike="noStrike">
+        <a:defRPr sz="1400" b="0" i="0" u="none" strike="noStrike" cap="none">
           <a:solidFill>
             <a:srgbClr val="000000"/>
           </a:solidFill>
@@ -9844,7 +10019,7 @@
           <a:sym typeface="Arial"/>
         </a:defRPr>
       </a:lvl5pPr>
-      <a:lvl6pPr lvl="5" marR="0" rtl="0" algn="l">
+      <a:lvl6pPr marR="0" lvl="5" algn="l" rtl="0">
         <a:lnSpc>
           <a:spcPct val="100000"/>
         </a:lnSpc>
@@ -9858,7 +10033,7 @@
           <a:srgbClr val="000000"/>
         </a:buClr>
         <a:buFont typeface="Arial"/>
-        <a:defRPr b="0" i="0" sz="1400" u="none" cap="none" strike="noStrike">
+        <a:defRPr sz="1400" b="0" i="0" u="none" strike="noStrike" cap="none">
           <a:solidFill>
             <a:srgbClr val="000000"/>
           </a:solidFill>
@@ -9868,7 +10043,7 @@
           <a:sym typeface="Arial"/>
         </a:defRPr>
       </a:lvl6pPr>
-      <a:lvl7pPr lvl="6" marR="0" rtl="0" algn="l">
+      <a:lvl7pPr marR="0" lvl="6" algn="l" rtl="0">
         <a:lnSpc>
           <a:spcPct val="100000"/>
         </a:lnSpc>
@@ -9882,7 +10057,7 @@
           <a:srgbClr val="000000"/>
         </a:buClr>
         <a:buFont typeface="Arial"/>
-        <a:defRPr b="0" i="0" sz="1400" u="none" cap="none" strike="noStrike">
+        <a:defRPr sz="1400" b="0" i="0" u="none" strike="noStrike" cap="none">
           <a:solidFill>
             <a:srgbClr val="000000"/>
           </a:solidFill>
@@ -9892,7 +10067,7 @@
           <a:sym typeface="Arial"/>
         </a:defRPr>
       </a:lvl7pPr>
-      <a:lvl8pPr lvl="7" marR="0" rtl="0" algn="l">
+      <a:lvl8pPr marR="0" lvl="7" algn="l" rtl="0">
         <a:lnSpc>
           <a:spcPct val="100000"/>
         </a:lnSpc>
@@ -9906,7 +10081,7 @@
           <a:srgbClr val="000000"/>
         </a:buClr>
         <a:buFont typeface="Arial"/>
-        <a:defRPr b="0" i="0" sz="1400" u="none" cap="none" strike="noStrike">
+        <a:defRPr sz="1400" b="0" i="0" u="none" strike="noStrike" cap="none">
           <a:solidFill>
             <a:srgbClr val="000000"/>
           </a:solidFill>
@@ -9916,7 +10091,7 @@
           <a:sym typeface="Arial"/>
         </a:defRPr>
       </a:lvl8pPr>
-      <a:lvl9pPr lvl="8" marR="0" rtl="0" algn="l">
+      <a:lvl9pPr marR="0" lvl="8" algn="l" rtl="0">
         <a:lnSpc>
           <a:spcPct val="100000"/>
         </a:lnSpc>
@@ -9930,7 +10105,7 @@
           <a:srgbClr val="000000"/>
         </a:buClr>
         <a:buFont typeface="Arial"/>
-        <a:defRPr b="0" i="0" sz="1400" u="none" cap="none" strike="noStrike">
+        <a:defRPr sz="1400" b="0" i="0" u="none" strike="noStrike" cap="none">
           <a:solidFill>
             <a:srgbClr val="000000"/>
           </a:solidFill>
@@ -9946,11 +10121,11 @@
 </file>
 
 <file path=ppt/slides/slide1.xml><?xml version="1.0" encoding="utf-8"?>
-<p:sld xmlns:a="http://schemas.openxmlformats.org/drawingml/2006/main" xmlns:r="http://schemas.openxmlformats.org/officeDocument/2006/relationships" xmlns:mc="http://schemas.openxmlformats.org/markup-compatibility/2006" xmlns:mv="urn:schemas-microsoft-com:mac:vml" xmlns:p="http://schemas.openxmlformats.org/presentationml/2006/main" xmlns:c="http://schemas.openxmlformats.org/drawingml/2006/chart" xmlns:dgm="http://schemas.openxmlformats.org/drawingml/2006/diagram" xmlns:o="urn:schemas-microsoft-com:office:office" xmlns:v="urn:schemas-microsoft-com:vml" xmlns:pvml="urn:schemas-microsoft-com:office:powerpoint" xmlns:com="http://schemas.openxmlformats.org/drawingml/2006/compatibility" xmlns:p14="http://schemas.microsoft.com/office/powerpoint/2010/main" xmlns:p15="http://schemas.microsoft.com/office/powerpoint/2012/main" xmlns:ahyp="http://schemas.microsoft.com/office/drawing/2018/hyperlinkcolor">
+<p:sld xmlns:a="http://schemas.openxmlformats.org/drawingml/2006/main" xmlns:r="http://schemas.openxmlformats.org/officeDocument/2006/relationships" xmlns:p="http://schemas.openxmlformats.org/presentationml/2006/main">
   <p:cSld>
     <p:spTree>
       <p:nvGrpSpPr>
-        <p:cNvPr id="53" name="Shape 53"/>
+        <p:cNvPr id="1" name="Shape 53"/>
         <p:cNvGrpSpPr/>
         <p:nvPr/>
       </p:nvGrpSpPr>
@@ -9965,7 +10140,9 @@
       <p:sp>
         <p:nvSpPr>
           <p:cNvPr id="54" name="Google Shape;54;p1"/>
-          <p:cNvSpPr txBox="1"/>
+          <p:cNvSpPr txBox="1">
+            <a:spLocks noGrp="1"/>
+          </p:cNvSpPr>
           <p:nvPr>
             <p:ph type="ctrTitle"/>
           </p:nvPr>
@@ -9984,12 +10161,12 @@
           </a:ln>
         </p:spPr>
         <p:txBody>
-          <a:bodyPr anchorCtr="0" anchor="b" bIns="91425" lIns="91425" spcFirstLastPara="1" rIns="91425" wrap="square" tIns="91425">
+          <a:bodyPr spcFirstLastPara="1" wrap="square" lIns="91425" tIns="91425" rIns="91425" bIns="91425" anchor="b" anchorCtr="0">
             <a:normAutofit fontScale="90000"/>
           </a:bodyPr>
           <a:lstStyle/>
           <a:p>
-            <a:pPr indent="0" lvl="0" marL="0" rtl="0" algn="ctr">
+            <a:pPr marL="0" lvl="0" indent="0" algn="ctr" rtl="0">
               <a:lnSpc>
                 <a:spcPct val="100000"/>
               </a:lnSpc>
@@ -10003,13 +10180,21 @@
               <a:buNone/>
             </a:pPr>
             <a:r>
-              <a:rPr lang="pt-BR"/>
-              <a:t>Práticas DevOps com Docker e Monitoramento do Ambiente</a:t>
+              <a:rPr lang="pt-BR" dirty="0"/>
+              <a:t>Práticas </a:t>
             </a:r>
-            <a:endParaRPr/>
+            <a:r>
+              <a:rPr lang="pt-BR" dirty="0" err="1"/>
+              <a:t>DevOps</a:t>
+            </a:r>
+            <a:r>
+              <a:rPr lang="pt-BR" dirty="0"/>
+              <a:t> com Docker e Monitoramento do Ambiente</a:t>
+            </a:r>
+            <a:endParaRPr dirty="0"/>
           </a:p>
           <a:p>
-            <a:pPr indent="0" lvl="0" marL="0" rtl="0" algn="ctr">
+            <a:pPr marL="0" lvl="0" indent="0" algn="ctr" rtl="0">
               <a:lnSpc>
                 <a:spcPct val="100000"/>
               </a:lnSpc>
@@ -10023,13 +10208,13 @@
               <a:buNone/>
             </a:pPr>
             <a:r>
-              <a:rPr lang="pt-BR"/>
+              <a:rPr lang="pt-BR" dirty="0"/>
               <a:t>Dia 01</a:t>
             </a:r>
-            <a:endParaRPr/>
+            <a:endParaRPr dirty="0"/>
           </a:p>
           <a:p>
-            <a:pPr indent="0" lvl="0" marL="0" rtl="0" algn="ctr">
+            <a:pPr marL="0" lvl="0" indent="0" algn="ctr" rtl="0">
               <a:lnSpc>
                 <a:spcPct val="100000"/>
               </a:lnSpc>
@@ -10043,19 +10228,21 @@
               <a:buNone/>
             </a:pPr>
             <a:r>
-              <a:rPr lang="pt-BR"/>
+              <a:rPr lang="pt-BR" dirty="0"/>
               <a:t>Docker</a:t>
             </a:r>
-            <a:endParaRPr/>
+            <a:endParaRPr dirty="0"/>
           </a:p>
         </p:txBody>
       </p:sp>
       <p:sp>
         <p:nvSpPr>
           <p:cNvPr id="55" name="Google Shape;55;p1"/>
-          <p:cNvSpPr txBox="1"/>
+          <p:cNvSpPr txBox="1">
+            <a:spLocks noGrp="1"/>
+          </p:cNvSpPr>
           <p:nvPr>
-            <p:ph idx="1" type="subTitle"/>
+            <p:ph type="subTitle" idx="1"/>
           </p:nvPr>
         </p:nvSpPr>
         <p:spPr>
@@ -10072,12 +10259,12 @@
           </a:ln>
         </p:spPr>
         <p:txBody>
-          <a:bodyPr anchorCtr="0" anchor="t" bIns="91425" lIns="91425" spcFirstLastPara="1" rIns="91425" wrap="square" tIns="91425">
+          <a:bodyPr spcFirstLastPara="1" wrap="square" lIns="91425" tIns="91425" rIns="91425" bIns="91425" anchor="t" anchorCtr="0">
             <a:normAutofit/>
           </a:bodyPr>
           <a:lstStyle/>
           <a:p>
-            <a:pPr indent="0" lvl="0" marL="0" rtl="0" algn="ctr">
+            <a:pPr marL="0" lvl="0" indent="0" algn="ctr" rtl="0">
               <a:lnSpc>
                 <a:spcPct val="100000"/>
               </a:lnSpc>
@@ -10090,15 +10277,7 @@
               <a:buSzPts val="2800"/>
               <a:buNone/>
             </a:pPr>
-            <a:r>
-              <a:rPr lang="pt-BR">
-                <a:solidFill>
-                  <a:schemeClr val="dk1"/>
-                </a:solidFill>
-              </a:rPr>
-              <a:t>Oficina 04 </a:t>
-            </a:r>
-            <a:endParaRPr>
+            <a:endParaRPr dirty="0">
               <a:solidFill>
                 <a:schemeClr val="dk1"/>
               </a:solidFill>
@@ -10115,11 +10294,11 @@
 </file>
 
 <file path=ppt/slides/slide10.xml><?xml version="1.0" encoding="utf-8"?>
-<p:sld xmlns:a="http://schemas.openxmlformats.org/drawingml/2006/main" xmlns:r="http://schemas.openxmlformats.org/officeDocument/2006/relationships" xmlns:mc="http://schemas.openxmlformats.org/markup-compatibility/2006" xmlns:mv="urn:schemas-microsoft-com:mac:vml" xmlns:p="http://schemas.openxmlformats.org/presentationml/2006/main" xmlns:c="http://schemas.openxmlformats.org/drawingml/2006/chart" xmlns:dgm="http://schemas.openxmlformats.org/drawingml/2006/diagram" xmlns:o="urn:schemas-microsoft-com:office:office" xmlns:v="urn:schemas-microsoft-com:vml" xmlns:pvml="urn:schemas-microsoft-com:office:powerpoint" xmlns:com="http://schemas.openxmlformats.org/drawingml/2006/compatibility" xmlns:p14="http://schemas.microsoft.com/office/powerpoint/2010/main" xmlns:p15="http://schemas.microsoft.com/office/powerpoint/2012/main" xmlns:ahyp="http://schemas.microsoft.com/office/drawing/2018/hyperlinkcolor">
+<p:sld xmlns:a="http://schemas.openxmlformats.org/drawingml/2006/main" xmlns:r="http://schemas.openxmlformats.org/officeDocument/2006/relationships" xmlns:p="http://schemas.openxmlformats.org/presentationml/2006/main">
   <p:cSld>
     <p:spTree>
       <p:nvGrpSpPr>
-        <p:cNvPr id="108" name="Shape 108"/>
+        <p:cNvPr id="1" name="Shape 108"/>
         <p:cNvGrpSpPr/>
         <p:nvPr/>
       </p:nvGrpSpPr>
@@ -10134,7 +10313,9 @@
       <p:sp>
         <p:nvSpPr>
           <p:cNvPr id="109" name="Google Shape;109;p10"/>
-          <p:cNvSpPr txBox="1"/>
+          <p:cNvSpPr txBox="1">
+            <a:spLocks noGrp="1"/>
+          </p:cNvSpPr>
           <p:nvPr>
             <p:ph type="title"/>
           </p:nvPr>
@@ -10153,12 +10334,12 @@
           </a:ln>
         </p:spPr>
         <p:txBody>
-          <a:bodyPr anchorCtr="0" anchor="t" bIns="91425" lIns="91425" spcFirstLastPara="1" rIns="91425" wrap="square" tIns="91425">
+          <a:bodyPr spcFirstLastPara="1" wrap="square" lIns="91425" tIns="91425" rIns="91425" bIns="91425" anchor="t" anchorCtr="0">
             <a:normAutofit fontScale="90000"/>
           </a:bodyPr>
           <a:lstStyle/>
           <a:p>
-            <a:pPr indent="0" lvl="0" marL="0" rtl="0" algn="l">
+            <a:pPr marL="0" lvl="0" indent="0" algn="l" rtl="0">
               <a:lnSpc>
                 <a:spcPct val="100000"/>
               </a:lnSpc>
@@ -10182,9 +10363,11 @@
       <p:sp>
         <p:nvSpPr>
           <p:cNvPr id="110" name="Google Shape;110;p10"/>
-          <p:cNvSpPr txBox="1"/>
+          <p:cNvSpPr txBox="1">
+            <a:spLocks noGrp="1"/>
+          </p:cNvSpPr>
           <p:nvPr>
-            <p:ph idx="1" type="body"/>
+            <p:ph type="body" idx="1"/>
           </p:nvPr>
         </p:nvSpPr>
         <p:spPr>
@@ -10201,12 +10384,12 @@
           </a:ln>
         </p:spPr>
         <p:txBody>
-          <a:bodyPr anchorCtr="0" anchor="t" bIns="91425" lIns="91425" spcFirstLastPara="1" rIns="91425" wrap="square" tIns="91425">
+          <a:bodyPr spcFirstLastPara="1" wrap="square" lIns="91425" tIns="91425" rIns="91425" bIns="91425" anchor="t" anchorCtr="0">
             <a:normAutofit/>
           </a:bodyPr>
           <a:lstStyle/>
           <a:p>
-            <a:pPr indent="0" lvl="0" marL="0" rtl="0" algn="l">
+            <a:pPr marL="0" lvl="0" indent="0" algn="l" rtl="0">
               <a:lnSpc>
                 <a:spcPct val="115000"/>
               </a:lnSpc>
@@ -10231,7 +10414,7 @@
               <a:t>O Docker usa uma arquitetura cliente-servidor. O </a:t>
             </a:r>
             <a:r>
-              <a:rPr i="1" lang="pt-BR" sz="1850">
+              <a:rPr lang="pt-BR" sz="1850" i="1">
                 <a:solidFill>
                   <a:schemeClr val="dk1"/>
                 </a:solidFill>
@@ -10253,7 +10436,7 @@
               <a:t> Docker conversa com o </a:t>
             </a:r>
             <a:r>
-              <a:rPr i="1" lang="pt-BR" sz="1850">
+              <a:rPr lang="pt-BR" sz="1850" i="1">
                 <a:solidFill>
                   <a:schemeClr val="dk1"/>
                 </a:solidFill>
@@ -10272,32 +10455,10 @@
                   <a:schemeClr val="lt1"/>
                 </a:highlight>
               </a:rPr>
-              <a:t> do Docker , que faz o trabalho pesado de construir, executar e distribuir seus </a:t>
+              <a:t> do Docker , que faz o trabalho pesado de construir, executar e distribuir seus containers Docker. O cliente e o daemon do Docker </a:t>
             </a:r>
             <a:r>
-              <a:rPr lang="pt-BR" sz="1850">
-                <a:solidFill>
-                  <a:schemeClr val="dk1"/>
-                </a:solidFill>
-                <a:highlight>
-                  <a:schemeClr val="lt1"/>
-                </a:highlight>
-              </a:rPr>
-              <a:t>containers</a:t>
-            </a:r>
-            <a:r>
-              <a:rPr lang="pt-BR" sz="1850">
-                <a:solidFill>
-                  <a:schemeClr val="dk1"/>
-                </a:solidFill>
-                <a:highlight>
-                  <a:schemeClr val="lt1"/>
-                </a:highlight>
-              </a:rPr>
-              <a:t> Docker. O cliente e o daemon do Docker </a:t>
-            </a:r>
-            <a:r>
-              <a:rPr i="1" lang="pt-BR" sz="1850">
+              <a:rPr lang="pt-BR" sz="1850" i="1">
                 <a:solidFill>
                   <a:schemeClr val="dk1"/>
                 </a:solidFill>
@@ -10338,11 +10499,11 @@
 </file>
 
 <file path=ppt/slides/slide11.xml><?xml version="1.0" encoding="utf-8"?>
-<p:sld xmlns:a="http://schemas.openxmlformats.org/drawingml/2006/main" xmlns:r="http://schemas.openxmlformats.org/officeDocument/2006/relationships" xmlns:mc="http://schemas.openxmlformats.org/markup-compatibility/2006" xmlns:mv="urn:schemas-microsoft-com:mac:vml" xmlns:p="http://schemas.openxmlformats.org/presentationml/2006/main" xmlns:c="http://schemas.openxmlformats.org/drawingml/2006/chart" xmlns:dgm="http://schemas.openxmlformats.org/drawingml/2006/diagram" xmlns:o="urn:schemas-microsoft-com:office:office" xmlns:v="urn:schemas-microsoft-com:vml" xmlns:pvml="urn:schemas-microsoft-com:office:powerpoint" xmlns:com="http://schemas.openxmlformats.org/drawingml/2006/compatibility" xmlns:p14="http://schemas.microsoft.com/office/powerpoint/2010/main" xmlns:p15="http://schemas.microsoft.com/office/powerpoint/2012/main" xmlns:ahyp="http://schemas.microsoft.com/office/drawing/2018/hyperlinkcolor">
+<p:sld xmlns:a="http://schemas.openxmlformats.org/drawingml/2006/main" xmlns:r="http://schemas.openxmlformats.org/officeDocument/2006/relationships" xmlns:p="http://schemas.openxmlformats.org/presentationml/2006/main">
   <p:cSld>
     <p:spTree>
       <p:nvGrpSpPr>
-        <p:cNvPr id="114" name="Shape 114"/>
+        <p:cNvPr id="1" name="Shape 114"/>
         <p:cNvGrpSpPr/>
         <p:nvPr/>
       </p:nvGrpSpPr>
@@ -10357,7 +10518,9 @@
       <p:sp>
         <p:nvSpPr>
           <p:cNvPr id="115" name="Google Shape;115;p11"/>
-          <p:cNvSpPr txBox="1"/>
+          <p:cNvSpPr txBox="1">
+            <a:spLocks noGrp="1"/>
+          </p:cNvSpPr>
           <p:nvPr>
             <p:ph type="title"/>
           </p:nvPr>
@@ -10376,12 +10539,12 @@
           </a:ln>
         </p:spPr>
         <p:txBody>
-          <a:bodyPr anchorCtr="0" anchor="t" bIns="91425" lIns="91425" spcFirstLastPara="1" rIns="91425" wrap="square" tIns="91425">
+          <a:bodyPr spcFirstLastPara="1" wrap="square" lIns="91425" tIns="91425" rIns="91425" bIns="91425" anchor="t" anchorCtr="0">
             <a:normAutofit fontScale="90000"/>
           </a:bodyPr>
           <a:lstStyle/>
           <a:p>
-            <a:pPr indent="0" lvl="0" marL="0" rtl="0" algn="l">
+            <a:pPr marL="0" lvl="0" indent="0" algn="l" rtl="0">
               <a:lnSpc>
                 <a:spcPct val="100000"/>
               </a:lnSpc>
@@ -10394,9 +10557,6 @@
               <a:buSzPct val="111111"/>
               <a:buNone/>
             </a:pPr>
-            <a:r>
-              <a:t/>
-            </a:r>
             <a:endParaRPr/>
           </a:p>
         </p:txBody>
@@ -10404,9 +10564,11 @@
       <p:sp>
         <p:nvSpPr>
           <p:cNvPr id="116" name="Google Shape;116;p11"/>
-          <p:cNvSpPr txBox="1"/>
+          <p:cNvSpPr txBox="1">
+            <a:spLocks noGrp="1"/>
+          </p:cNvSpPr>
           <p:nvPr>
-            <p:ph idx="1" type="body"/>
+            <p:ph type="body" idx="1"/>
           </p:nvPr>
         </p:nvSpPr>
         <p:spPr>
@@ -10423,12 +10585,12 @@
           </a:ln>
         </p:spPr>
         <p:txBody>
-          <a:bodyPr anchorCtr="0" anchor="t" bIns="91425" lIns="91425" spcFirstLastPara="1" rIns="91425" wrap="square" tIns="91425">
+          <a:bodyPr spcFirstLastPara="1" wrap="square" lIns="91425" tIns="91425" rIns="91425" bIns="91425" anchor="t" anchorCtr="0">
             <a:normAutofit/>
           </a:bodyPr>
           <a:lstStyle/>
           <a:p>
-            <a:pPr indent="0" lvl="0" marL="0" rtl="0" algn="l">
+            <a:pPr marL="0" lvl="0" indent="0" algn="l" rtl="0">
               <a:lnSpc>
                 <a:spcPct val="115000"/>
               </a:lnSpc>
@@ -10441,9 +10603,6 @@
               <a:buSzPts val="1800"/>
               <a:buNone/>
             </a:pPr>
-            <a:r>
-              <a:t/>
-            </a:r>
             <a:endParaRPr/>
           </a:p>
         </p:txBody>
@@ -10458,7 +10617,7 @@
           <a:blip r:embed="rId3">
             <a:alphaModFix/>
           </a:blip>
-          <a:srcRect b="0" l="0" r="0" t="0"/>
+          <a:srcRect/>
           <a:stretch/>
         </p:blipFill>
         <p:spPr>
@@ -10484,11 +10643,11 @@
 </file>
 
 <file path=ppt/slides/slide12.xml><?xml version="1.0" encoding="utf-8"?>
-<p:sld xmlns:a="http://schemas.openxmlformats.org/drawingml/2006/main" xmlns:r="http://schemas.openxmlformats.org/officeDocument/2006/relationships" xmlns:mc="http://schemas.openxmlformats.org/markup-compatibility/2006" xmlns:mv="urn:schemas-microsoft-com:mac:vml" xmlns:p="http://schemas.openxmlformats.org/presentationml/2006/main" xmlns:c="http://schemas.openxmlformats.org/drawingml/2006/chart" xmlns:dgm="http://schemas.openxmlformats.org/drawingml/2006/diagram" xmlns:o="urn:schemas-microsoft-com:office:office" xmlns:v="urn:schemas-microsoft-com:vml" xmlns:pvml="urn:schemas-microsoft-com:office:powerpoint" xmlns:com="http://schemas.openxmlformats.org/drawingml/2006/compatibility" xmlns:p14="http://schemas.microsoft.com/office/powerpoint/2010/main" xmlns:p15="http://schemas.microsoft.com/office/powerpoint/2012/main" xmlns:ahyp="http://schemas.microsoft.com/office/drawing/2018/hyperlinkcolor">
+<p:sld xmlns:a="http://schemas.openxmlformats.org/drawingml/2006/main" xmlns:r="http://schemas.openxmlformats.org/officeDocument/2006/relationships" xmlns:p="http://schemas.openxmlformats.org/presentationml/2006/main">
   <p:cSld>
     <p:spTree>
       <p:nvGrpSpPr>
-        <p:cNvPr id="121" name="Shape 121"/>
+        <p:cNvPr id="1" name="Shape 121"/>
         <p:cNvGrpSpPr/>
         <p:nvPr/>
       </p:nvGrpSpPr>
@@ -10503,7 +10662,9 @@
       <p:sp>
         <p:nvSpPr>
           <p:cNvPr id="122" name="Google Shape;122;g1735c931a1c_0_0"/>
-          <p:cNvSpPr txBox="1"/>
+          <p:cNvSpPr txBox="1">
+            <a:spLocks noGrp="1"/>
+          </p:cNvSpPr>
           <p:nvPr>
             <p:ph type="title"/>
           </p:nvPr>
@@ -10522,12 +10683,12 @@
           </a:ln>
         </p:spPr>
         <p:txBody>
-          <a:bodyPr anchorCtr="0" anchor="t" bIns="91425" lIns="91425" spcFirstLastPara="1" rIns="91425" wrap="square" tIns="91425">
+          <a:bodyPr spcFirstLastPara="1" wrap="square" lIns="91425" tIns="91425" rIns="91425" bIns="91425" anchor="t" anchorCtr="0">
             <a:normAutofit fontScale="90000"/>
           </a:bodyPr>
           <a:lstStyle/>
           <a:p>
-            <a:pPr indent="0" lvl="0" marL="0" rtl="0" algn="l">
+            <a:pPr marL="0" lvl="0" indent="0" algn="l" rtl="0">
               <a:lnSpc>
                 <a:spcPct val="100000"/>
               </a:lnSpc>
@@ -10551,9 +10712,11 @@
       <p:sp>
         <p:nvSpPr>
           <p:cNvPr id="123" name="Google Shape;123;g1735c931a1c_0_0"/>
-          <p:cNvSpPr txBox="1"/>
+          <p:cNvSpPr txBox="1">
+            <a:spLocks noGrp="1"/>
+          </p:cNvSpPr>
           <p:nvPr>
-            <p:ph idx="1" type="body"/>
+            <p:ph type="body" idx="1"/>
           </p:nvPr>
         </p:nvSpPr>
         <p:spPr>
@@ -10570,12 +10733,12 @@
           </a:ln>
         </p:spPr>
         <p:txBody>
-          <a:bodyPr anchorCtr="0" anchor="t" bIns="91425" lIns="91425" spcFirstLastPara="1" rIns="91425" wrap="square" tIns="91425">
+          <a:bodyPr spcFirstLastPara="1" wrap="square" lIns="91425" tIns="91425" rIns="91425" bIns="91425" anchor="t" anchorCtr="0">
             <a:normAutofit/>
           </a:bodyPr>
           <a:lstStyle/>
           <a:p>
-            <a:pPr indent="0" lvl="0" marL="0" rtl="0" algn="l">
+            <a:pPr marL="0" lvl="0" indent="0" algn="l" rtl="0">
               <a:lnSpc>
                 <a:spcPct val="115000"/>
               </a:lnSpc>
@@ -10603,7 +10766,7 @@
             </a:endParaRPr>
           </a:p>
           <a:p>
-            <a:pPr indent="0" lvl="0" marL="0" rtl="0" algn="l">
+            <a:pPr marL="0" lvl="0" indent="0" algn="l" rtl="0">
               <a:lnSpc>
                 <a:spcPct val="115000"/>
               </a:lnSpc>
@@ -10616,9 +10779,6 @@
               <a:buSzPts val="1800"/>
               <a:buNone/>
             </a:pPr>
-            <a:r>
-              <a:t/>
-            </a:r>
             <a:endParaRPr/>
           </a:p>
         </p:txBody>
@@ -10632,11 +10792,11 @@
 </file>
 
 <file path=ppt/slides/slide2.xml><?xml version="1.0" encoding="utf-8"?>
-<p:sld xmlns:a="http://schemas.openxmlformats.org/drawingml/2006/main" xmlns:r="http://schemas.openxmlformats.org/officeDocument/2006/relationships" xmlns:mc="http://schemas.openxmlformats.org/markup-compatibility/2006" xmlns:mv="urn:schemas-microsoft-com:mac:vml" xmlns:p="http://schemas.openxmlformats.org/presentationml/2006/main" xmlns:c="http://schemas.openxmlformats.org/drawingml/2006/chart" xmlns:dgm="http://schemas.openxmlformats.org/drawingml/2006/diagram" xmlns:o="urn:schemas-microsoft-com:office:office" xmlns:v="urn:schemas-microsoft-com:vml" xmlns:pvml="urn:schemas-microsoft-com:office:powerpoint" xmlns:com="http://schemas.openxmlformats.org/drawingml/2006/compatibility" xmlns:p14="http://schemas.microsoft.com/office/powerpoint/2010/main" xmlns:p15="http://schemas.microsoft.com/office/powerpoint/2012/main" xmlns:ahyp="http://schemas.microsoft.com/office/drawing/2018/hyperlinkcolor">
+<p:sld xmlns:a="http://schemas.openxmlformats.org/drawingml/2006/main" xmlns:r="http://schemas.openxmlformats.org/officeDocument/2006/relationships" xmlns:p="http://schemas.openxmlformats.org/presentationml/2006/main">
   <p:cSld>
     <p:spTree>
       <p:nvGrpSpPr>
-        <p:cNvPr id="59" name="Shape 59"/>
+        <p:cNvPr id="1" name="Shape 59"/>
         <p:cNvGrpSpPr/>
         <p:nvPr/>
       </p:nvGrpSpPr>
@@ -10651,7 +10811,9 @@
       <p:sp>
         <p:nvSpPr>
           <p:cNvPr id="60" name="Google Shape;60;p2"/>
-          <p:cNvSpPr txBox="1"/>
+          <p:cNvSpPr txBox="1">
+            <a:spLocks noGrp="1"/>
+          </p:cNvSpPr>
           <p:nvPr>
             <p:ph type="title"/>
           </p:nvPr>
@@ -10670,12 +10832,12 @@
           </a:ln>
         </p:spPr>
         <p:txBody>
-          <a:bodyPr anchorCtr="0" anchor="t" bIns="91425" lIns="91425" spcFirstLastPara="1" rIns="91425" wrap="square" tIns="91425">
+          <a:bodyPr spcFirstLastPara="1" wrap="square" lIns="91425" tIns="91425" rIns="91425" bIns="91425" anchor="t" anchorCtr="0">
             <a:normAutofit fontScale="90000"/>
           </a:bodyPr>
           <a:lstStyle/>
           <a:p>
-            <a:pPr indent="0" lvl="0" marL="0" rtl="0" algn="l">
+            <a:pPr marL="0" lvl="0" indent="0" algn="l" rtl="0">
               <a:lnSpc>
                 <a:spcPct val="100000"/>
               </a:lnSpc>
@@ -10695,7 +10857,7 @@
             <a:endParaRPr/>
           </a:p>
           <a:p>
-            <a:pPr indent="0" lvl="0" marL="0" rtl="0" algn="l">
+            <a:pPr marL="0" lvl="0" indent="0" algn="l" rtl="0">
               <a:lnSpc>
                 <a:spcPct val="100000"/>
               </a:lnSpc>
@@ -10708,9 +10870,6 @@
               <a:buSzPct val="111111"/>
               <a:buNone/>
             </a:pPr>
-            <a:r>
-              <a:t/>
-            </a:r>
             <a:endParaRPr/>
           </a:p>
         </p:txBody>
@@ -10718,9 +10877,11 @@
       <p:sp>
         <p:nvSpPr>
           <p:cNvPr id="61" name="Google Shape;61;p2"/>
-          <p:cNvSpPr txBox="1"/>
+          <p:cNvSpPr txBox="1">
+            <a:spLocks noGrp="1"/>
+          </p:cNvSpPr>
           <p:nvPr>
-            <p:ph idx="1" type="body"/>
+            <p:ph type="body" idx="1"/>
           </p:nvPr>
         </p:nvSpPr>
         <p:spPr>
@@ -10737,12 +10898,12 @@
           </a:ln>
         </p:spPr>
         <p:txBody>
-          <a:bodyPr anchorCtr="0" anchor="t" bIns="91425" lIns="91425" spcFirstLastPara="1" rIns="91425" wrap="square" tIns="91425">
+          <a:bodyPr spcFirstLastPara="1" wrap="square" lIns="91425" tIns="91425" rIns="91425" bIns="91425" anchor="t" anchorCtr="0">
             <a:normAutofit/>
           </a:bodyPr>
           <a:lstStyle/>
           <a:p>
-            <a:pPr indent="0" lvl="0" marL="0" rtl="0" algn="l">
+            <a:pPr marL="0" lvl="0" indent="0" algn="l" rtl="0">
               <a:lnSpc>
                 <a:spcPct val="115000"/>
               </a:lnSpc>
@@ -10770,7 +10931,7 @@
             </a:endParaRPr>
           </a:p>
           <a:p>
-            <a:pPr indent="0" lvl="0" marL="0" rtl="0" algn="l">
+            <a:pPr marL="0" lvl="0" indent="0" algn="l" rtl="0">
               <a:lnSpc>
                 <a:spcPct val="115000"/>
               </a:lnSpc>
@@ -10808,11 +10969,11 @@
 </file>
 
 <file path=ppt/slides/slide3.xml><?xml version="1.0" encoding="utf-8"?>
-<p:sld xmlns:a="http://schemas.openxmlformats.org/drawingml/2006/main" xmlns:r="http://schemas.openxmlformats.org/officeDocument/2006/relationships" xmlns:mc="http://schemas.openxmlformats.org/markup-compatibility/2006" xmlns:mv="urn:schemas-microsoft-com:mac:vml" xmlns:p="http://schemas.openxmlformats.org/presentationml/2006/main" xmlns:c="http://schemas.openxmlformats.org/drawingml/2006/chart" xmlns:dgm="http://schemas.openxmlformats.org/drawingml/2006/diagram" xmlns:o="urn:schemas-microsoft-com:office:office" xmlns:v="urn:schemas-microsoft-com:vml" xmlns:pvml="urn:schemas-microsoft-com:office:powerpoint" xmlns:com="http://schemas.openxmlformats.org/drawingml/2006/compatibility" xmlns:p14="http://schemas.microsoft.com/office/powerpoint/2010/main" xmlns:p15="http://schemas.microsoft.com/office/powerpoint/2012/main" xmlns:ahyp="http://schemas.microsoft.com/office/drawing/2018/hyperlinkcolor">
+<p:sld xmlns:a="http://schemas.openxmlformats.org/drawingml/2006/main" xmlns:r="http://schemas.openxmlformats.org/officeDocument/2006/relationships" xmlns:p="http://schemas.openxmlformats.org/presentationml/2006/main">
   <p:cSld>
     <p:spTree>
       <p:nvGrpSpPr>
-        <p:cNvPr id="65" name="Shape 65"/>
+        <p:cNvPr id="1" name="Shape 65"/>
         <p:cNvGrpSpPr/>
         <p:nvPr/>
       </p:nvGrpSpPr>
@@ -10827,7 +10988,9 @@
       <p:sp>
         <p:nvSpPr>
           <p:cNvPr id="66" name="Google Shape;66;p3"/>
-          <p:cNvSpPr txBox="1"/>
+          <p:cNvSpPr txBox="1">
+            <a:spLocks noGrp="1"/>
+          </p:cNvSpPr>
           <p:nvPr>
             <p:ph type="title"/>
           </p:nvPr>
@@ -10846,12 +11009,12 @@
           </a:ln>
         </p:spPr>
         <p:txBody>
-          <a:bodyPr anchorCtr="0" anchor="t" bIns="91425" lIns="91425" spcFirstLastPara="1" rIns="91425" wrap="square" tIns="91425">
+          <a:bodyPr spcFirstLastPara="1" wrap="square" lIns="91425" tIns="91425" rIns="91425" bIns="91425" anchor="t" anchorCtr="0">
             <a:normAutofit fontScale="90000"/>
           </a:bodyPr>
           <a:lstStyle/>
           <a:p>
-            <a:pPr indent="0" lvl="0" marL="0" rtl="0" algn="l">
+            <a:pPr marL="0" lvl="0" indent="0" algn="l" rtl="0">
               <a:lnSpc>
                 <a:spcPct val="100000"/>
               </a:lnSpc>
@@ -10871,7 +11034,7 @@
             <a:endParaRPr/>
           </a:p>
           <a:p>
-            <a:pPr indent="0" lvl="0" marL="0" rtl="0" algn="l">
+            <a:pPr marL="0" lvl="0" indent="0" algn="l" rtl="0">
               <a:lnSpc>
                 <a:spcPct val="100000"/>
               </a:lnSpc>
@@ -10884,9 +11047,6 @@
               <a:buSzPct val="111111"/>
               <a:buNone/>
             </a:pPr>
-            <a:r>
-              <a:t/>
-            </a:r>
             <a:endParaRPr/>
           </a:p>
         </p:txBody>
@@ -10894,9 +11054,11 @@
       <p:sp>
         <p:nvSpPr>
           <p:cNvPr id="67" name="Google Shape;67;p3"/>
-          <p:cNvSpPr txBox="1"/>
+          <p:cNvSpPr txBox="1">
+            <a:spLocks noGrp="1"/>
+          </p:cNvSpPr>
           <p:nvPr>
-            <p:ph idx="1" type="body"/>
+            <p:ph type="body" idx="1"/>
           </p:nvPr>
         </p:nvSpPr>
         <p:spPr>
@@ -10913,12 +11075,12 @@
           </a:ln>
         </p:spPr>
         <p:txBody>
-          <a:bodyPr anchorCtr="0" anchor="t" bIns="91425" lIns="91425" spcFirstLastPara="1" rIns="91425" wrap="square" tIns="91425">
+          <a:bodyPr spcFirstLastPara="1" wrap="square" lIns="91425" tIns="91425" rIns="91425" bIns="91425" anchor="t" anchorCtr="0">
             <a:normAutofit/>
           </a:bodyPr>
           <a:lstStyle/>
           <a:p>
-            <a:pPr indent="0" lvl="0" marL="0" rtl="0" algn="l">
+            <a:pPr marL="0" lvl="0" indent="0" algn="l" rtl="0">
               <a:lnSpc>
                 <a:spcPct val="115000"/>
               </a:lnSpc>
@@ -10950,7 +11112,7 @@
                 <a:hlinkClick r:id="rId3">
                   <a:extLst>
                     <a:ext uri="{A12FA001-AC4F-418D-AE19-62706E023703}">
-                      <ahyp:hlinkClr val="tx"/>
+                      <ahyp:hlinkClr xmlns:ahyp="http://schemas.microsoft.com/office/drawing/2018/hyperlinkcolor" val="tx"/>
                     </a:ext>
                   </a:extLst>
                 </a:hlinkClick>
@@ -10982,11 +11144,11 @@
 </file>
 
 <file path=ppt/slides/slide4.xml><?xml version="1.0" encoding="utf-8"?>
-<p:sld xmlns:a="http://schemas.openxmlformats.org/drawingml/2006/main" xmlns:r="http://schemas.openxmlformats.org/officeDocument/2006/relationships" xmlns:mc="http://schemas.openxmlformats.org/markup-compatibility/2006" xmlns:mv="urn:schemas-microsoft-com:mac:vml" xmlns:p="http://schemas.openxmlformats.org/presentationml/2006/main" xmlns:c="http://schemas.openxmlformats.org/drawingml/2006/chart" xmlns:dgm="http://schemas.openxmlformats.org/drawingml/2006/diagram" xmlns:o="urn:schemas-microsoft-com:office:office" xmlns:v="urn:schemas-microsoft-com:vml" xmlns:pvml="urn:schemas-microsoft-com:office:powerpoint" xmlns:com="http://schemas.openxmlformats.org/drawingml/2006/compatibility" xmlns:p14="http://schemas.microsoft.com/office/powerpoint/2010/main" xmlns:p15="http://schemas.microsoft.com/office/powerpoint/2012/main" xmlns:ahyp="http://schemas.microsoft.com/office/drawing/2018/hyperlinkcolor">
+<p:sld xmlns:a="http://schemas.openxmlformats.org/drawingml/2006/main" xmlns:r="http://schemas.openxmlformats.org/officeDocument/2006/relationships" xmlns:p="http://schemas.openxmlformats.org/presentationml/2006/main">
   <p:cSld>
     <p:spTree>
       <p:nvGrpSpPr>
-        <p:cNvPr id="71" name="Shape 71"/>
+        <p:cNvPr id="1" name="Shape 71"/>
         <p:cNvGrpSpPr/>
         <p:nvPr/>
       </p:nvGrpSpPr>
@@ -11001,7 +11163,9 @@
       <p:sp>
         <p:nvSpPr>
           <p:cNvPr id="72" name="Google Shape;72;p4"/>
-          <p:cNvSpPr txBox="1"/>
+          <p:cNvSpPr txBox="1">
+            <a:spLocks noGrp="1"/>
+          </p:cNvSpPr>
           <p:nvPr>
             <p:ph type="title"/>
           </p:nvPr>
@@ -11020,12 +11184,12 @@
           </a:ln>
         </p:spPr>
         <p:txBody>
-          <a:bodyPr anchorCtr="0" anchor="t" bIns="91425" lIns="91425" spcFirstLastPara="1" rIns="91425" wrap="square" tIns="91425">
+          <a:bodyPr spcFirstLastPara="1" wrap="square" lIns="91425" tIns="91425" rIns="91425" bIns="91425" anchor="t" anchorCtr="0">
             <a:normAutofit fontScale="90000"/>
           </a:bodyPr>
           <a:lstStyle/>
           <a:p>
-            <a:pPr indent="0" lvl="0" marL="0" rtl="0" algn="l">
+            <a:pPr marL="0" lvl="0" indent="0" algn="l" rtl="0">
               <a:lnSpc>
                 <a:spcPct val="100000"/>
               </a:lnSpc>
@@ -11045,7 +11209,7 @@
             <a:endParaRPr/>
           </a:p>
           <a:p>
-            <a:pPr indent="0" lvl="0" marL="0" rtl="0" algn="l">
+            <a:pPr marL="0" lvl="0" indent="0" algn="l" rtl="0">
               <a:lnSpc>
                 <a:spcPct val="100000"/>
               </a:lnSpc>
@@ -11058,9 +11222,6 @@
               <a:buSzPct val="111111"/>
               <a:buNone/>
             </a:pPr>
-            <a:r>
-              <a:t/>
-            </a:r>
             <a:endParaRPr/>
           </a:p>
         </p:txBody>
@@ -11068,9 +11229,11 @@
       <p:sp>
         <p:nvSpPr>
           <p:cNvPr id="73" name="Google Shape;73;p4"/>
-          <p:cNvSpPr txBox="1"/>
+          <p:cNvSpPr txBox="1">
+            <a:spLocks noGrp="1"/>
+          </p:cNvSpPr>
           <p:nvPr>
-            <p:ph idx="1" type="body"/>
+            <p:ph type="body" idx="1"/>
           </p:nvPr>
         </p:nvSpPr>
         <p:spPr>
@@ -11087,12 +11250,12 @@
           </a:ln>
         </p:spPr>
         <p:txBody>
-          <a:bodyPr anchorCtr="0" anchor="t" bIns="91425" lIns="91425" spcFirstLastPara="1" rIns="91425" wrap="square" tIns="91425">
+          <a:bodyPr spcFirstLastPara="1" wrap="square" lIns="91425" tIns="91425" rIns="91425" bIns="91425" anchor="t" anchorCtr="0">
             <a:normAutofit/>
           </a:bodyPr>
           <a:lstStyle/>
           <a:p>
-            <a:pPr indent="0" lvl="0" marL="0" rtl="0" algn="l">
+            <a:pPr marL="0" lvl="0" indent="0" algn="l" rtl="0">
               <a:lnSpc>
                 <a:spcPct val="120000"/>
               </a:lnSpc>
@@ -11120,7 +11283,7 @@
             </a:endParaRPr>
           </a:p>
           <a:p>
-            <a:pPr indent="0" lvl="0" marL="0" rtl="0" algn="l">
+            <a:pPr marL="0" lvl="0" indent="0" algn="l" rtl="0">
               <a:lnSpc>
                 <a:spcPct val="115000"/>
               </a:lnSpc>
@@ -11148,7 +11311,7 @@
             </a:endParaRPr>
           </a:p>
           <a:p>
-            <a:pPr indent="0" lvl="0" marL="0" rtl="0" algn="l">
+            <a:pPr marL="0" lvl="0" indent="0" algn="l" rtl="0">
               <a:lnSpc>
                 <a:spcPct val="115000"/>
               </a:lnSpc>
@@ -11176,7 +11339,7 @@
             </a:endParaRPr>
           </a:p>
           <a:p>
-            <a:pPr indent="0" lvl="0" marL="0" rtl="0" algn="l">
+            <a:pPr marL="0" lvl="0" indent="0" algn="l" rtl="0">
               <a:lnSpc>
                 <a:spcPct val="115000"/>
               </a:lnSpc>
@@ -11189,9 +11352,6 @@
               <a:buSzPts val="1800"/>
               <a:buNone/>
             </a:pPr>
-            <a:r>
-              <a:t/>
-            </a:r>
             <a:endParaRPr/>
           </a:p>
         </p:txBody>
@@ -11205,11 +11365,11 @@
 </file>
 
 <file path=ppt/slides/slide5.xml><?xml version="1.0" encoding="utf-8"?>
-<p:sld xmlns:a="http://schemas.openxmlformats.org/drawingml/2006/main" xmlns:r="http://schemas.openxmlformats.org/officeDocument/2006/relationships" xmlns:mc="http://schemas.openxmlformats.org/markup-compatibility/2006" xmlns:mv="urn:schemas-microsoft-com:mac:vml" xmlns:p="http://schemas.openxmlformats.org/presentationml/2006/main" xmlns:c="http://schemas.openxmlformats.org/drawingml/2006/chart" xmlns:dgm="http://schemas.openxmlformats.org/drawingml/2006/diagram" xmlns:o="urn:schemas-microsoft-com:office:office" xmlns:v="urn:schemas-microsoft-com:vml" xmlns:pvml="urn:schemas-microsoft-com:office:powerpoint" xmlns:com="http://schemas.openxmlformats.org/drawingml/2006/compatibility" xmlns:p14="http://schemas.microsoft.com/office/powerpoint/2010/main" xmlns:p15="http://schemas.microsoft.com/office/powerpoint/2012/main" xmlns:ahyp="http://schemas.microsoft.com/office/drawing/2018/hyperlinkcolor">
+<p:sld xmlns:a="http://schemas.openxmlformats.org/drawingml/2006/main" xmlns:r="http://schemas.openxmlformats.org/officeDocument/2006/relationships" xmlns:p="http://schemas.openxmlformats.org/presentationml/2006/main">
   <p:cSld>
     <p:spTree>
       <p:nvGrpSpPr>
-        <p:cNvPr id="77" name="Shape 77"/>
+        <p:cNvPr id="1" name="Shape 77"/>
         <p:cNvGrpSpPr/>
         <p:nvPr/>
       </p:nvGrpSpPr>
@@ -11224,7 +11384,9 @@
       <p:sp>
         <p:nvSpPr>
           <p:cNvPr id="78" name="Google Shape;78;p5"/>
-          <p:cNvSpPr txBox="1"/>
+          <p:cNvSpPr txBox="1">
+            <a:spLocks noGrp="1"/>
+          </p:cNvSpPr>
           <p:nvPr>
             <p:ph type="title"/>
           </p:nvPr>
@@ -11243,12 +11405,12 @@
           </a:ln>
         </p:spPr>
         <p:txBody>
-          <a:bodyPr anchorCtr="0" anchor="t" bIns="91425" lIns="91425" spcFirstLastPara="1" rIns="91425" wrap="square" tIns="91425">
+          <a:bodyPr spcFirstLastPara="1" wrap="square" lIns="91425" tIns="91425" rIns="91425" bIns="91425" anchor="t" anchorCtr="0">
             <a:normAutofit fontScale="90000"/>
           </a:bodyPr>
           <a:lstStyle/>
           <a:p>
-            <a:pPr indent="0" lvl="0" marL="0" rtl="0" algn="l">
+            <a:pPr marL="0" lvl="0" indent="0" algn="l" rtl="0">
               <a:lnSpc>
                 <a:spcPct val="100000"/>
               </a:lnSpc>
@@ -11268,7 +11430,7 @@
             <a:endParaRPr/>
           </a:p>
           <a:p>
-            <a:pPr indent="0" lvl="0" marL="0" rtl="0" algn="l">
+            <a:pPr marL="0" lvl="0" indent="0" algn="l" rtl="0">
               <a:lnSpc>
                 <a:spcPct val="100000"/>
               </a:lnSpc>
@@ -11281,9 +11443,6 @@
               <a:buSzPct val="111111"/>
               <a:buNone/>
             </a:pPr>
-            <a:r>
-              <a:t/>
-            </a:r>
             <a:endParaRPr/>
           </a:p>
         </p:txBody>
@@ -11291,9 +11450,11 @@
       <p:sp>
         <p:nvSpPr>
           <p:cNvPr id="79" name="Google Shape;79;p5"/>
-          <p:cNvSpPr txBox="1"/>
+          <p:cNvSpPr txBox="1">
+            <a:spLocks noGrp="1"/>
+          </p:cNvSpPr>
           <p:nvPr>
-            <p:ph idx="1" type="body"/>
+            <p:ph type="body" idx="1"/>
           </p:nvPr>
         </p:nvSpPr>
         <p:spPr>
@@ -11310,12 +11471,12 @@
           </a:ln>
         </p:spPr>
         <p:txBody>
-          <a:bodyPr anchorCtr="0" anchor="t" bIns="91425" lIns="91425" spcFirstLastPara="1" rIns="91425" wrap="square" tIns="91425">
+          <a:bodyPr spcFirstLastPara="1" wrap="square" lIns="91425" tIns="91425" rIns="91425" bIns="91425" anchor="t" anchorCtr="0">
             <a:normAutofit/>
           </a:bodyPr>
           <a:lstStyle/>
           <a:p>
-            <a:pPr indent="0" lvl="0" marL="0" rtl="0" algn="l">
+            <a:pPr marL="0" lvl="0" indent="0" algn="l" rtl="0">
               <a:lnSpc>
                 <a:spcPct val="120000"/>
               </a:lnSpc>
@@ -11343,7 +11504,7 @@
             </a:endParaRPr>
           </a:p>
           <a:p>
-            <a:pPr indent="0" lvl="0" marL="0" rtl="0" algn="l">
+            <a:pPr marL="0" lvl="0" indent="0" algn="l" rtl="0">
               <a:lnSpc>
                 <a:spcPct val="115000"/>
               </a:lnSpc>
@@ -11365,7 +11526,7 @@
               <a:t>Além da comunidade </a:t>
             </a:r>
             <a:r>
-              <a:rPr i="1" lang="pt-BR">
+              <a:rPr lang="pt-BR" i="1">
                 <a:solidFill>
                   <a:schemeClr val="dk1"/>
                 </a:solidFill>
@@ -11387,7 +11548,7 @@
             </a:endParaRPr>
           </a:p>
           <a:p>
-            <a:pPr indent="0" lvl="0" marL="0" rtl="0" algn="l">
+            <a:pPr marL="0" lvl="0" indent="0" algn="l" rtl="0">
               <a:lnSpc>
                 <a:spcPct val="115000"/>
               </a:lnSpc>
@@ -11400,9 +11561,6 @@
               <a:buSzPts val="1800"/>
               <a:buNone/>
             </a:pPr>
-            <a:r>
-              <a:t/>
-            </a:r>
             <a:endParaRPr/>
           </a:p>
         </p:txBody>
@@ -11416,11 +11574,11 @@
 </file>
 
 <file path=ppt/slides/slide6.xml><?xml version="1.0" encoding="utf-8"?>
-<p:sld xmlns:a="http://schemas.openxmlformats.org/drawingml/2006/main" xmlns:r="http://schemas.openxmlformats.org/officeDocument/2006/relationships" xmlns:mc="http://schemas.openxmlformats.org/markup-compatibility/2006" xmlns:mv="urn:schemas-microsoft-com:mac:vml" xmlns:p="http://schemas.openxmlformats.org/presentationml/2006/main" xmlns:c="http://schemas.openxmlformats.org/drawingml/2006/chart" xmlns:dgm="http://schemas.openxmlformats.org/drawingml/2006/diagram" xmlns:o="urn:schemas-microsoft-com:office:office" xmlns:v="urn:schemas-microsoft-com:vml" xmlns:pvml="urn:schemas-microsoft-com:office:powerpoint" xmlns:com="http://schemas.openxmlformats.org/drawingml/2006/compatibility" xmlns:p14="http://schemas.microsoft.com/office/powerpoint/2010/main" xmlns:p15="http://schemas.microsoft.com/office/powerpoint/2012/main" xmlns:ahyp="http://schemas.microsoft.com/office/drawing/2018/hyperlinkcolor">
+<p:sld xmlns:a="http://schemas.openxmlformats.org/drawingml/2006/main" xmlns:r="http://schemas.openxmlformats.org/officeDocument/2006/relationships" xmlns:p="http://schemas.openxmlformats.org/presentationml/2006/main">
   <p:cSld>
     <p:spTree>
       <p:nvGrpSpPr>
-        <p:cNvPr id="83" name="Shape 83"/>
+        <p:cNvPr id="1" name="Shape 83"/>
         <p:cNvGrpSpPr/>
         <p:nvPr/>
       </p:nvGrpSpPr>
@@ -11435,7 +11593,9 @@
       <p:sp>
         <p:nvSpPr>
           <p:cNvPr id="84" name="Google Shape;84;p6"/>
-          <p:cNvSpPr txBox="1"/>
+          <p:cNvSpPr txBox="1">
+            <a:spLocks noGrp="1"/>
+          </p:cNvSpPr>
           <p:nvPr>
             <p:ph type="title"/>
           </p:nvPr>
@@ -11454,12 +11614,12 @@
           </a:ln>
         </p:spPr>
         <p:txBody>
-          <a:bodyPr anchorCtr="0" anchor="t" bIns="91425" lIns="91425" spcFirstLastPara="1" rIns="91425" wrap="square" tIns="91425">
+          <a:bodyPr spcFirstLastPara="1" wrap="square" lIns="91425" tIns="91425" rIns="91425" bIns="91425" anchor="t" anchorCtr="0">
             <a:normAutofit fontScale="90000"/>
           </a:bodyPr>
           <a:lstStyle/>
           <a:p>
-            <a:pPr indent="0" lvl="0" marL="0" rtl="0" algn="l">
+            <a:pPr marL="0" lvl="0" indent="0" algn="l" rtl="0">
               <a:lnSpc>
                 <a:spcPct val="100000"/>
               </a:lnSpc>
@@ -11479,7 +11639,7 @@
             <a:endParaRPr/>
           </a:p>
           <a:p>
-            <a:pPr indent="0" lvl="0" marL="0" rtl="0" algn="l">
+            <a:pPr marL="0" lvl="0" indent="0" algn="l" rtl="0">
               <a:lnSpc>
                 <a:spcPct val="100000"/>
               </a:lnSpc>
@@ -11492,9 +11652,6 @@
               <a:buSzPct val="111111"/>
               <a:buNone/>
             </a:pPr>
-            <a:r>
-              <a:t/>
-            </a:r>
             <a:endParaRPr/>
           </a:p>
         </p:txBody>
@@ -11502,9 +11659,11 @@
       <p:sp>
         <p:nvSpPr>
           <p:cNvPr id="85" name="Google Shape;85;p6"/>
-          <p:cNvSpPr txBox="1"/>
+          <p:cNvSpPr txBox="1">
+            <a:spLocks noGrp="1"/>
+          </p:cNvSpPr>
           <p:nvPr>
-            <p:ph idx="1" type="body"/>
+            <p:ph type="body" idx="1"/>
           </p:nvPr>
         </p:nvSpPr>
         <p:spPr>
@@ -11521,12 +11680,12 @@
           </a:ln>
         </p:spPr>
         <p:txBody>
-          <a:bodyPr anchorCtr="0" anchor="t" bIns="91425" lIns="91425" spcFirstLastPara="1" rIns="91425" wrap="square" tIns="91425">
+          <a:bodyPr spcFirstLastPara="1" wrap="square" lIns="91425" tIns="91425" rIns="91425" bIns="91425" anchor="t" anchorCtr="0">
             <a:normAutofit fontScale="70000" lnSpcReduction="20000"/>
           </a:bodyPr>
           <a:lstStyle/>
           <a:p>
-            <a:pPr indent="0" lvl="0" marL="0" rtl="0" algn="l">
+            <a:pPr marL="0" lvl="0" indent="0" algn="l" rtl="0">
               <a:lnSpc>
                 <a:spcPct val="120000"/>
               </a:lnSpc>
@@ -11554,7 +11713,7 @@
             </a:endParaRPr>
           </a:p>
           <a:p>
-            <a:pPr indent="0" lvl="0" marL="0" rtl="0" algn="l">
+            <a:pPr marL="0" lvl="0" indent="0" algn="l" rtl="0">
               <a:lnSpc>
                 <a:spcPct val="115000"/>
               </a:lnSpc>
@@ -11576,7 +11735,7 @@
               <a:t>Com o objetivo de permitir a execução independente dos processos, o Docker se utiliza do kernel (núcleo) do Linux e seus recursos – a exemplo do </a:t>
             </a:r>
             <a:r>
-              <a:rPr i="1" lang="pt-BR" sz="2300">
+              <a:rPr lang="pt-BR" sz="2300" i="1">
                 <a:solidFill>
                   <a:schemeClr val="dk1"/>
                 </a:solidFill>
@@ -11592,7 +11751,7 @@
               <a:t> e do </a:t>
             </a:r>
             <a:r>
-              <a:rPr i="1" lang="pt-BR" sz="2300">
+              <a:rPr lang="pt-BR" sz="2300" i="1">
                 <a:solidFill>
                   <a:schemeClr val="dk1"/>
                 </a:solidFill>
@@ -11614,7 +11773,7 @@
             </a:endParaRPr>
           </a:p>
           <a:p>
-            <a:pPr indent="0" lvl="0" marL="0" rtl="0" algn="l">
+            <a:pPr marL="0" lvl="0" indent="0" algn="l" rtl="0">
               <a:lnSpc>
                 <a:spcPct val="115000"/>
               </a:lnSpc>
@@ -11642,7 +11801,7 @@
             </a:endParaRPr>
           </a:p>
           <a:p>
-            <a:pPr indent="0" lvl="0" marL="0" rtl="0" algn="l">
+            <a:pPr marL="0" lvl="0" indent="0" algn="l" rtl="0">
               <a:lnSpc>
                 <a:spcPct val="115000"/>
               </a:lnSpc>
@@ -11655,13 +11814,10 @@
               <a:buSzPct val="142857"/>
               <a:buNone/>
             </a:pPr>
-            <a:r>
-              <a:t/>
-            </a:r>
             <a:endParaRPr/>
           </a:p>
           <a:p>
-            <a:pPr indent="0" lvl="0" marL="0" rtl="0" algn="l">
+            <a:pPr marL="0" lvl="0" indent="0" algn="l" rtl="0">
               <a:lnSpc>
                 <a:spcPct val="115000"/>
               </a:lnSpc>
@@ -11674,13 +11830,10 @@
               <a:buSzPct val="142857"/>
               <a:buNone/>
             </a:pPr>
-            <a:r>
-              <a:t/>
-            </a:r>
             <a:endParaRPr/>
           </a:p>
           <a:p>
-            <a:pPr indent="0" lvl="0" marL="0" rtl="0" algn="l">
+            <a:pPr marL="0" lvl="0" indent="0" algn="l" rtl="0">
               <a:lnSpc>
                 <a:spcPct val="115000"/>
               </a:lnSpc>
@@ -11693,9 +11846,6 @@
               <a:buSzPct val="142857"/>
               <a:buNone/>
             </a:pPr>
-            <a:r>
-              <a:t/>
-            </a:r>
             <a:endParaRPr/>
           </a:p>
         </p:txBody>
@@ -11709,11 +11859,11 @@
 </file>
 
 <file path=ppt/slides/slide7.xml><?xml version="1.0" encoding="utf-8"?>
-<p:sld xmlns:a="http://schemas.openxmlformats.org/drawingml/2006/main" xmlns:r="http://schemas.openxmlformats.org/officeDocument/2006/relationships" xmlns:mc="http://schemas.openxmlformats.org/markup-compatibility/2006" xmlns:mv="urn:schemas-microsoft-com:mac:vml" xmlns:p="http://schemas.openxmlformats.org/presentationml/2006/main" xmlns:c="http://schemas.openxmlformats.org/drawingml/2006/chart" xmlns:dgm="http://schemas.openxmlformats.org/drawingml/2006/diagram" xmlns:o="urn:schemas-microsoft-com:office:office" xmlns:v="urn:schemas-microsoft-com:vml" xmlns:pvml="urn:schemas-microsoft-com:office:powerpoint" xmlns:com="http://schemas.openxmlformats.org/drawingml/2006/compatibility" xmlns:p14="http://schemas.microsoft.com/office/powerpoint/2010/main" xmlns:p15="http://schemas.microsoft.com/office/powerpoint/2012/main" xmlns:ahyp="http://schemas.microsoft.com/office/drawing/2018/hyperlinkcolor">
+<p:sld xmlns:a="http://schemas.openxmlformats.org/drawingml/2006/main" xmlns:r="http://schemas.openxmlformats.org/officeDocument/2006/relationships" xmlns:p="http://schemas.openxmlformats.org/presentationml/2006/main">
   <p:cSld>
     <p:spTree>
       <p:nvGrpSpPr>
-        <p:cNvPr id="89" name="Shape 89"/>
+        <p:cNvPr id="1" name="Shape 89"/>
         <p:cNvGrpSpPr/>
         <p:nvPr/>
       </p:nvGrpSpPr>
@@ -11728,7 +11878,9 @@
       <p:sp>
         <p:nvSpPr>
           <p:cNvPr id="90" name="Google Shape;90;p7"/>
-          <p:cNvSpPr txBox="1"/>
+          <p:cNvSpPr txBox="1">
+            <a:spLocks noGrp="1"/>
+          </p:cNvSpPr>
           <p:nvPr>
             <p:ph type="title"/>
           </p:nvPr>
@@ -11747,12 +11899,12 @@
           </a:ln>
         </p:spPr>
         <p:txBody>
-          <a:bodyPr anchorCtr="0" anchor="t" bIns="91425" lIns="91425" spcFirstLastPara="1" rIns="91425" wrap="square" tIns="91425">
+          <a:bodyPr spcFirstLastPara="1" wrap="square" lIns="91425" tIns="91425" rIns="91425" bIns="91425" anchor="t" anchorCtr="0">
             <a:normAutofit fontScale="90000"/>
           </a:bodyPr>
           <a:lstStyle/>
           <a:p>
-            <a:pPr indent="0" lvl="0" marL="0" rtl="0" algn="l">
+            <a:pPr marL="0" lvl="0" indent="0" algn="l" rtl="0">
               <a:lnSpc>
                 <a:spcPct val="100000"/>
               </a:lnSpc>
@@ -11772,7 +11924,7 @@
             <a:endParaRPr/>
           </a:p>
           <a:p>
-            <a:pPr indent="0" lvl="0" marL="0" rtl="0" algn="l">
+            <a:pPr marL="0" lvl="0" indent="0" algn="l" rtl="0">
               <a:lnSpc>
                 <a:spcPct val="100000"/>
               </a:lnSpc>
@@ -11785,9 +11937,6 @@
               <a:buSzPct val="111111"/>
               <a:buNone/>
             </a:pPr>
-            <a:r>
-              <a:t/>
-            </a:r>
             <a:endParaRPr/>
           </a:p>
         </p:txBody>
@@ -11795,9 +11944,11 @@
       <p:sp>
         <p:nvSpPr>
           <p:cNvPr id="91" name="Google Shape;91;p7"/>
-          <p:cNvSpPr txBox="1"/>
+          <p:cNvSpPr txBox="1">
+            <a:spLocks noGrp="1"/>
+          </p:cNvSpPr>
           <p:nvPr>
-            <p:ph idx="1" type="body"/>
+            <p:ph type="body" idx="1"/>
           </p:nvPr>
         </p:nvSpPr>
         <p:spPr>
@@ -11814,12 +11965,12 @@
           </a:ln>
         </p:spPr>
         <p:txBody>
-          <a:bodyPr anchorCtr="0" anchor="t" bIns="91425" lIns="91425" spcFirstLastPara="1" rIns="91425" wrap="square" tIns="91425">
+          <a:bodyPr spcFirstLastPara="1" wrap="square" lIns="91425" tIns="91425" rIns="91425" bIns="91425" anchor="t" anchorCtr="0">
             <a:normAutofit/>
           </a:bodyPr>
           <a:lstStyle/>
           <a:p>
-            <a:pPr indent="0" lvl="0" marL="0" rtl="0" algn="l">
+            <a:pPr marL="0" lvl="0" indent="0" algn="l" rtl="0">
               <a:lnSpc>
                 <a:spcPct val="115000"/>
               </a:lnSpc>
@@ -11847,7 +11998,7 @@
             </a:endParaRPr>
           </a:p>
           <a:p>
-            <a:pPr indent="0" lvl="0" marL="0" rtl="0" algn="l">
+            <a:pPr marL="0" lvl="0" indent="0" algn="l" rtl="0">
               <a:lnSpc>
                 <a:spcPct val="115000"/>
               </a:lnSpc>
@@ -11875,7 +12026,7 @@
             </a:endParaRPr>
           </a:p>
           <a:p>
-            <a:pPr indent="0" lvl="0" marL="0" rtl="0" algn="l">
+            <a:pPr marL="0" lvl="0" indent="0" algn="l" rtl="0">
               <a:lnSpc>
                 <a:spcPct val="115000"/>
               </a:lnSpc>
@@ -11888,9 +12039,6 @@
               <a:buSzPts val="1800"/>
               <a:buNone/>
             </a:pPr>
-            <a:r>
-              <a:t/>
-            </a:r>
             <a:endParaRPr sz="1100">
               <a:solidFill>
                 <a:srgbClr val="000000"/>
@@ -11898,7 +12046,7 @@
             </a:endParaRPr>
           </a:p>
           <a:p>
-            <a:pPr indent="0" lvl="0" marL="0" rtl="0" algn="l">
+            <a:pPr marL="0" lvl="0" indent="0" algn="l" rtl="0">
               <a:lnSpc>
                 <a:spcPct val="115000"/>
               </a:lnSpc>
@@ -11911,9 +12059,6 @@
               <a:buSzPts val="1800"/>
               <a:buNone/>
             </a:pPr>
-            <a:r>
-              <a:t/>
-            </a:r>
             <a:endParaRPr/>
           </a:p>
         </p:txBody>
@@ -11927,11 +12072,11 @@
 </file>
 
 <file path=ppt/slides/slide8.xml><?xml version="1.0" encoding="utf-8"?>
-<p:sld xmlns:a="http://schemas.openxmlformats.org/drawingml/2006/main" xmlns:r="http://schemas.openxmlformats.org/officeDocument/2006/relationships" xmlns:mc="http://schemas.openxmlformats.org/markup-compatibility/2006" xmlns:mv="urn:schemas-microsoft-com:mac:vml" xmlns:p="http://schemas.openxmlformats.org/presentationml/2006/main" xmlns:c="http://schemas.openxmlformats.org/drawingml/2006/chart" xmlns:dgm="http://schemas.openxmlformats.org/drawingml/2006/diagram" xmlns:o="urn:schemas-microsoft-com:office:office" xmlns:v="urn:schemas-microsoft-com:vml" xmlns:pvml="urn:schemas-microsoft-com:office:powerpoint" xmlns:com="http://schemas.openxmlformats.org/drawingml/2006/compatibility" xmlns:p14="http://schemas.microsoft.com/office/powerpoint/2010/main" xmlns:p15="http://schemas.microsoft.com/office/powerpoint/2012/main" xmlns:ahyp="http://schemas.microsoft.com/office/drawing/2018/hyperlinkcolor">
+<p:sld xmlns:a="http://schemas.openxmlformats.org/drawingml/2006/main" xmlns:r="http://schemas.openxmlformats.org/officeDocument/2006/relationships" xmlns:p="http://schemas.openxmlformats.org/presentationml/2006/main">
   <p:cSld>
     <p:spTree>
       <p:nvGrpSpPr>
-        <p:cNvPr id="95" name="Shape 95"/>
+        <p:cNvPr id="1" name="Shape 95"/>
         <p:cNvGrpSpPr/>
         <p:nvPr/>
       </p:nvGrpSpPr>
@@ -11946,7 +12091,9 @@
       <p:sp>
         <p:nvSpPr>
           <p:cNvPr id="96" name="Google Shape;96;p8"/>
-          <p:cNvSpPr txBox="1"/>
+          <p:cNvSpPr txBox="1">
+            <a:spLocks noGrp="1"/>
+          </p:cNvSpPr>
           <p:nvPr>
             <p:ph type="title"/>
           </p:nvPr>
@@ -11965,12 +12112,12 @@
           </a:ln>
         </p:spPr>
         <p:txBody>
-          <a:bodyPr anchorCtr="0" anchor="t" bIns="91425" lIns="91425" spcFirstLastPara="1" rIns="91425" wrap="square" tIns="91425">
+          <a:bodyPr spcFirstLastPara="1" wrap="square" lIns="91425" tIns="91425" rIns="91425" bIns="91425" anchor="t" anchorCtr="0">
             <a:normAutofit fontScale="90000"/>
           </a:bodyPr>
           <a:lstStyle/>
           <a:p>
-            <a:pPr indent="0" lvl="0" marL="0" rtl="0" algn="l">
+            <a:pPr marL="0" lvl="0" indent="0" algn="l" rtl="0">
               <a:lnSpc>
                 <a:spcPct val="100000"/>
               </a:lnSpc>
@@ -11990,7 +12137,7 @@
             <a:endParaRPr/>
           </a:p>
           <a:p>
-            <a:pPr indent="0" lvl="0" marL="0" rtl="0" algn="l">
+            <a:pPr marL="0" lvl="0" indent="0" algn="l" rtl="0">
               <a:lnSpc>
                 <a:spcPct val="100000"/>
               </a:lnSpc>
@@ -12003,9 +12150,6 @@
               <a:buSzPct val="111111"/>
               <a:buNone/>
             </a:pPr>
-            <a:r>
-              <a:t/>
-            </a:r>
             <a:endParaRPr/>
           </a:p>
         </p:txBody>
@@ -12013,9 +12157,11 @@
       <p:sp>
         <p:nvSpPr>
           <p:cNvPr id="97" name="Google Shape;97;p8"/>
-          <p:cNvSpPr txBox="1"/>
+          <p:cNvSpPr txBox="1">
+            <a:spLocks noGrp="1"/>
+          </p:cNvSpPr>
           <p:nvPr>
-            <p:ph idx="1" type="body"/>
+            <p:ph type="body" idx="1"/>
           </p:nvPr>
         </p:nvSpPr>
         <p:spPr>
@@ -12032,12 +12178,12 @@
           </a:ln>
         </p:spPr>
         <p:txBody>
-          <a:bodyPr anchorCtr="0" anchor="t" bIns="91425" lIns="91425" spcFirstLastPara="1" rIns="91425" wrap="square" tIns="91425">
+          <a:bodyPr spcFirstLastPara="1" wrap="square" lIns="91425" tIns="91425" rIns="91425" bIns="91425" anchor="t" anchorCtr="0">
             <a:normAutofit lnSpcReduction="10000"/>
           </a:bodyPr>
           <a:lstStyle/>
           <a:p>
-            <a:pPr indent="0" lvl="0" marL="0" rtl="0" algn="l">
+            <a:pPr marL="0" lvl="0" indent="0" algn="l" rtl="0">
               <a:lnSpc>
                 <a:spcPct val="120000"/>
               </a:lnSpc>
@@ -12065,7 +12211,7 @@
             </a:endParaRPr>
           </a:p>
           <a:p>
-            <a:pPr indent="0" lvl="0" marL="0" rtl="0" algn="l">
+            <a:pPr marL="0" lvl="0" indent="0" algn="l" rtl="0">
               <a:lnSpc>
                 <a:spcPct val="115000"/>
               </a:lnSpc>
@@ -12093,7 +12239,7 @@
             </a:endParaRPr>
           </a:p>
           <a:p>
-            <a:pPr indent="-330200" lvl="0" marL="457200" rtl="0" algn="l">
+            <a:pPr marL="457200" lvl="0" indent="-330200" algn="l" rtl="0">
               <a:lnSpc>
                 <a:spcPct val="115000"/>
               </a:lnSpc>
@@ -12124,7 +12270,7 @@
             </a:endParaRPr>
           </a:p>
           <a:p>
-            <a:pPr indent="-330200" lvl="0" marL="457200" rtl="0" algn="l">
+            <a:pPr marL="457200" lvl="0" indent="-330200" algn="l" rtl="0">
               <a:lnSpc>
                 <a:spcPct val="115000"/>
               </a:lnSpc>
@@ -12155,7 +12301,7 @@
             </a:endParaRPr>
           </a:p>
           <a:p>
-            <a:pPr indent="-330200" lvl="0" marL="457200" rtl="0" algn="l">
+            <a:pPr marL="457200" lvl="0" indent="-330200" algn="l" rtl="0">
               <a:lnSpc>
                 <a:spcPct val="115000"/>
               </a:lnSpc>
@@ -12172,7 +12318,7 @@
               <a:buChar char="●"/>
             </a:pPr>
             <a:r>
-              <a:rPr i="1" lang="pt-BR" sz="1600">
+              <a:rPr lang="pt-BR" sz="1600" i="1">
                 <a:solidFill>
                   <a:schemeClr val="dk1"/>
                 </a:solidFill>
@@ -12194,7 +12340,7 @@
             </a:endParaRPr>
           </a:p>
           <a:p>
-            <a:pPr indent="-330200" lvl="0" marL="457200" rtl="0" algn="l">
+            <a:pPr marL="457200" lvl="0" indent="-330200" algn="l" rtl="0">
               <a:lnSpc>
                 <a:spcPct val="115000"/>
               </a:lnSpc>
@@ -12211,7 +12357,7 @@
               <a:buChar char="●"/>
             </a:pPr>
             <a:r>
-              <a:rPr i="1" lang="pt-BR" sz="1600">
+              <a:rPr lang="pt-BR" sz="1600" i="1">
                 <a:solidFill>
                   <a:schemeClr val="dk1"/>
                 </a:solidFill>
@@ -12233,7 +12379,7 @@
             </a:endParaRPr>
           </a:p>
           <a:p>
-            <a:pPr indent="-330200" lvl="0" marL="457200" rtl="0" algn="l">
+            <a:pPr marL="457200" lvl="0" indent="-330200" algn="l" rtl="0">
               <a:lnSpc>
                 <a:spcPct val="115000"/>
               </a:lnSpc>
@@ -12264,7 +12410,7 @@
             </a:endParaRPr>
           </a:p>
           <a:p>
-            <a:pPr indent="-330200" lvl="0" marL="457200" rtl="0" algn="l">
+            <a:pPr marL="457200" lvl="0" indent="-330200" algn="l" rtl="0">
               <a:lnSpc>
                 <a:spcPct val="115000"/>
               </a:lnSpc>
@@ -12295,7 +12441,7 @@
             </a:endParaRPr>
           </a:p>
           <a:p>
-            <a:pPr indent="0" lvl="0" marL="0" rtl="0" algn="l">
+            <a:pPr marL="0" lvl="0" indent="0" algn="l" rtl="0">
               <a:lnSpc>
                 <a:spcPct val="115000"/>
               </a:lnSpc>
@@ -12308,9 +12454,6 @@
               <a:buSzPts val="1800"/>
               <a:buNone/>
             </a:pPr>
-            <a:r>
-              <a:t/>
-            </a:r>
             <a:endParaRPr/>
           </a:p>
         </p:txBody>
@@ -12324,11 +12467,11 @@
 </file>
 
 <file path=ppt/slides/slide9.xml><?xml version="1.0" encoding="utf-8"?>
-<p:sld xmlns:a="http://schemas.openxmlformats.org/drawingml/2006/main" xmlns:r="http://schemas.openxmlformats.org/officeDocument/2006/relationships" xmlns:mc="http://schemas.openxmlformats.org/markup-compatibility/2006" xmlns:mv="urn:schemas-microsoft-com:mac:vml" xmlns:p="http://schemas.openxmlformats.org/presentationml/2006/main" xmlns:c="http://schemas.openxmlformats.org/drawingml/2006/chart" xmlns:dgm="http://schemas.openxmlformats.org/drawingml/2006/diagram" xmlns:o="urn:schemas-microsoft-com:office:office" xmlns:v="urn:schemas-microsoft-com:vml" xmlns:pvml="urn:schemas-microsoft-com:office:powerpoint" xmlns:com="http://schemas.openxmlformats.org/drawingml/2006/compatibility" xmlns:p14="http://schemas.microsoft.com/office/powerpoint/2010/main" xmlns:p15="http://schemas.microsoft.com/office/powerpoint/2012/main" xmlns:ahyp="http://schemas.microsoft.com/office/drawing/2018/hyperlinkcolor">
+<p:sld xmlns:a="http://schemas.openxmlformats.org/drawingml/2006/main" xmlns:r="http://schemas.openxmlformats.org/officeDocument/2006/relationships" xmlns:p="http://schemas.openxmlformats.org/presentationml/2006/main">
   <p:cSld>
     <p:spTree>
       <p:nvGrpSpPr>
-        <p:cNvPr id="101" name="Shape 101"/>
+        <p:cNvPr id="1" name="Shape 101"/>
         <p:cNvGrpSpPr/>
         <p:nvPr/>
       </p:nvGrpSpPr>
@@ -12343,7 +12486,9 @@
       <p:sp>
         <p:nvSpPr>
           <p:cNvPr id="102" name="Google Shape;102;p9"/>
-          <p:cNvSpPr txBox="1"/>
+          <p:cNvSpPr txBox="1">
+            <a:spLocks noGrp="1"/>
+          </p:cNvSpPr>
           <p:nvPr>
             <p:ph type="title"/>
           </p:nvPr>
@@ -12362,12 +12507,12 @@
           </a:ln>
         </p:spPr>
         <p:txBody>
-          <a:bodyPr anchorCtr="0" anchor="t" bIns="91425" lIns="91425" spcFirstLastPara="1" rIns="91425" wrap="square" tIns="91425">
+          <a:bodyPr spcFirstLastPara="1" wrap="square" lIns="91425" tIns="91425" rIns="91425" bIns="91425" anchor="t" anchorCtr="0">
             <a:normAutofit fontScale="90000"/>
           </a:bodyPr>
           <a:lstStyle/>
           <a:p>
-            <a:pPr indent="0" lvl="0" marL="0" rtl="0" algn="l">
+            <a:pPr marL="0" lvl="0" indent="0" algn="l" rtl="0">
               <a:lnSpc>
                 <a:spcPct val="100000"/>
               </a:lnSpc>
@@ -12387,7 +12532,7 @@
             <a:endParaRPr/>
           </a:p>
           <a:p>
-            <a:pPr indent="0" lvl="0" marL="0" rtl="0" algn="l">
+            <a:pPr marL="0" lvl="0" indent="0" algn="l" rtl="0">
               <a:lnSpc>
                 <a:spcPct val="100000"/>
               </a:lnSpc>
@@ -12400,9 +12545,6 @@
               <a:buSzPct val="111111"/>
               <a:buNone/>
             </a:pPr>
-            <a:r>
-              <a:t/>
-            </a:r>
             <a:endParaRPr/>
           </a:p>
         </p:txBody>
@@ -12410,9 +12552,11 @@
       <p:sp>
         <p:nvSpPr>
           <p:cNvPr id="103" name="Google Shape;103;p9"/>
-          <p:cNvSpPr txBox="1"/>
+          <p:cNvSpPr txBox="1">
+            <a:spLocks noGrp="1"/>
+          </p:cNvSpPr>
           <p:nvPr>
-            <p:ph idx="1" type="body"/>
+            <p:ph type="body" idx="1"/>
           </p:nvPr>
         </p:nvSpPr>
         <p:spPr>
@@ -12429,12 +12573,12 @@
           </a:ln>
         </p:spPr>
         <p:txBody>
-          <a:bodyPr anchorCtr="0" anchor="t" bIns="91425" lIns="91425" spcFirstLastPara="1" rIns="91425" wrap="square" tIns="91425">
+          <a:bodyPr spcFirstLastPara="1" wrap="square" lIns="91425" tIns="91425" rIns="91425" bIns="91425" anchor="t" anchorCtr="0">
             <a:normAutofit/>
           </a:bodyPr>
           <a:lstStyle/>
           <a:p>
-            <a:pPr indent="0" lvl="0" marL="0" rtl="0" algn="l">
+            <a:pPr marL="0" lvl="0" indent="0" algn="l" rtl="0">
               <a:lnSpc>
                 <a:spcPct val="115000"/>
               </a:lnSpc>
@@ -12447,9 +12591,6 @@
               <a:buSzPts val="1800"/>
               <a:buNone/>
             </a:pPr>
-            <a:r>
-              <a:t/>
-            </a:r>
             <a:endParaRPr/>
           </a:p>
         </p:txBody>
@@ -12464,7 +12605,7 @@
           <a:blip r:embed="rId3">
             <a:alphaModFix/>
           </a:blip>
-          <a:srcRect b="0" l="0" r="0" t="0"/>
+          <a:srcRect/>
           <a:stretch/>
         </p:blipFill>
         <p:spPr>
@@ -12490,7 +12631,288 @@
 </file>
 
 <file path=ppt/theme/theme1.xml><?xml version="1.0" encoding="utf-8"?>
-<a:theme xmlns:a="http://schemas.openxmlformats.org/drawingml/2006/main" xmlns:r="http://schemas.openxmlformats.org/officeDocument/2006/relationships">
+<a:theme xmlns:a="http://schemas.openxmlformats.org/drawingml/2006/main" name="Simple Dark">
+  <a:themeElements>
+    <a:clrScheme name="Simple Dark">
+      <a:dk1>
+        <a:srgbClr val="FFFFFF"/>
+      </a:dk1>
+      <a:lt1>
+        <a:srgbClr val="212121"/>
+      </a:lt1>
+      <a:dk2>
+        <a:srgbClr val="303030"/>
+      </a:dk2>
+      <a:lt2>
+        <a:srgbClr val="ADADAD"/>
+      </a:lt2>
+      <a:accent1>
+        <a:srgbClr val="009688"/>
+      </a:accent1>
+      <a:accent2>
+        <a:srgbClr val="EEEEEE"/>
+      </a:accent2>
+      <a:accent3>
+        <a:srgbClr val="78909C"/>
+      </a:accent3>
+      <a:accent4>
+        <a:srgbClr val="FFAB40"/>
+      </a:accent4>
+      <a:accent5>
+        <a:srgbClr val="4DD0E1"/>
+      </a:accent5>
+      <a:accent6>
+        <a:srgbClr val="EEFF41"/>
+      </a:accent6>
+      <a:hlink>
+        <a:srgbClr val="4DD0E1"/>
+      </a:hlink>
+      <a:folHlink>
+        <a:srgbClr val="4DD0E1"/>
+      </a:folHlink>
+    </a:clrScheme>
+    <a:fontScheme name="Office">
+      <a:majorFont>
+        <a:latin typeface="Arial"/>
+        <a:ea typeface=""/>
+        <a:cs typeface=""/>
+        <a:font script="Jpan" typeface="ＭＳ Ｐゴシック"/>
+        <a:font script="Hang" typeface="맑은 고딕"/>
+        <a:font script="Hans" typeface="宋体"/>
+        <a:font script="Hant" typeface="新細明體"/>
+        <a:font script="Arab" typeface="Times New Roman"/>
+        <a:font script="Hebr" typeface="Times New Roman"/>
+        <a:font script="Thai" typeface="Angsana New"/>
+        <a:font script="Ethi" typeface="Nyala"/>
+        <a:font script="Beng" typeface="Vrinda"/>
+        <a:font script="Gujr" typeface="Shruti"/>
+        <a:font script="Khmr" typeface="MoolBoran"/>
+        <a:font script="Knda" typeface="Tunga"/>
+        <a:font script="Guru" typeface="Raavi"/>
+        <a:font script="Cans" typeface="Euphemia"/>
+        <a:font script="Cher" typeface="Plantagenet Cherokee"/>
+        <a:font script="Yiii" typeface="Microsoft Yi Baiti"/>
+        <a:font script="Tibt" typeface="Microsoft Himalaya"/>
+        <a:font script="Thaa" typeface="MV Boli"/>
+        <a:font script="Deva" typeface="Mangal"/>
+        <a:font script="Telu" typeface="Gautami"/>
+        <a:font script="Taml" typeface="Latha"/>
+        <a:font script="Syrc" typeface="Estrangelo Edessa"/>
+        <a:font script="Orya" typeface="Kalinga"/>
+        <a:font script="Mlym" typeface="Kartika"/>
+        <a:font script="Laoo" typeface="DokChampa"/>
+        <a:font script="Sinh" typeface="Iskoola Pota"/>
+        <a:font script="Mong" typeface="Mongolian Baiti"/>
+        <a:font script="Viet" typeface="Times New Roman"/>
+        <a:font script="Uigh" typeface="Microsoft Uighur"/>
+        <a:font script="Geor" typeface="Sylfaen"/>
+      </a:majorFont>
+      <a:minorFont>
+        <a:latin typeface="Arial"/>
+        <a:ea typeface=""/>
+        <a:cs typeface=""/>
+        <a:font script="Jpan" typeface="ＭＳ Ｐゴシック"/>
+        <a:font script="Hang" typeface="맑은 고딕"/>
+        <a:font script="Hans" typeface="宋体"/>
+        <a:font script="Hant" typeface="新細明體"/>
+        <a:font script="Arab" typeface="Arial"/>
+        <a:font script="Hebr" typeface="Arial"/>
+        <a:font script="Thai" typeface="Cordia New"/>
+        <a:font script="Ethi" typeface="Nyala"/>
+        <a:font script="Beng" typeface="Vrinda"/>
+        <a:font script="Gujr" typeface="Shruti"/>
+        <a:font script="Khmr" typeface="DaunPenh"/>
+        <a:font script="Knda" typeface="Tunga"/>
+        <a:font script="Guru" typeface="Raavi"/>
+        <a:font script="Cans" typeface="Euphemia"/>
+        <a:font script="Cher" typeface="Plantagenet Cherokee"/>
+        <a:font script="Yiii" typeface="Microsoft Yi Baiti"/>
+        <a:font script="Tibt" typeface="Microsoft Himalaya"/>
+        <a:font script="Thaa" typeface="MV Boli"/>
+        <a:font script="Deva" typeface="Mangal"/>
+        <a:font script="Telu" typeface="Gautami"/>
+        <a:font script="Taml" typeface="Latha"/>
+        <a:font script="Syrc" typeface="Estrangelo Edessa"/>
+        <a:font script="Orya" typeface="Kalinga"/>
+        <a:font script="Mlym" typeface="Kartika"/>
+        <a:font script="Laoo" typeface="DokChampa"/>
+        <a:font script="Sinh" typeface="Iskoola Pota"/>
+        <a:font script="Mong" typeface="Mongolian Baiti"/>
+        <a:font script="Viet" typeface="Arial"/>
+        <a:font script="Uigh" typeface="Microsoft Uighur"/>
+        <a:font script="Geor" typeface="Sylfaen"/>
+      </a:minorFont>
+    </a:fontScheme>
+    <a:fmtScheme name="Office">
+      <a:fillStyleLst>
+        <a:solidFill>
+          <a:schemeClr val="phClr"/>
+        </a:solidFill>
+        <a:gradFill rotWithShape="1">
+          <a:gsLst>
+            <a:gs pos="0">
+              <a:schemeClr val="phClr">
+                <a:tint val="50000"/>
+                <a:satMod val="300000"/>
+              </a:schemeClr>
+            </a:gs>
+            <a:gs pos="35000">
+              <a:schemeClr val="phClr">
+                <a:tint val="37000"/>
+                <a:satMod val="300000"/>
+              </a:schemeClr>
+            </a:gs>
+            <a:gs pos="100000">
+              <a:schemeClr val="phClr">
+                <a:tint val="15000"/>
+                <a:satMod val="350000"/>
+              </a:schemeClr>
+            </a:gs>
+          </a:gsLst>
+          <a:lin ang="16200000" scaled="1"/>
+        </a:gradFill>
+        <a:gradFill rotWithShape="1">
+          <a:gsLst>
+            <a:gs pos="0">
+              <a:schemeClr val="phClr">
+                <a:tint val="100000"/>
+                <a:shade val="100000"/>
+                <a:satMod val="130000"/>
+              </a:schemeClr>
+            </a:gs>
+            <a:gs pos="100000">
+              <a:schemeClr val="phClr">
+                <a:tint val="50000"/>
+                <a:shade val="100000"/>
+                <a:satMod val="350000"/>
+              </a:schemeClr>
+            </a:gs>
+          </a:gsLst>
+          <a:lin ang="16200000" scaled="0"/>
+        </a:gradFill>
+      </a:fillStyleLst>
+      <a:lnStyleLst>
+        <a:ln w="9525" cap="flat" cmpd="sng" algn="ctr">
+          <a:solidFill>
+            <a:schemeClr val="phClr">
+              <a:shade val="95000"/>
+              <a:satMod val="105000"/>
+            </a:schemeClr>
+          </a:solidFill>
+          <a:prstDash val="solid"/>
+        </a:ln>
+        <a:ln w="25400" cap="flat" cmpd="sng" algn="ctr">
+          <a:solidFill>
+            <a:schemeClr val="phClr"/>
+          </a:solidFill>
+          <a:prstDash val="solid"/>
+        </a:ln>
+        <a:ln w="38100" cap="flat" cmpd="sng" algn="ctr">
+          <a:solidFill>
+            <a:schemeClr val="phClr"/>
+          </a:solidFill>
+          <a:prstDash val="solid"/>
+        </a:ln>
+      </a:lnStyleLst>
+      <a:effectStyleLst>
+        <a:effectStyle>
+          <a:effectLst>
+            <a:outerShdw blurRad="40000" dist="20000" dir="5400000" rotWithShape="0">
+              <a:srgbClr val="000000">
+                <a:alpha val="38000"/>
+              </a:srgbClr>
+            </a:outerShdw>
+          </a:effectLst>
+        </a:effectStyle>
+        <a:effectStyle>
+          <a:effectLst>
+            <a:outerShdw blurRad="40000" dist="23000" dir="5400000" rotWithShape="0">
+              <a:srgbClr val="000000">
+                <a:alpha val="35000"/>
+              </a:srgbClr>
+            </a:outerShdw>
+          </a:effectLst>
+        </a:effectStyle>
+        <a:effectStyle>
+          <a:effectLst>
+            <a:outerShdw blurRad="40000" dist="23000" dir="5400000" rotWithShape="0">
+              <a:srgbClr val="000000">
+                <a:alpha val="35000"/>
+              </a:srgbClr>
+            </a:outerShdw>
+          </a:effectLst>
+          <a:scene3d>
+            <a:camera prst="orthographicFront">
+              <a:rot lat="0" lon="0" rev="0"/>
+            </a:camera>
+            <a:lightRig rig="threePt" dir="t">
+              <a:rot lat="0" lon="0" rev="1200000"/>
+            </a:lightRig>
+          </a:scene3d>
+          <a:sp3d>
+            <a:bevelT w="63500" h="25400"/>
+          </a:sp3d>
+        </a:effectStyle>
+      </a:effectStyleLst>
+      <a:bgFillStyleLst>
+        <a:solidFill>
+          <a:schemeClr val="phClr"/>
+        </a:solidFill>
+        <a:gradFill rotWithShape="1">
+          <a:gsLst>
+            <a:gs pos="0">
+              <a:schemeClr val="phClr">
+                <a:tint val="40000"/>
+                <a:satMod val="350000"/>
+              </a:schemeClr>
+            </a:gs>
+            <a:gs pos="40000">
+              <a:schemeClr val="phClr">
+                <a:tint val="45000"/>
+                <a:shade val="99000"/>
+                <a:satMod val="350000"/>
+              </a:schemeClr>
+            </a:gs>
+            <a:gs pos="100000">
+              <a:schemeClr val="phClr">
+                <a:shade val="20000"/>
+                <a:satMod val="255000"/>
+              </a:schemeClr>
+            </a:gs>
+          </a:gsLst>
+          <a:path path="circle">
+            <a:fillToRect l="50000" t="-80000" r="50000" b="180000"/>
+          </a:path>
+        </a:gradFill>
+        <a:gradFill rotWithShape="1">
+          <a:gsLst>
+            <a:gs pos="0">
+              <a:schemeClr val="phClr">
+                <a:tint val="80000"/>
+                <a:satMod val="300000"/>
+              </a:schemeClr>
+            </a:gs>
+            <a:gs pos="100000">
+              <a:schemeClr val="phClr">
+                <a:shade val="30000"/>
+                <a:satMod val="200000"/>
+              </a:schemeClr>
+            </a:gs>
+          </a:gsLst>
+          <a:path path="circle">
+            <a:fillToRect l="50000" t="50000" r="50000" b="50000"/>
+          </a:path>
+        </a:gradFill>
+      </a:bgFillStyleLst>
+    </a:fmtScheme>
+  </a:themeElements>
+  <a:objectDefaults/>
+  <a:extraClrSchemeLst/>
+</a:theme>
+</file>
+
+<file path=ppt/theme/theme2.xml><?xml version="1.0" encoding="utf-8"?>
+<a:theme xmlns:a="http://schemas.openxmlformats.org/drawingml/2006/main">
   <a:themeElements>
     <a:clrScheme name="Default">
       <a:dk1>
@@ -12765,284 +13187,7 @@
       </a:bgFillStyleLst>
     </a:fmtScheme>
   </a:themeElements>
-</a:theme>
-</file>
-
-<file path=ppt/theme/theme2.xml><?xml version="1.0" encoding="utf-8"?>
-<a:theme xmlns:a="http://schemas.openxmlformats.org/drawingml/2006/main" xmlns:r="http://schemas.openxmlformats.org/officeDocument/2006/relationships" name="Simple Dark">
-  <a:themeElements>
-    <a:clrScheme name="Simple Dark">
-      <a:dk1>
-        <a:srgbClr val="FFFFFF"/>
-      </a:dk1>
-      <a:lt1>
-        <a:srgbClr val="212121"/>
-      </a:lt1>
-      <a:dk2>
-        <a:srgbClr val="303030"/>
-      </a:dk2>
-      <a:lt2>
-        <a:srgbClr val="ADADAD"/>
-      </a:lt2>
-      <a:accent1>
-        <a:srgbClr val="009688"/>
-      </a:accent1>
-      <a:accent2>
-        <a:srgbClr val="EEEEEE"/>
-      </a:accent2>
-      <a:accent3>
-        <a:srgbClr val="78909C"/>
-      </a:accent3>
-      <a:accent4>
-        <a:srgbClr val="FFAB40"/>
-      </a:accent4>
-      <a:accent5>
-        <a:srgbClr val="4DD0E1"/>
-      </a:accent5>
-      <a:accent6>
-        <a:srgbClr val="EEFF41"/>
-      </a:accent6>
-      <a:hlink>
-        <a:srgbClr val="4DD0E1"/>
-      </a:hlink>
-      <a:folHlink>
-        <a:srgbClr val="4DD0E1"/>
-      </a:folHlink>
-    </a:clrScheme>
-    <a:fontScheme name="Office">
-      <a:majorFont>
-        <a:latin typeface="Arial"/>
-        <a:ea typeface=""/>
-        <a:cs typeface=""/>
-        <a:font script="Jpan" typeface="ＭＳ Ｐゴシック"/>
-        <a:font script="Hang" typeface="맑은 고딕"/>
-        <a:font script="Hans" typeface="宋体"/>
-        <a:font script="Hant" typeface="新細明體"/>
-        <a:font script="Arab" typeface="Times New Roman"/>
-        <a:font script="Hebr" typeface="Times New Roman"/>
-        <a:font script="Thai" typeface="Angsana New"/>
-        <a:font script="Ethi" typeface="Nyala"/>
-        <a:font script="Beng" typeface="Vrinda"/>
-        <a:font script="Gujr" typeface="Shruti"/>
-        <a:font script="Khmr" typeface="MoolBoran"/>
-        <a:font script="Knda" typeface="Tunga"/>
-        <a:font script="Guru" typeface="Raavi"/>
-        <a:font script="Cans" typeface="Euphemia"/>
-        <a:font script="Cher" typeface="Plantagenet Cherokee"/>
-        <a:font script="Yiii" typeface="Microsoft Yi Baiti"/>
-        <a:font script="Tibt" typeface="Microsoft Himalaya"/>
-        <a:font script="Thaa" typeface="MV Boli"/>
-        <a:font script="Deva" typeface="Mangal"/>
-        <a:font script="Telu" typeface="Gautami"/>
-        <a:font script="Taml" typeface="Latha"/>
-        <a:font script="Syrc" typeface="Estrangelo Edessa"/>
-        <a:font script="Orya" typeface="Kalinga"/>
-        <a:font script="Mlym" typeface="Kartika"/>
-        <a:font script="Laoo" typeface="DokChampa"/>
-        <a:font script="Sinh" typeface="Iskoola Pota"/>
-        <a:font script="Mong" typeface="Mongolian Baiti"/>
-        <a:font script="Viet" typeface="Times New Roman"/>
-        <a:font script="Uigh" typeface="Microsoft Uighur"/>
-        <a:font script="Geor" typeface="Sylfaen"/>
-      </a:majorFont>
-      <a:minorFont>
-        <a:latin typeface="Arial"/>
-        <a:ea typeface=""/>
-        <a:cs typeface=""/>
-        <a:font script="Jpan" typeface="ＭＳ Ｐゴシック"/>
-        <a:font script="Hang" typeface="맑은 고딕"/>
-        <a:font script="Hans" typeface="宋体"/>
-        <a:font script="Hant" typeface="新細明體"/>
-        <a:font script="Arab" typeface="Arial"/>
-        <a:font script="Hebr" typeface="Arial"/>
-        <a:font script="Thai" typeface="Cordia New"/>
-        <a:font script="Ethi" typeface="Nyala"/>
-        <a:font script="Beng" typeface="Vrinda"/>
-        <a:font script="Gujr" typeface="Shruti"/>
-        <a:font script="Khmr" typeface="DaunPenh"/>
-        <a:font script="Knda" typeface="Tunga"/>
-        <a:font script="Guru" typeface="Raavi"/>
-        <a:font script="Cans" typeface="Euphemia"/>
-        <a:font script="Cher" typeface="Plantagenet Cherokee"/>
-        <a:font script="Yiii" typeface="Microsoft Yi Baiti"/>
-        <a:font script="Tibt" typeface="Microsoft Himalaya"/>
-        <a:font script="Thaa" typeface="MV Boli"/>
-        <a:font script="Deva" typeface="Mangal"/>
-        <a:font script="Telu" typeface="Gautami"/>
-        <a:font script="Taml" typeface="Latha"/>
-        <a:font script="Syrc" typeface="Estrangelo Edessa"/>
-        <a:font script="Orya" typeface="Kalinga"/>
-        <a:font script="Mlym" typeface="Kartika"/>
-        <a:font script="Laoo" typeface="DokChampa"/>
-        <a:font script="Sinh" typeface="Iskoola Pota"/>
-        <a:font script="Mong" typeface="Mongolian Baiti"/>
-        <a:font script="Viet" typeface="Arial"/>
-        <a:font script="Uigh" typeface="Microsoft Uighur"/>
-        <a:font script="Geor" typeface="Sylfaen"/>
-      </a:minorFont>
-    </a:fontScheme>
-    <a:fmtScheme name="Office">
-      <a:fillStyleLst>
-        <a:solidFill>
-          <a:schemeClr val="phClr"/>
-        </a:solidFill>
-        <a:gradFill rotWithShape="1">
-          <a:gsLst>
-            <a:gs pos="0">
-              <a:schemeClr val="phClr">
-                <a:tint val="50000"/>
-                <a:satMod val="300000"/>
-              </a:schemeClr>
-            </a:gs>
-            <a:gs pos="35000">
-              <a:schemeClr val="phClr">
-                <a:tint val="37000"/>
-                <a:satMod val="300000"/>
-              </a:schemeClr>
-            </a:gs>
-            <a:gs pos="100000">
-              <a:schemeClr val="phClr">
-                <a:tint val="15000"/>
-                <a:satMod val="350000"/>
-              </a:schemeClr>
-            </a:gs>
-          </a:gsLst>
-          <a:lin ang="16200000" scaled="1"/>
-        </a:gradFill>
-        <a:gradFill rotWithShape="1">
-          <a:gsLst>
-            <a:gs pos="0">
-              <a:schemeClr val="phClr">
-                <a:tint val="100000"/>
-                <a:shade val="100000"/>
-                <a:satMod val="130000"/>
-              </a:schemeClr>
-            </a:gs>
-            <a:gs pos="100000">
-              <a:schemeClr val="phClr">
-                <a:tint val="50000"/>
-                <a:shade val="100000"/>
-                <a:satMod val="350000"/>
-              </a:schemeClr>
-            </a:gs>
-          </a:gsLst>
-          <a:lin ang="16200000" scaled="0"/>
-        </a:gradFill>
-      </a:fillStyleLst>
-      <a:lnStyleLst>
-        <a:ln w="9525" cap="flat" cmpd="sng" algn="ctr">
-          <a:solidFill>
-            <a:schemeClr val="phClr">
-              <a:shade val="95000"/>
-              <a:satMod val="105000"/>
-            </a:schemeClr>
-          </a:solidFill>
-          <a:prstDash val="solid"/>
-        </a:ln>
-        <a:ln w="25400" cap="flat" cmpd="sng" algn="ctr">
-          <a:solidFill>
-            <a:schemeClr val="phClr"/>
-          </a:solidFill>
-          <a:prstDash val="solid"/>
-        </a:ln>
-        <a:ln w="38100" cap="flat" cmpd="sng" algn="ctr">
-          <a:solidFill>
-            <a:schemeClr val="phClr"/>
-          </a:solidFill>
-          <a:prstDash val="solid"/>
-        </a:ln>
-      </a:lnStyleLst>
-      <a:effectStyleLst>
-        <a:effectStyle>
-          <a:effectLst>
-            <a:outerShdw blurRad="40000" dist="20000" dir="5400000" rotWithShape="0">
-              <a:srgbClr val="000000">
-                <a:alpha val="38000"/>
-              </a:srgbClr>
-            </a:outerShdw>
-          </a:effectLst>
-        </a:effectStyle>
-        <a:effectStyle>
-          <a:effectLst>
-            <a:outerShdw blurRad="40000" dist="23000" dir="5400000" rotWithShape="0">
-              <a:srgbClr val="000000">
-                <a:alpha val="35000"/>
-              </a:srgbClr>
-            </a:outerShdw>
-          </a:effectLst>
-        </a:effectStyle>
-        <a:effectStyle>
-          <a:effectLst>
-            <a:outerShdw blurRad="40000" dist="23000" dir="5400000" rotWithShape="0">
-              <a:srgbClr val="000000">
-                <a:alpha val="35000"/>
-              </a:srgbClr>
-            </a:outerShdw>
-          </a:effectLst>
-          <a:scene3d>
-            <a:camera prst="orthographicFront">
-              <a:rot lat="0" lon="0" rev="0"/>
-            </a:camera>
-            <a:lightRig rig="threePt" dir="t">
-              <a:rot lat="0" lon="0" rev="1200000"/>
-            </a:lightRig>
-          </a:scene3d>
-          <a:sp3d>
-            <a:bevelT w="63500" h="25400"/>
-          </a:sp3d>
-        </a:effectStyle>
-      </a:effectStyleLst>
-      <a:bgFillStyleLst>
-        <a:solidFill>
-          <a:schemeClr val="phClr"/>
-        </a:solidFill>
-        <a:gradFill rotWithShape="1">
-          <a:gsLst>
-            <a:gs pos="0">
-              <a:schemeClr val="phClr">
-                <a:tint val="40000"/>
-                <a:satMod val="350000"/>
-              </a:schemeClr>
-            </a:gs>
-            <a:gs pos="40000">
-              <a:schemeClr val="phClr">
-                <a:tint val="45000"/>
-                <a:shade val="99000"/>
-                <a:satMod val="350000"/>
-              </a:schemeClr>
-            </a:gs>
-            <a:gs pos="100000">
-              <a:schemeClr val="phClr">
-                <a:shade val="20000"/>
-                <a:satMod val="255000"/>
-              </a:schemeClr>
-            </a:gs>
-          </a:gsLst>
-          <a:path path="circle">
-            <a:fillToRect l="50000" t="-80000" r="50000" b="180000"/>
-          </a:path>
-        </a:gradFill>
-        <a:gradFill rotWithShape="1">
-          <a:gsLst>
-            <a:gs pos="0">
-              <a:schemeClr val="phClr">
-                <a:tint val="80000"/>
-                <a:satMod val="300000"/>
-              </a:schemeClr>
-            </a:gs>
-            <a:gs pos="100000">
-              <a:schemeClr val="phClr">
-                <a:shade val="30000"/>
-                <a:satMod val="200000"/>
-              </a:schemeClr>
-            </a:gs>
-          </a:gsLst>
-          <a:path path="circle">
-            <a:fillToRect l="50000" t="50000" r="50000" b="50000"/>
-          </a:path>
-        </a:gradFill>
-      </a:bgFillStyleLst>
-    </a:fmtScheme>
-  </a:themeElements>
+  <a:objectDefaults/>
+  <a:extraClrSchemeLst/>
 </a:theme>
 </file>